--- a/DFS Installation  and configuration.pptx
+++ b/DFS Installation  and configuration.pptx
@@ -1,20 +1,116 @@
 
 <file path=ppt/presentation.xml><?xml version="1.0" encoding="utf-8"?>
-<p:presentation xmlns:a="http://schemas.openxmlformats.org/drawingml/2006/main" xmlns:p="http://schemas.openxmlformats.org/presentationml/2006/main" xmlns:r="http://schemas.openxmlformats.org/officeDocument/2006/relationships" xmlns:p14="http://schemas.microsoft.com/office/powerpoint/2010/main" xmlns:p15="http://schemas.microsoft.com/office/powerpoint/2012/main" xmlns:mc="http://schemas.openxmlformats.org/markup-compatibility/2006">
+<p:presentation xmlns:a="http://schemas.openxmlformats.org/drawingml/2006/main" xmlns:r="http://schemas.openxmlformats.org/officeDocument/2006/relationships" xmlns:p="http://schemas.openxmlformats.org/presentationml/2006/main">
   <p:sldMasterIdLst>
-    <p:sldMasterId id="2147483648" r:id="rId2"/>
-    <p:sldMasterId id="2147483661" r:id="rId3"/>
-    <p:sldMasterId id="2147483674" r:id="rId4"/>
+    <p:sldMasterId id="2147483648" r:id="rId1"/>
+    <p:sldMasterId id="2147483661" r:id="rId2"/>
+    <p:sldMasterId id="2147483674" r:id="rId3"/>
   </p:sldMasterIdLst>
   <p:notesMasterIdLst>
-    <p:notesMasterId r:id="rId5"/>
+    <p:notesMasterId r:id="rId7"/>
   </p:notesMasterIdLst>
   <p:sldIdLst>
-    <p:sldId id="256" r:id="rId6"/>
-    <p:sldId id="257" r:id="rId7"/>
+    <p:sldId id="256" r:id="rId4"/>
+    <p:sldId id="257" r:id="rId5"/>
+    <p:sldId id="273" r:id="rId6"/>
   </p:sldIdLst>
   <p:sldSz cx="12192000" cy="6858000"/>
-  <p:notesSz cx="7559675" cy="10691812"/>
+  <p:notesSz cx="7559675" cy="10691813"/>
+  <p:defaultTextStyle>
+    <a:defPPr>
+      <a:defRPr lang="en-US"/>
+    </a:defPPr>
+    <a:lvl1pPr marL="0" algn="l" defTabSz="914400" rtl="0" eaLnBrk="1" latinLnBrk="0" hangingPunct="1">
+      <a:defRPr sz="1800" kern="1200">
+        <a:solidFill>
+          <a:schemeClr val="tx1"/>
+        </a:solidFill>
+        <a:latin typeface="+mn-lt"/>
+        <a:ea typeface="+mn-ea"/>
+        <a:cs typeface="+mn-cs"/>
+      </a:defRPr>
+    </a:lvl1pPr>
+    <a:lvl2pPr marL="457200" algn="l" defTabSz="914400" rtl="0" eaLnBrk="1" latinLnBrk="0" hangingPunct="1">
+      <a:defRPr sz="1800" kern="1200">
+        <a:solidFill>
+          <a:schemeClr val="tx1"/>
+        </a:solidFill>
+        <a:latin typeface="+mn-lt"/>
+        <a:ea typeface="+mn-ea"/>
+        <a:cs typeface="+mn-cs"/>
+      </a:defRPr>
+    </a:lvl2pPr>
+    <a:lvl3pPr marL="914400" algn="l" defTabSz="914400" rtl="0" eaLnBrk="1" latinLnBrk="0" hangingPunct="1">
+      <a:defRPr sz="1800" kern="1200">
+        <a:solidFill>
+          <a:schemeClr val="tx1"/>
+        </a:solidFill>
+        <a:latin typeface="+mn-lt"/>
+        <a:ea typeface="+mn-ea"/>
+        <a:cs typeface="+mn-cs"/>
+      </a:defRPr>
+    </a:lvl3pPr>
+    <a:lvl4pPr marL="1371600" algn="l" defTabSz="914400" rtl="0" eaLnBrk="1" latinLnBrk="0" hangingPunct="1">
+      <a:defRPr sz="1800" kern="1200">
+        <a:solidFill>
+          <a:schemeClr val="tx1"/>
+        </a:solidFill>
+        <a:latin typeface="+mn-lt"/>
+        <a:ea typeface="+mn-ea"/>
+        <a:cs typeface="+mn-cs"/>
+      </a:defRPr>
+    </a:lvl4pPr>
+    <a:lvl5pPr marL="1828800" algn="l" defTabSz="914400" rtl="0" eaLnBrk="1" latinLnBrk="0" hangingPunct="1">
+      <a:defRPr sz="1800" kern="1200">
+        <a:solidFill>
+          <a:schemeClr val="tx1"/>
+        </a:solidFill>
+        <a:latin typeface="+mn-lt"/>
+        <a:ea typeface="+mn-ea"/>
+        <a:cs typeface="+mn-cs"/>
+      </a:defRPr>
+    </a:lvl5pPr>
+    <a:lvl6pPr marL="2286000" algn="l" defTabSz="914400" rtl="0" eaLnBrk="1" latinLnBrk="0" hangingPunct="1">
+      <a:defRPr sz="1800" kern="1200">
+        <a:solidFill>
+          <a:schemeClr val="tx1"/>
+        </a:solidFill>
+        <a:latin typeface="+mn-lt"/>
+        <a:ea typeface="+mn-ea"/>
+        <a:cs typeface="+mn-cs"/>
+      </a:defRPr>
+    </a:lvl6pPr>
+    <a:lvl7pPr marL="2743200" algn="l" defTabSz="914400" rtl="0" eaLnBrk="1" latinLnBrk="0" hangingPunct="1">
+      <a:defRPr sz="1800" kern="1200">
+        <a:solidFill>
+          <a:schemeClr val="tx1"/>
+        </a:solidFill>
+        <a:latin typeface="+mn-lt"/>
+        <a:ea typeface="+mn-ea"/>
+        <a:cs typeface="+mn-cs"/>
+      </a:defRPr>
+    </a:lvl7pPr>
+    <a:lvl8pPr marL="3200400" algn="l" defTabSz="914400" rtl="0" eaLnBrk="1" latinLnBrk="0" hangingPunct="1">
+      <a:defRPr sz="1800" kern="1200">
+        <a:solidFill>
+          <a:schemeClr val="tx1"/>
+        </a:solidFill>
+        <a:latin typeface="+mn-lt"/>
+        <a:ea typeface="+mn-ea"/>
+        <a:cs typeface="+mn-cs"/>
+      </a:defRPr>
+    </a:lvl8pPr>
+    <a:lvl9pPr marL="3657600" algn="l" defTabSz="914400" rtl="0" eaLnBrk="1" latinLnBrk="0" hangingPunct="1">
+      <a:defRPr sz="1800" kern="1200">
+        <a:solidFill>
+          <a:schemeClr val="tx1"/>
+        </a:solidFill>
+        <a:latin typeface="+mn-lt"/>
+        <a:ea typeface="+mn-ea"/>
+        <a:cs typeface="+mn-cs"/>
+      </a:defRPr>
+    </a:lvl9pPr>
+  </p:defaultTextStyle>
 </p:presentation>
 </file>
 
@@ -970,7 +1066,7 @@
         <a:lstStyle/>
         <a:p>
           <a:r>
-            <a:rPr lang="en-US" sz="2400" b="1" dirty="0" smtClean="0">
+            <a:rPr lang="en-US" sz="2400" b="1" dirty="0">
               <a:solidFill>
                 <a:schemeClr val="bg2">
                   <a:lumMod val="50000"/>
@@ -979,13 +1075,6 @@
             </a:rPr>
             <a:t>What is DFS?</a:t>
           </a:r>
-          <a:endParaRPr lang="en-US" sz="2400" b="1" dirty="0">
-            <a:solidFill>
-              <a:schemeClr val="bg2">
-                <a:lumMod val="50000"/>
-              </a:schemeClr>
-            </a:solidFill>
-          </a:endParaRPr>
         </a:p>
       </dgm:t>
     </dgm:pt>
@@ -1042,7 +1131,7 @@
             <a:buNone/>
           </a:pPr>
           <a:r>
-            <a:rPr lang="en-US" sz="2400" b="1" kern="1200" dirty="0" smtClean="0">
+            <a:rPr lang="en-US" sz="2400" b="1" kern="1200" dirty="0">
               <a:solidFill>
                 <a:schemeClr val="bg2">
                   <a:lumMod val="50000"/>
@@ -1051,13 +1140,6 @@
             </a:rPr>
             <a:t>How does DFS Work?</a:t>
           </a:r>
-          <a:endParaRPr lang="en-US" sz="2400" b="1" kern="1200" dirty="0">
-            <a:solidFill>
-              <a:schemeClr val="bg2">
-                <a:lumMod val="50000"/>
-              </a:schemeClr>
-            </a:solidFill>
-          </a:endParaRPr>
         </a:p>
       </dgm:t>
     </dgm:pt>
@@ -1114,7 +1196,7 @@
             <a:buNone/>
           </a:pPr>
           <a:r>
-            <a:rPr lang="en-US" sz="2400" b="1" kern="1200" dirty="0" smtClean="0">
+            <a:rPr lang="en-US" sz="2400" b="1" kern="1200" dirty="0">
               <a:solidFill>
                 <a:schemeClr val="bg2">
                   <a:lumMod val="50000"/>
@@ -1124,7 +1206,7 @@
             <a:t>Advantage</a:t>
           </a:r>
           <a:r>
-            <a:rPr lang="en-US" sz="2400" b="1" kern="1200" baseline="0" dirty="0" smtClean="0">
+            <a:rPr lang="en-US" sz="2400" b="1" kern="1200" baseline="0" dirty="0">
               <a:solidFill>
                 <a:schemeClr val="bg2">
                   <a:lumMod val="50000"/>
@@ -1196,7 +1278,7 @@
             <a:buNone/>
           </a:pPr>
           <a:r>
-            <a:rPr lang="en-US" sz="2400" b="1" kern="1200" dirty="0" smtClean="0">
+            <a:rPr lang="en-US" sz="2400" b="1" kern="1200" dirty="0">
               <a:solidFill>
                 <a:schemeClr val="bg2">
                   <a:lumMod val="50000"/>
@@ -1205,13 +1287,6 @@
             </a:rPr>
             <a:t>Disadvantage of DFS</a:t>
           </a:r>
-          <a:endParaRPr lang="en-US" sz="2400" b="1" kern="1200" dirty="0">
-            <a:solidFill>
-              <a:schemeClr val="bg2">
-                <a:lumMod val="50000"/>
-              </a:schemeClr>
-            </a:solidFill>
-          </a:endParaRPr>
         </a:p>
       </dgm:t>
     </dgm:pt>
@@ -1268,7 +1343,7 @@
             <a:buNone/>
           </a:pPr>
           <a:r>
-            <a:rPr lang="en-US" sz="2400" b="1" kern="1200" dirty="0" smtClean="0">
+            <a:rPr lang="en-US" sz="2400" b="1" kern="1200" dirty="0">
               <a:solidFill>
                 <a:schemeClr val="bg2">
                   <a:lumMod val="50000"/>
@@ -1277,13 +1352,6 @@
             </a:rPr>
             <a:t>Application of DFS</a:t>
           </a:r>
-          <a:endParaRPr lang="en-US" sz="2400" b="1" kern="1200" dirty="0">
-            <a:solidFill>
-              <a:schemeClr val="bg2">
-                <a:lumMod val="50000"/>
-              </a:schemeClr>
-            </a:solidFill>
-          </a:endParaRPr>
         </a:p>
       </dgm:t>
     </dgm:pt>
@@ -1317,13 +1385,6 @@
         </dgm:presLayoutVars>
       </dgm:prSet>
       <dgm:spPr/>
-      <dgm:t>
-        <a:bodyPr/>
-        <a:lstStyle/>
-        <a:p>
-          <a:endParaRPr lang="en-US"/>
-        </a:p>
-      </dgm:t>
     </dgm:pt>
     <dgm:pt modelId="{8B70BCB8-2CA8-4281-8C3E-9646AA407DE2}" type="pres">
       <dgm:prSet presAssocID="{2EE95FC5-CD6B-4A50-9262-DC414E16C3EA}" presName="node" presStyleLbl="node1" presStyleIdx="0" presStyleCnt="5" custScaleX="115064" custLinFactNeighborX="976">
@@ -1332,13 +1393,6 @@
         </dgm:presLayoutVars>
       </dgm:prSet>
       <dgm:spPr/>
-      <dgm:t>
-        <a:bodyPr/>
-        <a:lstStyle/>
-        <a:p>
-          <a:endParaRPr lang="en-US"/>
-        </a:p>
-      </dgm:t>
     </dgm:pt>
     <dgm:pt modelId="{E02BC8AD-DDC2-43A7-BB43-F6F8D8BD6340}" type="pres">
       <dgm:prSet presAssocID="{C99EBBB1-E916-471C-83C9-ABE85B42AC26}" presName="sibTrans" presStyleCnt="0"/>
@@ -1351,13 +1405,6 @@
         </dgm:presLayoutVars>
       </dgm:prSet>
       <dgm:spPr/>
-      <dgm:t>
-        <a:bodyPr/>
-        <a:lstStyle/>
-        <a:p>
-          <a:endParaRPr lang="en-US"/>
-        </a:p>
-      </dgm:t>
     </dgm:pt>
     <dgm:pt modelId="{87C885F5-93E2-4D86-AAEA-8BD12E68F9BB}" type="pres">
       <dgm:prSet presAssocID="{6BD5265A-8333-420D-BDB2-65F10B3EBD76}" presName="sibTrans" presStyleCnt="0"/>
@@ -1370,13 +1417,6 @@
         </dgm:presLayoutVars>
       </dgm:prSet>
       <dgm:spPr/>
-      <dgm:t>
-        <a:bodyPr/>
-        <a:lstStyle/>
-        <a:p>
-          <a:endParaRPr lang="en-US"/>
-        </a:p>
-      </dgm:t>
     </dgm:pt>
     <dgm:pt modelId="{A8EBA167-82EB-4D7C-98F7-2AB66BCE8A90}" type="pres">
       <dgm:prSet presAssocID="{A8E2FA08-4DD4-4654-A85D-9A99162D6201}" presName="sibTrans" presStyleCnt="0"/>
@@ -1389,13 +1429,6 @@
         </dgm:presLayoutVars>
       </dgm:prSet>
       <dgm:spPr/>
-      <dgm:t>
-        <a:bodyPr/>
-        <a:lstStyle/>
-        <a:p>
-          <a:endParaRPr lang="en-US"/>
-        </a:p>
-      </dgm:t>
     </dgm:pt>
     <dgm:pt modelId="{4F5C547E-E40F-424A-82FA-BB8EDB1515B0}" type="pres">
       <dgm:prSet presAssocID="{2804F27C-9BA9-4D07-AB02-74BE7DFA2C0E}" presName="sibTrans" presStyleCnt="0"/>
@@ -1408,27 +1441,20 @@
         </dgm:presLayoutVars>
       </dgm:prSet>
       <dgm:spPr/>
-      <dgm:t>
-        <a:bodyPr/>
-        <a:lstStyle/>
-        <a:p>
-          <a:endParaRPr lang="en-US"/>
-        </a:p>
-      </dgm:t>
     </dgm:pt>
   </dgm:ptLst>
   <dgm:cxnLst>
+    <dgm:cxn modelId="{C3C9D92A-4F8E-4228-8DF6-5BC8FFC105E0}" type="presOf" srcId="{2EE95FC5-CD6B-4A50-9262-DC414E16C3EA}" destId="{8B70BCB8-2CA8-4281-8C3E-9646AA407DE2}" srcOrd="0" destOrd="0" presId="urn:microsoft.com/office/officeart/2005/8/layout/default"/>
+    <dgm:cxn modelId="{E9B19438-D9F1-42E9-B97B-ECEA234AED50}" type="presOf" srcId="{F05611F0-8256-4954-B6CB-ED6B4F2DD397}" destId="{B86E23A3-742D-4587-88CF-2D56A8442149}" srcOrd="0" destOrd="0" presId="urn:microsoft.com/office/officeart/2005/8/layout/default"/>
+    <dgm:cxn modelId="{D6CBE33F-90E3-4C8D-B80F-821ED7205D90}" type="presOf" srcId="{140952D0-0E1D-4F48-9F16-53581487CFA0}" destId="{18405FE4-7B27-4C69-B6FE-12C8B84249EF}" srcOrd="0" destOrd="0" presId="urn:microsoft.com/office/officeart/2005/8/layout/default"/>
+    <dgm:cxn modelId="{14D43B81-F92D-4CD8-9D1E-78CBF092C750}" srcId="{D0F07F19-1F50-4B42-A7A0-278DF9D25BB1}" destId="{C2F8C7F7-44C4-414A-BCCD-56E91DD0A777}" srcOrd="4" destOrd="0" parTransId="{E6C6DF88-9436-40D7-BA84-18FE896A6151}" sibTransId="{4E39967D-43EF-4F15-814A-2F491D900D43}"/>
+    <dgm:cxn modelId="{B3F19EC2-A372-4EC3-BFE0-C62FFDFE3DF6}" srcId="{D0F07F19-1F50-4B42-A7A0-278DF9D25BB1}" destId="{2EE95FC5-CD6B-4A50-9262-DC414E16C3EA}" srcOrd="0" destOrd="0" parTransId="{75374347-884B-4721-8CFF-DF080F5B1C79}" sibTransId="{C99EBBB1-E916-471C-83C9-ABE85B42AC26}"/>
+    <dgm:cxn modelId="{914FACD2-336A-4471-9E99-312B3F8EAB04}" srcId="{D0F07F19-1F50-4B42-A7A0-278DF9D25BB1}" destId="{F05611F0-8256-4954-B6CB-ED6B4F2DD397}" srcOrd="1" destOrd="0" parTransId="{CD7328D6-9FAE-4506-9BDB-E06A571EC1D4}" sibTransId="{6BD5265A-8333-420D-BDB2-65F10B3EBD76}"/>
     <dgm:cxn modelId="{6F765DD9-BF93-49A8-A6EA-AB13464D24B0}" type="presOf" srcId="{C2F8C7F7-44C4-414A-BCCD-56E91DD0A777}" destId="{435C0E89-FD70-4DD9-A771-832DBFC9ACBC}" srcOrd="0" destOrd="0" presId="urn:microsoft.com/office/officeart/2005/8/layout/default"/>
     <dgm:cxn modelId="{6D195AE4-39B4-45CF-9D82-CF1593D393F6}" type="presOf" srcId="{22625139-F93A-4F3F-A7AA-4923A01AEDF3}" destId="{D64973A5-4E87-44F1-B369-B0D5E0C2A462}" srcOrd="0" destOrd="0" presId="urn:microsoft.com/office/officeart/2005/8/layout/default"/>
+    <dgm:cxn modelId="{38B196E4-A718-4E5E-8B33-DFB2B77FDE42}" type="presOf" srcId="{D0F07F19-1F50-4B42-A7A0-278DF9D25BB1}" destId="{40FE0EB9-B287-43F6-ABB4-527CB1B94B4A}" srcOrd="0" destOrd="0" presId="urn:microsoft.com/office/officeart/2005/8/layout/default"/>
+    <dgm:cxn modelId="{B07163E8-ADEC-492A-8F07-7E5786AB23AE}" srcId="{D0F07F19-1F50-4B42-A7A0-278DF9D25BB1}" destId="{140952D0-0E1D-4F48-9F16-53581487CFA0}" srcOrd="3" destOrd="0" parTransId="{790C446F-6917-41E7-BE01-7AFE2676D505}" sibTransId="{2804F27C-9BA9-4D07-AB02-74BE7DFA2C0E}"/>
     <dgm:cxn modelId="{FC7721F0-429B-4CE7-BE98-C2F3C41FE9C7}" srcId="{D0F07F19-1F50-4B42-A7A0-278DF9D25BB1}" destId="{22625139-F93A-4F3F-A7AA-4923A01AEDF3}" srcOrd="2" destOrd="0" parTransId="{F549A0EB-6BE9-4749-8336-B02A279AE302}" sibTransId="{A8E2FA08-4DD4-4654-A85D-9A99162D6201}"/>
-    <dgm:cxn modelId="{914FACD2-336A-4471-9E99-312B3F8EAB04}" srcId="{D0F07F19-1F50-4B42-A7A0-278DF9D25BB1}" destId="{F05611F0-8256-4954-B6CB-ED6B4F2DD397}" srcOrd="1" destOrd="0" parTransId="{CD7328D6-9FAE-4506-9BDB-E06A571EC1D4}" sibTransId="{6BD5265A-8333-420D-BDB2-65F10B3EBD76}"/>
-    <dgm:cxn modelId="{14D43B81-F92D-4CD8-9D1E-78CBF092C750}" srcId="{D0F07F19-1F50-4B42-A7A0-278DF9D25BB1}" destId="{C2F8C7F7-44C4-414A-BCCD-56E91DD0A777}" srcOrd="4" destOrd="0" parTransId="{E6C6DF88-9436-40D7-BA84-18FE896A6151}" sibTransId="{4E39967D-43EF-4F15-814A-2F491D900D43}"/>
-    <dgm:cxn modelId="{B3F19EC2-A372-4EC3-BFE0-C62FFDFE3DF6}" srcId="{D0F07F19-1F50-4B42-A7A0-278DF9D25BB1}" destId="{2EE95FC5-CD6B-4A50-9262-DC414E16C3EA}" srcOrd="0" destOrd="0" parTransId="{75374347-884B-4721-8CFF-DF080F5B1C79}" sibTransId="{C99EBBB1-E916-471C-83C9-ABE85B42AC26}"/>
-    <dgm:cxn modelId="{C3C9D92A-4F8E-4228-8DF6-5BC8FFC105E0}" type="presOf" srcId="{2EE95FC5-CD6B-4A50-9262-DC414E16C3EA}" destId="{8B70BCB8-2CA8-4281-8C3E-9646AA407DE2}" srcOrd="0" destOrd="0" presId="urn:microsoft.com/office/officeart/2005/8/layout/default"/>
-    <dgm:cxn modelId="{38B196E4-A718-4E5E-8B33-DFB2B77FDE42}" type="presOf" srcId="{D0F07F19-1F50-4B42-A7A0-278DF9D25BB1}" destId="{40FE0EB9-B287-43F6-ABB4-527CB1B94B4A}" srcOrd="0" destOrd="0" presId="urn:microsoft.com/office/officeart/2005/8/layout/default"/>
-    <dgm:cxn modelId="{E9B19438-D9F1-42E9-B97B-ECEA234AED50}" type="presOf" srcId="{F05611F0-8256-4954-B6CB-ED6B4F2DD397}" destId="{B86E23A3-742D-4587-88CF-2D56A8442149}" srcOrd="0" destOrd="0" presId="urn:microsoft.com/office/officeart/2005/8/layout/default"/>
-    <dgm:cxn modelId="{B07163E8-ADEC-492A-8F07-7E5786AB23AE}" srcId="{D0F07F19-1F50-4B42-A7A0-278DF9D25BB1}" destId="{140952D0-0E1D-4F48-9F16-53581487CFA0}" srcOrd="3" destOrd="0" parTransId="{790C446F-6917-41E7-BE01-7AFE2676D505}" sibTransId="{2804F27C-9BA9-4D07-AB02-74BE7DFA2C0E}"/>
-    <dgm:cxn modelId="{D6CBE33F-90E3-4C8D-B80F-821ED7205D90}" type="presOf" srcId="{140952D0-0E1D-4F48-9F16-53581487CFA0}" destId="{18405FE4-7B27-4C69-B6FE-12C8B84249EF}" srcOrd="0" destOrd="0" presId="urn:microsoft.com/office/officeart/2005/8/layout/default"/>
     <dgm:cxn modelId="{D17F6962-6CF2-4448-8F2E-27A7CB5CAB16}" type="presParOf" srcId="{40FE0EB9-B287-43F6-ABB4-527CB1B94B4A}" destId="{8B70BCB8-2CA8-4281-8C3E-9646AA407DE2}" srcOrd="0" destOrd="0" presId="urn:microsoft.com/office/officeart/2005/8/layout/default"/>
     <dgm:cxn modelId="{6873F57A-5B91-48FC-9B1A-61BEA27CBE90}" type="presParOf" srcId="{40FE0EB9-B287-43F6-ABB4-527CB1B94B4A}" destId="{E02BC8AD-DDC2-43A7-BB43-F6F8D8BD6340}" srcOrd="1" destOrd="0" presId="urn:microsoft.com/office/officeart/2005/8/layout/default"/>
     <dgm:cxn modelId="{FC4588CA-0BEE-4DE6-9726-93F413184C3C}" type="presParOf" srcId="{40FE0EB9-B287-43F6-ABB4-527CB1B94B4A}" destId="{B86E23A3-742D-4587-88CF-2D56A8442149}" srcOrd="2" destOrd="0" presId="urn:microsoft.com/office/officeart/2005/8/layout/default"/>
@@ -1443,7 +1469,7 @@
   <dgm:whole/>
   <dgm:extLst>
     <a:ext uri="http://schemas.microsoft.com/office/drawing/2008/diagram">
-      <dsp:dataModelExt xmlns:dsp="http://schemas.microsoft.com/office/drawing/2008/diagram" relId="rId6" minVer="http://schemas.openxmlformats.org/drawingml/2006/diagram"/>
+      <dsp:dataModelExt xmlns:dsp="http://schemas.microsoft.com/office/drawing/2008/diagram" relId="rId8" minVer="http://schemas.openxmlformats.org/drawingml/2006/diagram"/>
     </a:ext>
   </dgm:extLst>
 </dgm:dataModel>
@@ -1464,8 +1490,8 @@
       </dsp:nvSpPr>
       <dsp:spPr>
         <a:xfrm>
-          <a:off x="477859" y="656"/>
-          <a:ext cx="3123798" cy="1628901"/>
+          <a:off x="477836" y="523"/>
+          <a:ext cx="3123645" cy="1628821"/>
         </a:xfrm>
         <a:prstGeom prst="rect">
           <a:avLst/>
@@ -1473,13 +1499,14 @@
         <a:solidFill>
           <a:schemeClr val="bg1"/>
         </a:solidFill>
-        <a:ln w="12700" cap="flat" cmpd="sng" algn="ctr">
+        <a:ln w="25400" cap="flat" cmpd="sng" algn="ctr">
           <a:solidFill>
             <a:schemeClr val="bg2">
               <a:lumMod val="75000"/>
             </a:schemeClr>
           </a:solidFill>
           <a:prstDash val="solid"/>
+          <a:miter/>
         </a:ln>
         <a:effectLst/>
       </dsp:spPr>
@@ -1503,7 +1530,7 @@
         </a:bodyPr>
         <a:lstStyle/>
         <a:p>
-          <a:pPr lvl="0" algn="ctr" defTabSz="1066800">
+          <a:pPr marL="0" lvl="0" indent="0" algn="ctr" defTabSz="1066800">
             <a:lnSpc>
               <a:spcPct val="90000"/>
             </a:lnSpc>
@@ -1513,9 +1540,10 @@
             <a:spcAft>
               <a:spcPct val="35000"/>
             </a:spcAft>
+            <a:buNone/>
           </a:pPr>
           <a:r>
-            <a:rPr lang="en-US" sz="2400" b="1" kern="1200" dirty="0" smtClean="0">
+            <a:rPr lang="en-US" sz="2400" b="1" kern="1200" dirty="0">
               <a:solidFill>
                 <a:schemeClr val="bg2">
                   <a:lumMod val="50000"/>
@@ -1524,18 +1552,11 @@
             </a:rPr>
             <a:t>What is DFS?</a:t>
           </a:r>
-          <a:endParaRPr lang="en-US" sz="2400" b="1" kern="1200" dirty="0">
-            <a:solidFill>
-              <a:schemeClr val="bg2">
-                <a:lumMod val="50000"/>
-              </a:schemeClr>
-            </a:solidFill>
-          </a:endParaRPr>
         </a:p>
       </dsp:txBody>
       <dsp:txXfrm>
-        <a:off x="477859" y="656"/>
-        <a:ext cx="3123798" cy="1628901"/>
+        <a:off x="477836" y="523"/>
+        <a:ext cx="3123645" cy="1628821"/>
       </dsp:txXfrm>
     </dsp:sp>
     <dsp:sp modelId="{B86E23A3-742D-4587-88CF-2D56A8442149}">
@@ -1545,8 +1566,8 @@
       </dsp:nvSpPr>
       <dsp:spPr>
         <a:xfrm>
-          <a:off x="3873141" y="656"/>
-          <a:ext cx="3123798" cy="1628901"/>
+          <a:off x="3872952" y="523"/>
+          <a:ext cx="3123645" cy="1628821"/>
         </a:xfrm>
         <a:prstGeom prst="rect">
           <a:avLst/>
@@ -1554,13 +1575,14 @@
         <a:solidFill>
           <a:schemeClr val="bg1"/>
         </a:solidFill>
-        <a:ln w="12700" cap="flat" cmpd="sng" algn="ctr">
+        <a:ln w="25400" cap="flat" cmpd="sng" algn="ctr">
           <a:solidFill>
             <a:schemeClr val="bg2">
               <a:lumMod val="75000"/>
             </a:schemeClr>
           </a:solidFill>
           <a:prstDash val="solid"/>
+          <a:miter/>
         </a:ln>
         <a:effectLst/>
       </dsp:spPr>
@@ -1597,7 +1619,7 @@
             <a:buNone/>
           </a:pPr>
           <a:r>
-            <a:rPr lang="en-US" sz="2400" b="1" kern="1200" dirty="0" smtClean="0">
+            <a:rPr lang="en-US" sz="2400" b="1" kern="1200" dirty="0">
               <a:solidFill>
                 <a:schemeClr val="bg2">
                   <a:lumMod val="50000"/>
@@ -1606,18 +1628,11 @@
             </a:rPr>
             <a:t>How does DFS Work?</a:t>
           </a:r>
-          <a:endParaRPr lang="en-US" sz="2400" b="1" kern="1200" dirty="0">
-            <a:solidFill>
-              <a:schemeClr val="bg2">
-                <a:lumMod val="50000"/>
-              </a:schemeClr>
-            </a:solidFill>
-          </a:endParaRPr>
         </a:p>
       </dsp:txBody>
       <dsp:txXfrm>
-        <a:off x="3873141" y="656"/>
-        <a:ext cx="3123798" cy="1628901"/>
+        <a:off x="3872952" y="523"/>
+        <a:ext cx="3123645" cy="1628821"/>
       </dsp:txXfrm>
     </dsp:sp>
     <dsp:sp modelId="{D64973A5-4E87-44F1-B369-B0D5E0C2A462}">
@@ -1627,8 +1642,8 @@
       </dsp:nvSpPr>
       <dsp:spPr>
         <a:xfrm>
-          <a:off x="7268423" y="656"/>
-          <a:ext cx="3123798" cy="1628901"/>
+          <a:off x="7268068" y="523"/>
+          <a:ext cx="3123645" cy="1628821"/>
         </a:xfrm>
         <a:prstGeom prst="rect">
           <a:avLst/>
@@ -1636,13 +1651,14 @@
         <a:solidFill>
           <a:schemeClr val="bg1"/>
         </a:solidFill>
-        <a:ln w="12700" cap="flat" cmpd="sng" algn="ctr">
+        <a:ln w="25400" cap="flat" cmpd="sng" algn="ctr">
           <a:solidFill>
             <a:schemeClr val="bg2">
               <a:lumMod val="75000"/>
             </a:schemeClr>
           </a:solidFill>
           <a:prstDash val="solid"/>
+          <a:miter/>
         </a:ln>
         <a:effectLst/>
       </dsp:spPr>
@@ -1679,7 +1695,7 @@
             <a:buNone/>
           </a:pPr>
           <a:r>
-            <a:rPr lang="en-US" sz="2400" b="1" kern="1200" dirty="0" smtClean="0">
+            <a:rPr lang="en-US" sz="2400" b="1" kern="1200" dirty="0">
               <a:solidFill>
                 <a:schemeClr val="bg2">
                   <a:lumMod val="50000"/>
@@ -1689,7 +1705,7 @@
             <a:t>Advantage</a:t>
           </a:r>
           <a:r>
-            <a:rPr lang="en-US" sz="2400" b="1" kern="1200" baseline="0" dirty="0" smtClean="0">
+            <a:rPr lang="en-US" sz="2400" b="1" kern="1200" baseline="0" dirty="0">
               <a:solidFill>
                 <a:schemeClr val="bg2">
                   <a:lumMod val="50000"/>
@@ -1708,8 +1724,8 @@
         </a:p>
       </dsp:txBody>
       <dsp:txXfrm>
-        <a:off x="7268423" y="656"/>
-        <a:ext cx="3123798" cy="1628901"/>
+        <a:off x="7268068" y="523"/>
+        <a:ext cx="3123645" cy="1628821"/>
       </dsp:txXfrm>
     </dsp:sp>
     <dsp:sp modelId="{18405FE4-7B27-4C69-B6FE-12C8B84249EF}">
@@ -1719,8 +1735,8 @@
       </dsp:nvSpPr>
       <dsp:spPr>
         <a:xfrm>
-          <a:off x="2175500" y="1901041"/>
-          <a:ext cx="3123798" cy="1628901"/>
+          <a:off x="2175394" y="1900815"/>
+          <a:ext cx="3123645" cy="1628821"/>
         </a:xfrm>
         <a:prstGeom prst="rect">
           <a:avLst/>
@@ -1728,13 +1744,14 @@
         <a:solidFill>
           <a:schemeClr val="bg1"/>
         </a:solidFill>
-        <a:ln w="12700" cap="flat" cmpd="sng" algn="ctr">
+        <a:ln w="25400" cap="flat" cmpd="sng" algn="ctr">
           <a:solidFill>
             <a:schemeClr val="bg2">
               <a:lumMod val="75000"/>
             </a:schemeClr>
           </a:solidFill>
           <a:prstDash val="solid"/>
+          <a:miter/>
         </a:ln>
         <a:effectLst/>
       </dsp:spPr>
@@ -1771,7 +1788,7 @@
             <a:buNone/>
           </a:pPr>
           <a:r>
-            <a:rPr lang="en-US" sz="2400" b="1" kern="1200" dirty="0" smtClean="0">
+            <a:rPr lang="en-US" sz="2400" b="1" kern="1200" dirty="0">
               <a:solidFill>
                 <a:schemeClr val="bg2">
                   <a:lumMod val="50000"/>
@@ -1780,18 +1797,11 @@
             </a:rPr>
             <a:t>Disadvantage of DFS</a:t>
           </a:r>
-          <a:endParaRPr lang="en-US" sz="2400" b="1" kern="1200" dirty="0">
-            <a:solidFill>
-              <a:schemeClr val="bg2">
-                <a:lumMod val="50000"/>
-              </a:schemeClr>
-            </a:solidFill>
-          </a:endParaRPr>
         </a:p>
       </dsp:txBody>
       <dsp:txXfrm>
-        <a:off x="2175500" y="1901041"/>
-        <a:ext cx="3123798" cy="1628901"/>
+        <a:off x="2175394" y="1900815"/>
+        <a:ext cx="3123645" cy="1628821"/>
       </dsp:txXfrm>
     </dsp:sp>
     <dsp:sp modelId="{435C0E89-FD70-4DD9-A771-832DBFC9ACBC}">
@@ -1801,8 +1811,8 @@
       </dsp:nvSpPr>
       <dsp:spPr>
         <a:xfrm>
-          <a:off x="5570782" y="1901041"/>
-          <a:ext cx="3123798" cy="1628901"/>
+          <a:off x="5570510" y="1900815"/>
+          <a:ext cx="3123645" cy="1628821"/>
         </a:xfrm>
         <a:prstGeom prst="rect">
           <a:avLst/>
@@ -1810,13 +1820,14 @@
         <a:solidFill>
           <a:schemeClr val="bg1"/>
         </a:solidFill>
-        <a:ln w="12700" cap="flat" cmpd="sng" algn="ctr">
+        <a:ln w="25400" cap="flat" cmpd="sng" algn="ctr">
           <a:solidFill>
             <a:schemeClr val="bg2">
               <a:lumMod val="75000"/>
             </a:schemeClr>
           </a:solidFill>
           <a:prstDash val="solid"/>
+          <a:miter/>
         </a:ln>
         <a:effectLst/>
       </dsp:spPr>
@@ -1853,7 +1864,7 @@
             <a:buNone/>
           </a:pPr>
           <a:r>
-            <a:rPr lang="en-US" sz="2400" b="1" kern="1200" dirty="0" smtClean="0">
+            <a:rPr lang="en-US" sz="2400" b="1" kern="1200" dirty="0">
               <a:solidFill>
                 <a:schemeClr val="bg2">
                   <a:lumMod val="50000"/>
@@ -1862,18 +1873,11 @@
             </a:rPr>
             <a:t>Application of DFS</a:t>
           </a:r>
-          <a:endParaRPr lang="en-US" sz="2400" b="1" kern="1200" dirty="0">
-            <a:solidFill>
-              <a:schemeClr val="bg2">
-                <a:lumMod val="50000"/>
-              </a:schemeClr>
-            </a:solidFill>
-          </a:endParaRPr>
         </a:p>
       </dsp:txBody>
       <dsp:txXfrm>
-        <a:off x="5570782" y="1901041"/>
-        <a:ext cx="3123798" cy="1628901"/>
+        <a:off x="5570510" y="1900815"/>
+        <a:ext cx="3123645" cy="1628821"/>
       </dsp:txXfrm>
     </dsp:sp>
   </dsp:spTree>
@@ -3062,7 +3066,339 @@
 </file>
 
 <file path=ppt/notesMasters/notesMaster1.xml><?xml version="1.0" encoding="utf-8"?>
-<p:notesMaster xmlns:a="http://schemas.openxmlformats.org/drawingml/2006/main" xmlns:p="http://schemas.openxmlformats.org/presentationml/2006/main" xmlns:r="http://schemas.openxmlformats.org/officeDocument/2006/relationships" xmlns:p14="http://schemas.microsoft.com/office/powerpoint/2010/main" xmlns:p15="http://schemas.microsoft.com/office/powerpoint/2012/main" xmlns:mc="http://schemas.openxmlformats.org/markup-compatibility/2006">
+<p:notesMaster xmlns:a="http://schemas.openxmlformats.org/drawingml/2006/main" xmlns:r="http://schemas.openxmlformats.org/officeDocument/2006/relationships" xmlns:p="http://schemas.openxmlformats.org/presentationml/2006/main">
+  <p:cSld>
+    <p:bg>
+      <p:bgRef idx="1001">
+        <a:schemeClr val="bg1"/>
+      </p:bgRef>
+    </p:bg>
+    <p:spTree>
+      <p:nvGrpSpPr>
+        <p:cNvPr id="1" name=""/>
+        <p:cNvGrpSpPr/>
+        <p:nvPr/>
+      </p:nvGrpSpPr>
+      <p:grpSpPr>
+        <a:xfrm>
+          <a:off x="0" y="0"/>
+          <a:ext cx="0" cy="0"/>
+          <a:chOff x="0" y="0"/>
+          <a:chExt cx="0" cy="0"/>
+        </a:xfrm>
+      </p:grpSpPr>
+      <p:sp>
+        <p:nvSpPr>
+          <p:cNvPr id="145" name="PlaceHolder 1"/>
+          <p:cNvSpPr>
+            <a:spLocks noGrp="1" noRot="1" noChangeAspect="1"/>
+          </p:cNvSpPr>
+          <p:nvPr>
+            <p:ph type="sldImg"/>
+          </p:nvPr>
+        </p:nvSpPr>
+        <p:spPr>
+          <a:xfrm>
+            <a:off x="216000" y="812520"/>
+            <a:ext cx="7127280" cy="4008960"/>
+          </a:xfrm>
+          <a:prstGeom prst="rect">
+            <a:avLst/>
+          </a:prstGeom>
+        </p:spPr>
+        <p:txBody>
+          <a:bodyPr lIns="0" tIns="0" rIns="0" bIns="0" anchor="ctr">
+            <a:noAutofit/>
+          </a:bodyPr>
+          <a:lstStyle/>
+          <a:p>
+            <a:r>
+              <a:rPr lang="ru-RU" sz="1800" b="0" strike="noStrike" spc="-1">
+                <a:solidFill>
+                  <a:srgbClr val="000000"/>
+                </a:solidFill>
+                <a:latin typeface="Garamond"/>
+              </a:rPr>
+              <a:t>Click to move the slide</a:t>
+            </a:r>
+          </a:p>
+        </p:txBody>
+      </p:sp>
+      <p:sp>
+        <p:nvSpPr>
+          <p:cNvPr id="146" name="PlaceHolder 2"/>
+          <p:cNvSpPr>
+            <a:spLocks noGrp="1"/>
+          </p:cNvSpPr>
+          <p:nvPr>
+            <p:ph type="body"/>
+          </p:nvPr>
+        </p:nvSpPr>
+        <p:spPr>
+          <a:xfrm>
+            <a:off x="756000" y="5078520"/>
+            <a:ext cx="6047640" cy="4811040"/>
+          </a:xfrm>
+          <a:prstGeom prst="rect">
+            <a:avLst/>
+          </a:prstGeom>
+        </p:spPr>
+        <p:txBody>
+          <a:bodyPr lIns="0" tIns="0" rIns="0" bIns="0">
+            <a:noAutofit/>
+          </a:bodyPr>
+          <a:lstStyle/>
+          <a:p>
+            <a:r>
+              <a:rPr lang="en-US" sz="2000" b="0" strike="noStrike" spc="-1">
+                <a:latin typeface="Arial"/>
+              </a:rPr>
+              <a:t>Click to edit the notes format</a:t>
+            </a:r>
+          </a:p>
+        </p:txBody>
+      </p:sp>
+      <p:sp>
+        <p:nvSpPr>
+          <p:cNvPr id="147" name="PlaceHolder 3"/>
+          <p:cNvSpPr>
+            <a:spLocks noGrp="1"/>
+          </p:cNvSpPr>
+          <p:nvPr>
+            <p:ph type="hdr"/>
+          </p:nvPr>
+        </p:nvSpPr>
+        <p:spPr>
+          <a:xfrm>
+            <a:off x="0" y="0"/>
+            <a:ext cx="3280680" cy="534240"/>
+          </a:xfrm>
+          <a:prstGeom prst="rect">
+            <a:avLst/>
+          </a:prstGeom>
+        </p:spPr>
+        <p:txBody>
+          <a:bodyPr lIns="0" tIns="0" rIns="0" bIns="0">
+            <a:noAutofit/>
+          </a:bodyPr>
+          <a:lstStyle/>
+          <a:p>
+            <a:r>
+              <a:rPr lang="en-US" sz="1400" b="0" strike="noStrike" spc="-1">
+                <a:latin typeface="Times New Roman"/>
+              </a:rPr>
+              <a:t>&lt;header&gt;</a:t>
+            </a:r>
+          </a:p>
+        </p:txBody>
+      </p:sp>
+      <p:sp>
+        <p:nvSpPr>
+          <p:cNvPr id="148" name="PlaceHolder 4"/>
+          <p:cNvSpPr>
+            <a:spLocks noGrp="1"/>
+          </p:cNvSpPr>
+          <p:nvPr>
+            <p:ph type="dt"/>
+          </p:nvPr>
+        </p:nvSpPr>
+        <p:spPr>
+          <a:xfrm>
+            <a:off x="4278960" y="0"/>
+            <a:ext cx="3280680" cy="534240"/>
+          </a:xfrm>
+          <a:prstGeom prst="rect">
+            <a:avLst/>
+          </a:prstGeom>
+        </p:spPr>
+        <p:txBody>
+          <a:bodyPr lIns="0" tIns="0" rIns="0" bIns="0">
+            <a:noAutofit/>
+          </a:bodyPr>
+          <a:lstStyle/>
+          <a:p>
+            <a:pPr algn="r"/>
+            <a:r>
+              <a:rPr lang="en-US" sz="1400" b="0" strike="noStrike" spc="-1">
+                <a:latin typeface="Times New Roman"/>
+              </a:rPr>
+              <a:t>&lt;date/time&gt;</a:t>
+            </a:r>
+          </a:p>
+        </p:txBody>
+      </p:sp>
+      <p:sp>
+        <p:nvSpPr>
+          <p:cNvPr id="149" name="PlaceHolder 5"/>
+          <p:cNvSpPr>
+            <a:spLocks noGrp="1"/>
+          </p:cNvSpPr>
+          <p:nvPr>
+            <p:ph type="ftr"/>
+          </p:nvPr>
+        </p:nvSpPr>
+        <p:spPr>
+          <a:xfrm>
+            <a:off x="0" y="10157400"/>
+            <a:ext cx="3280680" cy="534240"/>
+          </a:xfrm>
+          <a:prstGeom prst="rect">
+            <a:avLst/>
+          </a:prstGeom>
+        </p:spPr>
+        <p:txBody>
+          <a:bodyPr lIns="0" tIns="0" rIns="0" bIns="0" anchor="b">
+            <a:noAutofit/>
+          </a:bodyPr>
+          <a:lstStyle/>
+          <a:p>
+            <a:r>
+              <a:rPr lang="en-US" sz="1400" b="0" strike="noStrike" spc="-1">
+                <a:latin typeface="Times New Roman"/>
+              </a:rPr>
+              <a:t>&lt;footer&gt;</a:t>
+            </a:r>
+          </a:p>
+        </p:txBody>
+      </p:sp>
+      <p:sp>
+        <p:nvSpPr>
+          <p:cNvPr id="150" name="PlaceHolder 6"/>
+          <p:cNvSpPr>
+            <a:spLocks noGrp="1"/>
+          </p:cNvSpPr>
+          <p:nvPr>
+            <p:ph type="sldNum"/>
+          </p:nvPr>
+        </p:nvSpPr>
+        <p:spPr>
+          <a:xfrm>
+            <a:off x="4278960" y="10157400"/>
+            <a:ext cx="3280680" cy="534240"/>
+          </a:xfrm>
+          <a:prstGeom prst="rect">
+            <a:avLst/>
+          </a:prstGeom>
+        </p:spPr>
+        <p:txBody>
+          <a:bodyPr lIns="0" tIns="0" rIns="0" bIns="0" anchor="b">
+            <a:noAutofit/>
+          </a:bodyPr>
+          <a:lstStyle/>
+          <a:p>
+            <a:pPr algn="r"/>
+            <a:fld id="{1DFF927A-A36E-4F5D-A436-8B599504171D}" type="slidenum">
+              <a:rPr lang="en-US" sz="1400" b="0" strike="noStrike" spc="-1">
+                <a:latin typeface="Times New Roman"/>
+              </a:rPr>
+              <a:t>‹#›</a:t>
+            </a:fld>
+            <a:endParaRPr lang="en-US" sz="1400" b="0" strike="noStrike" spc="-1">
+              <a:latin typeface="Times New Roman"/>
+            </a:endParaRPr>
+          </a:p>
+        </p:txBody>
+      </p:sp>
+    </p:spTree>
+  </p:cSld>
+  <p:clrMap bg1="lt1" tx1="dk1" bg2="lt2" tx2="dk2" accent1="accent1" accent2="accent2" accent3="accent3" accent4="accent4" accent5="accent5" accent6="accent6" hlink="hlink" folHlink="folHlink"/>
+  <p:notesStyle>
+    <a:lvl1pPr marL="0" algn="l" defTabSz="914400" rtl="0" eaLnBrk="1" latinLnBrk="0" hangingPunct="1">
+      <a:defRPr sz="1200" kern="1200">
+        <a:solidFill>
+          <a:schemeClr val="tx1"/>
+        </a:solidFill>
+        <a:latin typeface="+mn-lt"/>
+        <a:ea typeface="+mn-ea"/>
+        <a:cs typeface="+mn-cs"/>
+      </a:defRPr>
+    </a:lvl1pPr>
+    <a:lvl2pPr marL="457200" algn="l" defTabSz="914400" rtl="0" eaLnBrk="1" latinLnBrk="0" hangingPunct="1">
+      <a:defRPr sz="1200" kern="1200">
+        <a:solidFill>
+          <a:schemeClr val="tx1"/>
+        </a:solidFill>
+        <a:latin typeface="+mn-lt"/>
+        <a:ea typeface="+mn-ea"/>
+        <a:cs typeface="+mn-cs"/>
+      </a:defRPr>
+    </a:lvl2pPr>
+    <a:lvl3pPr marL="914400" algn="l" defTabSz="914400" rtl="0" eaLnBrk="1" latinLnBrk="0" hangingPunct="1">
+      <a:defRPr sz="1200" kern="1200">
+        <a:solidFill>
+          <a:schemeClr val="tx1"/>
+        </a:solidFill>
+        <a:latin typeface="+mn-lt"/>
+        <a:ea typeface="+mn-ea"/>
+        <a:cs typeface="+mn-cs"/>
+      </a:defRPr>
+    </a:lvl3pPr>
+    <a:lvl4pPr marL="1371600" algn="l" defTabSz="914400" rtl="0" eaLnBrk="1" latinLnBrk="0" hangingPunct="1">
+      <a:defRPr sz="1200" kern="1200">
+        <a:solidFill>
+          <a:schemeClr val="tx1"/>
+        </a:solidFill>
+        <a:latin typeface="+mn-lt"/>
+        <a:ea typeface="+mn-ea"/>
+        <a:cs typeface="+mn-cs"/>
+      </a:defRPr>
+    </a:lvl4pPr>
+    <a:lvl5pPr marL="1828800" algn="l" defTabSz="914400" rtl="0" eaLnBrk="1" latinLnBrk="0" hangingPunct="1">
+      <a:defRPr sz="1200" kern="1200">
+        <a:solidFill>
+          <a:schemeClr val="tx1"/>
+        </a:solidFill>
+        <a:latin typeface="+mn-lt"/>
+        <a:ea typeface="+mn-ea"/>
+        <a:cs typeface="+mn-cs"/>
+      </a:defRPr>
+    </a:lvl5pPr>
+    <a:lvl6pPr marL="2286000" algn="l" defTabSz="914400" rtl="0" eaLnBrk="1" latinLnBrk="0" hangingPunct="1">
+      <a:defRPr sz="1200" kern="1200">
+        <a:solidFill>
+          <a:schemeClr val="tx1"/>
+        </a:solidFill>
+        <a:latin typeface="+mn-lt"/>
+        <a:ea typeface="+mn-ea"/>
+        <a:cs typeface="+mn-cs"/>
+      </a:defRPr>
+    </a:lvl6pPr>
+    <a:lvl7pPr marL="2743200" algn="l" defTabSz="914400" rtl="0" eaLnBrk="1" latinLnBrk="0" hangingPunct="1">
+      <a:defRPr sz="1200" kern="1200">
+        <a:solidFill>
+          <a:schemeClr val="tx1"/>
+        </a:solidFill>
+        <a:latin typeface="+mn-lt"/>
+        <a:ea typeface="+mn-ea"/>
+        <a:cs typeface="+mn-cs"/>
+      </a:defRPr>
+    </a:lvl7pPr>
+    <a:lvl8pPr marL="3200400" algn="l" defTabSz="914400" rtl="0" eaLnBrk="1" latinLnBrk="0" hangingPunct="1">
+      <a:defRPr sz="1200" kern="1200">
+        <a:solidFill>
+          <a:schemeClr val="tx1"/>
+        </a:solidFill>
+        <a:latin typeface="+mn-lt"/>
+        <a:ea typeface="+mn-ea"/>
+        <a:cs typeface="+mn-cs"/>
+      </a:defRPr>
+    </a:lvl8pPr>
+    <a:lvl9pPr marL="3657600" algn="l" defTabSz="914400" rtl="0" eaLnBrk="1" latinLnBrk="0" hangingPunct="1">
+      <a:defRPr sz="1200" kern="1200">
+        <a:solidFill>
+          <a:schemeClr val="tx1"/>
+        </a:solidFill>
+        <a:latin typeface="+mn-lt"/>
+        <a:ea typeface="+mn-ea"/>
+        <a:cs typeface="+mn-cs"/>
+      </a:defRPr>
+    </a:lvl9pPr>
+  </p:notesStyle>
+</p:notesMaster>
+</file>
+
+<file path=ppt/notesSlides/notesSlide1.xml><?xml version="1.0" encoding="utf-8"?>
+<p:notes xmlns:a="http://schemas.openxmlformats.org/drawingml/2006/main" xmlns:r="http://schemas.openxmlformats.org/officeDocument/2006/relationships" xmlns:p="http://schemas.openxmlformats.org/presentationml/2006/main">
   <p:cSld>
     <p:spTree>
       <p:nvGrpSpPr>
@@ -3080,9 +3416,9 @@
       </p:grpSpPr>
       <p:sp>
         <p:nvSpPr>
-          <p:cNvPr id="145" name="PlaceHolder 1"/>
-          <p:cNvSpPr>
-            <a:spLocks noGrp="1"/>
+          <p:cNvPr id="159" name="PlaceHolder 1"/>
+          <p:cNvSpPr>
+            <a:spLocks noGrp="1" noRot="1" noChangeAspect="1"/>
           </p:cNvSpPr>
           <p:nvPr>
             <p:ph type="sldImg"/>
@@ -3090,213 +3426,82 @@
         </p:nvSpPr>
         <p:spPr>
           <a:xfrm>
-            <a:off x="216000" y="812520"/>
-            <a:ext cx="7127280" cy="4008960"/>
-          </a:xfrm>
-          <a:prstGeom prst="rect">
-            <a:avLst/>
-          </a:prstGeom>
-        </p:spPr>
-        <p:txBody>
-          <a:bodyPr lIns="0" rIns="0" tIns="0" bIns="0" anchor="ctr">
+            <a:off x="685800" y="1143000"/>
+            <a:ext cx="5486400" cy="3086100"/>
+          </a:xfrm>
+          <a:prstGeom prst="rect">
+            <a:avLst/>
+          </a:prstGeom>
+        </p:spPr>
+      </p:sp>
+      <p:sp>
+        <p:nvSpPr>
+          <p:cNvPr id="160" name="PlaceHolder 2"/>
+          <p:cNvSpPr>
+            <a:spLocks noGrp="1"/>
+          </p:cNvSpPr>
+          <p:nvPr>
+            <p:ph type="body"/>
+          </p:nvPr>
+        </p:nvSpPr>
+        <p:spPr>
+          <a:xfrm>
+            <a:off x="685800" y="4400640"/>
+            <a:ext cx="5486040" cy="3600000"/>
+          </a:xfrm>
+          <a:prstGeom prst="rect">
+            <a:avLst/>
+          </a:prstGeom>
+        </p:spPr>
+        <p:txBody>
+          <a:bodyPr>
             <a:noAutofit/>
           </a:bodyPr>
-          <a:p>
-            <a:r>
-              <a:rPr b="0" lang="ru-RU" sz="1800" spc="-1" strike="noStrike">
-                <a:solidFill>
-                  <a:srgbClr val="000000"/>
-                </a:solidFill>
-                <a:latin typeface="Garamond"/>
-              </a:rPr>
-              <a:t>Click to move the slide</a:t>
-            </a:r>
-            <a:endParaRPr b="0" lang="ru-RU" sz="1800" spc="-1" strike="noStrike">
-              <a:solidFill>
-                <a:srgbClr val="000000"/>
-              </a:solidFill>
-              <a:latin typeface="Garamond"/>
-            </a:endParaRPr>
-          </a:p>
-        </p:txBody>
-      </p:sp>
-      <p:sp>
-        <p:nvSpPr>
-          <p:cNvPr id="146" name="PlaceHolder 2"/>
-          <p:cNvSpPr>
-            <a:spLocks noGrp="1"/>
-          </p:cNvSpPr>
-          <p:nvPr>
-            <p:ph type="body"/>
-          </p:nvPr>
-        </p:nvSpPr>
-        <p:spPr>
-          <a:xfrm>
-            <a:off x="756000" y="5078520"/>
-            <a:ext cx="6047640" cy="4811040"/>
-          </a:xfrm>
-          <a:prstGeom prst="rect">
-            <a:avLst/>
-          </a:prstGeom>
-        </p:spPr>
-        <p:txBody>
-          <a:bodyPr lIns="0" rIns="0" tIns="0" bIns="0">
+          <a:lstStyle/>
+          <a:p>
+            <a:endParaRPr lang="en-US" sz="2000" b="0" strike="noStrike" spc="-1">
+              <a:latin typeface="Arial"/>
+            </a:endParaRPr>
+          </a:p>
+        </p:txBody>
+      </p:sp>
+      <p:sp>
+        <p:nvSpPr>
+          <p:cNvPr id="161" name="TextShape 3"/>
+          <p:cNvSpPr txBox="1"/>
+          <p:nvPr/>
+        </p:nvSpPr>
+        <p:spPr>
+          <a:xfrm>
+            <a:off x="3884760" y="8685360"/>
+            <a:ext cx="2971440" cy="458280"/>
+          </a:xfrm>
+          <a:prstGeom prst="rect">
+            <a:avLst/>
+          </a:prstGeom>
+          <a:noFill/>
+          <a:ln>
+            <a:noFill/>
+          </a:ln>
+        </p:spPr>
+        <p:txBody>
+          <a:bodyPr anchor="b">
             <a:noAutofit/>
           </a:bodyPr>
-          <a:p>
-            <a:r>
-              <a:rPr b="0" lang="en-US" sz="2000" spc="-1" strike="noStrike">
-                <a:latin typeface="Arial"/>
-              </a:rPr>
-              <a:t>Click to edit the notes format</a:t>
-            </a:r>
-            <a:endParaRPr b="0" lang="en-US" sz="2000" spc="-1" strike="noStrike">
-              <a:latin typeface="Arial"/>
-            </a:endParaRPr>
-          </a:p>
-        </p:txBody>
-      </p:sp>
-      <p:sp>
-        <p:nvSpPr>
-          <p:cNvPr id="147" name="PlaceHolder 3"/>
-          <p:cNvSpPr>
-            <a:spLocks noGrp="1"/>
-          </p:cNvSpPr>
-          <p:nvPr>
-            <p:ph type="hdr"/>
-          </p:nvPr>
-        </p:nvSpPr>
-        <p:spPr>
-          <a:xfrm>
-            <a:off x="0" y="0"/>
-            <a:ext cx="3280680" cy="534240"/>
-          </a:xfrm>
-          <a:prstGeom prst="rect">
-            <a:avLst/>
-          </a:prstGeom>
-        </p:spPr>
-        <p:txBody>
-          <a:bodyPr lIns="0" rIns="0" tIns="0" bIns="0">
-            <a:noAutofit/>
-          </a:bodyPr>
-          <a:p>
-            <a:r>
-              <a:rPr b="0" lang="en-US" sz="1400" spc="-1" strike="noStrike">
+          <a:lstStyle/>
+          <a:p>
+            <a:pPr algn="r">
+              <a:lnSpc>
+                <a:spcPct val="100000"/>
+              </a:lnSpc>
+            </a:pPr>
+            <a:fld id="{2288A2CB-1CBB-4EAC-9B1C-C90F9FD6B52A}" type="slidenum">
+              <a:rPr lang="en-US" sz="1200" b="0" strike="noStrike" spc="-1">
                 <a:latin typeface="Times New Roman"/>
               </a:rPr>
-              <a:t>&lt;header&gt;</a:t>
-            </a:r>
-            <a:endParaRPr b="0" lang="en-US" sz="1400" spc="-1" strike="noStrike">
-              <a:latin typeface="Times New Roman"/>
-            </a:endParaRPr>
-          </a:p>
-        </p:txBody>
-      </p:sp>
-      <p:sp>
-        <p:nvSpPr>
-          <p:cNvPr id="148" name="PlaceHolder 4"/>
-          <p:cNvSpPr>
-            <a:spLocks noGrp="1"/>
-          </p:cNvSpPr>
-          <p:nvPr>
-            <p:ph type="dt"/>
-          </p:nvPr>
-        </p:nvSpPr>
-        <p:spPr>
-          <a:xfrm>
-            <a:off x="4278960" y="0"/>
-            <a:ext cx="3280680" cy="534240"/>
-          </a:xfrm>
-          <a:prstGeom prst="rect">
-            <a:avLst/>
-          </a:prstGeom>
-        </p:spPr>
-        <p:txBody>
-          <a:bodyPr lIns="0" rIns="0" tIns="0" bIns="0">
-            <a:noAutofit/>
-          </a:bodyPr>
-          <a:p>
-            <a:pPr algn="r"/>
-            <a:r>
-              <a:rPr b="0" lang="en-US" sz="1400" spc="-1" strike="noStrike">
-                <a:latin typeface="Times New Roman"/>
-              </a:rPr>
-              <a:t>&lt;date/time&gt;</a:t>
-            </a:r>
-            <a:endParaRPr b="0" lang="en-US" sz="1400" spc="-1" strike="noStrike">
-              <a:latin typeface="Times New Roman"/>
-            </a:endParaRPr>
-          </a:p>
-        </p:txBody>
-      </p:sp>
-      <p:sp>
-        <p:nvSpPr>
-          <p:cNvPr id="149" name="PlaceHolder 5"/>
-          <p:cNvSpPr>
-            <a:spLocks noGrp="1"/>
-          </p:cNvSpPr>
-          <p:nvPr>
-            <p:ph type="ftr"/>
-          </p:nvPr>
-        </p:nvSpPr>
-        <p:spPr>
-          <a:xfrm>
-            <a:off x="0" y="10157400"/>
-            <a:ext cx="3280680" cy="534240"/>
-          </a:xfrm>
-          <a:prstGeom prst="rect">
-            <a:avLst/>
-          </a:prstGeom>
-        </p:spPr>
-        <p:txBody>
-          <a:bodyPr lIns="0" rIns="0" tIns="0" bIns="0" anchor="b">
-            <a:noAutofit/>
-          </a:bodyPr>
-          <a:p>
-            <a:r>
-              <a:rPr b="0" lang="en-US" sz="1400" spc="-1" strike="noStrike">
-                <a:latin typeface="Times New Roman"/>
-              </a:rPr>
-              <a:t>&lt;footer&gt;</a:t>
-            </a:r>
-            <a:endParaRPr b="0" lang="en-US" sz="1400" spc="-1" strike="noStrike">
-              <a:latin typeface="Times New Roman"/>
-            </a:endParaRPr>
-          </a:p>
-        </p:txBody>
-      </p:sp>
-      <p:sp>
-        <p:nvSpPr>
-          <p:cNvPr id="150" name="PlaceHolder 6"/>
-          <p:cNvSpPr>
-            <a:spLocks noGrp="1"/>
-          </p:cNvSpPr>
-          <p:nvPr>
-            <p:ph type="sldNum"/>
-          </p:nvPr>
-        </p:nvSpPr>
-        <p:spPr>
-          <a:xfrm>
-            <a:off x="4278960" y="10157400"/>
-            <a:ext cx="3280680" cy="534240"/>
-          </a:xfrm>
-          <a:prstGeom prst="rect">
-            <a:avLst/>
-          </a:prstGeom>
-        </p:spPr>
-        <p:txBody>
-          <a:bodyPr lIns="0" rIns="0" tIns="0" bIns="0" anchor="b">
-            <a:noAutofit/>
-          </a:bodyPr>
-          <a:p>
-            <a:pPr algn="r"/>
-            <a:fld id="{1DFF927A-A36E-4F5D-A436-8B599504171D}" type="slidenum">
-              <a:rPr b="0" lang="en-US" sz="1400" spc="-1" strike="noStrike">
-                <a:latin typeface="Times New Roman"/>
-              </a:rPr>
-              <a:t>&lt;number&gt;</a:t>
+              <a:t>1</a:t>
             </a:fld>
-            <a:endParaRPr b="0" lang="en-US" sz="1400" spc="-1" strike="noStrike">
+            <a:endParaRPr lang="en-US" sz="1200" b="0" strike="noStrike" spc="-1">
               <a:latin typeface="Times New Roman"/>
             </a:endParaRPr>
           </a:p>
@@ -3304,12 +3509,14 @@
       </p:sp>
     </p:spTree>
   </p:cSld>
-  <p:clrMap bg1="lt1" bg2="lt2" tx1="dk1" tx2="dk2" accent1="accent1" accent2="accent2" accent3="accent3" accent4="accent4" accent5="accent5" accent6="accent6" hlink="hlink" folHlink="folHlink"/>
-</p:notesMaster>
+  <p:clrMapOvr>
+    <a:masterClrMapping/>
+  </p:clrMapOvr>
+</p:notes>
 </file>
 
-<file path=ppt/notesSlides/notesSlide1.xml><?xml version="1.0" encoding="utf-8"?>
-<p:notes xmlns:a="http://schemas.openxmlformats.org/drawingml/2006/main" xmlns:p="http://schemas.openxmlformats.org/presentationml/2006/main" xmlns:r="http://schemas.openxmlformats.org/officeDocument/2006/relationships" xmlns:p14="http://schemas.microsoft.com/office/powerpoint/2010/main" xmlns:p15="http://schemas.microsoft.com/office/powerpoint/2012/main" xmlns:mc="http://schemas.openxmlformats.org/markup-compatibility/2006">
+<file path=ppt/notesSlides/notesSlide2.xml><?xml version="1.0" encoding="utf-8"?>
+<p:notes xmlns:a="http://schemas.openxmlformats.org/drawingml/2006/main" xmlns:r="http://schemas.openxmlformats.org/officeDocument/2006/relationships" xmlns:p="http://schemas.openxmlformats.org/presentationml/2006/main">
   <p:cSld>
     <p:spTree>
       <p:nvGrpSpPr>
@@ -3327,9 +3534,9 @@
       </p:grpSpPr>
       <p:sp>
         <p:nvSpPr>
-          <p:cNvPr id="159" name="PlaceHolder 1"/>
-          <p:cNvSpPr>
-            <a:spLocks noGrp="1"/>
+          <p:cNvPr id="162" name="PlaceHolder 1"/>
+          <p:cNvSpPr>
+            <a:spLocks noGrp="1" noRot="1" noChangeAspect="1"/>
           </p:cNvSpPr>
           <p:nvPr>
             <p:ph type="sldImg"/>
@@ -3338,16 +3545,16 @@
         <p:spPr>
           <a:xfrm>
             <a:off x="685800" y="1143000"/>
-            <a:ext cx="5486040" cy="3085920"/>
-          </a:xfrm>
-          <a:prstGeom prst="rect">
-            <a:avLst/>
-          </a:prstGeom>
-        </p:spPr>
-      </p:sp>
-      <p:sp>
-        <p:nvSpPr>
-          <p:cNvPr id="160" name="PlaceHolder 2"/>
+            <a:ext cx="5486400" cy="3086100"/>
+          </a:xfrm>
+          <a:prstGeom prst="rect">
+            <a:avLst/>
+          </a:prstGeom>
+        </p:spPr>
+      </p:sp>
+      <p:sp>
+        <p:nvSpPr>
+          <p:cNvPr id="163" name="PlaceHolder 2"/>
           <p:cNvSpPr>
             <a:spLocks noGrp="1"/>
           </p:cNvSpPr>
@@ -3368,8 +3575,9 @@
           <a:bodyPr>
             <a:noAutofit/>
           </a:bodyPr>
-          <a:p>
-            <a:endParaRPr b="0" lang="en-US" sz="2000" spc="-1" strike="noStrike">
+          <a:lstStyle/>
+          <a:p>
+            <a:endParaRPr lang="en-US" sz="2000" b="0" strike="noStrike" spc="-1">
               <a:latin typeface="Arial"/>
             </a:endParaRPr>
           </a:p>
@@ -3377,7 +3585,7 @@
       </p:sp>
       <p:sp>
         <p:nvSpPr>
-          <p:cNvPr id="161" name="TextShape 3"/>
+          <p:cNvPr id="164" name="TextShape 3"/>
           <p:cNvSpPr txBox="1"/>
           <p:nvPr/>
         </p:nvSpPr>
@@ -3398,19 +3606,20 @@
           <a:bodyPr anchor="b">
             <a:noAutofit/>
           </a:bodyPr>
+          <a:lstStyle/>
           <a:p>
             <a:pPr algn="r">
               <a:lnSpc>
                 <a:spcPct val="100000"/>
               </a:lnSpc>
             </a:pPr>
-            <a:fld id="{2288A2CB-1CBB-4EAC-9B1C-C90F9FD6B52A}" type="slidenum">
-              <a:rPr b="0" lang="en-US" sz="1200" spc="-1" strike="noStrike">
+            <a:fld id="{40903860-D3EE-47B2-979F-F1D2F774D508}" type="slidenum">
+              <a:rPr lang="en-US" sz="1200" b="0" strike="noStrike" spc="-1">
                 <a:latin typeface="Times New Roman"/>
               </a:rPr>
-              <a:t>&lt;number&gt;</a:t>
+              <a:t>2</a:t>
             </a:fld>
-            <a:endParaRPr b="0" lang="en-US" sz="1200" spc="-1" strike="noStrike">
+            <a:endParaRPr lang="en-US" sz="1200" b="0" strike="noStrike" spc="-1">
               <a:latin typeface="Times New Roman"/>
             </a:endParaRPr>
           </a:p>
@@ -3418,11 +3627,14 @@
       </p:sp>
     </p:spTree>
   </p:cSld>
+  <p:clrMapOvr>
+    <a:masterClrMapping/>
+  </p:clrMapOvr>
 </p:notes>
 </file>
 
-<file path=ppt/notesSlides/notesSlide2.xml><?xml version="1.0" encoding="utf-8"?>
-<p:notes xmlns:a="http://schemas.openxmlformats.org/drawingml/2006/main" xmlns:p="http://schemas.openxmlformats.org/presentationml/2006/main" xmlns:r="http://schemas.openxmlformats.org/officeDocument/2006/relationships" xmlns:p14="http://schemas.microsoft.com/office/powerpoint/2010/main" xmlns:p15="http://schemas.microsoft.com/office/powerpoint/2012/main" xmlns:mc="http://schemas.openxmlformats.org/markup-compatibility/2006">
+<file path=ppt/notesSlides/notesSlide3.xml><?xml version="1.0" encoding="utf-8"?>
+<p:notes xmlns:a="http://schemas.openxmlformats.org/drawingml/2006/main" xmlns:r="http://schemas.openxmlformats.org/officeDocument/2006/relationships" xmlns:p="http://schemas.openxmlformats.org/presentationml/2006/main">
   <p:cSld>
     <p:spTree>
       <p:nvGrpSpPr>
@@ -3440,9 +3652,9 @@
       </p:grpSpPr>
       <p:sp>
         <p:nvSpPr>
-          <p:cNvPr id="162" name="PlaceHolder 1"/>
-          <p:cNvSpPr>
-            <a:spLocks noGrp="1"/>
+          <p:cNvPr id="2" name="Slide Image Placeholder 1"/>
+          <p:cNvSpPr>
+            <a:spLocks noGrp="1" noRot="1" noChangeAspect="1"/>
           </p:cNvSpPr>
           <p:nvPr>
             <p:ph type="sldImg"/>
@@ -3450,92 +3662,68 @@
         </p:nvSpPr>
         <p:spPr>
           <a:xfrm>
-            <a:off x="685800" y="1143000"/>
-            <a:ext cx="5486040" cy="3085920"/>
-          </a:xfrm>
-          <a:prstGeom prst="rect">
-            <a:avLst/>
-          </a:prstGeom>
-        </p:spPr>
-      </p:sp>
-      <p:sp>
-        <p:nvSpPr>
-          <p:cNvPr id="163" name="PlaceHolder 2"/>
-          <p:cNvSpPr>
-            <a:spLocks noGrp="1"/>
-          </p:cNvSpPr>
-          <p:nvPr>
-            <p:ph type="body"/>
-          </p:nvPr>
-        </p:nvSpPr>
-        <p:spPr>
-          <a:xfrm>
-            <a:off x="685800" y="4400640"/>
-            <a:ext cx="5486040" cy="3600000"/>
-          </a:xfrm>
-          <a:prstGeom prst="rect">
-            <a:avLst/>
-          </a:prstGeom>
-        </p:spPr>
-        <p:txBody>
-          <a:bodyPr>
-            <a:noAutofit/>
-          </a:bodyPr>
-          <a:p>
-            <a:endParaRPr b="0" lang="en-US" sz="2000" spc="-1" strike="noStrike">
-              <a:latin typeface="Arial"/>
-            </a:endParaRPr>
-          </a:p>
-        </p:txBody>
-      </p:sp>
-      <p:sp>
-        <p:nvSpPr>
-          <p:cNvPr id="164" name="TextShape 3"/>
-          <p:cNvSpPr txBox="1"/>
-          <p:nvPr/>
-        </p:nvSpPr>
-        <p:spPr>
-          <a:xfrm>
-            <a:off x="3884760" y="8685360"/>
-            <a:ext cx="2971440" cy="458280"/>
-          </a:xfrm>
-          <a:prstGeom prst="rect">
-            <a:avLst/>
-          </a:prstGeom>
-          <a:noFill/>
-          <a:ln>
-            <a:noFill/>
-          </a:ln>
-        </p:spPr>
-        <p:txBody>
-          <a:bodyPr anchor="b">
-            <a:noAutofit/>
-          </a:bodyPr>
-          <a:p>
-            <a:pPr algn="r">
-              <a:lnSpc>
-                <a:spcPct val="100000"/>
-              </a:lnSpc>
-            </a:pPr>
-            <a:fld id="{40903860-D3EE-47B2-979F-F1D2F774D508}" type="slidenum">
-              <a:rPr b="0" lang="en-US" sz="1200" spc="-1" strike="noStrike">
-                <a:latin typeface="Times New Roman"/>
-              </a:rPr>
-              <a:t>&lt;number&gt;</a:t>
+            <a:off x="217488" y="812800"/>
+            <a:ext cx="7124700" cy="4008438"/>
+          </a:xfrm>
+        </p:spPr>
+      </p:sp>
+      <p:sp>
+        <p:nvSpPr>
+          <p:cNvPr id="3" name="Notes Placeholder 2"/>
+          <p:cNvSpPr>
+            <a:spLocks noGrp="1"/>
+          </p:cNvSpPr>
+          <p:nvPr>
+            <p:ph type="body" idx="1"/>
+          </p:nvPr>
+        </p:nvSpPr>
+        <p:spPr/>
+        <p:txBody>
+          <a:bodyPr/>
+          <a:lstStyle/>
+          <a:p>
+            <a:endParaRPr lang="en-US" dirty="0"/>
+          </a:p>
+        </p:txBody>
+      </p:sp>
+      <p:sp>
+        <p:nvSpPr>
+          <p:cNvPr id="4" name="Slide Number Placeholder 3"/>
+          <p:cNvSpPr>
+            <a:spLocks noGrp="1"/>
+          </p:cNvSpPr>
+          <p:nvPr>
+            <p:ph type="sldNum" sz="quarter" idx="5"/>
+          </p:nvPr>
+        </p:nvSpPr>
+        <p:spPr/>
+        <p:txBody>
+          <a:bodyPr/>
+          <a:lstStyle/>
+          <a:p>
+            <a:fld id="{AABE9C73-6CDE-45E2-97F8-E3C5308FA232}" type="slidenum">
+              <a:rPr lang="en-US" smtClean="0"/>
+              <a:t>3</a:t>
             </a:fld>
-            <a:endParaRPr b="0" lang="en-US" sz="1200" spc="-1" strike="noStrike">
-              <a:latin typeface="Times New Roman"/>
-            </a:endParaRPr>
+            <a:endParaRPr lang="en-US" dirty="0"/>
           </a:p>
         </p:txBody>
       </p:sp>
     </p:spTree>
+    <p:extLst>
+      <p:ext uri="{BB962C8B-B14F-4D97-AF65-F5344CB8AC3E}">
+        <p14:creationId xmlns:p14="http://schemas.microsoft.com/office/powerpoint/2010/main" val="942007845"/>
+      </p:ext>
+    </p:extLst>
   </p:cSld>
+  <p:clrMapOvr>
+    <a:masterClrMapping/>
+  </p:clrMapOvr>
 </p:notes>
 </file>
 
 <file path=ppt/slideLayouts/slideLayout1.xml><?xml version="1.0" encoding="utf-8"?>
-<p:sldLayout xmlns:a="http://schemas.openxmlformats.org/drawingml/2006/main" xmlns:p="http://schemas.openxmlformats.org/presentationml/2006/main" xmlns:r="http://schemas.openxmlformats.org/officeDocument/2006/relationships" xmlns:p14="http://schemas.microsoft.com/office/powerpoint/2010/main" xmlns:p15="http://schemas.microsoft.com/office/powerpoint/2012/main" xmlns:mc="http://schemas.openxmlformats.org/markup-compatibility/2006" type="blank" preserve="1">
+<p:sldLayout xmlns:a="http://schemas.openxmlformats.org/drawingml/2006/main" xmlns:r="http://schemas.openxmlformats.org/officeDocument/2006/relationships" xmlns:p="http://schemas.openxmlformats.org/presentationml/2006/main" type="blank" preserve="1">
   <p:cSld name="Blank Slide">
     <p:spTree>
       <p:nvGrpSpPr>
@@ -3553,11 +3741,14 @@
       </p:grpSpPr>
     </p:spTree>
   </p:cSld>
+  <p:clrMapOvr>
+    <a:masterClrMapping/>
+  </p:clrMapOvr>
 </p:sldLayout>
 </file>
 
 <file path=ppt/slideLayouts/slideLayout10.xml><?xml version="1.0" encoding="utf-8"?>
-<p:sldLayout xmlns:a="http://schemas.openxmlformats.org/drawingml/2006/main" xmlns:p="http://schemas.openxmlformats.org/presentationml/2006/main" xmlns:r="http://schemas.openxmlformats.org/officeDocument/2006/relationships" xmlns:p14="http://schemas.microsoft.com/office/powerpoint/2010/main" xmlns:p15="http://schemas.microsoft.com/office/powerpoint/2012/main" xmlns:mc="http://schemas.openxmlformats.org/markup-compatibility/2006" type="objOverTx" preserve="1">
+<p:sldLayout xmlns:a="http://schemas.openxmlformats.org/drawingml/2006/main" xmlns:r="http://schemas.openxmlformats.org/officeDocument/2006/relationships" xmlns:p="http://schemas.openxmlformats.org/presentationml/2006/main" type="objOverTx" preserve="1">
   <p:cSld name="Title, Content over Content">
     <p:spTree>
       <p:nvGrpSpPr>
@@ -3593,11 +3784,12 @@
           </a:prstGeom>
         </p:spPr>
         <p:txBody>
-          <a:bodyPr lIns="0" rIns="0" tIns="0" bIns="0" anchor="ctr">
+          <a:bodyPr lIns="0" tIns="0" rIns="0" bIns="0" anchor="ctr">
             <a:noAutofit/>
           </a:bodyPr>
-          <a:p>
-            <a:endParaRPr b="0" lang="ru-RU" sz="1800" spc="-1" strike="noStrike">
+          <a:lstStyle/>
+          <a:p>
+            <a:endParaRPr lang="ru-RU" sz="1800" b="0" strike="noStrike" spc="-1">
               <a:solidFill>
                 <a:srgbClr val="000000"/>
               </a:solidFill>
@@ -3626,11 +3818,12 @@
           </a:prstGeom>
         </p:spPr>
         <p:txBody>
-          <a:bodyPr lIns="0" rIns="0" tIns="0" bIns="0">
+          <a:bodyPr lIns="0" tIns="0" rIns="0" bIns="0">
             <a:normAutofit/>
           </a:bodyPr>
-          <a:p>
-            <a:endParaRPr b="0" lang="ru-RU" sz="1800" spc="-1" strike="noStrike">
+          <a:lstStyle/>
+          <a:p>
+            <a:endParaRPr lang="ru-RU" sz="1800" b="0" strike="noStrike" spc="-1">
               <a:solidFill>
                 <a:srgbClr val="000000"/>
               </a:solidFill>
@@ -3659,11 +3852,12 @@
           </a:prstGeom>
         </p:spPr>
         <p:txBody>
-          <a:bodyPr lIns="0" rIns="0" tIns="0" bIns="0">
+          <a:bodyPr lIns="0" tIns="0" rIns="0" bIns="0">
             <a:normAutofit/>
           </a:bodyPr>
-          <a:p>
-            <a:endParaRPr b="0" lang="ru-RU" sz="1800" spc="-1" strike="noStrike">
+          <a:lstStyle/>
+          <a:p>
+            <a:endParaRPr lang="ru-RU" sz="1800" b="0" strike="noStrike" spc="-1">
               <a:solidFill>
                 <a:srgbClr val="000000"/>
               </a:solidFill>
@@ -3674,11 +3868,14 @@
       </p:sp>
     </p:spTree>
   </p:cSld>
+  <p:clrMapOvr>
+    <a:masterClrMapping/>
+  </p:clrMapOvr>
 </p:sldLayout>
 </file>
 
 <file path=ppt/slideLayouts/slideLayout11.xml><?xml version="1.0" encoding="utf-8"?>
-<p:sldLayout xmlns:a="http://schemas.openxmlformats.org/drawingml/2006/main" xmlns:p="http://schemas.openxmlformats.org/presentationml/2006/main" xmlns:r="http://schemas.openxmlformats.org/officeDocument/2006/relationships" xmlns:p14="http://schemas.microsoft.com/office/powerpoint/2010/main" xmlns:p15="http://schemas.microsoft.com/office/powerpoint/2012/main" xmlns:mc="http://schemas.openxmlformats.org/markup-compatibility/2006" type="fourObj" preserve="1">
+<p:sldLayout xmlns:a="http://schemas.openxmlformats.org/drawingml/2006/main" xmlns:r="http://schemas.openxmlformats.org/officeDocument/2006/relationships" xmlns:p="http://schemas.openxmlformats.org/presentationml/2006/main" type="fourObj" preserve="1">
   <p:cSld name="Title, 4 Content">
     <p:spTree>
       <p:nvGrpSpPr>
@@ -3714,11 +3911,12 @@
           </a:prstGeom>
         </p:spPr>
         <p:txBody>
-          <a:bodyPr lIns="0" rIns="0" tIns="0" bIns="0" anchor="ctr">
+          <a:bodyPr lIns="0" tIns="0" rIns="0" bIns="0" anchor="ctr">
             <a:noAutofit/>
           </a:bodyPr>
-          <a:p>
-            <a:endParaRPr b="0" lang="ru-RU" sz="1800" spc="-1" strike="noStrike">
+          <a:lstStyle/>
+          <a:p>
+            <a:endParaRPr lang="ru-RU" sz="1800" b="0" strike="noStrike" spc="-1">
               <a:solidFill>
                 <a:srgbClr val="000000"/>
               </a:solidFill>
@@ -3747,11 +3945,12 @@
           </a:prstGeom>
         </p:spPr>
         <p:txBody>
-          <a:bodyPr lIns="0" rIns="0" tIns="0" bIns="0">
+          <a:bodyPr lIns="0" tIns="0" rIns="0" bIns="0">
             <a:normAutofit/>
           </a:bodyPr>
-          <a:p>
-            <a:endParaRPr b="0" lang="ru-RU" sz="1800" spc="-1" strike="noStrike">
+          <a:lstStyle/>
+          <a:p>
+            <a:endParaRPr lang="ru-RU" sz="1800" b="0" strike="noStrike" spc="-1">
               <a:solidFill>
                 <a:srgbClr val="000000"/>
               </a:solidFill>
@@ -3780,11 +3979,12 @@
           </a:prstGeom>
         </p:spPr>
         <p:txBody>
-          <a:bodyPr lIns="0" rIns="0" tIns="0" bIns="0">
+          <a:bodyPr lIns="0" tIns="0" rIns="0" bIns="0">
             <a:normAutofit/>
           </a:bodyPr>
-          <a:p>
-            <a:endParaRPr b="0" lang="ru-RU" sz="1800" spc="-1" strike="noStrike">
+          <a:lstStyle/>
+          <a:p>
+            <a:endParaRPr lang="ru-RU" sz="1800" b="0" strike="noStrike" spc="-1">
               <a:solidFill>
                 <a:srgbClr val="000000"/>
               </a:solidFill>
@@ -3813,11 +4013,12 @@
           </a:prstGeom>
         </p:spPr>
         <p:txBody>
-          <a:bodyPr lIns="0" rIns="0" tIns="0" bIns="0">
+          <a:bodyPr lIns="0" tIns="0" rIns="0" bIns="0">
             <a:normAutofit/>
           </a:bodyPr>
-          <a:p>
-            <a:endParaRPr b="0" lang="ru-RU" sz="1800" spc="-1" strike="noStrike">
+          <a:lstStyle/>
+          <a:p>
+            <a:endParaRPr lang="ru-RU" sz="1800" b="0" strike="noStrike" spc="-1">
               <a:solidFill>
                 <a:srgbClr val="000000"/>
               </a:solidFill>
@@ -3846,11 +4047,12 @@
           </a:prstGeom>
         </p:spPr>
         <p:txBody>
-          <a:bodyPr lIns="0" rIns="0" tIns="0" bIns="0">
+          <a:bodyPr lIns="0" tIns="0" rIns="0" bIns="0">
             <a:normAutofit/>
           </a:bodyPr>
-          <a:p>
-            <a:endParaRPr b="0" lang="ru-RU" sz="1800" spc="-1" strike="noStrike">
+          <a:lstStyle/>
+          <a:p>
+            <a:endParaRPr lang="ru-RU" sz="1800" b="0" strike="noStrike" spc="-1">
               <a:solidFill>
                 <a:srgbClr val="000000"/>
               </a:solidFill>
@@ -3861,11 +4063,14 @@
       </p:sp>
     </p:spTree>
   </p:cSld>
+  <p:clrMapOvr>
+    <a:masterClrMapping/>
+  </p:clrMapOvr>
 </p:sldLayout>
 </file>
 
 <file path=ppt/slideLayouts/slideLayout12.xml><?xml version="1.0" encoding="utf-8"?>
-<p:sldLayout xmlns:a="http://schemas.openxmlformats.org/drawingml/2006/main" xmlns:p="http://schemas.openxmlformats.org/presentationml/2006/main" xmlns:r="http://schemas.openxmlformats.org/officeDocument/2006/relationships" xmlns:p14="http://schemas.microsoft.com/office/powerpoint/2010/main" xmlns:p15="http://schemas.microsoft.com/office/powerpoint/2012/main" xmlns:mc="http://schemas.openxmlformats.org/markup-compatibility/2006" type="blank" preserve="1">
+<p:sldLayout xmlns:a="http://schemas.openxmlformats.org/drawingml/2006/main" xmlns:r="http://schemas.openxmlformats.org/officeDocument/2006/relationships" xmlns:p="http://schemas.openxmlformats.org/presentationml/2006/main" type="blank" preserve="1">
   <p:cSld name="Title, 6 Content">
     <p:spTree>
       <p:nvGrpSpPr>
@@ -3901,11 +4106,12 @@
           </a:prstGeom>
         </p:spPr>
         <p:txBody>
-          <a:bodyPr lIns="0" rIns="0" tIns="0" bIns="0" anchor="ctr">
+          <a:bodyPr lIns="0" tIns="0" rIns="0" bIns="0" anchor="ctr">
             <a:noAutofit/>
           </a:bodyPr>
-          <a:p>
-            <a:endParaRPr b="0" lang="ru-RU" sz="1800" spc="-1" strike="noStrike">
+          <a:lstStyle/>
+          <a:p>
+            <a:endParaRPr lang="ru-RU" sz="1800" b="0" strike="noStrike" spc="-1">
               <a:solidFill>
                 <a:srgbClr val="000000"/>
               </a:solidFill>
@@ -3934,11 +4140,12 @@
           </a:prstGeom>
         </p:spPr>
         <p:txBody>
-          <a:bodyPr lIns="0" rIns="0" tIns="0" bIns="0">
+          <a:bodyPr lIns="0" tIns="0" rIns="0" bIns="0">
             <a:normAutofit/>
           </a:bodyPr>
-          <a:p>
-            <a:endParaRPr b="0" lang="ru-RU" sz="1800" spc="-1" strike="noStrike">
+          <a:lstStyle/>
+          <a:p>
+            <a:endParaRPr lang="ru-RU" sz="1800" b="0" strike="noStrike" spc="-1">
               <a:solidFill>
                 <a:srgbClr val="000000"/>
               </a:solidFill>
@@ -3967,11 +4174,12 @@
           </a:prstGeom>
         </p:spPr>
         <p:txBody>
-          <a:bodyPr lIns="0" rIns="0" tIns="0" bIns="0">
+          <a:bodyPr lIns="0" tIns="0" rIns="0" bIns="0">
             <a:normAutofit/>
           </a:bodyPr>
-          <a:p>
-            <a:endParaRPr b="0" lang="ru-RU" sz="1800" spc="-1" strike="noStrike">
+          <a:lstStyle/>
+          <a:p>
+            <a:endParaRPr lang="ru-RU" sz="1800" b="0" strike="noStrike" spc="-1">
               <a:solidFill>
                 <a:srgbClr val="000000"/>
               </a:solidFill>
@@ -4000,11 +4208,12 @@
           </a:prstGeom>
         </p:spPr>
         <p:txBody>
-          <a:bodyPr lIns="0" rIns="0" tIns="0" bIns="0">
+          <a:bodyPr lIns="0" tIns="0" rIns="0" bIns="0">
             <a:normAutofit/>
           </a:bodyPr>
-          <a:p>
-            <a:endParaRPr b="0" lang="ru-RU" sz="1800" spc="-1" strike="noStrike">
+          <a:lstStyle/>
+          <a:p>
+            <a:endParaRPr lang="ru-RU" sz="1800" b="0" strike="noStrike" spc="-1">
               <a:solidFill>
                 <a:srgbClr val="000000"/>
               </a:solidFill>
@@ -4033,11 +4242,12 @@
           </a:prstGeom>
         </p:spPr>
         <p:txBody>
-          <a:bodyPr lIns="0" rIns="0" tIns="0" bIns="0">
+          <a:bodyPr lIns="0" tIns="0" rIns="0" bIns="0">
             <a:normAutofit/>
           </a:bodyPr>
-          <a:p>
-            <a:endParaRPr b="0" lang="ru-RU" sz="1800" spc="-1" strike="noStrike">
+          <a:lstStyle/>
+          <a:p>
+            <a:endParaRPr lang="ru-RU" sz="1800" b="0" strike="noStrike" spc="-1">
               <a:solidFill>
                 <a:srgbClr val="000000"/>
               </a:solidFill>
@@ -4066,11 +4276,12 @@
           </a:prstGeom>
         </p:spPr>
         <p:txBody>
-          <a:bodyPr lIns="0" rIns="0" tIns="0" bIns="0">
+          <a:bodyPr lIns="0" tIns="0" rIns="0" bIns="0">
             <a:normAutofit/>
           </a:bodyPr>
-          <a:p>
-            <a:endParaRPr b="0" lang="ru-RU" sz="1800" spc="-1" strike="noStrike">
+          <a:lstStyle/>
+          <a:p>
+            <a:endParaRPr lang="ru-RU" sz="1800" b="0" strike="noStrike" spc="-1">
               <a:solidFill>
                 <a:srgbClr val="000000"/>
               </a:solidFill>
@@ -4099,11 +4310,12 @@
           </a:prstGeom>
         </p:spPr>
         <p:txBody>
-          <a:bodyPr lIns="0" rIns="0" tIns="0" bIns="0">
+          <a:bodyPr lIns="0" tIns="0" rIns="0" bIns="0">
             <a:normAutofit/>
           </a:bodyPr>
-          <a:p>
-            <a:endParaRPr b="0" lang="ru-RU" sz="1800" spc="-1" strike="noStrike">
+          <a:lstStyle/>
+          <a:p>
+            <a:endParaRPr lang="ru-RU" sz="1800" b="0" strike="noStrike" spc="-1">
               <a:solidFill>
                 <a:srgbClr val="000000"/>
               </a:solidFill>
@@ -4114,11 +4326,14 @@
       </p:sp>
     </p:spTree>
   </p:cSld>
+  <p:clrMapOvr>
+    <a:masterClrMapping/>
+  </p:clrMapOvr>
 </p:sldLayout>
 </file>
 
 <file path=ppt/slideLayouts/slideLayout13.xml><?xml version="1.0" encoding="utf-8"?>
-<p:sldLayout xmlns:a="http://schemas.openxmlformats.org/drawingml/2006/main" xmlns:p="http://schemas.openxmlformats.org/presentationml/2006/main" xmlns:r="http://schemas.openxmlformats.org/officeDocument/2006/relationships" xmlns:p14="http://schemas.microsoft.com/office/powerpoint/2010/main" xmlns:p15="http://schemas.microsoft.com/office/powerpoint/2012/main" xmlns:mc="http://schemas.openxmlformats.org/markup-compatibility/2006" type="blank" preserve="1">
+<p:sldLayout xmlns:a="http://schemas.openxmlformats.org/drawingml/2006/main" xmlns:r="http://schemas.openxmlformats.org/officeDocument/2006/relationships" xmlns:p="http://schemas.openxmlformats.org/presentationml/2006/main" type="blank" preserve="1">
   <p:cSld name="Blank Slide">
     <p:spTree>
       <p:nvGrpSpPr>
@@ -4136,11 +4351,14 @@
       </p:grpSpPr>
     </p:spTree>
   </p:cSld>
+  <p:clrMapOvr>
+    <a:masterClrMapping/>
+  </p:clrMapOvr>
 </p:sldLayout>
 </file>
 
 <file path=ppt/slideLayouts/slideLayout14.xml><?xml version="1.0" encoding="utf-8"?>
-<p:sldLayout xmlns:a="http://schemas.openxmlformats.org/drawingml/2006/main" xmlns:p="http://schemas.openxmlformats.org/presentationml/2006/main" xmlns:r="http://schemas.openxmlformats.org/officeDocument/2006/relationships" xmlns:p14="http://schemas.microsoft.com/office/powerpoint/2010/main" xmlns:p15="http://schemas.microsoft.com/office/powerpoint/2012/main" xmlns:mc="http://schemas.openxmlformats.org/markup-compatibility/2006" type="tx" preserve="1">
+<p:sldLayout xmlns:a="http://schemas.openxmlformats.org/drawingml/2006/main" xmlns:r="http://schemas.openxmlformats.org/officeDocument/2006/relationships" xmlns:p="http://schemas.openxmlformats.org/presentationml/2006/main" type="tx" preserve="1">
   <p:cSld name="Title Slide">
     <p:spTree>
       <p:nvGrpSpPr>
@@ -4176,11 +4394,12 @@
           </a:prstGeom>
         </p:spPr>
         <p:txBody>
-          <a:bodyPr lIns="0" rIns="0" tIns="0" bIns="0" anchor="ctr">
+          <a:bodyPr lIns="0" tIns="0" rIns="0" bIns="0" anchor="ctr">
             <a:noAutofit/>
           </a:bodyPr>
-          <a:p>
-            <a:endParaRPr b="0" lang="ru-RU" sz="1800" spc="-1" strike="noStrike">
+          <a:lstStyle/>
+          <a:p>
+            <a:endParaRPr lang="ru-RU" sz="1800" b="0" strike="noStrike" spc="-1">
               <a:solidFill>
                 <a:srgbClr val="000000"/>
               </a:solidFill>
@@ -4209,12 +4428,13 @@
           </a:prstGeom>
         </p:spPr>
         <p:txBody>
-          <a:bodyPr lIns="0" rIns="0" tIns="0" bIns="0" anchor="ctr">
+          <a:bodyPr lIns="0" tIns="0" rIns="0" bIns="0" anchor="ctr">
             <a:noAutofit/>
           </a:bodyPr>
+          <a:lstStyle/>
           <a:p>
             <a:pPr algn="ctr"/>
-            <a:endParaRPr b="0" lang="en-US" sz="3200" spc="-1" strike="noStrike">
+            <a:endParaRPr lang="en-US" sz="3200" b="0" strike="noStrike" spc="-1">
               <a:latin typeface="Arial"/>
             </a:endParaRPr>
           </a:p>
@@ -4222,11 +4442,14 @@
       </p:sp>
     </p:spTree>
   </p:cSld>
+  <p:clrMapOvr>
+    <a:masterClrMapping/>
+  </p:clrMapOvr>
 </p:sldLayout>
 </file>
 
 <file path=ppt/slideLayouts/slideLayout15.xml><?xml version="1.0" encoding="utf-8"?>
-<p:sldLayout xmlns:a="http://schemas.openxmlformats.org/drawingml/2006/main" xmlns:p="http://schemas.openxmlformats.org/presentationml/2006/main" xmlns:r="http://schemas.openxmlformats.org/officeDocument/2006/relationships" xmlns:p14="http://schemas.microsoft.com/office/powerpoint/2010/main" xmlns:p15="http://schemas.microsoft.com/office/powerpoint/2012/main" xmlns:mc="http://schemas.openxmlformats.org/markup-compatibility/2006" type="obj" preserve="1">
+<p:sldLayout xmlns:a="http://schemas.openxmlformats.org/drawingml/2006/main" xmlns:r="http://schemas.openxmlformats.org/officeDocument/2006/relationships" xmlns:p="http://schemas.openxmlformats.org/presentationml/2006/main" type="obj" preserve="1">
   <p:cSld name="Title, Content">
     <p:spTree>
       <p:nvGrpSpPr>
@@ -4262,11 +4485,12 @@
           </a:prstGeom>
         </p:spPr>
         <p:txBody>
-          <a:bodyPr lIns="0" rIns="0" tIns="0" bIns="0" anchor="ctr">
+          <a:bodyPr lIns="0" tIns="0" rIns="0" bIns="0" anchor="ctr">
             <a:noAutofit/>
           </a:bodyPr>
-          <a:p>
-            <a:endParaRPr b="0" lang="ru-RU" sz="1800" spc="-1" strike="noStrike">
+          <a:lstStyle/>
+          <a:p>
+            <a:endParaRPr lang="ru-RU" sz="1800" b="0" strike="noStrike" spc="-1">
               <a:solidFill>
                 <a:srgbClr val="000000"/>
               </a:solidFill>
@@ -4295,11 +4519,12 @@
           </a:prstGeom>
         </p:spPr>
         <p:txBody>
-          <a:bodyPr lIns="0" rIns="0" tIns="0" bIns="0">
+          <a:bodyPr lIns="0" tIns="0" rIns="0" bIns="0">
             <a:normAutofit/>
           </a:bodyPr>
-          <a:p>
-            <a:endParaRPr b="0" lang="ru-RU" sz="1800" spc="-1" strike="noStrike">
+          <a:lstStyle/>
+          <a:p>
+            <a:endParaRPr lang="ru-RU" sz="1800" b="0" strike="noStrike" spc="-1">
               <a:solidFill>
                 <a:srgbClr val="000000"/>
               </a:solidFill>
@@ -4310,11 +4535,14 @@
       </p:sp>
     </p:spTree>
   </p:cSld>
+  <p:clrMapOvr>
+    <a:masterClrMapping/>
+  </p:clrMapOvr>
 </p:sldLayout>
 </file>
 
 <file path=ppt/slideLayouts/slideLayout16.xml><?xml version="1.0" encoding="utf-8"?>
-<p:sldLayout xmlns:a="http://schemas.openxmlformats.org/drawingml/2006/main" xmlns:p="http://schemas.openxmlformats.org/presentationml/2006/main" xmlns:r="http://schemas.openxmlformats.org/officeDocument/2006/relationships" xmlns:p14="http://schemas.microsoft.com/office/powerpoint/2010/main" xmlns:p15="http://schemas.microsoft.com/office/powerpoint/2012/main" xmlns:mc="http://schemas.openxmlformats.org/markup-compatibility/2006" type="twoObj" preserve="1">
+<p:sldLayout xmlns:a="http://schemas.openxmlformats.org/drawingml/2006/main" xmlns:r="http://schemas.openxmlformats.org/officeDocument/2006/relationships" xmlns:p="http://schemas.openxmlformats.org/presentationml/2006/main" type="twoObj" preserve="1">
   <p:cSld name="Title, 2 Content">
     <p:spTree>
       <p:nvGrpSpPr>
@@ -4350,11 +4578,12 @@
           </a:prstGeom>
         </p:spPr>
         <p:txBody>
-          <a:bodyPr lIns="0" rIns="0" tIns="0" bIns="0" anchor="ctr">
+          <a:bodyPr lIns="0" tIns="0" rIns="0" bIns="0" anchor="ctr">
             <a:noAutofit/>
           </a:bodyPr>
-          <a:p>
-            <a:endParaRPr b="0" lang="ru-RU" sz="1800" spc="-1" strike="noStrike">
+          <a:lstStyle/>
+          <a:p>
+            <a:endParaRPr lang="ru-RU" sz="1800" b="0" strike="noStrike" spc="-1">
               <a:solidFill>
                 <a:srgbClr val="000000"/>
               </a:solidFill>
@@ -4383,11 +4612,12 @@
           </a:prstGeom>
         </p:spPr>
         <p:txBody>
-          <a:bodyPr lIns="0" rIns="0" tIns="0" bIns="0">
+          <a:bodyPr lIns="0" tIns="0" rIns="0" bIns="0">
             <a:normAutofit/>
           </a:bodyPr>
-          <a:p>
-            <a:endParaRPr b="0" lang="ru-RU" sz="1800" spc="-1" strike="noStrike">
+          <a:lstStyle/>
+          <a:p>
+            <a:endParaRPr lang="ru-RU" sz="1800" b="0" strike="noStrike" spc="-1">
               <a:solidFill>
                 <a:srgbClr val="000000"/>
               </a:solidFill>
@@ -4416,11 +4646,12 @@
           </a:prstGeom>
         </p:spPr>
         <p:txBody>
-          <a:bodyPr lIns="0" rIns="0" tIns="0" bIns="0">
+          <a:bodyPr lIns="0" tIns="0" rIns="0" bIns="0">
             <a:normAutofit/>
           </a:bodyPr>
-          <a:p>
-            <a:endParaRPr b="0" lang="ru-RU" sz="1800" spc="-1" strike="noStrike">
+          <a:lstStyle/>
+          <a:p>
+            <a:endParaRPr lang="ru-RU" sz="1800" b="0" strike="noStrike" spc="-1">
               <a:solidFill>
                 <a:srgbClr val="000000"/>
               </a:solidFill>
@@ -4431,11 +4662,14 @@
       </p:sp>
     </p:spTree>
   </p:cSld>
+  <p:clrMapOvr>
+    <a:masterClrMapping/>
+  </p:clrMapOvr>
 </p:sldLayout>
 </file>
 
 <file path=ppt/slideLayouts/slideLayout17.xml><?xml version="1.0" encoding="utf-8"?>
-<p:sldLayout xmlns:a="http://schemas.openxmlformats.org/drawingml/2006/main" xmlns:p="http://schemas.openxmlformats.org/presentationml/2006/main" xmlns:r="http://schemas.openxmlformats.org/officeDocument/2006/relationships" xmlns:p14="http://schemas.microsoft.com/office/powerpoint/2010/main" xmlns:p15="http://schemas.microsoft.com/office/powerpoint/2012/main" xmlns:mc="http://schemas.openxmlformats.org/markup-compatibility/2006" type="titleOnly" preserve="1">
+<p:sldLayout xmlns:a="http://schemas.openxmlformats.org/drawingml/2006/main" xmlns:r="http://schemas.openxmlformats.org/officeDocument/2006/relationships" xmlns:p="http://schemas.openxmlformats.org/presentationml/2006/main" type="titleOnly" preserve="1">
   <p:cSld name="Title Only">
     <p:spTree>
       <p:nvGrpSpPr>
@@ -4471,11 +4705,12 @@
           </a:prstGeom>
         </p:spPr>
         <p:txBody>
-          <a:bodyPr lIns="0" rIns="0" tIns="0" bIns="0" anchor="ctr">
+          <a:bodyPr lIns="0" tIns="0" rIns="0" bIns="0" anchor="ctr">
             <a:noAutofit/>
           </a:bodyPr>
-          <a:p>
-            <a:endParaRPr b="0" lang="ru-RU" sz="1800" spc="-1" strike="noStrike">
+          <a:lstStyle/>
+          <a:p>
+            <a:endParaRPr lang="ru-RU" sz="1800" b="0" strike="noStrike" spc="-1">
               <a:solidFill>
                 <a:srgbClr val="000000"/>
               </a:solidFill>
@@ -4486,11 +4721,14 @@
       </p:sp>
     </p:spTree>
   </p:cSld>
+  <p:clrMapOvr>
+    <a:masterClrMapping/>
+  </p:clrMapOvr>
 </p:sldLayout>
 </file>
 
 <file path=ppt/slideLayouts/slideLayout18.xml><?xml version="1.0" encoding="utf-8"?>
-<p:sldLayout xmlns:a="http://schemas.openxmlformats.org/drawingml/2006/main" xmlns:p="http://schemas.openxmlformats.org/presentationml/2006/main" xmlns:r="http://schemas.openxmlformats.org/officeDocument/2006/relationships" xmlns:p14="http://schemas.microsoft.com/office/powerpoint/2010/main" xmlns:p15="http://schemas.microsoft.com/office/powerpoint/2012/main" xmlns:mc="http://schemas.openxmlformats.org/markup-compatibility/2006" type="objOnly" preserve="1">
+<p:sldLayout xmlns:a="http://schemas.openxmlformats.org/drawingml/2006/main" xmlns:r="http://schemas.openxmlformats.org/officeDocument/2006/relationships" xmlns:p="http://schemas.openxmlformats.org/presentationml/2006/main" type="objOnly" preserve="1">
   <p:cSld name="Centered Text">
     <p:spTree>
       <p:nvGrpSpPr>
@@ -4526,12 +4764,13 @@
           </a:prstGeom>
         </p:spPr>
         <p:txBody>
-          <a:bodyPr lIns="0" rIns="0" tIns="0" bIns="0" anchor="ctr">
+          <a:bodyPr lIns="0" tIns="0" rIns="0" bIns="0" anchor="ctr">
             <a:noAutofit/>
           </a:bodyPr>
+          <a:lstStyle/>
           <a:p>
             <a:pPr algn="ctr"/>
-            <a:endParaRPr b="0" lang="en-US" sz="3200" spc="-1" strike="noStrike">
+            <a:endParaRPr lang="en-US" sz="3200" b="0" strike="noStrike" spc="-1">
               <a:latin typeface="Arial"/>
             </a:endParaRPr>
           </a:p>
@@ -4539,11 +4778,14 @@
       </p:sp>
     </p:spTree>
   </p:cSld>
+  <p:clrMapOvr>
+    <a:masterClrMapping/>
+  </p:clrMapOvr>
 </p:sldLayout>
 </file>
 
 <file path=ppt/slideLayouts/slideLayout19.xml><?xml version="1.0" encoding="utf-8"?>
-<p:sldLayout xmlns:a="http://schemas.openxmlformats.org/drawingml/2006/main" xmlns:p="http://schemas.openxmlformats.org/presentationml/2006/main" xmlns:r="http://schemas.openxmlformats.org/officeDocument/2006/relationships" xmlns:p14="http://schemas.microsoft.com/office/powerpoint/2010/main" xmlns:p15="http://schemas.microsoft.com/office/powerpoint/2012/main" xmlns:mc="http://schemas.openxmlformats.org/markup-compatibility/2006" type="twoObjAndObj" preserve="1">
+<p:sldLayout xmlns:a="http://schemas.openxmlformats.org/drawingml/2006/main" xmlns:r="http://schemas.openxmlformats.org/officeDocument/2006/relationships" xmlns:p="http://schemas.openxmlformats.org/presentationml/2006/main" type="twoObjAndObj" preserve="1">
   <p:cSld name="Title, 2 Content and Content">
     <p:spTree>
       <p:nvGrpSpPr>
@@ -4579,11 +4821,12 @@
           </a:prstGeom>
         </p:spPr>
         <p:txBody>
-          <a:bodyPr lIns="0" rIns="0" tIns="0" bIns="0" anchor="ctr">
+          <a:bodyPr lIns="0" tIns="0" rIns="0" bIns="0" anchor="ctr">
             <a:noAutofit/>
           </a:bodyPr>
-          <a:p>
-            <a:endParaRPr b="0" lang="ru-RU" sz="1800" spc="-1" strike="noStrike">
+          <a:lstStyle/>
+          <a:p>
+            <a:endParaRPr lang="ru-RU" sz="1800" b="0" strike="noStrike" spc="-1">
               <a:solidFill>
                 <a:srgbClr val="000000"/>
               </a:solidFill>
@@ -4612,11 +4855,12 @@
           </a:prstGeom>
         </p:spPr>
         <p:txBody>
-          <a:bodyPr lIns="0" rIns="0" tIns="0" bIns="0">
+          <a:bodyPr lIns="0" tIns="0" rIns="0" bIns="0">
             <a:normAutofit/>
           </a:bodyPr>
-          <a:p>
-            <a:endParaRPr b="0" lang="ru-RU" sz="1800" spc="-1" strike="noStrike">
+          <a:lstStyle/>
+          <a:p>
+            <a:endParaRPr lang="ru-RU" sz="1800" b="0" strike="noStrike" spc="-1">
               <a:solidFill>
                 <a:srgbClr val="000000"/>
               </a:solidFill>
@@ -4645,11 +4889,12 @@
           </a:prstGeom>
         </p:spPr>
         <p:txBody>
-          <a:bodyPr lIns="0" rIns="0" tIns="0" bIns="0">
+          <a:bodyPr lIns="0" tIns="0" rIns="0" bIns="0">
             <a:normAutofit/>
           </a:bodyPr>
-          <a:p>
-            <a:endParaRPr b="0" lang="ru-RU" sz="1800" spc="-1" strike="noStrike">
+          <a:lstStyle/>
+          <a:p>
+            <a:endParaRPr lang="ru-RU" sz="1800" b="0" strike="noStrike" spc="-1">
               <a:solidFill>
                 <a:srgbClr val="000000"/>
               </a:solidFill>
@@ -4678,11 +4923,12 @@
           </a:prstGeom>
         </p:spPr>
         <p:txBody>
-          <a:bodyPr lIns="0" rIns="0" tIns="0" bIns="0">
+          <a:bodyPr lIns="0" tIns="0" rIns="0" bIns="0">
             <a:normAutofit/>
           </a:bodyPr>
-          <a:p>
-            <a:endParaRPr b="0" lang="ru-RU" sz="1800" spc="-1" strike="noStrike">
+          <a:lstStyle/>
+          <a:p>
+            <a:endParaRPr lang="ru-RU" sz="1800" b="0" strike="noStrike" spc="-1">
               <a:solidFill>
                 <a:srgbClr val="000000"/>
               </a:solidFill>
@@ -4693,11 +4939,14 @@
       </p:sp>
     </p:spTree>
   </p:cSld>
+  <p:clrMapOvr>
+    <a:masterClrMapping/>
+  </p:clrMapOvr>
 </p:sldLayout>
 </file>
 
 <file path=ppt/slideLayouts/slideLayout2.xml><?xml version="1.0" encoding="utf-8"?>
-<p:sldLayout xmlns:a="http://schemas.openxmlformats.org/drawingml/2006/main" xmlns:p="http://schemas.openxmlformats.org/presentationml/2006/main" xmlns:r="http://schemas.openxmlformats.org/officeDocument/2006/relationships" xmlns:p14="http://schemas.microsoft.com/office/powerpoint/2010/main" xmlns:p15="http://schemas.microsoft.com/office/powerpoint/2012/main" xmlns:mc="http://schemas.openxmlformats.org/markup-compatibility/2006" type="tx" preserve="1">
+<p:sldLayout xmlns:a="http://schemas.openxmlformats.org/drawingml/2006/main" xmlns:r="http://schemas.openxmlformats.org/officeDocument/2006/relationships" xmlns:p="http://schemas.openxmlformats.org/presentationml/2006/main" type="tx" preserve="1">
   <p:cSld name="Title Slide">
     <p:spTree>
       <p:nvGrpSpPr>
@@ -4733,11 +4982,12 @@
           </a:prstGeom>
         </p:spPr>
         <p:txBody>
-          <a:bodyPr lIns="0" rIns="0" tIns="0" bIns="0" anchor="ctr">
+          <a:bodyPr lIns="0" tIns="0" rIns="0" bIns="0" anchor="ctr">
             <a:noAutofit/>
           </a:bodyPr>
-          <a:p>
-            <a:endParaRPr b="0" lang="ru-RU" sz="1800" spc="-1" strike="noStrike">
+          <a:lstStyle/>
+          <a:p>
+            <a:endParaRPr lang="ru-RU" sz="1800" b="0" strike="noStrike" spc="-1">
               <a:solidFill>
                 <a:srgbClr val="000000"/>
               </a:solidFill>
@@ -4766,12 +5016,13 @@
           </a:prstGeom>
         </p:spPr>
         <p:txBody>
-          <a:bodyPr lIns="0" rIns="0" tIns="0" bIns="0" anchor="ctr">
+          <a:bodyPr lIns="0" tIns="0" rIns="0" bIns="0" anchor="ctr">
             <a:noAutofit/>
           </a:bodyPr>
+          <a:lstStyle/>
           <a:p>
             <a:pPr algn="ctr"/>
-            <a:endParaRPr b="0" lang="en-US" sz="3200" spc="-1" strike="noStrike">
+            <a:endParaRPr lang="en-US" sz="3200" b="0" strike="noStrike" spc="-1">
               <a:latin typeface="Arial"/>
             </a:endParaRPr>
           </a:p>
@@ -4779,11 +5030,14 @@
       </p:sp>
     </p:spTree>
   </p:cSld>
+  <p:clrMapOvr>
+    <a:masterClrMapping/>
+  </p:clrMapOvr>
 </p:sldLayout>
 </file>
 
 <file path=ppt/slideLayouts/slideLayout20.xml><?xml version="1.0" encoding="utf-8"?>
-<p:sldLayout xmlns:a="http://schemas.openxmlformats.org/drawingml/2006/main" xmlns:p="http://schemas.openxmlformats.org/presentationml/2006/main" xmlns:r="http://schemas.openxmlformats.org/officeDocument/2006/relationships" xmlns:p14="http://schemas.microsoft.com/office/powerpoint/2010/main" xmlns:p15="http://schemas.microsoft.com/office/powerpoint/2012/main" xmlns:mc="http://schemas.openxmlformats.org/markup-compatibility/2006" type="objAndTwoObj" preserve="1">
+<p:sldLayout xmlns:a="http://schemas.openxmlformats.org/drawingml/2006/main" xmlns:r="http://schemas.openxmlformats.org/officeDocument/2006/relationships" xmlns:p="http://schemas.openxmlformats.org/presentationml/2006/main" type="objAndTwoObj" preserve="1">
   <p:cSld name="Title Content and 2 Content">
     <p:spTree>
       <p:nvGrpSpPr>
@@ -4819,11 +5073,12 @@
           </a:prstGeom>
         </p:spPr>
         <p:txBody>
-          <a:bodyPr lIns="0" rIns="0" tIns="0" bIns="0" anchor="ctr">
+          <a:bodyPr lIns="0" tIns="0" rIns="0" bIns="0" anchor="ctr">
             <a:noAutofit/>
           </a:bodyPr>
-          <a:p>
-            <a:endParaRPr b="0" lang="ru-RU" sz="1800" spc="-1" strike="noStrike">
+          <a:lstStyle/>
+          <a:p>
+            <a:endParaRPr lang="ru-RU" sz="1800" b="0" strike="noStrike" spc="-1">
               <a:solidFill>
                 <a:srgbClr val="000000"/>
               </a:solidFill>
@@ -4852,11 +5107,12 @@
           </a:prstGeom>
         </p:spPr>
         <p:txBody>
-          <a:bodyPr lIns="0" rIns="0" tIns="0" bIns="0">
+          <a:bodyPr lIns="0" tIns="0" rIns="0" bIns="0">
             <a:normAutofit/>
           </a:bodyPr>
-          <a:p>
-            <a:endParaRPr b="0" lang="ru-RU" sz="1800" spc="-1" strike="noStrike">
+          <a:lstStyle/>
+          <a:p>
+            <a:endParaRPr lang="ru-RU" sz="1800" b="0" strike="noStrike" spc="-1">
               <a:solidFill>
                 <a:srgbClr val="000000"/>
               </a:solidFill>
@@ -4885,11 +5141,12 @@
           </a:prstGeom>
         </p:spPr>
         <p:txBody>
-          <a:bodyPr lIns="0" rIns="0" tIns="0" bIns="0">
+          <a:bodyPr lIns="0" tIns="0" rIns="0" bIns="0">
             <a:normAutofit/>
           </a:bodyPr>
-          <a:p>
-            <a:endParaRPr b="0" lang="ru-RU" sz="1800" spc="-1" strike="noStrike">
+          <a:lstStyle/>
+          <a:p>
+            <a:endParaRPr lang="ru-RU" sz="1800" b="0" strike="noStrike" spc="-1">
               <a:solidFill>
                 <a:srgbClr val="000000"/>
               </a:solidFill>
@@ -4918,11 +5175,12 @@
           </a:prstGeom>
         </p:spPr>
         <p:txBody>
-          <a:bodyPr lIns="0" rIns="0" tIns="0" bIns="0">
+          <a:bodyPr lIns="0" tIns="0" rIns="0" bIns="0">
             <a:normAutofit/>
           </a:bodyPr>
-          <a:p>
-            <a:endParaRPr b="0" lang="ru-RU" sz="1800" spc="-1" strike="noStrike">
+          <a:lstStyle/>
+          <a:p>
+            <a:endParaRPr lang="ru-RU" sz="1800" b="0" strike="noStrike" spc="-1">
               <a:solidFill>
                 <a:srgbClr val="000000"/>
               </a:solidFill>
@@ -4933,11 +5191,14 @@
       </p:sp>
     </p:spTree>
   </p:cSld>
+  <p:clrMapOvr>
+    <a:masterClrMapping/>
+  </p:clrMapOvr>
 </p:sldLayout>
 </file>
 
 <file path=ppt/slideLayouts/slideLayout21.xml><?xml version="1.0" encoding="utf-8"?>
-<p:sldLayout xmlns:a="http://schemas.openxmlformats.org/drawingml/2006/main" xmlns:p="http://schemas.openxmlformats.org/presentationml/2006/main" xmlns:r="http://schemas.openxmlformats.org/officeDocument/2006/relationships" xmlns:p14="http://schemas.microsoft.com/office/powerpoint/2010/main" xmlns:p15="http://schemas.microsoft.com/office/powerpoint/2012/main" xmlns:mc="http://schemas.openxmlformats.org/markup-compatibility/2006" type="twoObjOverTx" preserve="1">
+<p:sldLayout xmlns:a="http://schemas.openxmlformats.org/drawingml/2006/main" xmlns:r="http://schemas.openxmlformats.org/officeDocument/2006/relationships" xmlns:p="http://schemas.openxmlformats.org/presentationml/2006/main" type="twoObjOverTx" preserve="1">
   <p:cSld name="Title, 2 Content over Content">
     <p:spTree>
       <p:nvGrpSpPr>
@@ -4973,11 +5234,12 @@
           </a:prstGeom>
         </p:spPr>
         <p:txBody>
-          <a:bodyPr lIns="0" rIns="0" tIns="0" bIns="0" anchor="ctr">
+          <a:bodyPr lIns="0" tIns="0" rIns="0" bIns="0" anchor="ctr">
             <a:noAutofit/>
           </a:bodyPr>
-          <a:p>
-            <a:endParaRPr b="0" lang="ru-RU" sz="1800" spc="-1" strike="noStrike">
+          <a:lstStyle/>
+          <a:p>
+            <a:endParaRPr lang="ru-RU" sz="1800" b="0" strike="noStrike" spc="-1">
               <a:solidFill>
                 <a:srgbClr val="000000"/>
               </a:solidFill>
@@ -5006,11 +5268,12 @@
           </a:prstGeom>
         </p:spPr>
         <p:txBody>
-          <a:bodyPr lIns="0" rIns="0" tIns="0" bIns="0">
+          <a:bodyPr lIns="0" tIns="0" rIns="0" bIns="0">
             <a:normAutofit/>
           </a:bodyPr>
-          <a:p>
-            <a:endParaRPr b="0" lang="ru-RU" sz="1800" spc="-1" strike="noStrike">
+          <a:lstStyle/>
+          <a:p>
+            <a:endParaRPr lang="ru-RU" sz="1800" b="0" strike="noStrike" spc="-1">
               <a:solidFill>
                 <a:srgbClr val="000000"/>
               </a:solidFill>
@@ -5039,11 +5302,12 @@
           </a:prstGeom>
         </p:spPr>
         <p:txBody>
-          <a:bodyPr lIns="0" rIns="0" tIns="0" bIns="0">
+          <a:bodyPr lIns="0" tIns="0" rIns="0" bIns="0">
             <a:normAutofit/>
           </a:bodyPr>
-          <a:p>
-            <a:endParaRPr b="0" lang="ru-RU" sz="1800" spc="-1" strike="noStrike">
+          <a:lstStyle/>
+          <a:p>
+            <a:endParaRPr lang="ru-RU" sz="1800" b="0" strike="noStrike" spc="-1">
               <a:solidFill>
                 <a:srgbClr val="000000"/>
               </a:solidFill>
@@ -5072,11 +5336,12 @@
           </a:prstGeom>
         </p:spPr>
         <p:txBody>
-          <a:bodyPr lIns="0" rIns="0" tIns="0" bIns="0">
+          <a:bodyPr lIns="0" tIns="0" rIns="0" bIns="0">
             <a:normAutofit/>
           </a:bodyPr>
-          <a:p>
-            <a:endParaRPr b="0" lang="ru-RU" sz="1800" spc="-1" strike="noStrike">
+          <a:lstStyle/>
+          <a:p>
+            <a:endParaRPr lang="ru-RU" sz="1800" b="0" strike="noStrike" spc="-1">
               <a:solidFill>
                 <a:srgbClr val="000000"/>
               </a:solidFill>
@@ -5087,11 +5352,14 @@
       </p:sp>
     </p:spTree>
   </p:cSld>
+  <p:clrMapOvr>
+    <a:masterClrMapping/>
+  </p:clrMapOvr>
 </p:sldLayout>
 </file>
 
 <file path=ppt/slideLayouts/slideLayout22.xml><?xml version="1.0" encoding="utf-8"?>
-<p:sldLayout xmlns:a="http://schemas.openxmlformats.org/drawingml/2006/main" xmlns:p="http://schemas.openxmlformats.org/presentationml/2006/main" xmlns:r="http://schemas.openxmlformats.org/officeDocument/2006/relationships" xmlns:p14="http://schemas.microsoft.com/office/powerpoint/2010/main" xmlns:p15="http://schemas.microsoft.com/office/powerpoint/2012/main" xmlns:mc="http://schemas.openxmlformats.org/markup-compatibility/2006" type="objOverTx" preserve="1">
+<p:sldLayout xmlns:a="http://schemas.openxmlformats.org/drawingml/2006/main" xmlns:r="http://schemas.openxmlformats.org/officeDocument/2006/relationships" xmlns:p="http://schemas.openxmlformats.org/presentationml/2006/main" type="objOverTx" preserve="1">
   <p:cSld name="Title, Content over Content">
     <p:spTree>
       <p:nvGrpSpPr>
@@ -5127,11 +5395,12 @@
           </a:prstGeom>
         </p:spPr>
         <p:txBody>
-          <a:bodyPr lIns="0" rIns="0" tIns="0" bIns="0" anchor="ctr">
+          <a:bodyPr lIns="0" tIns="0" rIns="0" bIns="0" anchor="ctr">
             <a:noAutofit/>
           </a:bodyPr>
-          <a:p>
-            <a:endParaRPr b="0" lang="ru-RU" sz="1800" spc="-1" strike="noStrike">
+          <a:lstStyle/>
+          <a:p>
+            <a:endParaRPr lang="ru-RU" sz="1800" b="0" strike="noStrike" spc="-1">
               <a:solidFill>
                 <a:srgbClr val="000000"/>
               </a:solidFill>
@@ -5160,11 +5429,12 @@
           </a:prstGeom>
         </p:spPr>
         <p:txBody>
-          <a:bodyPr lIns="0" rIns="0" tIns="0" bIns="0">
+          <a:bodyPr lIns="0" tIns="0" rIns="0" bIns="0">
             <a:normAutofit/>
           </a:bodyPr>
-          <a:p>
-            <a:endParaRPr b="0" lang="ru-RU" sz="1800" spc="-1" strike="noStrike">
+          <a:lstStyle/>
+          <a:p>
+            <a:endParaRPr lang="ru-RU" sz="1800" b="0" strike="noStrike" spc="-1">
               <a:solidFill>
                 <a:srgbClr val="000000"/>
               </a:solidFill>
@@ -5193,11 +5463,12 @@
           </a:prstGeom>
         </p:spPr>
         <p:txBody>
-          <a:bodyPr lIns="0" rIns="0" tIns="0" bIns="0">
+          <a:bodyPr lIns="0" tIns="0" rIns="0" bIns="0">
             <a:normAutofit/>
           </a:bodyPr>
-          <a:p>
-            <a:endParaRPr b="0" lang="ru-RU" sz="1800" spc="-1" strike="noStrike">
+          <a:lstStyle/>
+          <a:p>
+            <a:endParaRPr lang="ru-RU" sz="1800" b="0" strike="noStrike" spc="-1">
               <a:solidFill>
                 <a:srgbClr val="000000"/>
               </a:solidFill>
@@ -5208,11 +5479,14 @@
       </p:sp>
     </p:spTree>
   </p:cSld>
+  <p:clrMapOvr>
+    <a:masterClrMapping/>
+  </p:clrMapOvr>
 </p:sldLayout>
 </file>
 
 <file path=ppt/slideLayouts/slideLayout23.xml><?xml version="1.0" encoding="utf-8"?>
-<p:sldLayout xmlns:a="http://schemas.openxmlformats.org/drawingml/2006/main" xmlns:p="http://schemas.openxmlformats.org/presentationml/2006/main" xmlns:r="http://schemas.openxmlformats.org/officeDocument/2006/relationships" xmlns:p14="http://schemas.microsoft.com/office/powerpoint/2010/main" xmlns:p15="http://schemas.microsoft.com/office/powerpoint/2012/main" xmlns:mc="http://schemas.openxmlformats.org/markup-compatibility/2006" type="fourObj" preserve="1">
+<p:sldLayout xmlns:a="http://schemas.openxmlformats.org/drawingml/2006/main" xmlns:r="http://schemas.openxmlformats.org/officeDocument/2006/relationships" xmlns:p="http://schemas.openxmlformats.org/presentationml/2006/main" type="fourObj" preserve="1">
   <p:cSld name="Title, 4 Content">
     <p:spTree>
       <p:nvGrpSpPr>
@@ -5248,11 +5522,12 @@
           </a:prstGeom>
         </p:spPr>
         <p:txBody>
-          <a:bodyPr lIns="0" rIns="0" tIns="0" bIns="0" anchor="ctr">
+          <a:bodyPr lIns="0" tIns="0" rIns="0" bIns="0" anchor="ctr">
             <a:noAutofit/>
           </a:bodyPr>
-          <a:p>
-            <a:endParaRPr b="0" lang="ru-RU" sz="1800" spc="-1" strike="noStrike">
+          <a:lstStyle/>
+          <a:p>
+            <a:endParaRPr lang="ru-RU" sz="1800" b="0" strike="noStrike" spc="-1">
               <a:solidFill>
                 <a:srgbClr val="000000"/>
               </a:solidFill>
@@ -5281,11 +5556,12 @@
           </a:prstGeom>
         </p:spPr>
         <p:txBody>
-          <a:bodyPr lIns="0" rIns="0" tIns="0" bIns="0">
+          <a:bodyPr lIns="0" tIns="0" rIns="0" bIns="0">
             <a:normAutofit/>
           </a:bodyPr>
-          <a:p>
-            <a:endParaRPr b="0" lang="ru-RU" sz="1800" spc="-1" strike="noStrike">
+          <a:lstStyle/>
+          <a:p>
+            <a:endParaRPr lang="ru-RU" sz="1800" b="0" strike="noStrike" spc="-1">
               <a:solidFill>
                 <a:srgbClr val="000000"/>
               </a:solidFill>
@@ -5314,11 +5590,12 @@
           </a:prstGeom>
         </p:spPr>
         <p:txBody>
-          <a:bodyPr lIns="0" rIns="0" tIns="0" bIns="0">
+          <a:bodyPr lIns="0" tIns="0" rIns="0" bIns="0">
             <a:normAutofit/>
           </a:bodyPr>
-          <a:p>
-            <a:endParaRPr b="0" lang="ru-RU" sz="1800" spc="-1" strike="noStrike">
+          <a:lstStyle/>
+          <a:p>
+            <a:endParaRPr lang="ru-RU" sz="1800" b="0" strike="noStrike" spc="-1">
               <a:solidFill>
                 <a:srgbClr val="000000"/>
               </a:solidFill>
@@ -5347,11 +5624,12 @@
           </a:prstGeom>
         </p:spPr>
         <p:txBody>
-          <a:bodyPr lIns="0" rIns="0" tIns="0" bIns="0">
+          <a:bodyPr lIns="0" tIns="0" rIns="0" bIns="0">
             <a:normAutofit/>
           </a:bodyPr>
-          <a:p>
-            <a:endParaRPr b="0" lang="ru-RU" sz="1800" spc="-1" strike="noStrike">
+          <a:lstStyle/>
+          <a:p>
+            <a:endParaRPr lang="ru-RU" sz="1800" b="0" strike="noStrike" spc="-1">
               <a:solidFill>
                 <a:srgbClr val="000000"/>
               </a:solidFill>
@@ -5380,11 +5658,12 @@
           </a:prstGeom>
         </p:spPr>
         <p:txBody>
-          <a:bodyPr lIns="0" rIns="0" tIns="0" bIns="0">
+          <a:bodyPr lIns="0" tIns="0" rIns="0" bIns="0">
             <a:normAutofit/>
           </a:bodyPr>
-          <a:p>
-            <a:endParaRPr b="0" lang="ru-RU" sz="1800" spc="-1" strike="noStrike">
+          <a:lstStyle/>
+          <a:p>
+            <a:endParaRPr lang="ru-RU" sz="1800" b="0" strike="noStrike" spc="-1">
               <a:solidFill>
                 <a:srgbClr val="000000"/>
               </a:solidFill>
@@ -5395,11 +5674,14 @@
       </p:sp>
     </p:spTree>
   </p:cSld>
+  <p:clrMapOvr>
+    <a:masterClrMapping/>
+  </p:clrMapOvr>
 </p:sldLayout>
 </file>
 
 <file path=ppt/slideLayouts/slideLayout24.xml><?xml version="1.0" encoding="utf-8"?>
-<p:sldLayout xmlns:a="http://schemas.openxmlformats.org/drawingml/2006/main" xmlns:p="http://schemas.openxmlformats.org/presentationml/2006/main" xmlns:r="http://schemas.openxmlformats.org/officeDocument/2006/relationships" xmlns:p14="http://schemas.microsoft.com/office/powerpoint/2010/main" xmlns:p15="http://schemas.microsoft.com/office/powerpoint/2012/main" xmlns:mc="http://schemas.openxmlformats.org/markup-compatibility/2006" type="blank" preserve="1">
+<p:sldLayout xmlns:a="http://schemas.openxmlformats.org/drawingml/2006/main" xmlns:r="http://schemas.openxmlformats.org/officeDocument/2006/relationships" xmlns:p="http://schemas.openxmlformats.org/presentationml/2006/main" type="blank" preserve="1">
   <p:cSld name="Title, 6 Content">
     <p:spTree>
       <p:nvGrpSpPr>
@@ -5435,11 +5717,12 @@
           </a:prstGeom>
         </p:spPr>
         <p:txBody>
-          <a:bodyPr lIns="0" rIns="0" tIns="0" bIns="0" anchor="ctr">
+          <a:bodyPr lIns="0" tIns="0" rIns="0" bIns="0" anchor="ctr">
             <a:noAutofit/>
           </a:bodyPr>
-          <a:p>
-            <a:endParaRPr b="0" lang="ru-RU" sz="1800" spc="-1" strike="noStrike">
+          <a:lstStyle/>
+          <a:p>
+            <a:endParaRPr lang="ru-RU" sz="1800" b="0" strike="noStrike" spc="-1">
               <a:solidFill>
                 <a:srgbClr val="000000"/>
               </a:solidFill>
@@ -5468,11 +5751,12 @@
           </a:prstGeom>
         </p:spPr>
         <p:txBody>
-          <a:bodyPr lIns="0" rIns="0" tIns="0" bIns="0">
+          <a:bodyPr lIns="0" tIns="0" rIns="0" bIns="0">
             <a:normAutofit/>
           </a:bodyPr>
-          <a:p>
-            <a:endParaRPr b="0" lang="ru-RU" sz="1800" spc="-1" strike="noStrike">
+          <a:lstStyle/>
+          <a:p>
+            <a:endParaRPr lang="ru-RU" sz="1800" b="0" strike="noStrike" spc="-1">
               <a:solidFill>
                 <a:srgbClr val="000000"/>
               </a:solidFill>
@@ -5501,11 +5785,12 @@
           </a:prstGeom>
         </p:spPr>
         <p:txBody>
-          <a:bodyPr lIns="0" rIns="0" tIns="0" bIns="0">
+          <a:bodyPr lIns="0" tIns="0" rIns="0" bIns="0">
             <a:normAutofit/>
           </a:bodyPr>
-          <a:p>
-            <a:endParaRPr b="0" lang="ru-RU" sz="1800" spc="-1" strike="noStrike">
+          <a:lstStyle/>
+          <a:p>
+            <a:endParaRPr lang="ru-RU" sz="1800" b="0" strike="noStrike" spc="-1">
               <a:solidFill>
                 <a:srgbClr val="000000"/>
               </a:solidFill>
@@ -5534,11 +5819,12 @@
           </a:prstGeom>
         </p:spPr>
         <p:txBody>
-          <a:bodyPr lIns="0" rIns="0" tIns="0" bIns="0">
+          <a:bodyPr lIns="0" tIns="0" rIns="0" bIns="0">
             <a:normAutofit/>
           </a:bodyPr>
-          <a:p>
-            <a:endParaRPr b="0" lang="ru-RU" sz="1800" spc="-1" strike="noStrike">
+          <a:lstStyle/>
+          <a:p>
+            <a:endParaRPr lang="ru-RU" sz="1800" b="0" strike="noStrike" spc="-1">
               <a:solidFill>
                 <a:srgbClr val="000000"/>
               </a:solidFill>
@@ -5567,11 +5853,12 @@
           </a:prstGeom>
         </p:spPr>
         <p:txBody>
-          <a:bodyPr lIns="0" rIns="0" tIns="0" bIns="0">
+          <a:bodyPr lIns="0" tIns="0" rIns="0" bIns="0">
             <a:normAutofit/>
           </a:bodyPr>
-          <a:p>
-            <a:endParaRPr b="0" lang="ru-RU" sz="1800" spc="-1" strike="noStrike">
+          <a:lstStyle/>
+          <a:p>
+            <a:endParaRPr lang="ru-RU" sz="1800" b="0" strike="noStrike" spc="-1">
               <a:solidFill>
                 <a:srgbClr val="000000"/>
               </a:solidFill>
@@ -5600,11 +5887,12 @@
           </a:prstGeom>
         </p:spPr>
         <p:txBody>
-          <a:bodyPr lIns="0" rIns="0" tIns="0" bIns="0">
+          <a:bodyPr lIns="0" tIns="0" rIns="0" bIns="0">
             <a:normAutofit/>
           </a:bodyPr>
-          <a:p>
-            <a:endParaRPr b="0" lang="ru-RU" sz="1800" spc="-1" strike="noStrike">
+          <a:lstStyle/>
+          <a:p>
+            <a:endParaRPr lang="ru-RU" sz="1800" b="0" strike="noStrike" spc="-1">
               <a:solidFill>
                 <a:srgbClr val="000000"/>
               </a:solidFill>
@@ -5633,11 +5921,12 @@
           </a:prstGeom>
         </p:spPr>
         <p:txBody>
-          <a:bodyPr lIns="0" rIns="0" tIns="0" bIns="0">
+          <a:bodyPr lIns="0" tIns="0" rIns="0" bIns="0">
             <a:normAutofit/>
           </a:bodyPr>
-          <a:p>
-            <a:endParaRPr b="0" lang="ru-RU" sz="1800" spc="-1" strike="noStrike">
+          <a:lstStyle/>
+          <a:p>
+            <a:endParaRPr lang="ru-RU" sz="1800" b="0" strike="noStrike" spc="-1">
               <a:solidFill>
                 <a:srgbClr val="000000"/>
               </a:solidFill>
@@ -5648,11 +5937,14 @@
       </p:sp>
     </p:spTree>
   </p:cSld>
+  <p:clrMapOvr>
+    <a:masterClrMapping/>
+  </p:clrMapOvr>
 </p:sldLayout>
 </file>
 
 <file path=ppt/slideLayouts/slideLayout25.xml><?xml version="1.0" encoding="utf-8"?>
-<p:sldLayout xmlns:a="http://schemas.openxmlformats.org/drawingml/2006/main" xmlns:p="http://schemas.openxmlformats.org/presentationml/2006/main" xmlns:r="http://schemas.openxmlformats.org/officeDocument/2006/relationships" xmlns:p14="http://schemas.microsoft.com/office/powerpoint/2010/main" xmlns:p15="http://schemas.microsoft.com/office/powerpoint/2012/main" xmlns:mc="http://schemas.openxmlformats.org/markup-compatibility/2006" type="blank" preserve="1">
+<p:sldLayout xmlns:a="http://schemas.openxmlformats.org/drawingml/2006/main" xmlns:r="http://schemas.openxmlformats.org/officeDocument/2006/relationships" xmlns:p="http://schemas.openxmlformats.org/presentationml/2006/main" type="blank" preserve="1">
   <p:cSld name="Blank Slide">
     <p:spTree>
       <p:nvGrpSpPr>
@@ -5670,11 +5962,14 @@
       </p:grpSpPr>
     </p:spTree>
   </p:cSld>
+  <p:clrMapOvr>
+    <a:masterClrMapping/>
+  </p:clrMapOvr>
 </p:sldLayout>
 </file>
 
 <file path=ppt/slideLayouts/slideLayout26.xml><?xml version="1.0" encoding="utf-8"?>
-<p:sldLayout xmlns:a="http://schemas.openxmlformats.org/drawingml/2006/main" xmlns:p="http://schemas.openxmlformats.org/presentationml/2006/main" xmlns:r="http://schemas.openxmlformats.org/officeDocument/2006/relationships" xmlns:p14="http://schemas.microsoft.com/office/powerpoint/2010/main" xmlns:p15="http://schemas.microsoft.com/office/powerpoint/2012/main" xmlns:mc="http://schemas.openxmlformats.org/markup-compatibility/2006" type="tx" preserve="1">
+<p:sldLayout xmlns:a="http://schemas.openxmlformats.org/drawingml/2006/main" xmlns:r="http://schemas.openxmlformats.org/officeDocument/2006/relationships" xmlns:p="http://schemas.openxmlformats.org/presentationml/2006/main" type="tx" preserve="1">
   <p:cSld name="Title Slide">
     <p:spTree>
       <p:nvGrpSpPr>
@@ -5710,11 +6005,12 @@
           </a:prstGeom>
         </p:spPr>
         <p:txBody>
-          <a:bodyPr lIns="0" rIns="0" tIns="0" bIns="0" anchor="ctr">
+          <a:bodyPr lIns="0" tIns="0" rIns="0" bIns="0" anchor="ctr">
             <a:noAutofit/>
           </a:bodyPr>
-          <a:p>
-            <a:endParaRPr b="0" lang="ru-RU" sz="1800" spc="-1" strike="noStrike">
+          <a:lstStyle/>
+          <a:p>
+            <a:endParaRPr lang="ru-RU" sz="1800" b="0" strike="noStrike" spc="-1">
               <a:solidFill>
                 <a:srgbClr val="000000"/>
               </a:solidFill>
@@ -5743,12 +6039,13 @@
           </a:prstGeom>
         </p:spPr>
         <p:txBody>
-          <a:bodyPr lIns="0" rIns="0" tIns="0" bIns="0" anchor="ctr">
+          <a:bodyPr lIns="0" tIns="0" rIns="0" bIns="0" anchor="ctr">
             <a:noAutofit/>
           </a:bodyPr>
+          <a:lstStyle/>
           <a:p>
             <a:pPr algn="ctr"/>
-            <a:endParaRPr b="0" lang="en-US" sz="3200" spc="-1" strike="noStrike">
+            <a:endParaRPr lang="en-US" sz="3200" b="0" strike="noStrike" spc="-1">
               <a:latin typeface="Arial"/>
             </a:endParaRPr>
           </a:p>
@@ -5756,11 +6053,14 @@
       </p:sp>
     </p:spTree>
   </p:cSld>
+  <p:clrMapOvr>
+    <a:masterClrMapping/>
+  </p:clrMapOvr>
 </p:sldLayout>
 </file>
 
 <file path=ppt/slideLayouts/slideLayout27.xml><?xml version="1.0" encoding="utf-8"?>
-<p:sldLayout xmlns:a="http://schemas.openxmlformats.org/drawingml/2006/main" xmlns:p="http://schemas.openxmlformats.org/presentationml/2006/main" xmlns:r="http://schemas.openxmlformats.org/officeDocument/2006/relationships" xmlns:p14="http://schemas.microsoft.com/office/powerpoint/2010/main" xmlns:p15="http://schemas.microsoft.com/office/powerpoint/2012/main" xmlns:mc="http://schemas.openxmlformats.org/markup-compatibility/2006" type="obj" preserve="1">
+<p:sldLayout xmlns:a="http://schemas.openxmlformats.org/drawingml/2006/main" xmlns:r="http://schemas.openxmlformats.org/officeDocument/2006/relationships" xmlns:p="http://schemas.openxmlformats.org/presentationml/2006/main" type="obj" preserve="1">
   <p:cSld name="Title, Content">
     <p:spTree>
       <p:nvGrpSpPr>
@@ -5796,11 +6096,12 @@
           </a:prstGeom>
         </p:spPr>
         <p:txBody>
-          <a:bodyPr lIns="0" rIns="0" tIns="0" bIns="0" anchor="ctr">
+          <a:bodyPr lIns="0" tIns="0" rIns="0" bIns="0" anchor="ctr">
             <a:noAutofit/>
           </a:bodyPr>
-          <a:p>
-            <a:endParaRPr b="0" lang="ru-RU" sz="1800" spc="-1" strike="noStrike">
+          <a:lstStyle/>
+          <a:p>
+            <a:endParaRPr lang="ru-RU" sz="1800" b="0" strike="noStrike" spc="-1">
               <a:solidFill>
                 <a:srgbClr val="000000"/>
               </a:solidFill>
@@ -5829,11 +6130,12 @@
           </a:prstGeom>
         </p:spPr>
         <p:txBody>
-          <a:bodyPr lIns="0" rIns="0" tIns="0" bIns="0">
+          <a:bodyPr lIns="0" tIns="0" rIns="0" bIns="0">
             <a:normAutofit/>
           </a:bodyPr>
-          <a:p>
-            <a:endParaRPr b="0" lang="ru-RU" sz="1800" spc="-1" strike="noStrike">
+          <a:lstStyle/>
+          <a:p>
+            <a:endParaRPr lang="ru-RU" sz="1800" b="0" strike="noStrike" spc="-1">
               <a:solidFill>
                 <a:srgbClr val="000000"/>
               </a:solidFill>
@@ -5844,11 +6146,14 @@
       </p:sp>
     </p:spTree>
   </p:cSld>
+  <p:clrMapOvr>
+    <a:masterClrMapping/>
+  </p:clrMapOvr>
 </p:sldLayout>
 </file>
 
 <file path=ppt/slideLayouts/slideLayout28.xml><?xml version="1.0" encoding="utf-8"?>
-<p:sldLayout xmlns:a="http://schemas.openxmlformats.org/drawingml/2006/main" xmlns:p="http://schemas.openxmlformats.org/presentationml/2006/main" xmlns:r="http://schemas.openxmlformats.org/officeDocument/2006/relationships" xmlns:p14="http://schemas.microsoft.com/office/powerpoint/2010/main" xmlns:p15="http://schemas.microsoft.com/office/powerpoint/2012/main" xmlns:mc="http://schemas.openxmlformats.org/markup-compatibility/2006" type="twoObj" preserve="1">
+<p:sldLayout xmlns:a="http://schemas.openxmlformats.org/drawingml/2006/main" xmlns:r="http://schemas.openxmlformats.org/officeDocument/2006/relationships" xmlns:p="http://schemas.openxmlformats.org/presentationml/2006/main" type="twoObj" preserve="1">
   <p:cSld name="Title, 2 Content">
     <p:spTree>
       <p:nvGrpSpPr>
@@ -5884,11 +6189,12 @@
           </a:prstGeom>
         </p:spPr>
         <p:txBody>
-          <a:bodyPr lIns="0" rIns="0" tIns="0" bIns="0" anchor="ctr">
+          <a:bodyPr lIns="0" tIns="0" rIns="0" bIns="0" anchor="ctr">
             <a:noAutofit/>
           </a:bodyPr>
-          <a:p>
-            <a:endParaRPr b="0" lang="ru-RU" sz="1800" spc="-1" strike="noStrike">
+          <a:lstStyle/>
+          <a:p>
+            <a:endParaRPr lang="ru-RU" sz="1800" b="0" strike="noStrike" spc="-1">
               <a:solidFill>
                 <a:srgbClr val="000000"/>
               </a:solidFill>
@@ -5917,11 +6223,12 @@
           </a:prstGeom>
         </p:spPr>
         <p:txBody>
-          <a:bodyPr lIns="0" rIns="0" tIns="0" bIns="0">
+          <a:bodyPr lIns="0" tIns="0" rIns="0" bIns="0">
             <a:normAutofit/>
           </a:bodyPr>
-          <a:p>
-            <a:endParaRPr b="0" lang="ru-RU" sz="1800" spc="-1" strike="noStrike">
+          <a:lstStyle/>
+          <a:p>
+            <a:endParaRPr lang="ru-RU" sz="1800" b="0" strike="noStrike" spc="-1">
               <a:solidFill>
                 <a:srgbClr val="000000"/>
               </a:solidFill>
@@ -5950,11 +6257,12 @@
           </a:prstGeom>
         </p:spPr>
         <p:txBody>
-          <a:bodyPr lIns="0" rIns="0" tIns="0" bIns="0">
+          <a:bodyPr lIns="0" tIns="0" rIns="0" bIns="0">
             <a:normAutofit/>
           </a:bodyPr>
-          <a:p>
-            <a:endParaRPr b="0" lang="ru-RU" sz="1800" spc="-1" strike="noStrike">
+          <a:lstStyle/>
+          <a:p>
+            <a:endParaRPr lang="ru-RU" sz="1800" b="0" strike="noStrike" spc="-1">
               <a:solidFill>
                 <a:srgbClr val="000000"/>
               </a:solidFill>
@@ -5965,11 +6273,14 @@
       </p:sp>
     </p:spTree>
   </p:cSld>
+  <p:clrMapOvr>
+    <a:masterClrMapping/>
+  </p:clrMapOvr>
 </p:sldLayout>
 </file>
 
 <file path=ppt/slideLayouts/slideLayout29.xml><?xml version="1.0" encoding="utf-8"?>
-<p:sldLayout xmlns:a="http://schemas.openxmlformats.org/drawingml/2006/main" xmlns:p="http://schemas.openxmlformats.org/presentationml/2006/main" xmlns:r="http://schemas.openxmlformats.org/officeDocument/2006/relationships" xmlns:p14="http://schemas.microsoft.com/office/powerpoint/2010/main" xmlns:p15="http://schemas.microsoft.com/office/powerpoint/2012/main" xmlns:mc="http://schemas.openxmlformats.org/markup-compatibility/2006" type="titleOnly" preserve="1">
+<p:sldLayout xmlns:a="http://schemas.openxmlformats.org/drawingml/2006/main" xmlns:r="http://schemas.openxmlformats.org/officeDocument/2006/relationships" xmlns:p="http://schemas.openxmlformats.org/presentationml/2006/main" type="titleOnly" preserve="1">
   <p:cSld name="Title Only">
     <p:spTree>
       <p:nvGrpSpPr>
@@ -6005,11 +6316,12 @@
           </a:prstGeom>
         </p:spPr>
         <p:txBody>
-          <a:bodyPr lIns="0" rIns="0" tIns="0" bIns="0" anchor="ctr">
+          <a:bodyPr lIns="0" tIns="0" rIns="0" bIns="0" anchor="ctr">
             <a:noAutofit/>
           </a:bodyPr>
-          <a:p>
-            <a:endParaRPr b="0" lang="ru-RU" sz="1800" spc="-1" strike="noStrike">
+          <a:lstStyle/>
+          <a:p>
+            <a:endParaRPr lang="ru-RU" sz="1800" b="0" strike="noStrike" spc="-1">
               <a:solidFill>
                 <a:srgbClr val="000000"/>
               </a:solidFill>
@@ -6020,11 +6332,14 @@
       </p:sp>
     </p:spTree>
   </p:cSld>
+  <p:clrMapOvr>
+    <a:masterClrMapping/>
+  </p:clrMapOvr>
 </p:sldLayout>
 </file>
 
 <file path=ppt/slideLayouts/slideLayout3.xml><?xml version="1.0" encoding="utf-8"?>
-<p:sldLayout xmlns:a="http://schemas.openxmlformats.org/drawingml/2006/main" xmlns:p="http://schemas.openxmlformats.org/presentationml/2006/main" xmlns:r="http://schemas.openxmlformats.org/officeDocument/2006/relationships" xmlns:p14="http://schemas.microsoft.com/office/powerpoint/2010/main" xmlns:p15="http://schemas.microsoft.com/office/powerpoint/2012/main" xmlns:mc="http://schemas.openxmlformats.org/markup-compatibility/2006" type="obj" preserve="1">
+<p:sldLayout xmlns:a="http://schemas.openxmlformats.org/drawingml/2006/main" xmlns:r="http://schemas.openxmlformats.org/officeDocument/2006/relationships" xmlns:p="http://schemas.openxmlformats.org/presentationml/2006/main" type="obj" preserve="1">
   <p:cSld name="Title, Content">
     <p:spTree>
       <p:nvGrpSpPr>
@@ -6060,11 +6375,12 @@
           </a:prstGeom>
         </p:spPr>
         <p:txBody>
-          <a:bodyPr lIns="0" rIns="0" tIns="0" bIns="0" anchor="ctr">
+          <a:bodyPr lIns="0" tIns="0" rIns="0" bIns="0" anchor="ctr">
             <a:noAutofit/>
           </a:bodyPr>
-          <a:p>
-            <a:endParaRPr b="0" lang="ru-RU" sz="1800" spc="-1" strike="noStrike">
+          <a:lstStyle/>
+          <a:p>
+            <a:endParaRPr lang="ru-RU" sz="1800" b="0" strike="noStrike" spc="-1">
               <a:solidFill>
                 <a:srgbClr val="000000"/>
               </a:solidFill>
@@ -6093,11 +6409,12 @@
           </a:prstGeom>
         </p:spPr>
         <p:txBody>
-          <a:bodyPr lIns="0" rIns="0" tIns="0" bIns="0">
+          <a:bodyPr lIns="0" tIns="0" rIns="0" bIns="0">
             <a:normAutofit/>
           </a:bodyPr>
-          <a:p>
-            <a:endParaRPr b="0" lang="ru-RU" sz="1800" spc="-1" strike="noStrike">
+          <a:lstStyle/>
+          <a:p>
+            <a:endParaRPr lang="ru-RU" sz="1800" b="0" strike="noStrike" spc="-1">
               <a:solidFill>
                 <a:srgbClr val="000000"/>
               </a:solidFill>
@@ -6108,11 +6425,14 @@
       </p:sp>
     </p:spTree>
   </p:cSld>
+  <p:clrMapOvr>
+    <a:masterClrMapping/>
+  </p:clrMapOvr>
 </p:sldLayout>
 </file>
 
 <file path=ppt/slideLayouts/slideLayout30.xml><?xml version="1.0" encoding="utf-8"?>
-<p:sldLayout xmlns:a="http://schemas.openxmlformats.org/drawingml/2006/main" xmlns:p="http://schemas.openxmlformats.org/presentationml/2006/main" xmlns:r="http://schemas.openxmlformats.org/officeDocument/2006/relationships" xmlns:p14="http://schemas.microsoft.com/office/powerpoint/2010/main" xmlns:p15="http://schemas.microsoft.com/office/powerpoint/2012/main" xmlns:mc="http://schemas.openxmlformats.org/markup-compatibility/2006" type="objOnly" preserve="1">
+<p:sldLayout xmlns:a="http://schemas.openxmlformats.org/drawingml/2006/main" xmlns:r="http://schemas.openxmlformats.org/officeDocument/2006/relationships" xmlns:p="http://schemas.openxmlformats.org/presentationml/2006/main" type="objOnly" preserve="1">
   <p:cSld name="Centered Text">
     <p:spTree>
       <p:nvGrpSpPr>
@@ -6148,12 +6468,13 @@
           </a:prstGeom>
         </p:spPr>
         <p:txBody>
-          <a:bodyPr lIns="0" rIns="0" tIns="0" bIns="0" anchor="ctr">
+          <a:bodyPr lIns="0" tIns="0" rIns="0" bIns="0" anchor="ctr">
             <a:noAutofit/>
           </a:bodyPr>
+          <a:lstStyle/>
           <a:p>
             <a:pPr algn="ctr"/>
-            <a:endParaRPr b="0" lang="en-US" sz="3200" spc="-1" strike="noStrike">
+            <a:endParaRPr lang="en-US" sz="3200" b="0" strike="noStrike" spc="-1">
               <a:latin typeface="Arial"/>
             </a:endParaRPr>
           </a:p>
@@ -6161,11 +6482,14 @@
       </p:sp>
     </p:spTree>
   </p:cSld>
+  <p:clrMapOvr>
+    <a:masterClrMapping/>
+  </p:clrMapOvr>
 </p:sldLayout>
 </file>
 
 <file path=ppt/slideLayouts/slideLayout31.xml><?xml version="1.0" encoding="utf-8"?>
-<p:sldLayout xmlns:a="http://schemas.openxmlformats.org/drawingml/2006/main" xmlns:p="http://schemas.openxmlformats.org/presentationml/2006/main" xmlns:r="http://schemas.openxmlformats.org/officeDocument/2006/relationships" xmlns:p14="http://schemas.microsoft.com/office/powerpoint/2010/main" xmlns:p15="http://schemas.microsoft.com/office/powerpoint/2012/main" xmlns:mc="http://schemas.openxmlformats.org/markup-compatibility/2006" type="twoObjAndObj" preserve="1">
+<p:sldLayout xmlns:a="http://schemas.openxmlformats.org/drawingml/2006/main" xmlns:r="http://schemas.openxmlformats.org/officeDocument/2006/relationships" xmlns:p="http://schemas.openxmlformats.org/presentationml/2006/main" type="twoObjAndObj" preserve="1">
   <p:cSld name="Title, 2 Content and Content">
     <p:spTree>
       <p:nvGrpSpPr>
@@ -6201,11 +6525,12 @@
           </a:prstGeom>
         </p:spPr>
         <p:txBody>
-          <a:bodyPr lIns="0" rIns="0" tIns="0" bIns="0" anchor="ctr">
+          <a:bodyPr lIns="0" tIns="0" rIns="0" bIns="0" anchor="ctr">
             <a:noAutofit/>
           </a:bodyPr>
-          <a:p>
-            <a:endParaRPr b="0" lang="ru-RU" sz="1800" spc="-1" strike="noStrike">
+          <a:lstStyle/>
+          <a:p>
+            <a:endParaRPr lang="ru-RU" sz="1800" b="0" strike="noStrike" spc="-1">
               <a:solidFill>
                 <a:srgbClr val="000000"/>
               </a:solidFill>
@@ -6234,11 +6559,12 @@
           </a:prstGeom>
         </p:spPr>
         <p:txBody>
-          <a:bodyPr lIns="0" rIns="0" tIns="0" bIns="0">
+          <a:bodyPr lIns="0" tIns="0" rIns="0" bIns="0">
             <a:normAutofit/>
           </a:bodyPr>
-          <a:p>
-            <a:endParaRPr b="0" lang="ru-RU" sz="1800" spc="-1" strike="noStrike">
+          <a:lstStyle/>
+          <a:p>
+            <a:endParaRPr lang="ru-RU" sz="1800" b="0" strike="noStrike" spc="-1">
               <a:solidFill>
                 <a:srgbClr val="000000"/>
               </a:solidFill>
@@ -6267,11 +6593,12 @@
           </a:prstGeom>
         </p:spPr>
         <p:txBody>
-          <a:bodyPr lIns="0" rIns="0" tIns="0" bIns="0">
+          <a:bodyPr lIns="0" tIns="0" rIns="0" bIns="0">
             <a:normAutofit/>
           </a:bodyPr>
-          <a:p>
-            <a:endParaRPr b="0" lang="ru-RU" sz="1800" spc="-1" strike="noStrike">
+          <a:lstStyle/>
+          <a:p>
+            <a:endParaRPr lang="ru-RU" sz="1800" b="0" strike="noStrike" spc="-1">
               <a:solidFill>
                 <a:srgbClr val="000000"/>
               </a:solidFill>
@@ -6300,11 +6627,12 @@
           </a:prstGeom>
         </p:spPr>
         <p:txBody>
-          <a:bodyPr lIns="0" rIns="0" tIns="0" bIns="0">
+          <a:bodyPr lIns="0" tIns="0" rIns="0" bIns="0">
             <a:normAutofit/>
           </a:bodyPr>
-          <a:p>
-            <a:endParaRPr b="0" lang="ru-RU" sz="1800" spc="-1" strike="noStrike">
+          <a:lstStyle/>
+          <a:p>
+            <a:endParaRPr lang="ru-RU" sz="1800" b="0" strike="noStrike" spc="-1">
               <a:solidFill>
                 <a:srgbClr val="000000"/>
               </a:solidFill>
@@ -6315,11 +6643,14 @@
       </p:sp>
     </p:spTree>
   </p:cSld>
+  <p:clrMapOvr>
+    <a:masterClrMapping/>
+  </p:clrMapOvr>
 </p:sldLayout>
 </file>
 
 <file path=ppt/slideLayouts/slideLayout32.xml><?xml version="1.0" encoding="utf-8"?>
-<p:sldLayout xmlns:a="http://schemas.openxmlformats.org/drawingml/2006/main" xmlns:p="http://schemas.openxmlformats.org/presentationml/2006/main" xmlns:r="http://schemas.openxmlformats.org/officeDocument/2006/relationships" xmlns:p14="http://schemas.microsoft.com/office/powerpoint/2010/main" xmlns:p15="http://schemas.microsoft.com/office/powerpoint/2012/main" xmlns:mc="http://schemas.openxmlformats.org/markup-compatibility/2006" type="objAndTwoObj" preserve="1">
+<p:sldLayout xmlns:a="http://schemas.openxmlformats.org/drawingml/2006/main" xmlns:r="http://schemas.openxmlformats.org/officeDocument/2006/relationships" xmlns:p="http://schemas.openxmlformats.org/presentationml/2006/main" type="objAndTwoObj" preserve="1">
   <p:cSld name="Title Content and 2 Content">
     <p:spTree>
       <p:nvGrpSpPr>
@@ -6355,11 +6686,12 @@
           </a:prstGeom>
         </p:spPr>
         <p:txBody>
-          <a:bodyPr lIns="0" rIns="0" tIns="0" bIns="0" anchor="ctr">
+          <a:bodyPr lIns="0" tIns="0" rIns="0" bIns="0" anchor="ctr">
             <a:noAutofit/>
           </a:bodyPr>
-          <a:p>
-            <a:endParaRPr b="0" lang="ru-RU" sz="1800" spc="-1" strike="noStrike">
+          <a:lstStyle/>
+          <a:p>
+            <a:endParaRPr lang="ru-RU" sz="1800" b="0" strike="noStrike" spc="-1">
               <a:solidFill>
                 <a:srgbClr val="000000"/>
               </a:solidFill>
@@ -6388,11 +6720,12 @@
           </a:prstGeom>
         </p:spPr>
         <p:txBody>
-          <a:bodyPr lIns="0" rIns="0" tIns="0" bIns="0">
+          <a:bodyPr lIns="0" tIns="0" rIns="0" bIns="0">
             <a:normAutofit/>
           </a:bodyPr>
-          <a:p>
-            <a:endParaRPr b="0" lang="ru-RU" sz="1800" spc="-1" strike="noStrike">
+          <a:lstStyle/>
+          <a:p>
+            <a:endParaRPr lang="ru-RU" sz="1800" b="0" strike="noStrike" spc="-1">
               <a:solidFill>
                 <a:srgbClr val="000000"/>
               </a:solidFill>
@@ -6421,11 +6754,12 @@
           </a:prstGeom>
         </p:spPr>
         <p:txBody>
-          <a:bodyPr lIns="0" rIns="0" tIns="0" bIns="0">
+          <a:bodyPr lIns="0" tIns="0" rIns="0" bIns="0">
             <a:normAutofit/>
           </a:bodyPr>
-          <a:p>
-            <a:endParaRPr b="0" lang="ru-RU" sz="1800" spc="-1" strike="noStrike">
+          <a:lstStyle/>
+          <a:p>
+            <a:endParaRPr lang="ru-RU" sz="1800" b="0" strike="noStrike" spc="-1">
               <a:solidFill>
                 <a:srgbClr val="000000"/>
               </a:solidFill>
@@ -6454,11 +6788,12 @@
           </a:prstGeom>
         </p:spPr>
         <p:txBody>
-          <a:bodyPr lIns="0" rIns="0" tIns="0" bIns="0">
+          <a:bodyPr lIns="0" tIns="0" rIns="0" bIns="0">
             <a:normAutofit/>
           </a:bodyPr>
-          <a:p>
-            <a:endParaRPr b="0" lang="ru-RU" sz="1800" spc="-1" strike="noStrike">
+          <a:lstStyle/>
+          <a:p>
+            <a:endParaRPr lang="ru-RU" sz="1800" b="0" strike="noStrike" spc="-1">
               <a:solidFill>
                 <a:srgbClr val="000000"/>
               </a:solidFill>
@@ -6469,11 +6804,14 @@
       </p:sp>
     </p:spTree>
   </p:cSld>
+  <p:clrMapOvr>
+    <a:masterClrMapping/>
+  </p:clrMapOvr>
 </p:sldLayout>
 </file>
 
 <file path=ppt/slideLayouts/slideLayout33.xml><?xml version="1.0" encoding="utf-8"?>
-<p:sldLayout xmlns:a="http://schemas.openxmlformats.org/drawingml/2006/main" xmlns:p="http://schemas.openxmlformats.org/presentationml/2006/main" xmlns:r="http://schemas.openxmlformats.org/officeDocument/2006/relationships" xmlns:p14="http://schemas.microsoft.com/office/powerpoint/2010/main" xmlns:p15="http://schemas.microsoft.com/office/powerpoint/2012/main" xmlns:mc="http://schemas.openxmlformats.org/markup-compatibility/2006" type="twoObjOverTx" preserve="1">
+<p:sldLayout xmlns:a="http://schemas.openxmlformats.org/drawingml/2006/main" xmlns:r="http://schemas.openxmlformats.org/officeDocument/2006/relationships" xmlns:p="http://schemas.openxmlformats.org/presentationml/2006/main" type="twoObjOverTx" preserve="1">
   <p:cSld name="Title, 2 Content over Content">
     <p:spTree>
       <p:nvGrpSpPr>
@@ -6509,11 +6847,12 @@
           </a:prstGeom>
         </p:spPr>
         <p:txBody>
-          <a:bodyPr lIns="0" rIns="0" tIns="0" bIns="0" anchor="ctr">
+          <a:bodyPr lIns="0" tIns="0" rIns="0" bIns="0" anchor="ctr">
             <a:noAutofit/>
           </a:bodyPr>
-          <a:p>
-            <a:endParaRPr b="0" lang="ru-RU" sz="1800" spc="-1" strike="noStrike">
+          <a:lstStyle/>
+          <a:p>
+            <a:endParaRPr lang="ru-RU" sz="1800" b="0" strike="noStrike" spc="-1">
               <a:solidFill>
                 <a:srgbClr val="000000"/>
               </a:solidFill>
@@ -6542,11 +6881,12 @@
           </a:prstGeom>
         </p:spPr>
         <p:txBody>
-          <a:bodyPr lIns="0" rIns="0" tIns="0" bIns="0">
+          <a:bodyPr lIns="0" tIns="0" rIns="0" bIns="0">
             <a:normAutofit/>
           </a:bodyPr>
-          <a:p>
-            <a:endParaRPr b="0" lang="ru-RU" sz="1800" spc="-1" strike="noStrike">
+          <a:lstStyle/>
+          <a:p>
+            <a:endParaRPr lang="ru-RU" sz="1800" b="0" strike="noStrike" spc="-1">
               <a:solidFill>
                 <a:srgbClr val="000000"/>
               </a:solidFill>
@@ -6575,11 +6915,12 @@
           </a:prstGeom>
         </p:spPr>
         <p:txBody>
-          <a:bodyPr lIns="0" rIns="0" tIns="0" bIns="0">
+          <a:bodyPr lIns="0" tIns="0" rIns="0" bIns="0">
             <a:normAutofit/>
           </a:bodyPr>
-          <a:p>
-            <a:endParaRPr b="0" lang="ru-RU" sz="1800" spc="-1" strike="noStrike">
+          <a:lstStyle/>
+          <a:p>
+            <a:endParaRPr lang="ru-RU" sz="1800" b="0" strike="noStrike" spc="-1">
               <a:solidFill>
                 <a:srgbClr val="000000"/>
               </a:solidFill>
@@ -6608,11 +6949,12 @@
           </a:prstGeom>
         </p:spPr>
         <p:txBody>
-          <a:bodyPr lIns="0" rIns="0" tIns="0" bIns="0">
+          <a:bodyPr lIns="0" tIns="0" rIns="0" bIns="0">
             <a:normAutofit/>
           </a:bodyPr>
-          <a:p>
-            <a:endParaRPr b="0" lang="ru-RU" sz="1800" spc="-1" strike="noStrike">
+          <a:lstStyle/>
+          <a:p>
+            <a:endParaRPr lang="ru-RU" sz="1800" b="0" strike="noStrike" spc="-1">
               <a:solidFill>
                 <a:srgbClr val="000000"/>
               </a:solidFill>
@@ -6623,11 +6965,14 @@
       </p:sp>
     </p:spTree>
   </p:cSld>
+  <p:clrMapOvr>
+    <a:masterClrMapping/>
+  </p:clrMapOvr>
 </p:sldLayout>
 </file>
 
 <file path=ppt/slideLayouts/slideLayout34.xml><?xml version="1.0" encoding="utf-8"?>
-<p:sldLayout xmlns:a="http://schemas.openxmlformats.org/drawingml/2006/main" xmlns:p="http://schemas.openxmlformats.org/presentationml/2006/main" xmlns:r="http://schemas.openxmlformats.org/officeDocument/2006/relationships" xmlns:p14="http://schemas.microsoft.com/office/powerpoint/2010/main" xmlns:p15="http://schemas.microsoft.com/office/powerpoint/2012/main" xmlns:mc="http://schemas.openxmlformats.org/markup-compatibility/2006" type="objOverTx" preserve="1">
+<p:sldLayout xmlns:a="http://schemas.openxmlformats.org/drawingml/2006/main" xmlns:r="http://schemas.openxmlformats.org/officeDocument/2006/relationships" xmlns:p="http://schemas.openxmlformats.org/presentationml/2006/main" type="objOverTx" preserve="1">
   <p:cSld name="Title, Content over Content">
     <p:spTree>
       <p:nvGrpSpPr>
@@ -6663,11 +7008,12 @@
           </a:prstGeom>
         </p:spPr>
         <p:txBody>
-          <a:bodyPr lIns="0" rIns="0" tIns="0" bIns="0" anchor="ctr">
+          <a:bodyPr lIns="0" tIns="0" rIns="0" bIns="0" anchor="ctr">
             <a:noAutofit/>
           </a:bodyPr>
-          <a:p>
-            <a:endParaRPr b="0" lang="ru-RU" sz="1800" spc="-1" strike="noStrike">
+          <a:lstStyle/>
+          <a:p>
+            <a:endParaRPr lang="ru-RU" sz="1800" b="0" strike="noStrike" spc="-1">
               <a:solidFill>
                 <a:srgbClr val="000000"/>
               </a:solidFill>
@@ -6696,11 +7042,12 @@
           </a:prstGeom>
         </p:spPr>
         <p:txBody>
-          <a:bodyPr lIns="0" rIns="0" tIns="0" bIns="0">
+          <a:bodyPr lIns="0" tIns="0" rIns="0" bIns="0">
             <a:normAutofit/>
           </a:bodyPr>
-          <a:p>
-            <a:endParaRPr b="0" lang="ru-RU" sz="1800" spc="-1" strike="noStrike">
+          <a:lstStyle/>
+          <a:p>
+            <a:endParaRPr lang="ru-RU" sz="1800" b="0" strike="noStrike" spc="-1">
               <a:solidFill>
                 <a:srgbClr val="000000"/>
               </a:solidFill>
@@ -6729,11 +7076,12 @@
           </a:prstGeom>
         </p:spPr>
         <p:txBody>
-          <a:bodyPr lIns="0" rIns="0" tIns="0" bIns="0">
+          <a:bodyPr lIns="0" tIns="0" rIns="0" bIns="0">
             <a:normAutofit/>
           </a:bodyPr>
-          <a:p>
-            <a:endParaRPr b="0" lang="ru-RU" sz="1800" spc="-1" strike="noStrike">
+          <a:lstStyle/>
+          <a:p>
+            <a:endParaRPr lang="ru-RU" sz="1800" b="0" strike="noStrike" spc="-1">
               <a:solidFill>
                 <a:srgbClr val="000000"/>
               </a:solidFill>
@@ -6744,11 +7092,14 @@
       </p:sp>
     </p:spTree>
   </p:cSld>
+  <p:clrMapOvr>
+    <a:masterClrMapping/>
+  </p:clrMapOvr>
 </p:sldLayout>
 </file>
 
 <file path=ppt/slideLayouts/slideLayout35.xml><?xml version="1.0" encoding="utf-8"?>
-<p:sldLayout xmlns:a="http://schemas.openxmlformats.org/drawingml/2006/main" xmlns:p="http://schemas.openxmlformats.org/presentationml/2006/main" xmlns:r="http://schemas.openxmlformats.org/officeDocument/2006/relationships" xmlns:p14="http://schemas.microsoft.com/office/powerpoint/2010/main" xmlns:p15="http://schemas.microsoft.com/office/powerpoint/2012/main" xmlns:mc="http://schemas.openxmlformats.org/markup-compatibility/2006" type="fourObj" preserve="1">
+<p:sldLayout xmlns:a="http://schemas.openxmlformats.org/drawingml/2006/main" xmlns:r="http://schemas.openxmlformats.org/officeDocument/2006/relationships" xmlns:p="http://schemas.openxmlformats.org/presentationml/2006/main" type="fourObj" preserve="1">
   <p:cSld name="Title, 4 Content">
     <p:spTree>
       <p:nvGrpSpPr>
@@ -6784,11 +7135,12 @@
           </a:prstGeom>
         </p:spPr>
         <p:txBody>
-          <a:bodyPr lIns="0" rIns="0" tIns="0" bIns="0" anchor="ctr">
+          <a:bodyPr lIns="0" tIns="0" rIns="0" bIns="0" anchor="ctr">
             <a:noAutofit/>
           </a:bodyPr>
-          <a:p>
-            <a:endParaRPr b="0" lang="ru-RU" sz="1800" spc="-1" strike="noStrike">
+          <a:lstStyle/>
+          <a:p>
+            <a:endParaRPr lang="ru-RU" sz="1800" b="0" strike="noStrike" spc="-1">
               <a:solidFill>
                 <a:srgbClr val="000000"/>
               </a:solidFill>
@@ -6817,11 +7169,12 @@
           </a:prstGeom>
         </p:spPr>
         <p:txBody>
-          <a:bodyPr lIns="0" rIns="0" tIns="0" bIns="0">
+          <a:bodyPr lIns="0" tIns="0" rIns="0" bIns="0">
             <a:normAutofit/>
           </a:bodyPr>
-          <a:p>
-            <a:endParaRPr b="0" lang="ru-RU" sz="1800" spc="-1" strike="noStrike">
+          <a:lstStyle/>
+          <a:p>
+            <a:endParaRPr lang="ru-RU" sz="1800" b="0" strike="noStrike" spc="-1">
               <a:solidFill>
                 <a:srgbClr val="000000"/>
               </a:solidFill>
@@ -6850,11 +7203,12 @@
           </a:prstGeom>
         </p:spPr>
         <p:txBody>
-          <a:bodyPr lIns="0" rIns="0" tIns="0" bIns="0">
+          <a:bodyPr lIns="0" tIns="0" rIns="0" bIns="0">
             <a:normAutofit/>
           </a:bodyPr>
-          <a:p>
-            <a:endParaRPr b="0" lang="ru-RU" sz="1800" spc="-1" strike="noStrike">
+          <a:lstStyle/>
+          <a:p>
+            <a:endParaRPr lang="ru-RU" sz="1800" b="0" strike="noStrike" spc="-1">
               <a:solidFill>
                 <a:srgbClr val="000000"/>
               </a:solidFill>
@@ -6883,11 +7237,12 @@
           </a:prstGeom>
         </p:spPr>
         <p:txBody>
-          <a:bodyPr lIns="0" rIns="0" tIns="0" bIns="0">
+          <a:bodyPr lIns="0" tIns="0" rIns="0" bIns="0">
             <a:normAutofit/>
           </a:bodyPr>
-          <a:p>
-            <a:endParaRPr b="0" lang="ru-RU" sz="1800" spc="-1" strike="noStrike">
+          <a:lstStyle/>
+          <a:p>
+            <a:endParaRPr lang="ru-RU" sz="1800" b="0" strike="noStrike" spc="-1">
               <a:solidFill>
                 <a:srgbClr val="000000"/>
               </a:solidFill>
@@ -6916,11 +7271,12 @@
           </a:prstGeom>
         </p:spPr>
         <p:txBody>
-          <a:bodyPr lIns="0" rIns="0" tIns="0" bIns="0">
+          <a:bodyPr lIns="0" tIns="0" rIns="0" bIns="0">
             <a:normAutofit/>
           </a:bodyPr>
-          <a:p>
-            <a:endParaRPr b="0" lang="ru-RU" sz="1800" spc="-1" strike="noStrike">
+          <a:lstStyle/>
+          <a:p>
+            <a:endParaRPr lang="ru-RU" sz="1800" b="0" strike="noStrike" spc="-1">
               <a:solidFill>
                 <a:srgbClr val="000000"/>
               </a:solidFill>
@@ -6931,11 +7287,14 @@
       </p:sp>
     </p:spTree>
   </p:cSld>
+  <p:clrMapOvr>
+    <a:masterClrMapping/>
+  </p:clrMapOvr>
 </p:sldLayout>
 </file>
 
 <file path=ppt/slideLayouts/slideLayout36.xml><?xml version="1.0" encoding="utf-8"?>
-<p:sldLayout xmlns:a="http://schemas.openxmlformats.org/drawingml/2006/main" xmlns:p="http://schemas.openxmlformats.org/presentationml/2006/main" xmlns:r="http://schemas.openxmlformats.org/officeDocument/2006/relationships" xmlns:p14="http://schemas.microsoft.com/office/powerpoint/2010/main" xmlns:p15="http://schemas.microsoft.com/office/powerpoint/2012/main" xmlns:mc="http://schemas.openxmlformats.org/markup-compatibility/2006" type="blank" preserve="1">
+<p:sldLayout xmlns:a="http://schemas.openxmlformats.org/drawingml/2006/main" xmlns:r="http://schemas.openxmlformats.org/officeDocument/2006/relationships" xmlns:p="http://schemas.openxmlformats.org/presentationml/2006/main" type="blank" preserve="1">
   <p:cSld name="Title, 6 Content">
     <p:spTree>
       <p:nvGrpSpPr>
@@ -6971,11 +7330,12 @@
           </a:prstGeom>
         </p:spPr>
         <p:txBody>
-          <a:bodyPr lIns="0" rIns="0" tIns="0" bIns="0" anchor="ctr">
+          <a:bodyPr lIns="0" tIns="0" rIns="0" bIns="0" anchor="ctr">
             <a:noAutofit/>
           </a:bodyPr>
-          <a:p>
-            <a:endParaRPr b="0" lang="ru-RU" sz="1800" spc="-1" strike="noStrike">
+          <a:lstStyle/>
+          <a:p>
+            <a:endParaRPr lang="ru-RU" sz="1800" b="0" strike="noStrike" spc="-1">
               <a:solidFill>
                 <a:srgbClr val="000000"/>
               </a:solidFill>
@@ -7004,11 +7364,12 @@
           </a:prstGeom>
         </p:spPr>
         <p:txBody>
-          <a:bodyPr lIns="0" rIns="0" tIns="0" bIns="0">
+          <a:bodyPr lIns="0" tIns="0" rIns="0" bIns="0">
             <a:normAutofit/>
           </a:bodyPr>
-          <a:p>
-            <a:endParaRPr b="0" lang="ru-RU" sz="1800" spc="-1" strike="noStrike">
+          <a:lstStyle/>
+          <a:p>
+            <a:endParaRPr lang="ru-RU" sz="1800" b="0" strike="noStrike" spc="-1">
               <a:solidFill>
                 <a:srgbClr val="000000"/>
               </a:solidFill>
@@ -7037,11 +7398,12 @@
           </a:prstGeom>
         </p:spPr>
         <p:txBody>
-          <a:bodyPr lIns="0" rIns="0" tIns="0" bIns="0">
+          <a:bodyPr lIns="0" tIns="0" rIns="0" bIns="0">
             <a:normAutofit/>
           </a:bodyPr>
-          <a:p>
-            <a:endParaRPr b="0" lang="ru-RU" sz="1800" spc="-1" strike="noStrike">
+          <a:lstStyle/>
+          <a:p>
+            <a:endParaRPr lang="ru-RU" sz="1800" b="0" strike="noStrike" spc="-1">
               <a:solidFill>
                 <a:srgbClr val="000000"/>
               </a:solidFill>
@@ -7070,11 +7432,12 @@
           </a:prstGeom>
         </p:spPr>
         <p:txBody>
-          <a:bodyPr lIns="0" rIns="0" tIns="0" bIns="0">
+          <a:bodyPr lIns="0" tIns="0" rIns="0" bIns="0">
             <a:normAutofit/>
           </a:bodyPr>
-          <a:p>
-            <a:endParaRPr b="0" lang="ru-RU" sz="1800" spc="-1" strike="noStrike">
+          <a:lstStyle/>
+          <a:p>
+            <a:endParaRPr lang="ru-RU" sz="1800" b="0" strike="noStrike" spc="-1">
               <a:solidFill>
                 <a:srgbClr val="000000"/>
               </a:solidFill>
@@ -7103,11 +7466,12 @@
           </a:prstGeom>
         </p:spPr>
         <p:txBody>
-          <a:bodyPr lIns="0" rIns="0" tIns="0" bIns="0">
+          <a:bodyPr lIns="0" tIns="0" rIns="0" bIns="0">
             <a:normAutofit/>
           </a:bodyPr>
-          <a:p>
-            <a:endParaRPr b="0" lang="ru-RU" sz="1800" spc="-1" strike="noStrike">
+          <a:lstStyle/>
+          <a:p>
+            <a:endParaRPr lang="ru-RU" sz="1800" b="0" strike="noStrike" spc="-1">
               <a:solidFill>
                 <a:srgbClr val="000000"/>
               </a:solidFill>
@@ -7136,11 +7500,12 @@
           </a:prstGeom>
         </p:spPr>
         <p:txBody>
-          <a:bodyPr lIns="0" rIns="0" tIns="0" bIns="0">
+          <a:bodyPr lIns="0" tIns="0" rIns="0" bIns="0">
             <a:normAutofit/>
           </a:bodyPr>
-          <a:p>
-            <a:endParaRPr b="0" lang="ru-RU" sz="1800" spc="-1" strike="noStrike">
+          <a:lstStyle/>
+          <a:p>
+            <a:endParaRPr lang="ru-RU" sz="1800" b="0" strike="noStrike" spc="-1">
               <a:solidFill>
                 <a:srgbClr val="000000"/>
               </a:solidFill>
@@ -7169,11 +7534,12 @@
           </a:prstGeom>
         </p:spPr>
         <p:txBody>
-          <a:bodyPr lIns="0" rIns="0" tIns="0" bIns="0">
+          <a:bodyPr lIns="0" tIns="0" rIns="0" bIns="0">
             <a:normAutofit/>
           </a:bodyPr>
-          <a:p>
-            <a:endParaRPr b="0" lang="ru-RU" sz="1800" spc="-1" strike="noStrike">
+          <a:lstStyle/>
+          <a:p>
+            <a:endParaRPr lang="ru-RU" sz="1800" b="0" strike="noStrike" spc="-1">
               <a:solidFill>
                 <a:srgbClr val="000000"/>
               </a:solidFill>
@@ -7184,11 +7550,447 @@
       </p:sp>
     </p:spTree>
   </p:cSld>
+  <p:clrMapOvr>
+    <a:masterClrMapping/>
+  </p:clrMapOvr>
+</p:sldLayout>
+</file>
+
+<file path=ppt/slideLayouts/slideLayout37.xml><?xml version="1.0" encoding="utf-8"?>
+<p:sldLayout xmlns:a="http://schemas.openxmlformats.org/drawingml/2006/main" xmlns:r="http://schemas.openxmlformats.org/officeDocument/2006/relationships" xmlns:p="http://schemas.openxmlformats.org/presentationml/2006/main" showMasterSp="0" type="picTx">
+  <p:cSld name="Picture with Caption">
+    <p:spTree>
+      <p:nvGrpSpPr>
+        <p:cNvPr id="1" name=""/>
+        <p:cNvGrpSpPr/>
+        <p:nvPr/>
+      </p:nvGrpSpPr>
+      <p:grpSpPr>
+        <a:xfrm>
+          <a:off x="0" y="0"/>
+          <a:ext cx="0" cy="0"/>
+          <a:chOff x="0" y="0"/>
+          <a:chExt cx="0" cy="0"/>
+        </a:xfrm>
+      </p:grpSpPr>
+      <p:sp>
+        <p:nvSpPr>
+          <p:cNvPr id="11" name="Rectangle 10">
+            <a:extLst>
+              <a:ext uri="{FF2B5EF4-FFF2-40B4-BE49-F238E27FC236}">
+                <a16:creationId xmlns:a16="http://schemas.microsoft.com/office/drawing/2014/main" id="{E687CA98-D9C7-497F-A1DA-7D22F8753BCE}"/>
+              </a:ext>
+            </a:extLst>
+          </p:cNvPr>
+          <p:cNvSpPr/>
+          <p:nvPr/>
+        </p:nvSpPr>
+        <p:spPr>
+          <a:xfrm>
+            <a:off x="8119870" y="237744"/>
+            <a:ext cx="3826596" cy="6382512"/>
+          </a:xfrm>
+          <a:prstGeom prst="rect">
+            <a:avLst/>
+          </a:prstGeom>
+          <a:solidFill>
+            <a:schemeClr val="bg1">
+              <a:lumMod val="85000"/>
+              <a:alpha val="60000"/>
+            </a:schemeClr>
+          </a:solidFill>
+          <a:ln>
+            <a:noFill/>
+          </a:ln>
+        </p:spPr>
+        <p:style>
+          <a:lnRef idx="2">
+            <a:schemeClr val="accent1">
+              <a:shade val="50000"/>
+            </a:schemeClr>
+          </a:lnRef>
+          <a:fillRef idx="1">
+            <a:schemeClr val="accent1"/>
+          </a:fillRef>
+          <a:effectRef idx="0">
+            <a:schemeClr val="accent1"/>
+          </a:effectRef>
+          <a:fontRef idx="minor">
+            <a:schemeClr val="lt1"/>
+          </a:fontRef>
+        </p:style>
+      </p:sp>
+      <p:sp>
+        <p:nvSpPr>
+          <p:cNvPr id="3" name="Picture Placeholder 2"/>
+          <p:cNvSpPr>
+            <a:spLocks noGrp="1" noChangeAspect="1"/>
+          </p:cNvSpPr>
+          <p:nvPr>
+            <p:ph type="pic" idx="1"/>
+          </p:nvPr>
+        </p:nvSpPr>
+        <p:spPr>
+          <a:xfrm>
+            <a:off x="228599" y="237744"/>
+            <a:ext cx="7696201" cy="6382512"/>
+          </a:xfrm>
+          <a:solidFill>
+            <a:schemeClr val="accent1">
+              <a:lumMod val="60000"/>
+              <a:lumOff val="40000"/>
+            </a:schemeClr>
+          </a:solidFill>
+          <a:ln>
+            <a:noFill/>
+          </a:ln>
+        </p:spPr>
+        <p:txBody>
+          <a:bodyPr anchor="t"/>
+          <a:lstStyle>
+            <a:lvl1pPr marL="0" indent="0">
+              <a:buNone/>
+              <a:defRPr sz="3200"/>
+            </a:lvl1pPr>
+            <a:lvl2pPr marL="457200" indent="0">
+              <a:buNone/>
+              <a:defRPr sz="2800"/>
+            </a:lvl2pPr>
+            <a:lvl3pPr marL="914400" indent="0">
+              <a:buNone/>
+              <a:defRPr sz="2400"/>
+            </a:lvl3pPr>
+            <a:lvl4pPr marL="1371600" indent="0">
+              <a:buNone/>
+              <a:defRPr sz="2000"/>
+            </a:lvl4pPr>
+            <a:lvl5pPr marL="1828800" indent="0">
+              <a:buNone/>
+              <a:defRPr sz="2000"/>
+            </a:lvl5pPr>
+            <a:lvl6pPr marL="2286000" indent="0">
+              <a:buNone/>
+              <a:defRPr sz="2000"/>
+            </a:lvl6pPr>
+            <a:lvl7pPr marL="2743200" indent="0">
+              <a:buNone/>
+              <a:defRPr sz="2000"/>
+            </a:lvl7pPr>
+            <a:lvl8pPr marL="3200400" indent="0">
+              <a:buNone/>
+              <a:defRPr sz="2000"/>
+            </a:lvl8pPr>
+            <a:lvl9pPr marL="3657600" indent="0">
+              <a:buNone/>
+              <a:defRPr sz="2000"/>
+            </a:lvl9pPr>
+          </a:lstStyle>
+          <a:p>
+            <a:r>
+              <a:rPr lang="en-US"/>
+              <a:t>Click icon to add picture</a:t>
+            </a:r>
+            <a:endParaRPr lang="en-US" dirty="0"/>
+          </a:p>
+        </p:txBody>
+      </p:sp>
+      <p:sp>
+        <p:nvSpPr>
+          <p:cNvPr id="5" name="Date Placeholder 4"/>
+          <p:cNvSpPr>
+            <a:spLocks noGrp="1"/>
+          </p:cNvSpPr>
+          <p:nvPr>
+            <p:ph type="dt" sz="half" idx="10"/>
+          </p:nvPr>
+        </p:nvSpPr>
+        <p:spPr>
+          <a:xfrm>
+            <a:off x="5662337" y="6035040"/>
+            <a:ext cx="2071963" cy="365760"/>
+          </a:xfrm>
+        </p:spPr>
+        <p:txBody>
+          <a:bodyPr/>
+          <a:lstStyle>
+            <a:lvl1pPr>
+              <a:defRPr b="1">
+                <a:solidFill>
+                  <a:srgbClr val="FFFFFF"/>
+                </a:solidFill>
+                <a:effectLst>
+                  <a:outerShdw blurRad="19050" dist="6350" dir="2700000" algn="tl" rotWithShape="0">
+                    <a:prstClr val="black">
+                      <a:alpha val="40000"/>
+                    </a:prstClr>
+                  </a:outerShdw>
+                </a:effectLst>
+              </a:defRPr>
+            </a:lvl1pPr>
+          </a:lstStyle>
+          <a:p>
+            <a:fld id="{E778CE86-875F-4587-BCF6-FA054AFC0D53}" type="datetime1">
+              <a:rPr lang="en-US" smtClean="0"/>
+              <a:pPr/>
+              <a:t>6/6/2022</a:t>
+            </a:fld>
+            <a:endParaRPr lang="en-US" dirty="0"/>
+          </a:p>
+        </p:txBody>
+      </p:sp>
+      <p:sp>
+        <p:nvSpPr>
+          <p:cNvPr id="6" name="Footer Placeholder 5"/>
+          <p:cNvSpPr>
+            <a:spLocks noGrp="1"/>
+          </p:cNvSpPr>
+          <p:nvPr>
+            <p:ph type="ftr" sz="quarter" idx="11"/>
+          </p:nvPr>
+        </p:nvSpPr>
+        <p:spPr>
+          <a:xfrm>
+            <a:off x="612648" y="6035040"/>
+            <a:ext cx="4588002" cy="365760"/>
+          </a:xfrm>
+        </p:spPr>
+        <p:txBody>
+          <a:bodyPr/>
+          <a:lstStyle>
+            <a:lvl1pPr marL="0" algn="r" defTabSz="914400" rtl="0" eaLnBrk="1" latinLnBrk="0" hangingPunct="1">
+              <a:defRPr lang="en-US" sz="1000" b="1" kern="1200" dirty="0">
+                <a:solidFill>
+                  <a:srgbClr val="FFFFFF"/>
+                </a:solidFill>
+                <a:effectLst>
+                  <a:outerShdw blurRad="19050" dist="6350" dir="2700000" algn="tl" rotWithShape="0">
+                    <a:prstClr val="black">
+                      <a:alpha val="40000"/>
+                    </a:prstClr>
+                  </a:outerShdw>
+                </a:effectLst>
+                <a:latin typeface="+mn-lt"/>
+                <a:ea typeface="+mn-ea"/>
+                <a:cs typeface="+mn-cs"/>
+              </a:defRPr>
+            </a:lvl1pPr>
+          </a:lstStyle>
+          <a:p>
+            <a:pPr algn="l"/>
+            <a:endParaRPr lang="en-US" dirty="0"/>
+          </a:p>
+        </p:txBody>
+      </p:sp>
+      <p:sp>
+        <p:nvSpPr>
+          <p:cNvPr id="7" name="Slide Number Placeholder 6"/>
+          <p:cNvSpPr>
+            <a:spLocks noGrp="1"/>
+          </p:cNvSpPr>
+          <p:nvPr>
+            <p:ph type="sldNum" sz="quarter" idx="12"/>
+          </p:nvPr>
+        </p:nvSpPr>
+        <p:spPr>
+          <a:xfrm>
+            <a:off x="10396728" y="6035040"/>
+            <a:ext cx="1225296" cy="365760"/>
+          </a:xfrm>
+        </p:spPr>
+        <p:txBody>
+          <a:bodyPr/>
+          <a:lstStyle/>
+          <a:p>
+            <a:fld id="{34B7E4EF-A1BD-40F4-AB7B-04F084DD991D}" type="slidenum">
+              <a:rPr lang="en-US" smtClean="0"/>
+              <a:t>‹#›</a:t>
+            </a:fld>
+            <a:endParaRPr lang="en-US" dirty="0"/>
+          </a:p>
+        </p:txBody>
+      </p:sp>
+      <p:sp>
+        <p:nvSpPr>
+          <p:cNvPr id="12" name="Rectangle 11">
+            <a:extLst>
+              <a:ext uri="{FF2B5EF4-FFF2-40B4-BE49-F238E27FC236}">
+                <a16:creationId xmlns:a16="http://schemas.microsoft.com/office/drawing/2014/main" id="{F8B3D8CC-BB13-41A5-8F34-B8E84A4F9534}"/>
+              </a:ext>
+            </a:extLst>
+          </p:cNvPr>
+          <p:cNvSpPr/>
+          <p:nvPr/>
+        </p:nvSpPr>
+        <p:spPr>
+          <a:xfrm>
+            <a:off x="8254660" y="374904"/>
+            <a:ext cx="3557016" cy="6108192"/>
+          </a:xfrm>
+          <a:prstGeom prst="rect">
+            <a:avLst/>
+          </a:prstGeom>
+          <a:noFill/>
+          <a:ln w="6350" cap="sq">
+            <a:solidFill>
+              <a:schemeClr val="tx1">
+                <a:lumMod val="75000"/>
+                <a:lumOff val="25000"/>
+              </a:schemeClr>
+            </a:solidFill>
+            <a:miter lim="800000"/>
+          </a:ln>
+        </p:spPr>
+        <p:style>
+          <a:lnRef idx="2">
+            <a:schemeClr val="accent1">
+              <a:shade val="50000"/>
+            </a:schemeClr>
+          </a:lnRef>
+          <a:fillRef idx="1">
+            <a:schemeClr val="accent1"/>
+          </a:fillRef>
+          <a:effectRef idx="0">
+            <a:schemeClr val="accent1"/>
+          </a:effectRef>
+          <a:fontRef idx="minor">
+            <a:schemeClr val="lt1"/>
+          </a:fontRef>
+        </p:style>
+      </p:sp>
+      <p:sp>
+        <p:nvSpPr>
+          <p:cNvPr id="2" name="Title 1"/>
+          <p:cNvSpPr>
+            <a:spLocks noGrp="1"/>
+          </p:cNvSpPr>
+          <p:nvPr>
+            <p:ph type="title"/>
+          </p:nvPr>
+        </p:nvSpPr>
+        <p:spPr>
+          <a:xfrm>
+            <a:off x="8477250" y="603504"/>
+            <a:ext cx="3144774" cy="1645920"/>
+          </a:xfrm>
+        </p:spPr>
+        <p:txBody>
+          <a:bodyPr anchor="b">
+            <a:noAutofit/>
+          </a:bodyPr>
+          <a:lstStyle>
+            <a:lvl1pPr algn="l">
+              <a:lnSpc>
+                <a:spcPct val="100000"/>
+              </a:lnSpc>
+              <a:defRPr sz="3200" b="0">
+                <a:solidFill>
+                  <a:schemeClr val="tx1"/>
+                </a:solidFill>
+                <a:latin typeface="+mj-lt"/>
+              </a:defRPr>
+            </a:lvl1pPr>
+          </a:lstStyle>
+          <a:p>
+            <a:r>
+              <a:rPr lang="en-US"/>
+              <a:t>Click to edit Master title style</a:t>
+            </a:r>
+            <a:endParaRPr lang="en-US" dirty="0"/>
+          </a:p>
+        </p:txBody>
+      </p:sp>
+      <p:sp>
+        <p:nvSpPr>
+          <p:cNvPr id="4" name="Text Placeholder 3"/>
+          <p:cNvSpPr>
+            <a:spLocks noGrp="1"/>
+          </p:cNvSpPr>
+          <p:nvPr>
+            <p:ph type="body" sz="half" idx="2"/>
+          </p:nvPr>
+        </p:nvSpPr>
+        <p:spPr>
+          <a:xfrm>
+            <a:off x="8477250" y="2386584"/>
+            <a:ext cx="3144774" cy="3511296"/>
+          </a:xfrm>
+        </p:spPr>
+        <p:txBody>
+          <a:bodyPr>
+            <a:normAutofit/>
+          </a:bodyPr>
+          <a:lstStyle>
+            <a:lvl1pPr marL="0" indent="0" algn="l">
+              <a:lnSpc>
+                <a:spcPct val="110000"/>
+              </a:lnSpc>
+              <a:spcBef>
+                <a:spcPts val="800"/>
+              </a:spcBef>
+              <a:buNone/>
+              <a:defRPr sz="1800">
+                <a:solidFill>
+                  <a:schemeClr val="tx1"/>
+                </a:solidFill>
+              </a:defRPr>
+            </a:lvl1pPr>
+            <a:lvl2pPr marL="457200" indent="0">
+              <a:buNone/>
+              <a:defRPr sz="1200"/>
+            </a:lvl2pPr>
+            <a:lvl3pPr marL="914400" indent="0">
+              <a:buNone/>
+              <a:defRPr sz="1000"/>
+            </a:lvl3pPr>
+            <a:lvl4pPr marL="1371600" indent="0">
+              <a:buNone/>
+              <a:defRPr sz="900"/>
+            </a:lvl4pPr>
+            <a:lvl5pPr marL="1828800" indent="0">
+              <a:buNone/>
+              <a:defRPr sz="900"/>
+            </a:lvl5pPr>
+            <a:lvl6pPr marL="2286000" indent="0">
+              <a:buNone/>
+              <a:defRPr sz="900"/>
+            </a:lvl6pPr>
+            <a:lvl7pPr marL="2743200" indent="0">
+              <a:buNone/>
+              <a:defRPr sz="900"/>
+            </a:lvl7pPr>
+            <a:lvl8pPr marL="3200400" indent="0">
+              <a:buNone/>
+              <a:defRPr sz="900"/>
+            </a:lvl8pPr>
+            <a:lvl9pPr marL="3657600" indent="0">
+              <a:buNone/>
+              <a:defRPr sz="900"/>
+            </a:lvl9pPr>
+          </a:lstStyle>
+          <a:p>
+            <a:pPr lvl="0"/>
+            <a:r>
+              <a:rPr lang="en-US"/>
+              <a:t>Edit Master text styles</a:t>
+            </a:r>
+          </a:p>
+        </p:txBody>
+      </p:sp>
+    </p:spTree>
+    <p:extLst>
+      <p:ext uri="{BB962C8B-B14F-4D97-AF65-F5344CB8AC3E}">
+        <p14:creationId xmlns:p14="http://schemas.microsoft.com/office/powerpoint/2010/main" val="1040563460"/>
+      </p:ext>
+    </p:extLst>
+  </p:cSld>
+  <p:clrMapOvr>
+    <a:masterClrMapping/>
+  </p:clrMapOvr>
 </p:sldLayout>
 </file>
 
 <file path=ppt/slideLayouts/slideLayout4.xml><?xml version="1.0" encoding="utf-8"?>
-<p:sldLayout xmlns:a="http://schemas.openxmlformats.org/drawingml/2006/main" xmlns:p="http://schemas.openxmlformats.org/presentationml/2006/main" xmlns:r="http://schemas.openxmlformats.org/officeDocument/2006/relationships" xmlns:p14="http://schemas.microsoft.com/office/powerpoint/2010/main" xmlns:p15="http://schemas.microsoft.com/office/powerpoint/2012/main" xmlns:mc="http://schemas.openxmlformats.org/markup-compatibility/2006" type="twoObj" preserve="1">
+<p:sldLayout xmlns:a="http://schemas.openxmlformats.org/drawingml/2006/main" xmlns:r="http://schemas.openxmlformats.org/officeDocument/2006/relationships" xmlns:p="http://schemas.openxmlformats.org/presentationml/2006/main" type="twoObj" preserve="1">
   <p:cSld name="Title, 2 Content">
     <p:spTree>
       <p:nvGrpSpPr>
@@ -7224,11 +8026,12 @@
           </a:prstGeom>
         </p:spPr>
         <p:txBody>
-          <a:bodyPr lIns="0" rIns="0" tIns="0" bIns="0" anchor="ctr">
+          <a:bodyPr lIns="0" tIns="0" rIns="0" bIns="0" anchor="ctr">
             <a:noAutofit/>
           </a:bodyPr>
-          <a:p>
-            <a:endParaRPr b="0" lang="ru-RU" sz="1800" spc="-1" strike="noStrike">
+          <a:lstStyle/>
+          <a:p>
+            <a:endParaRPr lang="ru-RU" sz="1800" b="0" strike="noStrike" spc="-1">
               <a:solidFill>
                 <a:srgbClr val="000000"/>
               </a:solidFill>
@@ -7257,11 +8060,12 @@
           </a:prstGeom>
         </p:spPr>
         <p:txBody>
-          <a:bodyPr lIns="0" rIns="0" tIns="0" bIns="0">
+          <a:bodyPr lIns="0" tIns="0" rIns="0" bIns="0">
             <a:normAutofit/>
           </a:bodyPr>
-          <a:p>
-            <a:endParaRPr b="0" lang="ru-RU" sz="1800" spc="-1" strike="noStrike">
+          <a:lstStyle/>
+          <a:p>
+            <a:endParaRPr lang="ru-RU" sz="1800" b="0" strike="noStrike" spc="-1">
               <a:solidFill>
                 <a:srgbClr val="000000"/>
               </a:solidFill>
@@ -7290,11 +8094,12 @@
           </a:prstGeom>
         </p:spPr>
         <p:txBody>
-          <a:bodyPr lIns="0" rIns="0" tIns="0" bIns="0">
+          <a:bodyPr lIns="0" tIns="0" rIns="0" bIns="0">
             <a:normAutofit/>
           </a:bodyPr>
-          <a:p>
-            <a:endParaRPr b="0" lang="ru-RU" sz="1800" spc="-1" strike="noStrike">
+          <a:lstStyle/>
+          <a:p>
+            <a:endParaRPr lang="ru-RU" sz="1800" b="0" strike="noStrike" spc="-1">
               <a:solidFill>
                 <a:srgbClr val="000000"/>
               </a:solidFill>
@@ -7305,11 +8110,14 @@
       </p:sp>
     </p:spTree>
   </p:cSld>
+  <p:clrMapOvr>
+    <a:masterClrMapping/>
+  </p:clrMapOvr>
 </p:sldLayout>
 </file>
 
 <file path=ppt/slideLayouts/slideLayout5.xml><?xml version="1.0" encoding="utf-8"?>
-<p:sldLayout xmlns:a="http://schemas.openxmlformats.org/drawingml/2006/main" xmlns:p="http://schemas.openxmlformats.org/presentationml/2006/main" xmlns:r="http://schemas.openxmlformats.org/officeDocument/2006/relationships" xmlns:p14="http://schemas.microsoft.com/office/powerpoint/2010/main" xmlns:p15="http://schemas.microsoft.com/office/powerpoint/2012/main" xmlns:mc="http://schemas.openxmlformats.org/markup-compatibility/2006" type="titleOnly" preserve="1">
+<p:sldLayout xmlns:a="http://schemas.openxmlformats.org/drawingml/2006/main" xmlns:r="http://schemas.openxmlformats.org/officeDocument/2006/relationships" xmlns:p="http://schemas.openxmlformats.org/presentationml/2006/main" type="titleOnly" preserve="1">
   <p:cSld name="Title Only">
     <p:spTree>
       <p:nvGrpSpPr>
@@ -7345,11 +8153,12 @@
           </a:prstGeom>
         </p:spPr>
         <p:txBody>
-          <a:bodyPr lIns="0" rIns="0" tIns="0" bIns="0" anchor="ctr">
+          <a:bodyPr lIns="0" tIns="0" rIns="0" bIns="0" anchor="ctr">
             <a:noAutofit/>
           </a:bodyPr>
-          <a:p>
-            <a:endParaRPr b="0" lang="ru-RU" sz="1800" spc="-1" strike="noStrike">
+          <a:lstStyle/>
+          <a:p>
+            <a:endParaRPr lang="ru-RU" sz="1800" b="0" strike="noStrike" spc="-1">
               <a:solidFill>
                 <a:srgbClr val="000000"/>
               </a:solidFill>
@@ -7360,11 +8169,14 @@
       </p:sp>
     </p:spTree>
   </p:cSld>
+  <p:clrMapOvr>
+    <a:masterClrMapping/>
+  </p:clrMapOvr>
 </p:sldLayout>
 </file>
 
 <file path=ppt/slideLayouts/slideLayout6.xml><?xml version="1.0" encoding="utf-8"?>
-<p:sldLayout xmlns:a="http://schemas.openxmlformats.org/drawingml/2006/main" xmlns:p="http://schemas.openxmlformats.org/presentationml/2006/main" xmlns:r="http://schemas.openxmlformats.org/officeDocument/2006/relationships" xmlns:p14="http://schemas.microsoft.com/office/powerpoint/2010/main" xmlns:p15="http://schemas.microsoft.com/office/powerpoint/2012/main" xmlns:mc="http://schemas.openxmlformats.org/markup-compatibility/2006" type="objOnly" preserve="1">
+<p:sldLayout xmlns:a="http://schemas.openxmlformats.org/drawingml/2006/main" xmlns:r="http://schemas.openxmlformats.org/officeDocument/2006/relationships" xmlns:p="http://schemas.openxmlformats.org/presentationml/2006/main" type="objOnly" preserve="1">
   <p:cSld name="Centered Text">
     <p:spTree>
       <p:nvGrpSpPr>
@@ -7400,12 +8212,13 @@
           </a:prstGeom>
         </p:spPr>
         <p:txBody>
-          <a:bodyPr lIns="0" rIns="0" tIns="0" bIns="0" anchor="ctr">
+          <a:bodyPr lIns="0" tIns="0" rIns="0" bIns="0" anchor="ctr">
             <a:noAutofit/>
           </a:bodyPr>
+          <a:lstStyle/>
           <a:p>
             <a:pPr algn="ctr"/>
-            <a:endParaRPr b="0" lang="en-US" sz="3200" spc="-1" strike="noStrike">
+            <a:endParaRPr lang="en-US" sz="3200" b="0" strike="noStrike" spc="-1">
               <a:latin typeface="Arial"/>
             </a:endParaRPr>
           </a:p>
@@ -7413,11 +8226,14 @@
       </p:sp>
     </p:spTree>
   </p:cSld>
+  <p:clrMapOvr>
+    <a:masterClrMapping/>
+  </p:clrMapOvr>
 </p:sldLayout>
 </file>
 
 <file path=ppt/slideLayouts/slideLayout7.xml><?xml version="1.0" encoding="utf-8"?>
-<p:sldLayout xmlns:a="http://schemas.openxmlformats.org/drawingml/2006/main" xmlns:p="http://schemas.openxmlformats.org/presentationml/2006/main" xmlns:r="http://schemas.openxmlformats.org/officeDocument/2006/relationships" xmlns:p14="http://schemas.microsoft.com/office/powerpoint/2010/main" xmlns:p15="http://schemas.microsoft.com/office/powerpoint/2012/main" xmlns:mc="http://schemas.openxmlformats.org/markup-compatibility/2006" type="twoObjAndObj" preserve="1">
+<p:sldLayout xmlns:a="http://schemas.openxmlformats.org/drawingml/2006/main" xmlns:r="http://schemas.openxmlformats.org/officeDocument/2006/relationships" xmlns:p="http://schemas.openxmlformats.org/presentationml/2006/main" type="twoObjAndObj" preserve="1">
   <p:cSld name="Title, 2 Content and Content">
     <p:spTree>
       <p:nvGrpSpPr>
@@ -7453,11 +8269,12 @@
           </a:prstGeom>
         </p:spPr>
         <p:txBody>
-          <a:bodyPr lIns="0" rIns="0" tIns="0" bIns="0" anchor="ctr">
+          <a:bodyPr lIns="0" tIns="0" rIns="0" bIns="0" anchor="ctr">
             <a:noAutofit/>
           </a:bodyPr>
-          <a:p>
-            <a:endParaRPr b="0" lang="ru-RU" sz="1800" spc="-1" strike="noStrike">
+          <a:lstStyle/>
+          <a:p>
+            <a:endParaRPr lang="ru-RU" sz="1800" b="0" strike="noStrike" spc="-1">
               <a:solidFill>
                 <a:srgbClr val="000000"/>
               </a:solidFill>
@@ -7486,11 +8303,12 @@
           </a:prstGeom>
         </p:spPr>
         <p:txBody>
-          <a:bodyPr lIns="0" rIns="0" tIns="0" bIns="0">
+          <a:bodyPr lIns="0" tIns="0" rIns="0" bIns="0">
             <a:normAutofit/>
           </a:bodyPr>
-          <a:p>
-            <a:endParaRPr b="0" lang="ru-RU" sz="1800" spc="-1" strike="noStrike">
+          <a:lstStyle/>
+          <a:p>
+            <a:endParaRPr lang="ru-RU" sz="1800" b="0" strike="noStrike" spc="-1">
               <a:solidFill>
                 <a:srgbClr val="000000"/>
               </a:solidFill>
@@ -7519,11 +8337,12 @@
           </a:prstGeom>
         </p:spPr>
         <p:txBody>
-          <a:bodyPr lIns="0" rIns="0" tIns="0" bIns="0">
+          <a:bodyPr lIns="0" tIns="0" rIns="0" bIns="0">
             <a:normAutofit/>
           </a:bodyPr>
-          <a:p>
-            <a:endParaRPr b="0" lang="ru-RU" sz="1800" spc="-1" strike="noStrike">
+          <a:lstStyle/>
+          <a:p>
+            <a:endParaRPr lang="ru-RU" sz="1800" b="0" strike="noStrike" spc="-1">
               <a:solidFill>
                 <a:srgbClr val="000000"/>
               </a:solidFill>
@@ -7552,11 +8371,12 @@
           </a:prstGeom>
         </p:spPr>
         <p:txBody>
-          <a:bodyPr lIns="0" rIns="0" tIns="0" bIns="0">
+          <a:bodyPr lIns="0" tIns="0" rIns="0" bIns="0">
             <a:normAutofit/>
           </a:bodyPr>
-          <a:p>
-            <a:endParaRPr b="0" lang="ru-RU" sz="1800" spc="-1" strike="noStrike">
+          <a:lstStyle/>
+          <a:p>
+            <a:endParaRPr lang="ru-RU" sz="1800" b="0" strike="noStrike" spc="-1">
               <a:solidFill>
                 <a:srgbClr val="000000"/>
               </a:solidFill>
@@ -7567,11 +8387,14 @@
       </p:sp>
     </p:spTree>
   </p:cSld>
+  <p:clrMapOvr>
+    <a:masterClrMapping/>
+  </p:clrMapOvr>
 </p:sldLayout>
 </file>
 
 <file path=ppt/slideLayouts/slideLayout8.xml><?xml version="1.0" encoding="utf-8"?>
-<p:sldLayout xmlns:a="http://schemas.openxmlformats.org/drawingml/2006/main" xmlns:p="http://schemas.openxmlformats.org/presentationml/2006/main" xmlns:r="http://schemas.openxmlformats.org/officeDocument/2006/relationships" xmlns:p14="http://schemas.microsoft.com/office/powerpoint/2010/main" xmlns:p15="http://schemas.microsoft.com/office/powerpoint/2012/main" xmlns:mc="http://schemas.openxmlformats.org/markup-compatibility/2006" type="objAndTwoObj" preserve="1">
+<p:sldLayout xmlns:a="http://schemas.openxmlformats.org/drawingml/2006/main" xmlns:r="http://schemas.openxmlformats.org/officeDocument/2006/relationships" xmlns:p="http://schemas.openxmlformats.org/presentationml/2006/main" type="objAndTwoObj" preserve="1">
   <p:cSld name="Title Content and 2 Content">
     <p:spTree>
       <p:nvGrpSpPr>
@@ -7607,11 +8430,12 @@
           </a:prstGeom>
         </p:spPr>
         <p:txBody>
-          <a:bodyPr lIns="0" rIns="0" tIns="0" bIns="0" anchor="ctr">
+          <a:bodyPr lIns="0" tIns="0" rIns="0" bIns="0" anchor="ctr">
             <a:noAutofit/>
           </a:bodyPr>
-          <a:p>
-            <a:endParaRPr b="0" lang="ru-RU" sz="1800" spc="-1" strike="noStrike">
+          <a:lstStyle/>
+          <a:p>
+            <a:endParaRPr lang="ru-RU" sz="1800" b="0" strike="noStrike" spc="-1">
               <a:solidFill>
                 <a:srgbClr val="000000"/>
               </a:solidFill>
@@ -7640,11 +8464,12 @@
           </a:prstGeom>
         </p:spPr>
         <p:txBody>
-          <a:bodyPr lIns="0" rIns="0" tIns="0" bIns="0">
+          <a:bodyPr lIns="0" tIns="0" rIns="0" bIns="0">
             <a:normAutofit/>
           </a:bodyPr>
-          <a:p>
-            <a:endParaRPr b="0" lang="ru-RU" sz="1800" spc="-1" strike="noStrike">
+          <a:lstStyle/>
+          <a:p>
+            <a:endParaRPr lang="ru-RU" sz="1800" b="0" strike="noStrike" spc="-1">
               <a:solidFill>
                 <a:srgbClr val="000000"/>
               </a:solidFill>
@@ -7673,11 +8498,12 @@
           </a:prstGeom>
         </p:spPr>
         <p:txBody>
-          <a:bodyPr lIns="0" rIns="0" tIns="0" bIns="0">
+          <a:bodyPr lIns="0" tIns="0" rIns="0" bIns="0">
             <a:normAutofit/>
           </a:bodyPr>
-          <a:p>
-            <a:endParaRPr b="0" lang="ru-RU" sz="1800" spc="-1" strike="noStrike">
+          <a:lstStyle/>
+          <a:p>
+            <a:endParaRPr lang="ru-RU" sz="1800" b="0" strike="noStrike" spc="-1">
               <a:solidFill>
                 <a:srgbClr val="000000"/>
               </a:solidFill>
@@ -7706,11 +8532,12 @@
           </a:prstGeom>
         </p:spPr>
         <p:txBody>
-          <a:bodyPr lIns="0" rIns="0" tIns="0" bIns="0">
+          <a:bodyPr lIns="0" tIns="0" rIns="0" bIns="0">
             <a:normAutofit/>
           </a:bodyPr>
-          <a:p>
-            <a:endParaRPr b="0" lang="ru-RU" sz="1800" spc="-1" strike="noStrike">
+          <a:lstStyle/>
+          <a:p>
+            <a:endParaRPr lang="ru-RU" sz="1800" b="0" strike="noStrike" spc="-1">
               <a:solidFill>
                 <a:srgbClr val="000000"/>
               </a:solidFill>
@@ -7721,11 +8548,14 @@
       </p:sp>
     </p:spTree>
   </p:cSld>
+  <p:clrMapOvr>
+    <a:masterClrMapping/>
+  </p:clrMapOvr>
 </p:sldLayout>
 </file>
 
 <file path=ppt/slideLayouts/slideLayout9.xml><?xml version="1.0" encoding="utf-8"?>
-<p:sldLayout xmlns:a="http://schemas.openxmlformats.org/drawingml/2006/main" xmlns:p="http://schemas.openxmlformats.org/presentationml/2006/main" xmlns:r="http://schemas.openxmlformats.org/officeDocument/2006/relationships" xmlns:p14="http://schemas.microsoft.com/office/powerpoint/2010/main" xmlns:p15="http://schemas.microsoft.com/office/powerpoint/2012/main" xmlns:mc="http://schemas.openxmlformats.org/markup-compatibility/2006" type="twoObjOverTx" preserve="1">
+<p:sldLayout xmlns:a="http://schemas.openxmlformats.org/drawingml/2006/main" xmlns:r="http://schemas.openxmlformats.org/officeDocument/2006/relationships" xmlns:p="http://schemas.openxmlformats.org/presentationml/2006/main" type="twoObjOverTx" preserve="1">
   <p:cSld name="Title, 2 Content over Content">
     <p:spTree>
       <p:nvGrpSpPr>
@@ -7761,11 +8591,12 @@
           </a:prstGeom>
         </p:spPr>
         <p:txBody>
-          <a:bodyPr lIns="0" rIns="0" tIns="0" bIns="0" anchor="ctr">
+          <a:bodyPr lIns="0" tIns="0" rIns="0" bIns="0" anchor="ctr">
             <a:noAutofit/>
           </a:bodyPr>
-          <a:p>
-            <a:endParaRPr b="0" lang="ru-RU" sz="1800" spc="-1" strike="noStrike">
+          <a:lstStyle/>
+          <a:p>
+            <a:endParaRPr lang="ru-RU" sz="1800" b="0" strike="noStrike" spc="-1">
               <a:solidFill>
                 <a:srgbClr val="000000"/>
               </a:solidFill>
@@ -7794,11 +8625,12 @@
           </a:prstGeom>
         </p:spPr>
         <p:txBody>
-          <a:bodyPr lIns="0" rIns="0" tIns="0" bIns="0">
+          <a:bodyPr lIns="0" tIns="0" rIns="0" bIns="0">
             <a:normAutofit/>
           </a:bodyPr>
-          <a:p>
-            <a:endParaRPr b="0" lang="ru-RU" sz="1800" spc="-1" strike="noStrike">
+          <a:lstStyle/>
+          <a:p>
+            <a:endParaRPr lang="ru-RU" sz="1800" b="0" strike="noStrike" spc="-1">
               <a:solidFill>
                 <a:srgbClr val="000000"/>
               </a:solidFill>
@@ -7827,11 +8659,12 @@
           </a:prstGeom>
         </p:spPr>
         <p:txBody>
-          <a:bodyPr lIns="0" rIns="0" tIns="0" bIns="0">
+          <a:bodyPr lIns="0" tIns="0" rIns="0" bIns="0">
             <a:normAutofit/>
           </a:bodyPr>
-          <a:p>
-            <a:endParaRPr b="0" lang="ru-RU" sz="1800" spc="-1" strike="noStrike">
+          <a:lstStyle/>
+          <a:p>
+            <a:endParaRPr lang="ru-RU" sz="1800" b="0" strike="noStrike" spc="-1">
               <a:solidFill>
                 <a:srgbClr val="000000"/>
               </a:solidFill>
@@ -7860,11 +8693,12 @@
           </a:prstGeom>
         </p:spPr>
         <p:txBody>
-          <a:bodyPr lIns="0" rIns="0" tIns="0" bIns="0">
+          <a:bodyPr lIns="0" tIns="0" rIns="0" bIns="0">
             <a:normAutofit/>
           </a:bodyPr>
-          <a:p>
-            <a:endParaRPr b="0" lang="ru-RU" sz="1800" spc="-1" strike="noStrike">
+          <a:lstStyle/>
+          <a:p>
+            <a:endParaRPr lang="ru-RU" sz="1800" b="0" strike="noStrike" spc="-1">
               <a:solidFill>
                 <a:srgbClr val="000000"/>
               </a:solidFill>
@@ -7875,17 +8709,21 @@
       </p:sp>
     </p:spTree>
   </p:cSld>
+  <p:clrMapOvr>
+    <a:masterClrMapping/>
+  </p:clrMapOvr>
 </p:sldLayout>
 </file>
 
 <file path=ppt/slideMasters/slideMaster1.xml><?xml version="1.0" encoding="utf-8"?>
-<p:sldMaster xmlns:a="http://schemas.openxmlformats.org/drawingml/2006/main" xmlns:p="http://schemas.openxmlformats.org/presentationml/2006/main" xmlns:r="http://schemas.openxmlformats.org/officeDocument/2006/relationships" xmlns:p14="http://schemas.microsoft.com/office/powerpoint/2010/main" xmlns:p15="http://schemas.microsoft.com/office/powerpoint/2012/main" xmlns:mc="http://schemas.openxmlformats.org/markup-compatibility/2006">
+<p:sldMaster xmlns:a="http://schemas.openxmlformats.org/drawingml/2006/main" xmlns:r="http://schemas.openxmlformats.org/officeDocument/2006/relationships" xmlns:p="http://schemas.openxmlformats.org/presentationml/2006/main">
   <p:cSld>
     <p:bg>
       <p:bgPr>
         <a:solidFill>
-          <a:srgbClr val="ffffff"/>
+          <a:srgbClr val="FFFFFF"/>
         </a:solidFill>
+        <a:effectLst/>
       </p:bgPr>
     </p:bg>
     <p:spTree>
@@ -7904,7 +8742,7 @@
       </p:grpSpPr>
       <p:sp>
         <p:nvSpPr>
-          <p:cNvPr id="0" name="CustomShape 1" hidden="1"/>
+          <p:cNvPr id="12" name="CustomShape 1" hidden="1"/>
           <p:cNvSpPr/>
           <p:nvPr/>
         </p:nvSpPr>
@@ -7917,7 +8755,7 @@
             <a:avLst/>
           </a:prstGeom>
           <a:solidFill>
-            <a:srgbClr val="ffffff"/>
+            <a:srgbClr val="FFFFFF"/>
           </a:solidFill>
           <a:ln>
             <a:noFill/>
@@ -7940,7 +8778,7 @@
       </p:sp>
       <p:sp>
         <p:nvSpPr>
-          <p:cNvPr id="1" name="CustomShape 2" hidden="1"/>
+          <p:cNvPr id="13" name="CustomShape 2" hidden="1"/>
           <p:cNvSpPr/>
           <p:nvPr/>
         </p:nvSpPr>
@@ -7966,9 +8804,15 @@
           </a:effectLst>
         </p:spPr>
         <p:style>
-          <a:lnRef idx="0"/>
-          <a:fillRef idx="0"/>
-          <a:effectRef idx="0"/>
+          <a:lnRef idx="0">
+            <a:scrgbClr r="0" g="0" b="0"/>
+          </a:lnRef>
+          <a:fillRef idx="0">
+            <a:scrgbClr r="0" g="0" b="0"/>
+          </a:fillRef>
+          <a:effectRef idx="0">
+            <a:scrgbClr r="0" g="0" b="0"/>
+          </a:effectRef>
           <a:fontRef idx="minor"/>
         </p:style>
       </p:sp>
@@ -7987,7 +8831,7 @@
             <a:avLst/>
           </a:prstGeom>
           <a:noFill/>
-          <a:ln cap="sq" w="6480">
+          <a:ln w="6480" cap="sq">
             <a:solidFill>
               <a:schemeClr val="tx1">
                 <a:lumMod val="85000"/>
@@ -7998,9 +8842,15 @@
           </a:ln>
         </p:spPr>
         <p:style>
-          <a:lnRef idx="0"/>
-          <a:fillRef idx="0"/>
-          <a:effectRef idx="0"/>
+          <a:lnRef idx="0">
+            <a:scrgbClr r="0" g="0" b="0"/>
+          </a:lnRef>
+          <a:fillRef idx="0">
+            <a:scrgbClr r="0" g="0" b="0"/>
+          </a:fillRef>
+          <a:effectRef idx="0">
+            <a:scrgbClr r="0" g="0" b="0"/>
+          </a:effectRef>
           <a:fontRef idx="minor"/>
         </p:style>
       </p:sp>
@@ -8058,13 +8908,13 @@
             <a:avLst/>
           </a:prstGeom>
           <a:solidFill>
-            <a:srgbClr val="ffffff"/>
+            <a:srgbClr val="FFFFFF"/>
           </a:solidFill>
           <a:ln w="6480">
             <a:noFill/>
           </a:ln>
           <a:effectLst>
-            <a:outerShdw algn="ctr" blurRad="50800" rotWithShape="0">
+            <a:outerShdw blurRad="50800" algn="ctr" rotWithShape="0">
               <a:srgbClr val="000000">
                 <a:alpha val="66000"/>
               </a:srgbClr>
@@ -8073,9 +8923,15 @@
           </a:effectLst>
         </p:spPr>
         <p:style>
-          <a:lnRef idx="0"/>
-          <a:fillRef idx="0"/>
-          <a:effectRef idx="0"/>
+          <a:lnRef idx="0">
+            <a:scrgbClr r="0" g="0" b="0"/>
+          </a:lnRef>
+          <a:fillRef idx="0">
+            <a:scrgbClr r="0" g="0" b="0"/>
+          </a:fillRef>
+          <a:effectRef idx="0">
+            <a:scrgbClr r="0" g="0" b="0"/>
+          </a:effectRef>
           <a:fontRef idx="minor"/>
         </p:style>
       </p:sp>
@@ -8094,7 +8950,7 @@
             <a:avLst/>
           </a:prstGeom>
           <a:noFill/>
-          <a:ln cap="sq" w="6480">
+          <a:ln w="6480" cap="sq">
             <a:solidFill>
               <a:schemeClr val="tx1">
                 <a:lumMod val="75000"/>
@@ -8105,9 +8961,15 @@
           </a:ln>
         </p:spPr>
         <p:style>
-          <a:lnRef idx="0"/>
-          <a:fillRef idx="0"/>
-          <a:effectRef idx="0"/>
+          <a:lnRef idx="0">
+            <a:scrgbClr r="0" g="0" b="0"/>
+          </a:lnRef>
+          <a:fillRef idx="0">
+            <a:scrgbClr r="0" g="0" b="0"/>
+          </a:fillRef>
+          <a:effectRef idx="0">
+            <a:scrgbClr r="0" g="0" b="0"/>
+          </a:effectRef>
           <a:fontRef idx="minor"/>
         </p:style>
       </p:sp>
@@ -8177,7 +9039,7 @@
             </a:prstGeom>
             <a:ln>
               <a:solidFill>
-                <a:srgbClr val="ffffff"/>
+                <a:srgbClr val="FFFFFF"/>
               </a:solidFill>
             </a:ln>
           </p:spPr>
@@ -8210,7 +9072,7 @@
             </a:prstGeom>
             <a:ln>
               <a:solidFill>
-                <a:srgbClr val="ffffff"/>
+                <a:srgbClr val="FFFFFF"/>
               </a:solidFill>
             </a:ln>
           </p:spPr>
@@ -8243,7 +9105,7 @@
             </a:prstGeom>
             <a:ln>
               <a:solidFill>
-                <a:srgbClr val="ffffff"/>
+                <a:srgbClr val="FFFFFF"/>
               </a:solidFill>
             </a:ln>
           </p:spPr>
@@ -8281,51 +9143,330 @@
           </a:prstGeom>
         </p:spPr>
         <p:txBody>
-          <a:bodyPr lIns="0" rIns="0" tIns="0" bIns="0" anchor="ctr">
+          <a:bodyPr lIns="0" tIns="0" rIns="0" bIns="0" anchor="ctr">
             <a:noAutofit/>
           </a:bodyPr>
+          <a:lstStyle/>
           <a:p>
             <a:pPr algn="ctr"/>
             <a:r>
-              <a:rPr b="0" lang="en-US" sz="1800" spc="-1" strike="noStrike">
+              <a:rPr lang="en-US" sz="1800" b="0" strike="noStrike" spc="-1">
                 <a:latin typeface="Arial"/>
               </a:rPr>
               <a:t>Click to edit the title text format</a:t>
             </a:r>
-            <a:endParaRPr b="0" lang="en-US" sz="1800" spc="-1" strike="noStrike">
-              <a:latin typeface="Arial"/>
-            </a:endParaRPr>
           </a:p>
         </p:txBody>
       </p:sp>
     </p:spTree>
   </p:cSld>
-  <p:clrMap bg1="lt1" bg2="lt2" tx1="dk1" tx2="dk2" accent1="accent1" accent2="accent2" accent3="accent3" accent4="accent4" accent5="accent5" accent6="accent6" hlink="hlink" folHlink="folHlink"/>
+  <p:clrMap bg1="lt1" tx1="dk1" bg2="lt2" tx2="dk2" accent1="accent1" accent2="accent2" accent3="accent3" accent4="accent4" accent5="accent5" accent6="accent6" hlink="hlink" folHlink="folHlink"/>
   <p:sldLayoutIdLst>
-    <p:sldLayoutId id="2147483649" r:id="rId2"/>
-    <p:sldLayoutId id="2147483650" r:id="rId3"/>
-    <p:sldLayoutId id="2147483651" r:id="rId4"/>
-    <p:sldLayoutId id="2147483652" r:id="rId5"/>
-    <p:sldLayoutId id="2147483653" r:id="rId6"/>
-    <p:sldLayoutId id="2147483654" r:id="rId7"/>
-    <p:sldLayoutId id="2147483655" r:id="rId8"/>
-    <p:sldLayoutId id="2147483656" r:id="rId9"/>
-    <p:sldLayoutId id="2147483657" r:id="rId10"/>
-    <p:sldLayoutId id="2147483658" r:id="rId11"/>
-    <p:sldLayoutId id="2147483659" r:id="rId12"/>
-    <p:sldLayoutId id="2147483660" r:id="rId13"/>
+    <p:sldLayoutId id="2147483649" r:id="rId1"/>
+    <p:sldLayoutId id="2147483650" r:id="rId2"/>
+    <p:sldLayoutId id="2147483651" r:id="rId3"/>
+    <p:sldLayoutId id="2147483652" r:id="rId4"/>
+    <p:sldLayoutId id="2147483653" r:id="rId5"/>
+    <p:sldLayoutId id="2147483654" r:id="rId6"/>
+    <p:sldLayoutId id="2147483655" r:id="rId7"/>
+    <p:sldLayoutId id="2147483656" r:id="rId8"/>
+    <p:sldLayoutId id="2147483657" r:id="rId9"/>
+    <p:sldLayoutId id="2147483658" r:id="rId10"/>
+    <p:sldLayoutId id="2147483659" r:id="rId11"/>
+    <p:sldLayoutId id="2147483660" r:id="rId12"/>
   </p:sldLayoutIdLst>
+  <p:txStyles>
+    <p:titleStyle>
+      <a:lvl1pPr algn="l" defTabSz="914400" rtl="0" eaLnBrk="1" latinLnBrk="0" hangingPunct="1">
+        <a:lnSpc>
+          <a:spcPct val="90000"/>
+        </a:lnSpc>
+        <a:spcBef>
+          <a:spcPct val="0"/>
+        </a:spcBef>
+        <a:buNone/>
+        <a:defRPr sz="4400" kern="1200">
+          <a:solidFill>
+            <a:schemeClr val="tx1"/>
+          </a:solidFill>
+          <a:latin typeface="+mj-lt"/>
+          <a:ea typeface="+mj-ea"/>
+          <a:cs typeface="+mj-cs"/>
+        </a:defRPr>
+      </a:lvl1pPr>
+    </p:titleStyle>
+    <p:bodyStyle>
+      <a:lvl1pPr marL="228600" indent="-228600" algn="l" defTabSz="914400" rtl="0" eaLnBrk="1" latinLnBrk="0" hangingPunct="1">
+        <a:lnSpc>
+          <a:spcPct val="90000"/>
+        </a:lnSpc>
+        <a:spcBef>
+          <a:spcPts val="1000"/>
+        </a:spcBef>
+        <a:buFont typeface="Arial" panose="020B0604020202020204" pitchFamily="34" charset="0"/>
+        <a:buChar char="•"/>
+        <a:defRPr sz="2800" kern="1200">
+          <a:solidFill>
+            <a:schemeClr val="tx1"/>
+          </a:solidFill>
+          <a:latin typeface="+mn-lt"/>
+          <a:ea typeface="+mn-ea"/>
+          <a:cs typeface="+mn-cs"/>
+        </a:defRPr>
+      </a:lvl1pPr>
+      <a:lvl2pPr marL="685800" indent="-228600" algn="l" defTabSz="914400" rtl="0" eaLnBrk="1" latinLnBrk="0" hangingPunct="1">
+        <a:lnSpc>
+          <a:spcPct val="90000"/>
+        </a:lnSpc>
+        <a:spcBef>
+          <a:spcPts val="500"/>
+        </a:spcBef>
+        <a:buFont typeface="Arial" panose="020B0604020202020204" pitchFamily="34" charset="0"/>
+        <a:buChar char="•"/>
+        <a:defRPr sz="2400" kern="1200">
+          <a:solidFill>
+            <a:schemeClr val="tx1"/>
+          </a:solidFill>
+          <a:latin typeface="+mn-lt"/>
+          <a:ea typeface="+mn-ea"/>
+          <a:cs typeface="+mn-cs"/>
+        </a:defRPr>
+      </a:lvl2pPr>
+      <a:lvl3pPr marL="1143000" indent="-228600" algn="l" defTabSz="914400" rtl="0" eaLnBrk="1" latinLnBrk="0" hangingPunct="1">
+        <a:lnSpc>
+          <a:spcPct val="90000"/>
+        </a:lnSpc>
+        <a:spcBef>
+          <a:spcPts val="500"/>
+        </a:spcBef>
+        <a:buFont typeface="Arial" panose="020B0604020202020204" pitchFamily="34" charset="0"/>
+        <a:buChar char="•"/>
+        <a:defRPr sz="2000" kern="1200">
+          <a:solidFill>
+            <a:schemeClr val="tx1"/>
+          </a:solidFill>
+          <a:latin typeface="+mn-lt"/>
+          <a:ea typeface="+mn-ea"/>
+          <a:cs typeface="+mn-cs"/>
+        </a:defRPr>
+      </a:lvl3pPr>
+      <a:lvl4pPr marL="1600200" indent="-228600" algn="l" defTabSz="914400" rtl="0" eaLnBrk="1" latinLnBrk="0" hangingPunct="1">
+        <a:lnSpc>
+          <a:spcPct val="90000"/>
+        </a:lnSpc>
+        <a:spcBef>
+          <a:spcPts val="500"/>
+        </a:spcBef>
+        <a:buFont typeface="Arial" panose="020B0604020202020204" pitchFamily="34" charset="0"/>
+        <a:buChar char="•"/>
+        <a:defRPr sz="1800" kern="1200">
+          <a:solidFill>
+            <a:schemeClr val="tx1"/>
+          </a:solidFill>
+          <a:latin typeface="+mn-lt"/>
+          <a:ea typeface="+mn-ea"/>
+          <a:cs typeface="+mn-cs"/>
+        </a:defRPr>
+      </a:lvl4pPr>
+      <a:lvl5pPr marL="2057400" indent="-228600" algn="l" defTabSz="914400" rtl="0" eaLnBrk="1" latinLnBrk="0" hangingPunct="1">
+        <a:lnSpc>
+          <a:spcPct val="90000"/>
+        </a:lnSpc>
+        <a:spcBef>
+          <a:spcPts val="500"/>
+        </a:spcBef>
+        <a:buFont typeface="Arial" panose="020B0604020202020204" pitchFamily="34" charset="0"/>
+        <a:buChar char="•"/>
+        <a:defRPr sz="1800" kern="1200">
+          <a:solidFill>
+            <a:schemeClr val="tx1"/>
+          </a:solidFill>
+          <a:latin typeface="+mn-lt"/>
+          <a:ea typeface="+mn-ea"/>
+          <a:cs typeface="+mn-cs"/>
+        </a:defRPr>
+      </a:lvl5pPr>
+      <a:lvl6pPr marL="2514600" indent="-228600" algn="l" defTabSz="914400" rtl="0" eaLnBrk="1" latinLnBrk="0" hangingPunct="1">
+        <a:lnSpc>
+          <a:spcPct val="90000"/>
+        </a:lnSpc>
+        <a:spcBef>
+          <a:spcPts val="500"/>
+        </a:spcBef>
+        <a:buFont typeface="Arial" panose="020B0604020202020204" pitchFamily="34" charset="0"/>
+        <a:buChar char="•"/>
+        <a:defRPr sz="1800" kern="1200">
+          <a:solidFill>
+            <a:schemeClr val="tx1"/>
+          </a:solidFill>
+          <a:latin typeface="+mn-lt"/>
+          <a:ea typeface="+mn-ea"/>
+          <a:cs typeface="+mn-cs"/>
+        </a:defRPr>
+      </a:lvl6pPr>
+      <a:lvl7pPr marL="2971800" indent="-228600" algn="l" defTabSz="914400" rtl="0" eaLnBrk="1" latinLnBrk="0" hangingPunct="1">
+        <a:lnSpc>
+          <a:spcPct val="90000"/>
+        </a:lnSpc>
+        <a:spcBef>
+          <a:spcPts val="500"/>
+        </a:spcBef>
+        <a:buFont typeface="Arial" panose="020B0604020202020204" pitchFamily="34" charset="0"/>
+        <a:buChar char="•"/>
+        <a:defRPr sz="1800" kern="1200">
+          <a:solidFill>
+            <a:schemeClr val="tx1"/>
+          </a:solidFill>
+          <a:latin typeface="+mn-lt"/>
+          <a:ea typeface="+mn-ea"/>
+          <a:cs typeface="+mn-cs"/>
+        </a:defRPr>
+      </a:lvl7pPr>
+      <a:lvl8pPr marL="3429000" indent="-228600" algn="l" defTabSz="914400" rtl="0" eaLnBrk="1" latinLnBrk="0" hangingPunct="1">
+        <a:lnSpc>
+          <a:spcPct val="90000"/>
+        </a:lnSpc>
+        <a:spcBef>
+          <a:spcPts val="500"/>
+        </a:spcBef>
+        <a:buFont typeface="Arial" panose="020B0604020202020204" pitchFamily="34" charset="0"/>
+        <a:buChar char="•"/>
+        <a:defRPr sz="1800" kern="1200">
+          <a:solidFill>
+            <a:schemeClr val="tx1"/>
+          </a:solidFill>
+          <a:latin typeface="+mn-lt"/>
+          <a:ea typeface="+mn-ea"/>
+          <a:cs typeface="+mn-cs"/>
+        </a:defRPr>
+      </a:lvl8pPr>
+      <a:lvl9pPr marL="3886200" indent="-228600" algn="l" defTabSz="914400" rtl="0" eaLnBrk="1" latinLnBrk="0" hangingPunct="1">
+        <a:lnSpc>
+          <a:spcPct val="90000"/>
+        </a:lnSpc>
+        <a:spcBef>
+          <a:spcPts val="500"/>
+        </a:spcBef>
+        <a:buFont typeface="Arial" panose="020B0604020202020204" pitchFamily="34" charset="0"/>
+        <a:buChar char="•"/>
+        <a:defRPr sz="1800" kern="1200">
+          <a:solidFill>
+            <a:schemeClr val="tx1"/>
+          </a:solidFill>
+          <a:latin typeface="+mn-lt"/>
+          <a:ea typeface="+mn-ea"/>
+          <a:cs typeface="+mn-cs"/>
+        </a:defRPr>
+      </a:lvl9pPr>
+    </p:bodyStyle>
+    <p:otherStyle>
+      <a:defPPr>
+        <a:defRPr lang="en-US"/>
+      </a:defPPr>
+      <a:lvl1pPr marL="0" algn="l" defTabSz="914400" rtl="0" eaLnBrk="1" latinLnBrk="0" hangingPunct="1">
+        <a:defRPr sz="1800" kern="1200">
+          <a:solidFill>
+            <a:schemeClr val="tx1"/>
+          </a:solidFill>
+          <a:latin typeface="+mn-lt"/>
+          <a:ea typeface="+mn-ea"/>
+          <a:cs typeface="+mn-cs"/>
+        </a:defRPr>
+      </a:lvl1pPr>
+      <a:lvl2pPr marL="457200" algn="l" defTabSz="914400" rtl="0" eaLnBrk="1" latinLnBrk="0" hangingPunct="1">
+        <a:defRPr sz="1800" kern="1200">
+          <a:solidFill>
+            <a:schemeClr val="tx1"/>
+          </a:solidFill>
+          <a:latin typeface="+mn-lt"/>
+          <a:ea typeface="+mn-ea"/>
+          <a:cs typeface="+mn-cs"/>
+        </a:defRPr>
+      </a:lvl2pPr>
+      <a:lvl3pPr marL="914400" algn="l" defTabSz="914400" rtl="0" eaLnBrk="1" latinLnBrk="0" hangingPunct="1">
+        <a:defRPr sz="1800" kern="1200">
+          <a:solidFill>
+            <a:schemeClr val="tx1"/>
+          </a:solidFill>
+          <a:latin typeface="+mn-lt"/>
+          <a:ea typeface="+mn-ea"/>
+          <a:cs typeface="+mn-cs"/>
+        </a:defRPr>
+      </a:lvl3pPr>
+      <a:lvl4pPr marL="1371600" algn="l" defTabSz="914400" rtl="0" eaLnBrk="1" latinLnBrk="0" hangingPunct="1">
+        <a:defRPr sz="1800" kern="1200">
+          <a:solidFill>
+            <a:schemeClr val="tx1"/>
+          </a:solidFill>
+          <a:latin typeface="+mn-lt"/>
+          <a:ea typeface="+mn-ea"/>
+          <a:cs typeface="+mn-cs"/>
+        </a:defRPr>
+      </a:lvl4pPr>
+      <a:lvl5pPr marL="1828800" algn="l" defTabSz="914400" rtl="0" eaLnBrk="1" latinLnBrk="0" hangingPunct="1">
+        <a:defRPr sz="1800" kern="1200">
+          <a:solidFill>
+            <a:schemeClr val="tx1"/>
+          </a:solidFill>
+          <a:latin typeface="+mn-lt"/>
+          <a:ea typeface="+mn-ea"/>
+          <a:cs typeface="+mn-cs"/>
+        </a:defRPr>
+      </a:lvl5pPr>
+      <a:lvl6pPr marL="2286000" algn="l" defTabSz="914400" rtl="0" eaLnBrk="1" latinLnBrk="0" hangingPunct="1">
+        <a:defRPr sz="1800" kern="1200">
+          <a:solidFill>
+            <a:schemeClr val="tx1"/>
+          </a:solidFill>
+          <a:latin typeface="+mn-lt"/>
+          <a:ea typeface="+mn-ea"/>
+          <a:cs typeface="+mn-cs"/>
+        </a:defRPr>
+      </a:lvl6pPr>
+      <a:lvl7pPr marL="2743200" algn="l" defTabSz="914400" rtl="0" eaLnBrk="1" latinLnBrk="0" hangingPunct="1">
+        <a:defRPr sz="1800" kern="1200">
+          <a:solidFill>
+            <a:schemeClr val="tx1"/>
+          </a:solidFill>
+          <a:latin typeface="+mn-lt"/>
+          <a:ea typeface="+mn-ea"/>
+          <a:cs typeface="+mn-cs"/>
+        </a:defRPr>
+      </a:lvl7pPr>
+      <a:lvl8pPr marL="3200400" algn="l" defTabSz="914400" rtl="0" eaLnBrk="1" latinLnBrk="0" hangingPunct="1">
+        <a:defRPr sz="1800" kern="1200">
+          <a:solidFill>
+            <a:schemeClr val="tx1"/>
+          </a:solidFill>
+          <a:latin typeface="+mn-lt"/>
+          <a:ea typeface="+mn-ea"/>
+          <a:cs typeface="+mn-cs"/>
+        </a:defRPr>
+      </a:lvl8pPr>
+      <a:lvl9pPr marL="3657600" algn="l" defTabSz="914400" rtl="0" eaLnBrk="1" latinLnBrk="0" hangingPunct="1">
+        <a:defRPr sz="1800" kern="1200">
+          <a:solidFill>
+            <a:schemeClr val="tx1"/>
+          </a:solidFill>
+          <a:latin typeface="+mn-lt"/>
+          <a:ea typeface="+mn-ea"/>
+          <a:cs typeface="+mn-cs"/>
+        </a:defRPr>
+      </a:lvl9pPr>
+    </p:otherStyle>
+  </p:txStyles>
 </p:sldMaster>
 </file>
 
 <file path=ppt/slideMasters/slideMaster2.xml><?xml version="1.0" encoding="utf-8"?>
-<p:sldMaster xmlns:a="http://schemas.openxmlformats.org/drawingml/2006/main" xmlns:p="http://schemas.openxmlformats.org/presentationml/2006/main" xmlns:r="http://schemas.openxmlformats.org/officeDocument/2006/relationships" xmlns:p14="http://schemas.microsoft.com/office/powerpoint/2010/main" xmlns:p15="http://schemas.microsoft.com/office/powerpoint/2012/main" xmlns:mc="http://schemas.openxmlformats.org/markup-compatibility/2006">
+<p:sldMaster xmlns:a="http://schemas.openxmlformats.org/drawingml/2006/main" xmlns:r="http://schemas.openxmlformats.org/officeDocument/2006/relationships" xmlns:p="http://schemas.openxmlformats.org/presentationml/2006/main">
   <p:cSld>
     <p:bg>
       <p:bgPr>
         <a:solidFill>
-          <a:srgbClr val="ffffff"/>
+          <a:srgbClr val="FFFFFF"/>
         </a:solidFill>
+        <a:effectLst/>
       </p:bgPr>
     </p:bg>
     <p:spTree>
@@ -8357,7 +9498,7 @@
             <a:avLst/>
           </a:prstGeom>
           <a:solidFill>
-            <a:srgbClr val="ffffff"/>
+            <a:srgbClr val="FFFFFF"/>
           </a:solidFill>
           <a:ln>
             <a:noFill/>
@@ -8406,9 +9547,15 @@
           </a:effectLst>
         </p:spPr>
         <p:style>
-          <a:lnRef idx="0"/>
-          <a:fillRef idx="0"/>
-          <a:effectRef idx="0"/>
+          <a:lnRef idx="0">
+            <a:scrgbClr r="0" g="0" b="0"/>
+          </a:lnRef>
+          <a:fillRef idx="0">
+            <a:scrgbClr r="0" g="0" b="0"/>
+          </a:fillRef>
+          <a:effectRef idx="0">
+            <a:scrgbClr r="0" g="0" b="0"/>
+          </a:effectRef>
           <a:fontRef idx="minor"/>
         </p:style>
       </p:sp>
@@ -8427,7 +9574,7 @@
             <a:avLst/>
           </a:prstGeom>
           <a:noFill/>
-          <a:ln cap="sq" w="6480">
+          <a:ln w="6480" cap="sq">
             <a:solidFill>
               <a:schemeClr val="tx1">
                 <a:lumMod val="85000"/>
@@ -8438,9 +9585,15 @@
           </a:ln>
         </p:spPr>
         <p:style>
-          <a:lnRef idx="0"/>
-          <a:fillRef idx="0"/>
-          <a:effectRef idx="0"/>
+          <a:lnRef idx="0">
+            <a:scrgbClr r="0" g="0" b="0"/>
+          </a:lnRef>
+          <a:fillRef idx="0">
+            <a:scrgbClr r="0" g="0" b="0"/>
+          </a:fillRef>
+          <a:effectRef idx="0">
+            <a:scrgbClr r="0" g="0" b="0"/>
+          </a:effectRef>
           <a:fontRef idx="minor"/>
         </p:style>
       </p:sp>
@@ -8498,13 +9651,13 @@
             <a:avLst/>
           </a:prstGeom>
           <a:solidFill>
-            <a:srgbClr val="ffffff"/>
+            <a:srgbClr val="FFFFFF"/>
           </a:solidFill>
           <a:ln w="6480">
             <a:noFill/>
           </a:ln>
           <a:effectLst>
-            <a:outerShdw algn="ctr" blurRad="50800" rotWithShape="0">
+            <a:outerShdw blurRad="50800" algn="ctr" rotWithShape="0">
               <a:srgbClr val="000000">
                 <a:alpha val="66000"/>
               </a:srgbClr>
@@ -8513,9 +9666,15 @@
           </a:effectLst>
         </p:spPr>
         <p:style>
-          <a:lnRef idx="0"/>
-          <a:fillRef idx="0"/>
-          <a:effectRef idx="0"/>
+          <a:lnRef idx="0">
+            <a:scrgbClr r="0" g="0" b="0"/>
+          </a:lnRef>
+          <a:fillRef idx="0">
+            <a:scrgbClr r="0" g="0" b="0"/>
+          </a:fillRef>
+          <a:effectRef idx="0">
+            <a:scrgbClr r="0" g="0" b="0"/>
+          </a:effectRef>
           <a:fontRef idx="minor"/>
         </p:style>
       </p:sp>
@@ -8534,7 +9693,7 @@
             <a:avLst/>
           </a:prstGeom>
           <a:noFill/>
-          <a:ln cap="sq" w="6480">
+          <a:ln w="6480" cap="sq">
             <a:solidFill>
               <a:schemeClr val="tx1">
                 <a:lumMod val="75000"/>
@@ -8545,9 +9704,15 @@
           </a:ln>
         </p:spPr>
         <p:style>
-          <a:lnRef idx="0"/>
-          <a:fillRef idx="0"/>
-          <a:effectRef idx="0"/>
+          <a:lnRef idx="0">
+            <a:scrgbClr r="0" g="0" b="0"/>
+          </a:lnRef>
+          <a:fillRef idx="0">
+            <a:scrgbClr r="0" g="0" b="0"/>
+          </a:fillRef>
+          <a:effectRef idx="0">
+            <a:scrgbClr r="0" g="0" b="0"/>
+          </a:effectRef>
           <a:fontRef idx="minor"/>
         </p:style>
       </p:sp>
@@ -8617,7 +9782,7 @@
             </a:prstGeom>
             <a:ln>
               <a:solidFill>
-                <a:srgbClr val="ffffff"/>
+                <a:srgbClr val="FFFFFF"/>
               </a:solidFill>
               <a:miter/>
             </a:ln>
@@ -8651,7 +9816,7 @@
             </a:prstGeom>
             <a:ln>
               <a:solidFill>
-                <a:srgbClr val="ffffff"/>
+                <a:srgbClr val="FFFFFF"/>
               </a:solidFill>
               <a:miter/>
             </a:ln>
@@ -8685,7 +9850,7 @@
             </a:prstGeom>
             <a:ln>
               <a:solidFill>
-                <a:srgbClr val="ffffff"/>
+                <a:srgbClr val="FFFFFF"/>
               </a:solidFill>
               <a:miter/>
             </a:ln>
@@ -8727,6 +9892,7 @@
           <a:bodyPr anchor="ctr">
             <a:normAutofit fontScale="89000"/>
           </a:bodyPr>
+          <a:lstStyle/>
           <a:p>
             <a:pPr algn="ctr">
               <a:lnSpc>
@@ -8734,7 +9900,7 @@
               </a:lnSpc>
             </a:pPr>
             <a:r>
-              <a:rPr b="0" lang="en-US" sz="6800" spc="-100" strike="noStrike" cap="all">
+              <a:rPr lang="en-US" sz="6800" b="0" strike="noStrike" cap="all" spc="-100">
                 <a:solidFill>
                   <a:srgbClr val="262626"/>
                 </a:solidFill>
@@ -8742,7 +9908,7 @@
               </a:rPr>
               <a:t>Click to edit Master title style</a:t>
             </a:r>
-            <a:endParaRPr b="0" lang="ru-RU" sz="6800" spc="-1" strike="noStrike">
+            <a:endParaRPr lang="ru-RU" sz="6800" b="0" strike="noStrike" spc="-1">
               <a:solidFill>
                 <a:srgbClr val="000000"/>
               </a:solidFill>
@@ -8774,6 +9940,7 @@
           <a:bodyPr anchor="b">
             <a:noAutofit/>
           </a:bodyPr>
+          <a:lstStyle/>
           <a:p>
             <a:pPr algn="ctr">
               <a:lnSpc>
@@ -8781,15 +9948,15 @@
               </a:lnSpc>
             </a:pPr>
             <a:fld id="{93267919-6102-4A88-B695-21E7B697275A}" type="datetime1">
-              <a:rPr b="0" lang="en-US" sz="1300" spc="-1" strike="noStrike">
+              <a:rPr lang="en-US" sz="1300" b="0" strike="noStrike" spc="-1">
                 <a:solidFill>
-                  <a:srgbClr val="ffffff"/>
+                  <a:srgbClr val="FFFFFF"/>
                 </a:solidFill>
                 <a:latin typeface="Garamond"/>
               </a:rPr>
-              <a:t>06/07/2022</a:t>
+              <a:t>6/6/2022</a:t>
             </a:fld>
-            <a:endParaRPr b="0" lang="en-US" sz="1300" spc="-1" strike="noStrike">
+            <a:endParaRPr lang="en-US" sz="1300" b="0" strike="noStrike" spc="-1">
               <a:latin typeface="Times New Roman"/>
             </a:endParaRPr>
           </a:p>
@@ -8818,8 +9985,9 @@
           <a:bodyPr anchor="b">
             <a:noAutofit/>
           </a:bodyPr>
-          <a:p>
-            <a:endParaRPr b="0" lang="en-US" sz="2400" spc="-1" strike="noStrike">
+          <a:lstStyle/>
+          <a:p>
+            <a:endParaRPr lang="en-US" sz="2400" b="0" strike="noStrike" spc="-1">
               <a:latin typeface="Times New Roman"/>
             </a:endParaRPr>
           </a:p>
@@ -8848,6 +10016,7 @@
           <a:bodyPr anchor="b">
             <a:noAutofit/>
           </a:bodyPr>
+          <a:lstStyle/>
           <a:p>
             <a:pPr algn="r">
               <a:lnSpc>
@@ -8855,15 +10024,15 @@
               </a:lnSpc>
             </a:pPr>
             <a:fld id="{1931AD27-4C2B-4D3C-8C04-95BA2B0BA13E}" type="slidenum">
-              <a:rPr b="0" lang="en-US" sz="1000" spc="-1" strike="noStrike">
+              <a:rPr lang="en-US" sz="1000" b="0" strike="noStrike" spc="-1">
                 <a:solidFill>
-                  <a:srgbClr val="5c5c5c"/>
+                  <a:srgbClr val="5C5C5C"/>
                 </a:solidFill>
                 <a:latin typeface="Garamond"/>
               </a:rPr>
-              <a:t>&lt;number&gt;</a:t>
+              <a:t>‹#›</a:t>
             </a:fld>
-            <a:endParaRPr b="0" lang="en-US" sz="1000" spc="-1" strike="noStrike">
+            <a:endParaRPr lang="en-US" sz="1000" b="0" strike="noStrike" spc="-1">
               <a:latin typeface="Times New Roman"/>
             </a:endParaRPr>
           </a:p>
@@ -8889,9 +10058,10 @@
           </a:prstGeom>
         </p:spPr>
         <p:txBody>
-          <a:bodyPr lIns="0" rIns="0" tIns="0" bIns="0">
+          <a:bodyPr lIns="0" tIns="0" rIns="0" bIns="0">
             <a:normAutofit/>
           </a:bodyPr>
+          <a:lstStyle/>
           <a:p>
             <a:pPr marL="432000" indent="-324000">
               <a:spcBef>
@@ -8905,7 +10075,7 @@
               <a:buChar char=""/>
             </a:pPr>
             <a:r>
-              <a:rPr b="0" lang="ru-RU" sz="1800" spc="-1" strike="noStrike">
+              <a:rPr lang="ru-RU" sz="1800" b="0" strike="noStrike" spc="-1">
                 <a:solidFill>
                   <a:srgbClr val="000000"/>
                 </a:solidFill>
@@ -8913,15 +10083,9 @@
               </a:rPr>
               <a:t>Click to edit the outline text format</a:t>
             </a:r>
-            <a:endParaRPr b="0" lang="ru-RU" sz="1800" spc="-1" strike="noStrike">
-              <a:solidFill>
-                <a:srgbClr val="000000"/>
-              </a:solidFill>
-              <a:latin typeface="Garamond"/>
-            </a:endParaRPr>
-          </a:p>
-          <a:p>
-            <a:pPr lvl="1" marL="864000" indent="-324000">
+          </a:p>
+          <a:p>
+            <a:pPr marL="864000" lvl="1" indent="-324000">
               <a:spcBef>
                 <a:spcPts val="1134"/>
               </a:spcBef>
@@ -8933,7 +10097,7 @@
               <a:buChar char=""/>
             </a:pPr>
             <a:r>
-              <a:rPr b="0" lang="ru-RU" sz="1400" spc="-1" strike="noStrike">
+              <a:rPr lang="ru-RU" sz="1400" b="0" strike="noStrike" spc="-1">
                 <a:solidFill>
                   <a:srgbClr val="000000"/>
                 </a:solidFill>
@@ -8941,15 +10105,9 @@
               </a:rPr>
               <a:t>Second Outline Level</a:t>
             </a:r>
-            <a:endParaRPr b="0" lang="ru-RU" sz="1400" spc="-1" strike="noStrike">
-              <a:solidFill>
-                <a:srgbClr val="000000"/>
-              </a:solidFill>
-              <a:latin typeface="Garamond"/>
-            </a:endParaRPr>
-          </a:p>
-          <a:p>
-            <a:pPr lvl="2" marL="1296000" indent="-288000">
+          </a:p>
+          <a:p>
+            <a:pPr marL="1296000" lvl="2" indent="-288000">
               <a:spcBef>
                 <a:spcPts val="850"/>
               </a:spcBef>
@@ -8961,7 +10119,7 @@
               <a:buChar char=""/>
             </a:pPr>
             <a:r>
-              <a:rPr b="0" lang="ru-RU" sz="1400" spc="-1" strike="noStrike">
+              <a:rPr lang="ru-RU" sz="1400" b="0" strike="noStrike" spc="-1">
                 <a:solidFill>
                   <a:srgbClr val="000000"/>
                 </a:solidFill>
@@ -8969,15 +10127,9 @@
               </a:rPr>
               <a:t>Third Outline Level</a:t>
             </a:r>
-            <a:endParaRPr b="0" lang="ru-RU" sz="1400" spc="-1" strike="noStrike">
-              <a:solidFill>
-                <a:srgbClr val="000000"/>
-              </a:solidFill>
-              <a:latin typeface="Garamond"/>
-            </a:endParaRPr>
-          </a:p>
-          <a:p>
-            <a:pPr lvl="3" marL="1728000" indent="-216000">
+          </a:p>
+          <a:p>
+            <a:pPr marL="1728000" lvl="3" indent="-216000">
               <a:spcBef>
                 <a:spcPts val="567"/>
               </a:spcBef>
@@ -8989,7 +10141,7 @@
               <a:buChar char=""/>
             </a:pPr>
             <a:r>
-              <a:rPr b="0" lang="ru-RU" sz="1400" spc="-1" strike="noStrike">
+              <a:rPr lang="ru-RU" sz="1400" b="0" strike="noStrike" spc="-1">
                 <a:solidFill>
                   <a:srgbClr val="000000"/>
                 </a:solidFill>
@@ -8997,15 +10149,9 @@
               </a:rPr>
               <a:t>Fourth Outline Level</a:t>
             </a:r>
-            <a:endParaRPr b="0" lang="ru-RU" sz="1400" spc="-1" strike="noStrike">
-              <a:solidFill>
-                <a:srgbClr val="000000"/>
-              </a:solidFill>
-              <a:latin typeface="Garamond"/>
-            </a:endParaRPr>
-          </a:p>
-          <a:p>
-            <a:pPr lvl="4" marL="2160000" indent="-216000">
+          </a:p>
+          <a:p>
+            <a:pPr marL="2160000" lvl="4" indent="-216000">
               <a:spcBef>
                 <a:spcPts val="283"/>
               </a:spcBef>
@@ -9017,7 +10163,7 @@
               <a:buChar char=""/>
             </a:pPr>
             <a:r>
-              <a:rPr b="0" lang="ru-RU" sz="2000" spc="-1" strike="noStrike">
+              <a:rPr lang="ru-RU" sz="2000" b="0" strike="noStrike" spc="-1">
                 <a:solidFill>
                   <a:srgbClr val="000000"/>
                 </a:solidFill>
@@ -9025,15 +10171,9 @@
               </a:rPr>
               <a:t>Fifth Outline Level</a:t>
             </a:r>
-            <a:endParaRPr b="0" lang="ru-RU" sz="2000" spc="-1" strike="noStrike">
-              <a:solidFill>
-                <a:srgbClr val="000000"/>
-              </a:solidFill>
-              <a:latin typeface="Garamond"/>
-            </a:endParaRPr>
-          </a:p>
-          <a:p>
-            <a:pPr lvl="5" marL="2592000" indent="-216000">
+          </a:p>
+          <a:p>
+            <a:pPr marL="2592000" lvl="5" indent="-216000">
               <a:spcBef>
                 <a:spcPts val="283"/>
               </a:spcBef>
@@ -9045,7 +10185,7 @@
               <a:buChar char=""/>
             </a:pPr>
             <a:r>
-              <a:rPr b="0" lang="ru-RU" sz="2000" spc="-1" strike="noStrike">
+              <a:rPr lang="ru-RU" sz="2000" b="0" strike="noStrike" spc="-1">
                 <a:solidFill>
                   <a:srgbClr val="000000"/>
                 </a:solidFill>
@@ -9053,15 +10193,9 @@
               </a:rPr>
               <a:t>Sixth Outline Level</a:t>
             </a:r>
-            <a:endParaRPr b="0" lang="ru-RU" sz="2000" spc="-1" strike="noStrike">
-              <a:solidFill>
-                <a:srgbClr val="000000"/>
-              </a:solidFill>
-              <a:latin typeface="Garamond"/>
-            </a:endParaRPr>
-          </a:p>
-          <a:p>
-            <a:pPr lvl="6" marL="3024000" indent="-216000">
+          </a:p>
+          <a:p>
+            <a:pPr marL="3024000" lvl="6" indent="-216000">
               <a:spcBef>
                 <a:spcPts val="283"/>
               </a:spcBef>
@@ -9073,7 +10207,7 @@
               <a:buChar char=""/>
             </a:pPr>
             <a:r>
-              <a:rPr b="0" lang="ru-RU" sz="2000" spc="-1" strike="noStrike">
+              <a:rPr lang="ru-RU" sz="2000" b="0" strike="noStrike" spc="-1">
                 <a:solidFill>
                   <a:srgbClr val="000000"/>
                 </a:solidFill>
@@ -9081,43 +10215,318 @@
               </a:rPr>
               <a:t>Seventh Outline Level</a:t>
             </a:r>
-            <a:endParaRPr b="0" lang="ru-RU" sz="2000" spc="-1" strike="noStrike">
-              <a:solidFill>
-                <a:srgbClr val="000000"/>
-              </a:solidFill>
-              <a:latin typeface="Garamond"/>
-            </a:endParaRPr>
           </a:p>
         </p:txBody>
       </p:sp>
     </p:spTree>
   </p:cSld>
-  <p:clrMap bg1="lt1" bg2="lt2" tx1="dk1" tx2="dk2" accent1="accent1" accent2="accent2" accent3="accent3" accent4="accent4" accent5="accent5" accent6="accent6" hlink="hlink" folHlink="folHlink"/>
+  <p:clrMap bg1="lt1" tx1="dk1" bg2="lt2" tx2="dk2" accent1="accent1" accent2="accent2" accent3="accent3" accent4="accent4" accent5="accent5" accent6="accent6" hlink="hlink" folHlink="folHlink"/>
   <p:sldLayoutIdLst>
-    <p:sldLayoutId id="2147483662" r:id="rId2"/>
-    <p:sldLayoutId id="2147483663" r:id="rId3"/>
-    <p:sldLayoutId id="2147483664" r:id="rId4"/>
-    <p:sldLayoutId id="2147483665" r:id="rId5"/>
-    <p:sldLayoutId id="2147483666" r:id="rId6"/>
-    <p:sldLayoutId id="2147483667" r:id="rId7"/>
-    <p:sldLayoutId id="2147483668" r:id="rId8"/>
-    <p:sldLayoutId id="2147483669" r:id="rId9"/>
-    <p:sldLayoutId id="2147483670" r:id="rId10"/>
-    <p:sldLayoutId id="2147483671" r:id="rId11"/>
-    <p:sldLayoutId id="2147483672" r:id="rId12"/>
-    <p:sldLayoutId id="2147483673" r:id="rId13"/>
+    <p:sldLayoutId id="2147483662" r:id="rId1"/>
+    <p:sldLayoutId id="2147483663" r:id="rId2"/>
+    <p:sldLayoutId id="2147483664" r:id="rId3"/>
+    <p:sldLayoutId id="2147483665" r:id="rId4"/>
+    <p:sldLayoutId id="2147483666" r:id="rId5"/>
+    <p:sldLayoutId id="2147483667" r:id="rId6"/>
+    <p:sldLayoutId id="2147483668" r:id="rId7"/>
+    <p:sldLayoutId id="2147483669" r:id="rId8"/>
+    <p:sldLayoutId id="2147483670" r:id="rId9"/>
+    <p:sldLayoutId id="2147483671" r:id="rId10"/>
+    <p:sldLayoutId id="2147483672" r:id="rId11"/>
+    <p:sldLayoutId id="2147483673" r:id="rId12"/>
   </p:sldLayoutIdLst>
+  <p:txStyles>
+    <p:titleStyle>
+      <a:lvl1pPr algn="l" defTabSz="914400" rtl="0" eaLnBrk="1" latinLnBrk="0" hangingPunct="1">
+        <a:lnSpc>
+          <a:spcPct val="90000"/>
+        </a:lnSpc>
+        <a:spcBef>
+          <a:spcPct val="0"/>
+        </a:spcBef>
+        <a:buNone/>
+        <a:defRPr sz="4400" kern="1200">
+          <a:solidFill>
+            <a:schemeClr val="tx1"/>
+          </a:solidFill>
+          <a:latin typeface="+mj-lt"/>
+          <a:ea typeface="+mj-ea"/>
+          <a:cs typeface="+mj-cs"/>
+        </a:defRPr>
+      </a:lvl1pPr>
+    </p:titleStyle>
+    <p:bodyStyle>
+      <a:lvl1pPr marL="228600" indent="-228600" algn="l" defTabSz="914400" rtl="0" eaLnBrk="1" latinLnBrk="0" hangingPunct="1">
+        <a:lnSpc>
+          <a:spcPct val="90000"/>
+        </a:lnSpc>
+        <a:spcBef>
+          <a:spcPts val="1000"/>
+        </a:spcBef>
+        <a:buFont typeface="Arial" panose="020B0604020202020204" pitchFamily="34" charset="0"/>
+        <a:buChar char="•"/>
+        <a:defRPr sz="2800" kern="1200">
+          <a:solidFill>
+            <a:schemeClr val="tx1"/>
+          </a:solidFill>
+          <a:latin typeface="+mn-lt"/>
+          <a:ea typeface="+mn-ea"/>
+          <a:cs typeface="+mn-cs"/>
+        </a:defRPr>
+      </a:lvl1pPr>
+      <a:lvl2pPr marL="685800" indent="-228600" algn="l" defTabSz="914400" rtl="0" eaLnBrk="1" latinLnBrk="0" hangingPunct="1">
+        <a:lnSpc>
+          <a:spcPct val="90000"/>
+        </a:lnSpc>
+        <a:spcBef>
+          <a:spcPts val="500"/>
+        </a:spcBef>
+        <a:buFont typeface="Arial" panose="020B0604020202020204" pitchFamily="34" charset="0"/>
+        <a:buChar char="•"/>
+        <a:defRPr sz="2400" kern="1200">
+          <a:solidFill>
+            <a:schemeClr val="tx1"/>
+          </a:solidFill>
+          <a:latin typeface="+mn-lt"/>
+          <a:ea typeface="+mn-ea"/>
+          <a:cs typeface="+mn-cs"/>
+        </a:defRPr>
+      </a:lvl2pPr>
+      <a:lvl3pPr marL="1143000" indent="-228600" algn="l" defTabSz="914400" rtl="0" eaLnBrk="1" latinLnBrk="0" hangingPunct="1">
+        <a:lnSpc>
+          <a:spcPct val="90000"/>
+        </a:lnSpc>
+        <a:spcBef>
+          <a:spcPts val="500"/>
+        </a:spcBef>
+        <a:buFont typeface="Arial" panose="020B0604020202020204" pitchFamily="34" charset="0"/>
+        <a:buChar char="•"/>
+        <a:defRPr sz="2000" kern="1200">
+          <a:solidFill>
+            <a:schemeClr val="tx1"/>
+          </a:solidFill>
+          <a:latin typeface="+mn-lt"/>
+          <a:ea typeface="+mn-ea"/>
+          <a:cs typeface="+mn-cs"/>
+        </a:defRPr>
+      </a:lvl3pPr>
+      <a:lvl4pPr marL="1600200" indent="-228600" algn="l" defTabSz="914400" rtl="0" eaLnBrk="1" latinLnBrk="0" hangingPunct="1">
+        <a:lnSpc>
+          <a:spcPct val="90000"/>
+        </a:lnSpc>
+        <a:spcBef>
+          <a:spcPts val="500"/>
+        </a:spcBef>
+        <a:buFont typeface="Arial" panose="020B0604020202020204" pitchFamily="34" charset="0"/>
+        <a:buChar char="•"/>
+        <a:defRPr sz="1800" kern="1200">
+          <a:solidFill>
+            <a:schemeClr val="tx1"/>
+          </a:solidFill>
+          <a:latin typeface="+mn-lt"/>
+          <a:ea typeface="+mn-ea"/>
+          <a:cs typeface="+mn-cs"/>
+        </a:defRPr>
+      </a:lvl4pPr>
+      <a:lvl5pPr marL="2057400" indent="-228600" algn="l" defTabSz="914400" rtl="0" eaLnBrk="1" latinLnBrk="0" hangingPunct="1">
+        <a:lnSpc>
+          <a:spcPct val="90000"/>
+        </a:lnSpc>
+        <a:spcBef>
+          <a:spcPts val="500"/>
+        </a:spcBef>
+        <a:buFont typeface="Arial" panose="020B0604020202020204" pitchFamily="34" charset="0"/>
+        <a:buChar char="•"/>
+        <a:defRPr sz="1800" kern="1200">
+          <a:solidFill>
+            <a:schemeClr val="tx1"/>
+          </a:solidFill>
+          <a:latin typeface="+mn-lt"/>
+          <a:ea typeface="+mn-ea"/>
+          <a:cs typeface="+mn-cs"/>
+        </a:defRPr>
+      </a:lvl5pPr>
+      <a:lvl6pPr marL="2514600" indent="-228600" algn="l" defTabSz="914400" rtl="0" eaLnBrk="1" latinLnBrk="0" hangingPunct="1">
+        <a:lnSpc>
+          <a:spcPct val="90000"/>
+        </a:lnSpc>
+        <a:spcBef>
+          <a:spcPts val="500"/>
+        </a:spcBef>
+        <a:buFont typeface="Arial" panose="020B0604020202020204" pitchFamily="34" charset="0"/>
+        <a:buChar char="•"/>
+        <a:defRPr sz="1800" kern="1200">
+          <a:solidFill>
+            <a:schemeClr val="tx1"/>
+          </a:solidFill>
+          <a:latin typeface="+mn-lt"/>
+          <a:ea typeface="+mn-ea"/>
+          <a:cs typeface="+mn-cs"/>
+        </a:defRPr>
+      </a:lvl6pPr>
+      <a:lvl7pPr marL="2971800" indent="-228600" algn="l" defTabSz="914400" rtl="0" eaLnBrk="1" latinLnBrk="0" hangingPunct="1">
+        <a:lnSpc>
+          <a:spcPct val="90000"/>
+        </a:lnSpc>
+        <a:spcBef>
+          <a:spcPts val="500"/>
+        </a:spcBef>
+        <a:buFont typeface="Arial" panose="020B0604020202020204" pitchFamily="34" charset="0"/>
+        <a:buChar char="•"/>
+        <a:defRPr sz="1800" kern="1200">
+          <a:solidFill>
+            <a:schemeClr val="tx1"/>
+          </a:solidFill>
+          <a:latin typeface="+mn-lt"/>
+          <a:ea typeface="+mn-ea"/>
+          <a:cs typeface="+mn-cs"/>
+        </a:defRPr>
+      </a:lvl7pPr>
+      <a:lvl8pPr marL="3429000" indent="-228600" algn="l" defTabSz="914400" rtl="0" eaLnBrk="1" latinLnBrk="0" hangingPunct="1">
+        <a:lnSpc>
+          <a:spcPct val="90000"/>
+        </a:lnSpc>
+        <a:spcBef>
+          <a:spcPts val="500"/>
+        </a:spcBef>
+        <a:buFont typeface="Arial" panose="020B0604020202020204" pitchFamily="34" charset="0"/>
+        <a:buChar char="•"/>
+        <a:defRPr sz="1800" kern="1200">
+          <a:solidFill>
+            <a:schemeClr val="tx1"/>
+          </a:solidFill>
+          <a:latin typeface="+mn-lt"/>
+          <a:ea typeface="+mn-ea"/>
+          <a:cs typeface="+mn-cs"/>
+        </a:defRPr>
+      </a:lvl8pPr>
+      <a:lvl9pPr marL="3886200" indent="-228600" algn="l" defTabSz="914400" rtl="0" eaLnBrk="1" latinLnBrk="0" hangingPunct="1">
+        <a:lnSpc>
+          <a:spcPct val="90000"/>
+        </a:lnSpc>
+        <a:spcBef>
+          <a:spcPts val="500"/>
+        </a:spcBef>
+        <a:buFont typeface="Arial" panose="020B0604020202020204" pitchFamily="34" charset="0"/>
+        <a:buChar char="•"/>
+        <a:defRPr sz="1800" kern="1200">
+          <a:solidFill>
+            <a:schemeClr val="tx1"/>
+          </a:solidFill>
+          <a:latin typeface="+mn-lt"/>
+          <a:ea typeface="+mn-ea"/>
+          <a:cs typeface="+mn-cs"/>
+        </a:defRPr>
+      </a:lvl9pPr>
+    </p:bodyStyle>
+    <p:otherStyle>
+      <a:defPPr>
+        <a:defRPr lang="en-US"/>
+      </a:defPPr>
+      <a:lvl1pPr marL="0" algn="l" defTabSz="914400" rtl="0" eaLnBrk="1" latinLnBrk="0" hangingPunct="1">
+        <a:defRPr sz="1800" kern="1200">
+          <a:solidFill>
+            <a:schemeClr val="tx1"/>
+          </a:solidFill>
+          <a:latin typeface="+mn-lt"/>
+          <a:ea typeface="+mn-ea"/>
+          <a:cs typeface="+mn-cs"/>
+        </a:defRPr>
+      </a:lvl1pPr>
+      <a:lvl2pPr marL="457200" algn="l" defTabSz="914400" rtl="0" eaLnBrk="1" latinLnBrk="0" hangingPunct="1">
+        <a:defRPr sz="1800" kern="1200">
+          <a:solidFill>
+            <a:schemeClr val="tx1"/>
+          </a:solidFill>
+          <a:latin typeface="+mn-lt"/>
+          <a:ea typeface="+mn-ea"/>
+          <a:cs typeface="+mn-cs"/>
+        </a:defRPr>
+      </a:lvl2pPr>
+      <a:lvl3pPr marL="914400" algn="l" defTabSz="914400" rtl="0" eaLnBrk="1" latinLnBrk="0" hangingPunct="1">
+        <a:defRPr sz="1800" kern="1200">
+          <a:solidFill>
+            <a:schemeClr val="tx1"/>
+          </a:solidFill>
+          <a:latin typeface="+mn-lt"/>
+          <a:ea typeface="+mn-ea"/>
+          <a:cs typeface="+mn-cs"/>
+        </a:defRPr>
+      </a:lvl3pPr>
+      <a:lvl4pPr marL="1371600" algn="l" defTabSz="914400" rtl="0" eaLnBrk="1" latinLnBrk="0" hangingPunct="1">
+        <a:defRPr sz="1800" kern="1200">
+          <a:solidFill>
+            <a:schemeClr val="tx1"/>
+          </a:solidFill>
+          <a:latin typeface="+mn-lt"/>
+          <a:ea typeface="+mn-ea"/>
+          <a:cs typeface="+mn-cs"/>
+        </a:defRPr>
+      </a:lvl4pPr>
+      <a:lvl5pPr marL="1828800" algn="l" defTabSz="914400" rtl="0" eaLnBrk="1" latinLnBrk="0" hangingPunct="1">
+        <a:defRPr sz="1800" kern="1200">
+          <a:solidFill>
+            <a:schemeClr val="tx1"/>
+          </a:solidFill>
+          <a:latin typeface="+mn-lt"/>
+          <a:ea typeface="+mn-ea"/>
+          <a:cs typeface="+mn-cs"/>
+        </a:defRPr>
+      </a:lvl5pPr>
+      <a:lvl6pPr marL="2286000" algn="l" defTabSz="914400" rtl="0" eaLnBrk="1" latinLnBrk="0" hangingPunct="1">
+        <a:defRPr sz="1800" kern="1200">
+          <a:solidFill>
+            <a:schemeClr val="tx1"/>
+          </a:solidFill>
+          <a:latin typeface="+mn-lt"/>
+          <a:ea typeface="+mn-ea"/>
+          <a:cs typeface="+mn-cs"/>
+        </a:defRPr>
+      </a:lvl6pPr>
+      <a:lvl7pPr marL="2743200" algn="l" defTabSz="914400" rtl="0" eaLnBrk="1" latinLnBrk="0" hangingPunct="1">
+        <a:defRPr sz="1800" kern="1200">
+          <a:solidFill>
+            <a:schemeClr val="tx1"/>
+          </a:solidFill>
+          <a:latin typeface="+mn-lt"/>
+          <a:ea typeface="+mn-ea"/>
+          <a:cs typeface="+mn-cs"/>
+        </a:defRPr>
+      </a:lvl7pPr>
+      <a:lvl8pPr marL="3200400" algn="l" defTabSz="914400" rtl="0" eaLnBrk="1" latinLnBrk="0" hangingPunct="1">
+        <a:defRPr sz="1800" kern="1200">
+          <a:solidFill>
+            <a:schemeClr val="tx1"/>
+          </a:solidFill>
+          <a:latin typeface="+mn-lt"/>
+          <a:ea typeface="+mn-ea"/>
+          <a:cs typeface="+mn-cs"/>
+        </a:defRPr>
+      </a:lvl8pPr>
+      <a:lvl9pPr marL="3657600" algn="l" defTabSz="914400" rtl="0" eaLnBrk="1" latinLnBrk="0" hangingPunct="1">
+        <a:defRPr sz="1800" kern="1200">
+          <a:solidFill>
+            <a:schemeClr val="tx1"/>
+          </a:solidFill>
+          <a:latin typeface="+mn-lt"/>
+          <a:ea typeface="+mn-ea"/>
+          <a:cs typeface="+mn-cs"/>
+        </a:defRPr>
+      </a:lvl9pPr>
+    </p:otherStyle>
+  </p:txStyles>
 </p:sldMaster>
 </file>
 
 <file path=ppt/slideMasters/slideMaster3.xml><?xml version="1.0" encoding="utf-8"?>
-<p:sldMaster xmlns:a="http://schemas.openxmlformats.org/drawingml/2006/main" xmlns:p="http://schemas.openxmlformats.org/presentationml/2006/main" xmlns:r="http://schemas.openxmlformats.org/officeDocument/2006/relationships" xmlns:p14="http://schemas.microsoft.com/office/powerpoint/2010/main" xmlns:p15="http://schemas.microsoft.com/office/powerpoint/2012/main" xmlns:mc="http://schemas.openxmlformats.org/markup-compatibility/2006">
+<p:sldMaster xmlns:a="http://schemas.openxmlformats.org/drawingml/2006/main" xmlns:r="http://schemas.openxmlformats.org/officeDocument/2006/relationships" xmlns:p="http://schemas.openxmlformats.org/presentationml/2006/main">
   <p:cSld>
     <p:bg>
       <p:bgPr>
         <a:solidFill>
-          <a:srgbClr val="ffffff"/>
+          <a:srgbClr val="FFFFFF"/>
         </a:solidFill>
+        <a:effectLst/>
       </p:bgPr>
     </p:bg>
     <p:spTree>
@@ -9149,7 +10558,7 @@
             <a:avLst/>
           </a:prstGeom>
           <a:solidFill>
-            <a:srgbClr val="ffffff"/>
+            <a:srgbClr val="FFFFFF"/>
           </a:solidFill>
           <a:ln>
             <a:noFill/>
@@ -9198,9 +10607,15 @@
           </a:effectLst>
         </p:spPr>
         <p:style>
-          <a:lnRef idx="0"/>
-          <a:fillRef idx="0"/>
-          <a:effectRef idx="0"/>
+          <a:lnRef idx="0">
+            <a:scrgbClr r="0" g="0" b="0"/>
+          </a:lnRef>
+          <a:fillRef idx="0">
+            <a:scrgbClr r="0" g="0" b="0"/>
+          </a:fillRef>
+          <a:effectRef idx="0">
+            <a:scrgbClr r="0" g="0" b="0"/>
+          </a:effectRef>
           <a:fontRef idx="minor"/>
         </p:style>
       </p:sp>
@@ -9219,7 +10634,7 @@
             <a:avLst/>
           </a:prstGeom>
           <a:noFill/>
-          <a:ln cap="sq" w="6480">
+          <a:ln w="6480" cap="sq">
             <a:solidFill>
               <a:schemeClr val="tx1">
                 <a:lumMod val="85000"/>
@@ -9230,9 +10645,15 @@
           </a:ln>
         </p:spPr>
         <p:style>
-          <a:lnRef idx="0"/>
-          <a:fillRef idx="0"/>
-          <a:effectRef idx="0"/>
+          <a:lnRef idx="0">
+            <a:scrgbClr r="0" g="0" b="0"/>
+          </a:lnRef>
+          <a:fillRef idx="0">
+            <a:scrgbClr r="0" g="0" b="0"/>
+          </a:fillRef>
+          <a:effectRef idx="0">
+            <a:scrgbClr r="0" g="0" b="0"/>
+          </a:effectRef>
           <a:fontRef idx="minor"/>
         </p:style>
       </p:sp>
@@ -9259,6 +10680,7 @@
           <a:bodyPr anchor="ctr">
             <a:noAutofit/>
           </a:bodyPr>
+          <a:lstStyle/>
           <a:p>
             <a:pPr>
               <a:lnSpc>
@@ -9266,7 +10688,7 @@
               </a:lnSpc>
             </a:pPr>
             <a:r>
-              <a:rPr b="0" lang="en-US" sz="4800" spc="-1" strike="noStrike">
+              <a:rPr lang="en-US" sz="4800" b="0" strike="noStrike" spc="-1">
                 <a:solidFill>
                   <a:srgbClr val="262626"/>
                 </a:solidFill>
@@ -9274,7 +10696,7 @@
               </a:rPr>
               <a:t>Click to edit Master title style</a:t>
             </a:r>
-            <a:endParaRPr b="0" lang="ru-RU" sz="4800" spc="-1" strike="noStrike">
+            <a:endParaRPr lang="ru-RU" sz="4800" b="0" strike="noStrike" spc="-1">
               <a:solidFill>
                 <a:srgbClr val="000000"/>
               </a:solidFill>
@@ -9306,6 +10728,7 @@
           <a:bodyPr>
             <a:noAutofit/>
           </a:bodyPr>
+          <a:lstStyle/>
           <a:p>
             <a:pPr marL="182880" indent="-182520">
               <a:lnSpc>
@@ -9321,7 +10744,7 @@
               <a:buChar char="◦"/>
             </a:pPr>
             <a:r>
-              <a:rPr b="0" lang="en-US" sz="1800" spc="-1" strike="noStrike">
+              <a:rPr lang="en-US" sz="1800" b="0" strike="noStrike" spc="-1">
                 <a:solidFill>
                   <a:srgbClr val="000000"/>
                 </a:solidFill>
@@ -9329,7 +10752,7 @@
               </a:rPr>
               <a:t>Edit Master text styles</a:t>
             </a:r>
-            <a:endParaRPr b="0" lang="ru-RU" sz="1800" spc="-1" strike="noStrike">
+            <a:endParaRPr lang="ru-RU" sz="1800" b="0" strike="noStrike" spc="-1">
               <a:solidFill>
                 <a:srgbClr val="000000"/>
               </a:solidFill>
@@ -9337,7 +10760,7 @@
             </a:endParaRPr>
           </a:p>
           <a:p>
-            <a:pPr lvl="1" marL="457200" indent="-182520">
+            <a:pPr marL="457200" lvl="1" indent="-182520">
               <a:lnSpc>
                 <a:spcPct val="100000"/>
               </a:lnSpc>
@@ -9351,7 +10774,7 @@
               <a:buChar char="◦"/>
             </a:pPr>
             <a:r>
-              <a:rPr b="0" lang="en-US" sz="1600" spc="-1" strike="noStrike">
+              <a:rPr lang="en-US" sz="1600" b="0" strike="noStrike" spc="-1">
                 <a:solidFill>
                   <a:srgbClr val="000000"/>
                 </a:solidFill>
@@ -9359,7 +10782,7 @@
               </a:rPr>
               <a:t>Second level</a:t>
             </a:r>
-            <a:endParaRPr b="0" lang="ru-RU" sz="1600" spc="-1" strike="noStrike">
+            <a:endParaRPr lang="ru-RU" sz="1600" b="0" strike="noStrike" spc="-1">
               <a:solidFill>
                 <a:srgbClr val="000000"/>
               </a:solidFill>
@@ -9367,7 +10790,7 @@
             </a:endParaRPr>
           </a:p>
           <a:p>
-            <a:pPr lvl="2" marL="731520" indent="-182520">
+            <a:pPr marL="731520" lvl="2" indent="-182520">
               <a:lnSpc>
                 <a:spcPct val="100000"/>
               </a:lnSpc>
@@ -9381,7 +10804,7 @@
               <a:buChar char="◦"/>
             </a:pPr>
             <a:r>
-              <a:rPr b="0" lang="en-US" sz="1400" spc="-1" strike="noStrike">
+              <a:rPr lang="en-US" sz="1400" b="0" strike="noStrike" spc="-1">
                 <a:solidFill>
                   <a:srgbClr val="000000"/>
                 </a:solidFill>
@@ -9389,7 +10812,7 @@
               </a:rPr>
               <a:t>Third level</a:t>
             </a:r>
-            <a:endParaRPr b="0" lang="ru-RU" sz="1400" spc="-1" strike="noStrike">
+            <a:endParaRPr lang="ru-RU" sz="1400" b="0" strike="noStrike" spc="-1">
               <a:solidFill>
                 <a:srgbClr val="000000"/>
               </a:solidFill>
@@ -9397,7 +10820,7 @@
             </a:endParaRPr>
           </a:p>
           <a:p>
-            <a:pPr lvl="3" marL="1005840" indent="-182520">
+            <a:pPr marL="1005840" lvl="3" indent="-182520">
               <a:lnSpc>
                 <a:spcPct val="100000"/>
               </a:lnSpc>
@@ -9411,7 +10834,7 @@
               <a:buChar char="◦"/>
             </a:pPr>
             <a:r>
-              <a:rPr b="0" lang="en-US" sz="1400" spc="-1" strike="noStrike">
+              <a:rPr lang="en-US" sz="1400" b="0" strike="noStrike" spc="-1">
                 <a:solidFill>
                   <a:srgbClr val="000000"/>
                 </a:solidFill>
@@ -9419,7 +10842,7 @@
               </a:rPr>
               <a:t>Fourth level</a:t>
             </a:r>
-            <a:endParaRPr b="0" lang="ru-RU" sz="1400" spc="-1" strike="noStrike">
+            <a:endParaRPr lang="ru-RU" sz="1400" b="0" strike="noStrike" spc="-1">
               <a:solidFill>
                 <a:srgbClr val="000000"/>
               </a:solidFill>
@@ -9427,7 +10850,7 @@
             </a:endParaRPr>
           </a:p>
           <a:p>
-            <a:pPr lvl="4" marL="1280160" indent="-182520">
+            <a:pPr marL="1280160" lvl="4" indent="-182520">
               <a:lnSpc>
                 <a:spcPct val="100000"/>
               </a:lnSpc>
@@ -9441,7 +10864,7 @@
               <a:buChar char="◦"/>
             </a:pPr>
             <a:r>
-              <a:rPr b="0" lang="en-US" sz="1400" spc="-1" strike="noStrike">
+              <a:rPr lang="en-US" sz="1400" b="0" strike="noStrike" spc="-1">
                 <a:solidFill>
                   <a:srgbClr val="000000"/>
                 </a:solidFill>
@@ -9449,7 +10872,7 @@
               </a:rPr>
               <a:t>Fifth level</a:t>
             </a:r>
-            <a:endParaRPr b="0" lang="ru-RU" sz="1400" spc="-1" strike="noStrike">
+            <a:endParaRPr lang="ru-RU" sz="1400" b="0" strike="noStrike" spc="-1">
               <a:solidFill>
                 <a:srgbClr val="000000"/>
               </a:solidFill>
@@ -9481,6 +10904,7 @@
           <a:bodyPr>
             <a:noAutofit/>
           </a:bodyPr>
+          <a:lstStyle/>
           <a:p>
             <a:pPr marL="182880" indent="-182520">
               <a:lnSpc>
@@ -9496,7 +10920,7 @@
               <a:buChar char="◦"/>
             </a:pPr>
             <a:r>
-              <a:rPr b="0" lang="en-US" sz="1800" spc="-1" strike="noStrike">
+              <a:rPr lang="en-US" sz="1800" b="0" strike="noStrike" spc="-1">
                 <a:solidFill>
                   <a:srgbClr val="000000"/>
                 </a:solidFill>
@@ -9504,7 +10928,7 @@
               </a:rPr>
               <a:t>Edit Master text styles</a:t>
             </a:r>
-            <a:endParaRPr b="0" lang="ru-RU" sz="1800" spc="-1" strike="noStrike">
+            <a:endParaRPr lang="ru-RU" sz="1800" b="0" strike="noStrike" spc="-1">
               <a:solidFill>
                 <a:srgbClr val="000000"/>
               </a:solidFill>
@@ -9512,7 +10936,7 @@
             </a:endParaRPr>
           </a:p>
           <a:p>
-            <a:pPr lvl="1" marL="457200" indent="-182520">
+            <a:pPr marL="457200" lvl="1" indent="-182520">
               <a:lnSpc>
                 <a:spcPct val="100000"/>
               </a:lnSpc>
@@ -9526,7 +10950,7 @@
               <a:buChar char="◦"/>
             </a:pPr>
             <a:r>
-              <a:rPr b="0" lang="en-US" sz="1600" spc="-1" strike="noStrike">
+              <a:rPr lang="en-US" sz="1600" b="0" strike="noStrike" spc="-1">
                 <a:solidFill>
                   <a:srgbClr val="000000"/>
                 </a:solidFill>
@@ -9534,7 +10958,7 @@
               </a:rPr>
               <a:t>Second level</a:t>
             </a:r>
-            <a:endParaRPr b="0" lang="ru-RU" sz="1600" spc="-1" strike="noStrike">
+            <a:endParaRPr lang="ru-RU" sz="1600" b="0" strike="noStrike" spc="-1">
               <a:solidFill>
                 <a:srgbClr val="000000"/>
               </a:solidFill>
@@ -9542,7 +10966,7 @@
             </a:endParaRPr>
           </a:p>
           <a:p>
-            <a:pPr lvl="2" marL="731520" indent="-182520">
+            <a:pPr marL="731520" lvl="2" indent="-182520">
               <a:lnSpc>
                 <a:spcPct val="100000"/>
               </a:lnSpc>
@@ -9556,7 +10980,7 @@
               <a:buChar char="◦"/>
             </a:pPr>
             <a:r>
-              <a:rPr b="0" lang="en-US" sz="1400" spc="-1" strike="noStrike">
+              <a:rPr lang="en-US" sz="1400" b="0" strike="noStrike" spc="-1">
                 <a:solidFill>
                   <a:srgbClr val="000000"/>
                 </a:solidFill>
@@ -9564,7 +10988,7 @@
               </a:rPr>
               <a:t>Third level</a:t>
             </a:r>
-            <a:endParaRPr b="0" lang="ru-RU" sz="1400" spc="-1" strike="noStrike">
+            <a:endParaRPr lang="ru-RU" sz="1400" b="0" strike="noStrike" spc="-1">
               <a:solidFill>
                 <a:srgbClr val="000000"/>
               </a:solidFill>
@@ -9572,7 +10996,7 @@
             </a:endParaRPr>
           </a:p>
           <a:p>
-            <a:pPr lvl="3" marL="1005840" indent="-182520">
+            <a:pPr marL="1005840" lvl="3" indent="-182520">
               <a:lnSpc>
                 <a:spcPct val="100000"/>
               </a:lnSpc>
@@ -9586,7 +11010,7 @@
               <a:buChar char="◦"/>
             </a:pPr>
             <a:r>
-              <a:rPr b="0" lang="en-US" sz="1400" spc="-1" strike="noStrike">
+              <a:rPr lang="en-US" sz="1400" b="0" strike="noStrike" spc="-1">
                 <a:solidFill>
                   <a:srgbClr val="000000"/>
                 </a:solidFill>
@@ -9594,7 +11018,7 @@
               </a:rPr>
               <a:t>Fourth level</a:t>
             </a:r>
-            <a:endParaRPr b="0" lang="ru-RU" sz="1400" spc="-1" strike="noStrike">
+            <a:endParaRPr lang="ru-RU" sz="1400" b="0" strike="noStrike" spc="-1">
               <a:solidFill>
                 <a:srgbClr val="000000"/>
               </a:solidFill>
@@ -9602,7 +11026,7 @@
             </a:endParaRPr>
           </a:p>
           <a:p>
-            <a:pPr lvl="4" marL="1280160" indent="-182520">
+            <a:pPr marL="1280160" lvl="4" indent="-182520">
               <a:lnSpc>
                 <a:spcPct val="100000"/>
               </a:lnSpc>
@@ -9616,7 +11040,7 @@
               <a:buChar char="◦"/>
             </a:pPr>
             <a:r>
-              <a:rPr b="0" lang="en-US" sz="1400" spc="-1" strike="noStrike">
+              <a:rPr lang="en-US" sz="1400" b="0" strike="noStrike" spc="-1">
                 <a:solidFill>
                   <a:srgbClr val="000000"/>
                 </a:solidFill>
@@ -9624,7 +11048,7 @@
               </a:rPr>
               <a:t>Fifth level</a:t>
             </a:r>
-            <a:endParaRPr b="0" lang="ru-RU" sz="1400" spc="-1" strike="noStrike">
+            <a:endParaRPr lang="ru-RU" sz="1400" b="0" strike="noStrike" spc="-1">
               <a:solidFill>
                 <a:srgbClr val="000000"/>
               </a:solidFill>
@@ -9656,6 +11080,7 @@
           <a:bodyPr anchor="b">
             <a:noAutofit/>
           </a:bodyPr>
+          <a:lstStyle/>
           <a:p>
             <a:pPr algn="r">
               <a:lnSpc>
@@ -9663,15 +11088,15 @@
               </a:lnSpc>
             </a:pPr>
             <a:fld id="{ED4E3C5D-67DD-4982-BB9A-4196C9AF8641}" type="datetime1">
-              <a:rPr b="0" lang="en-US" sz="1000" spc="-1" strike="noStrike">
+              <a:rPr lang="en-US" sz="1000" b="0" strike="noStrike" spc="-1">
                 <a:solidFill>
                   <a:srgbClr val="404040"/>
                 </a:solidFill>
                 <a:latin typeface="Garamond"/>
               </a:rPr>
-              <a:t>06/07/2022</a:t>
+              <a:t>6/6/2022</a:t>
             </a:fld>
-            <a:endParaRPr b="0" lang="en-US" sz="1000" spc="-1" strike="noStrike">
+            <a:endParaRPr lang="en-US" sz="1000" b="0" strike="noStrike" spc="-1">
               <a:latin typeface="Times New Roman"/>
             </a:endParaRPr>
           </a:p>
@@ -9700,8 +11125,9 @@
           <a:bodyPr anchor="b">
             <a:noAutofit/>
           </a:bodyPr>
-          <a:p>
-            <a:endParaRPr b="0" lang="en-US" sz="2400" spc="-1" strike="noStrike">
+          <a:lstStyle/>
+          <a:p>
+            <a:endParaRPr lang="en-US" sz="2400" b="0" strike="noStrike" spc="-1">
               <a:latin typeface="Times New Roman"/>
             </a:endParaRPr>
           </a:p>
@@ -9730,6 +11156,7 @@
           <a:bodyPr anchor="b">
             <a:noAutofit/>
           </a:bodyPr>
+          <a:lstStyle/>
           <a:p>
             <a:pPr algn="r">
               <a:lnSpc>
@@ -9737,15 +11164,15 @@
               </a:lnSpc>
             </a:pPr>
             <a:fld id="{AAE7FDDF-EF1A-42B6-9CF0-AA125F83BF1B}" type="slidenum">
-              <a:rPr b="0" lang="en-US" sz="1000" spc="-1" strike="noStrike">
+              <a:rPr lang="en-US" sz="1000" b="0" strike="noStrike" spc="-1">
                 <a:solidFill>
                   <a:srgbClr val="404040"/>
                 </a:solidFill>
                 <a:latin typeface="Garamond"/>
               </a:rPr>
-              <a:t>&lt;number&gt;</a:t>
+              <a:t>‹#›</a:t>
             </a:fld>
-            <a:endParaRPr b="0" lang="en-US" sz="1000" spc="-1" strike="noStrike">
+            <a:endParaRPr lang="en-US" sz="1000" b="0" strike="noStrike" spc="-1">
               <a:latin typeface="Times New Roman"/>
             </a:endParaRPr>
           </a:p>
@@ -9753,32 +11180,314 @@
       </p:sp>
     </p:spTree>
   </p:cSld>
-  <p:clrMap bg1="lt1" bg2="lt2" tx1="dk1" tx2="dk2" accent1="accent1" accent2="accent2" accent3="accent3" accent4="accent4" accent5="accent5" accent6="accent6" hlink="hlink" folHlink="folHlink"/>
+  <p:clrMap bg1="lt1" tx1="dk1" bg2="lt2" tx2="dk2" accent1="accent1" accent2="accent2" accent3="accent3" accent4="accent4" accent5="accent5" accent6="accent6" hlink="hlink" folHlink="folHlink"/>
   <p:sldLayoutIdLst>
-    <p:sldLayoutId id="2147483675" r:id="rId2"/>
-    <p:sldLayoutId id="2147483676" r:id="rId3"/>
-    <p:sldLayoutId id="2147483677" r:id="rId4"/>
-    <p:sldLayoutId id="2147483678" r:id="rId5"/>
-    <p:sldLayoutId id="2147483679" r:id="rId6"/>
-    <p:sldLayoutId id="2147483680" r:id="rId7"/>
-    <p:sldLayoutId id="2147483681" r:id="rId8"/>
-    <p:sldLayoutId id="2147483682" r:id="rId9"/>
-    <p:sldLayoutId id="2147483683" r:id="rId10"/>
-    <p:sldLayoutId id="2147483684" r:id="rId11"/>
-    <p:sldLayoutId id="2147483685" r:id="rId12"/>
-    <p:sldLayoutId id="2147483686" r:id="rId13"/>
+    <p:sldLayoutId id="2147483675" r:id="rId1"/>
+    <p:sldLayoutId id="2147483676" r:id="rId2"/>
+    <p:sldLayoutId id="2147483677" r:id="rId3"/>
+    <p:sldLayoutId id="2147483678" r:id="rId4"/>
+    <p:sldLayoutId id="2147483679" r:id="rId5"/>
+    <p:sldLayoutId id="2147483680" r:id="rId6"/>
+    <p:sldLayoutId id="2147483681" r:id="rId7"/>
+    <p:sldLayoutId id="2147483682" r:id="rId8"/>
+    <p:sldLayoutId id="2147483683" r:id="rId9"/>
+    <p:sldLayoutId id="2147483684" r:id="rId10"/>
+    <p:sldLayoutId id="2147483685" r:id="rId11"/>
+    <p:sldLayoutId id="2147483686" r:id="rId12"/>
+    <p:sldLayoutId id="2147483687" r:id="rId13"/>
   </p:sldLayoutIdLst>
+  <p:txStyles>
+    <p:titleStyle>
+      <a:lvl1pPr algn="l" defTabSz="914400" rtl="0" eaLnBrk="1" latinLnBrk="0" hangingPunct="1">
+        <a:lnSpc>
+          <a:spcPct val="90000"/>
+        </a:lnSpc>
+        <a:spcBef>
+          <a:spcPct val="0"/>
+        </a:spcBef>
+        <a:buNone/>
+        <a:defRPr sz="4400" kern="1200">
+          <a:solidFill>
+            <a:schemeClr val="tx1"/>
+          </a:solidFill>
+          <a:latin typeface="+mj-lt"/>
+          <a:ea typeface="+mj-ea"/>
+          <a:cs typeface="+mj-cs"/>
+        </a:defRPr>
+      </a:lvl1pPr>
+    </p:titleStyle>
+    <p:bodyStyle>
+      <a:lvl1pPr marL="228600" indent="-228600" algn="l" defTabSz="914400" rtl="0" eaLnBrk="1" latinLnBrk="0" hangingPunct="1">
+        <a:lnSpc>
+          <a:spcPct val="90000"/>
+        </a:lnSpc>
+        <a:spcBef>
+          <a:spcPts val="1000"/>
+        </a:spcBef>
+        <a:buFont typeface="Arial" panose="020B0604020202020204" pitchFamily="34" charset="0"/>
+        <a:buChar char="•"/>
+        <a:defRPr sz="2800" kern="1200">
+          <a:solidFill>
+            <a:schemeClr val="tx1"/>
+          </a:solidFill>
+          <a:latin typeface="+mn-lt"/>
+          <a:ea typeface="+mn-ea"/>
+          <a:cs typeface="+mn-cs"/>
+        </a:defRPr>
+      </a:lvl1pPr>
+      <a:lvl2pPr marL="685800" indent="-228600" algn="l" defTabSz="914400" rtl="0" eaLnBrk="1" latinLnBrk="0" hangingPunct="1">
+        <a:lnSpc>
+          <a:spcPct val="90000"/>
+        </a:lnSpc>
+        <a:spcBef>
+          <a:spcPts val="500"/>
+        </a:spcBef>
+        <a:buFont typeface="Arial" panose="020B0604020202020204" pitchFamily="34" charset="0"/>
+        <a:buChar char="•"/>
+        <a:defRPr sz="2400" kern="1200">
+          <a:solidFill>
+            <a:schemeClr val="tx1"/>
+          </a:solidFill>
+          <a:latin typeface="+mn-lt"/>
+          <a:ea typeface="+mn-ea"/>
+          <a:cs typeface="+mn-cs"/>
+        </a:defRPr>
+      </a:lvl2pPr>
+      <a:lvl3pPr marL="1143000" indent="-228600" algn="l" defTabSz="914400" rtl="0" eaLnBrk="1" latinLnBrk="0" hangingPunct="1">
+        <a:lnSpc>
+          <a:spcPct val="90000"/>
+        </a:lnSpc>
+        <a:spcBef>
+          <a:spcPts val="500"/>
+        </a:spcBef>
+        <a:buFont typeface="Arial" panose="020B0604020202020204" pitchFamily="34" charset="0"/>
+        <a:buChar char="•"/>
+        <a:defRPr sz="2000" kern="1200">
+          <a:solidFill>
+            <a:schemeClr val="tx1"/>
+          </a:solidFill>
+          <a:latin typeface="+mn-lt"/>
+          <a:ea typeface="+mn-ea"/>
+          <a:cs typeface="+mn-cs"/>
+        </a:defRPr>
+      </a:lvl3pPr>
+      <a:lvl4pPr marL="1600200" indent="-228600" algn="l" defTabSz="914400" rtl="0" eaLnBrk="1" latinLnBrk="0" hangingPunct="1">
+        <a:lnSpc>
+          <a:spcPct val="90000"/>
+        </a:lnSpc>
+        <a:spcBef>
+          <a:spcPts val="500"/>
+        </a:spcBef>
+        <a:buFont typeface="Arial" panose="020B0604020202020204" pitchFamily="34" charset="0"/>
+        <a:buChar char="•"/>
+        <a:defRPr sz="1800" kern="1200">
+          <a:solidFill>
+            <a:schemeClr val="tx1"/>
+          </a:solidFill>
+          <a:latin typeface="+mn-lt"/>
+          <a:ea typeface="+mn-ea"/>
+          <a:cs typeface="+mn-cs"/>
+        </a:defRPr>
+      </a:lvl4pPr>
+      <a:lvl5pPr marL="2057400" indent="-228600" algn="l" defTabSz="914400" rtl="0" eaLnBrk="1" latinLnBrk="0" hangingPunct="1">
+        <a:lnSpc>
+          <a:spcPct val="90000"/>
+        </a:lnSpc>
+        <a:spcBef>
+          <a:spcPts val="500"/>
+        </a:spcBef>
+        <a:buFont typeface="Arial" panose="020B0604020202020204" pitchFamily="34" charset="0"/>
+        <a:buChar char="•"/>
+        <a:defRPr sz="1800" kern="1200">
+          <a:solidFill>
+            <a:schemeClr val="tx1"/>
+          </a:solidFill>
+          <a:latin typeface="+mn-lt"/>
+          <a:ea typeface="+mn-ea"/>
+          <a:cs typeface="+mn-cs"/>
+        </a:defRPr>
+      </a:lvl5pPr>
+      <a:lvl6pPr marL="2514600" indent="-228600" algn="l" defTabSz="914400" rtl="0" eaLnBrk="1" latinLnBrk="0" hangingPunct="1">
+        <a:lnSpc>
+          <a:spcPct val="90000"/>
+        </a:lnSpc>
+        <a:spcBef>
+          <a:spcPts val="500"/>
+        </a:spcBef>
+        <a:buFont typeface="Arial" panose="020B0604020202020204" pitchFamily="34" charset="0"/>
+        <a:buChar char="•"/>
+        <a:defRPr sz="1800" kern="1200">
+          <a:solidFill>
+            <a:schemeClr val="tx1"/>
+          </a:solidFill>
+          <a:latin typeface="+mn-lt"/>
+          <a:ea typeface="+mn-ea"/>
+          <a:cs typeface="+mn-cs"/>
+        </a:defRPr>
+      </a:lvl6pPr>
+      <a:lvl7pPr marL="2971800" indent="-228600" algn="l" defTabSz="914400" rtl="0" eaLnBrk="1" latinLnBrk="0" hangingPunct="1">
+        <a:lnSpc>
+          <a:spcPct val="90000"/>
+        </a:lnSpc>
+        <a:spcBef>
+          <a:spcPts val="500"/>
+        </a:spcBef>
+        <a:buFont typeface="Arial" panose="020B0604020202020204" pitchFamily="34" charset="0"/>
+        <a:buChar char="•"/>
+        <a:defRPr sz="1800" kern="1200">
+          <a:solidFill>
+            <a:schemeClr val="tx1"/>
+          </a:solidFill>
+          <a:latin typeface="+mn-lt"/>
+          <a:ea typeface="+mn-ea"/>
+          <a:cs typeface="+mn-cs"/>
+        </a:defRPr>
+      </a:lvl7pPr>
+      <a:lvl8pPr marL="3429000" indent="-228600" algn="l" defTabSz="914400" rtl="0" eaLnBrk="1" latinLnBrk="0" hangingPunct="1">
+        <a:lnSpc>
+          <a:spcPct val="90000"/>
+        </a:lnSpc>
+        <a:spcBef>
+          <a:spcPts val="500"/>
+        </a:spcBef>
+        <a:buFont typeface="Arial" panose="020B0604020202020204" pitchFamily="34" charset="0"/>
+        <a:buChar char="•"/>
+        <a:defRPr sz="1800" kern="1200">
+          <a:solidFill>
+            <a:schemeClr val="tx1"/>
+          </a:solidFill>
+          <a:latin typeface="+mn-lt"/>
+          <a:ea typeface="+mn-ea"/>
+          <a:cs typeface="+mn-cs"/>
+        </a:defRPr>
+      </a:lvl8pPr>
+      <a:lvl9pPr marL="3886200" indent="-228600" algn="l" defTabSz="914400" rtl="0" eaLnBrk="1" latinLnBrk="0" hangingPunct="1">
+        <a:lnSpc>
+          <a:spcPct val="90000"/>
+        </a:lnSpc>
+        <a:spcBef>
+          <a:spcPts val="500"/>
+        </a:spcBef>
+        <a:buFont typeface="Arial" panose="020B0604020202020204" pitchFamily="34" charset="0"/>
+        <a:buChar char="•"/>
+        <a:defRPr sz="1800" kern="1200">
+          <a:solidFill>
+            <a:schemeClr val="tx1"/>
+          </a:solidFill>
+          <a:latin typeface="+mn-lt"/>
+          <a:ea typeface="+mn-ea"/>
+          <a:cs typeface="+mn-cs"/>
+        </a:defRPr>
+      </a:lvl9pPr>
+    </p:bodyStyle>
+    <p:otherStyle>
+      <a:defPPr>
+        <a:defRPr lang="en-US"/>
+      </a:defPPr>
+      <a:lvl1pPr marL="0" algn="l" defTabSz="914400" rtl="0" eaLnBrk="1" latinLnBrk="0" hangingPunct="1">
+        <a:defRPr sz="1800" kern="1200">
+          <a:solidFill>
+            <a:schemeClr val="tx1"/>
+          </a:solidFill>
+          <a:latin typeface="+mn-lt"/>
+          <a:ea typeface="+mn-ea"/>
+          <a:cs typeface="+mn-cs"/>
+        </a:defRPr>
+      </a:lvl1pPr>
+      <a:lvl2pPr marL="457200" algn="l" defTabSz="914400" rtl="0" eaLnBrk="1" latinLnBrk="0" hangingPunct="1">
+        <a:defRPr sz="1800" kern="1200">
+          <a:solidFill>
+            <a:schemeClr val="tx1"/>
+          </a:solidFill>
+          <a:latin typeface="+mn-lt"/>
+          <a:ea typeface="+mn-ea"/>
+          <a:cs typeface="+mn-cs"/>
+        </a:defRPr>
+      </a:lvl2pPr>
+      <a:lvl3pPr marL="914400" algn="l" defTabSz="914400" rtl="0" eaLnBrk="1" latinLnBrk="0" hangingPunct="1">
+        <a:defRPr sz="1800" kern="1200">
+          <a:solidFill>
+            <a:schemeClr val="tx1"/>
+          </a:solidFill>
+          <a:latin typeface="+mn-lt"/>
+          <a:ea typeface="+mn-ea"/>
+          <a:cs typeface="+mn-cs"/>
+        </a:defRPr>
+      </a:lvl3pPr>
+      <a:lvl4pPr marL="1371600" algn="l" defTabSz="914400" rtl="0" eaLnBrk="1" latinLnBrk="0" hangingPunct="1">
+        <a:defRPr sz="1800" kern="1200">
+          <a:solidFill>
+            <a:schemeClr val="tx1"/>
+          </a:solidFill>
+          <a:latin typeface="+mn-lt"/>
+          <a:ea typeface="+mn-ea"/>
+          <a:cs typeface="+mn-cs"/>
+        </a:defRPr>
+      </a:lvl4pPr>
+      <a:lvl5pPr marL="1828800" algn="l" defTabSz="914400" rtl="0" eaLnBrk="1" latinLnBrk="0" hangingPunct="1">
+        <a:defRPr sz="1800" kern="1200">
+          <a:solidFill>
+            <a:schemeClr val="tx1"/>
+          </a:solidFill>
+          <a:latin typeface="+mn-lt"/>
+          <a:ea typeface="+mn-ea"/>
+          <a:cs typeface="+mn-cs"/>
+        </a:defRPr>
+      </a:lvl5pPr>
+      <a:lvl6pPr marL="2286000" algn="l" defTabSz="914400" rtl="0" eaLnBrk="1" latinLnBrk="0" hangingPunct="1">
+        <a:defRPr sz="1800" kern="1200">
+          <a:solidFill>
+            <a:schemeClr val="tx1"/>
+          </a:solidFill>
+          <a:latin typeface="+mn-lt"/>
+          <a:ea typeface="+mn-ea"/>
+          <a:cs typeface="+mn-cs"/>
+        </a:defRPr>
+      </a:lvl6pPr>
+      <a:lvl7pPr marL="2743200" algn="l" defTabSz="914400" rtl="0" eaLnBrk="1" latinLnBrk="0" hangingPunct="1">
+        <a:defRPr sz="1800" kern="1200">
+          <a:solidFill>
+            <a:schemeClr val="tx1"/>
+          </a:solidFill>
+          <a:latin typeface="+mn-lt"/>
+          <a:ea typeface="+mn-ea"/>
+          <a:cs typeface="+mn-cs"/>
+        </a:defRPr>
+      </a:lvl7pPr>
+      <a:lvl8pPr marL="3200400" algn="l" defTabSz="914400" rtl="0" eaLnBrk="1" latinLnBrk="0" hangingPunct="1">
+        <a:defRPr sz="1800" kern="1200">
+          <a:solidFill>
+            <a:schemeClr val="tx1"/>
+          </a:solidFill>
+          <a:latin typeface="+mn-lt"/>
+          <a:ea typeface="+mn-ea"/>
+          <a:cs typeface="+mn-cs"/>
+        </a:defRPr>
+      </a:lvl8pPr>
+      <a:lvl9pPr marL="3657600" algn="l" defTabSz="914400" rtl="0" eaLnBrk="1" latinLnBrk="0" hangingPunct="1">
+        <a:defRPr sz="1800" kern="1200">
+          <a:solidFill>
+            <a:schemeClr val="tx1"/>
+          </a:solidFill>
+          <a:latin typeface="+mn-lt"/>
+          <a:ea typeface="+mn-ea"/>
+          <a:cs typeface="+mn-cs"/>
+        </a:defRPr>
+      </a:lvl9pPr>
+    </p:otherStyle>
+  </p:txStyles>
 </p:sldMaster>
 </file>
 
 <file path=ppt/slides/slide1.xml><?xml version="1.0" encoding="utf-8"?>
-<p:sld xmlns:a="http://schemas.openxmlformats.org/drawingml/2006/main" xmlns:p="http://schemas.openxmlformats.org/presentationml/2006/main" xmlns:r="http://schemas.openxmlformats.org/officeDocument/2006/relationships" xmlns:p14="http://schemas.microsoft.com/office/powerpoint/2010/main" xmlns:p15="http://schemas.microsoft.com/office/powerpoint/2012/main" xmlns:mc="http://schemas.openxmlformats.org/markup-compatibility/2006">
+<p:sld xmlns:a="http://schemas.openxmlformats.org/drawingml/2006/main" xmlns:r="http://schemas.openxmlformats.org/officeDocument/2006/relationships" xmlns:p="http://schemas.openxmlformats.org/presentationml/2006/main">
   <p:cSld>
     <p:bg>
       <p:bgPr>
         <a:solidFill>
           <a:srgbClr val="000000"/>
         </a:solidFill>
+        <a:effectLst/>
       </p:bgPr>
     </p:bg>
     <p:spTree>
@@ -9838,7 +11547,7 @@
           <p:nvPr/>
         </p:nvPicPr>
         <p:blipFill>
-          <a:blip r:embed="rId1"/>
+          <a:blip r:embed="rId3"/>
           <a:stretch/>
         </p:blipFill>
         <p:spPr>
@@ -9869,7 +11578,7 @@
             <a:avLst/>
           </a:prstGeom>
           <a:noFill/>
-          <a:ln cap="sq" w="9360">
+          <a:ln w="9360" cap="sq">
             <a:solidFill>
               <a:schemeClr val="tx1">
                 <a:lumMod val="75000"/>
@@ -9883,9 +11592,15 @@
           </a:effectLst>
         </p:spPr>
         <p:style>
-          <a:lnRef idx="0"/>
-          <a:fillRef idx="0"/>
-          <a:effectRef idx="0"/>
+          <a:lnRef idx="0">
+            <a:scrgbClr r="0" g="0" b="0"/>
+          </a:lnRef>
+          <a:fillRef idx="0">
+            <a:scrgbClr r="0" g="0" b="0"/>
+          </a:fillRef>
+          <a:effectRef idx="0">
+            <a:scrgbClr r="0" g="0" b="0"/>
+          </a:effectRef>
           <a:fontRef idx="minor"/>
         </p:style>
       </p:sp>
@@ -9912,6 +11627,7 @@
           <a:bodyPr anchor="ctr">
             <a:normAutofit/>
           </a:bodyPr>
+          <a:lstStyle/>
           <a:p>
             <a:pPr algn="ctr">
               <a:lnSpc>
@@ -9919,9 +11635,9 @@
               </a:lnSpc>
             </a:pPr>
             <a:r>
-              <a:rPr b="0" lang="en-US" sz="3200" spc="-100" strike="noStrike" cap="all">
+              <a:rPr lang="en-US" sz="3200" b="0" strike="noStrike" cap="all" spc="-100">
                 <a:solidFill>
-                  <a:srgbClr val="ffc000"/>
+                  <a:srgbClr val="FFC000"/>
                 </a:solidFill>
                 <a:latin typeface="Garamond"/>
               </a:rPr>
@@ -9929,15 +11645,15 @@
             </a:r>
             <a:br/>
             <a:r>
-              <a:rPr b="0" lang="en-US" sz="3200" spc="-100" strike="noStrike" cap="all">
+              <a:rPr lang="en-US" sz="3200" b="0" strike="noStrike" cap="all" spc="-100">
                 <a:solidFill>
-                  <a:srgbClr val="ffc000"/>
+                  <a:srgbClr val="FFC000"/>
                 </a:solidFill>
                 <a:latin typeface="Garamond"/>
               </a:rPr>
               <a:t>in windows server 2016</a:t>
             </a:r>
-            <a:endParaRPr b="0" lang="ru-RU" sz="3200" spc="-1" strike="noStrike">
+            <a:endParaRPr lang="ru-RU" sz="3200" b="0" strike="noStrike" spc="-1">
               <a:solidFill>
                 <a:srgbClr val="000000"/>
               </a:solidFill>
@@ -9967,8 +11683,9 @@
         </p:spPr>
         <p:txBody>
           <a:bodyPr>
-            <a:normAutofit/>
-          </a:bodyPr>
+            <a:normAutofit lnSpcReduction="10000"/>
+          </a:bodyPr>
+          <a:lstStyle/>
           <a:p>
             <a:pPr algn="ctr">
               <a:lnSpc>
@@ -9979,15 +11696,15 @@
               </a:spcAft>
             </a:pPr>
             <a:r>
-              <a:rPr b="0" lang="en-US" sz="2400" spc="77" strike="noStrike">
+              <a:rPr lang="en-US" sz="2400" b="0" strike="noStrike" spc="77">
                 <a:solidFill>
-                  <a:srgbClr val="ffc000"/>
+                  <a:srgbClr val="FFC000"/>
                 </a:solidFill>
                 <a:latin typeface="Garamond"/>
               </a:rPr>
               <a:t>Presentation Subtitle</a:t>
             </a:r>
-            <a:endParaRPr b="0" lang="en-US" sz="2400" spc="-1" strike="noStrike">
+            <a:endParaRPr lang="en-US" sz="2400" b="0" strike="noStrike" spc="-1">
               <a:latin typeface="Arial"/>
             </a:endParaRPr>
           </a:p>
@@ -10008,7 +11725,7 @@
             <a:avLst/>
           </a:prstGeom>
           <a:noFill/>
-          <a:ln cap="sq" w="9360">
+          <a:ln w="9360" cap="sq">
             <a:solidFill>
               <a:schemeClr val="tx1">
                 <a:lumMod val="75000"/>
@@ -10020,27 +11737,28 @@
           </a:ln>
         </p:spPr>
         <p:style>
-          <a:lnRef idx="0"/>
-          <a:fillRef idx="0"/>
-          <a:effectRef idx="0"/>
+          <a:lnRef idx="0">
+            <a:scrgbClr r="0" g="0" b="0"/>
+          </a:lnRef>
+          <a:fillRef idx="0">
+            <a:scrgbClr r="0" g="0" b="0"/>
+          </a:fillRef>
+          <a:effectRef idx="0">
+            <a:scrgbClr r="0" g="0" b="0"/>
+          </a:effectRef>
           <a:fontRef idx="minor"/>
         </p:style>
       </p:sp>
     </p:spTree>
   </p:cSld>
-  <mc:AlternateContent>
-    <mc:Choice Requires="p14">
-      <p:transition spd="slow" p14:dur="2000"/>
-    </mc:Choice>
-    <mc:Fallback>
-      <p:transition spd="slow"/>
-    </mc:Fallback>
-  </mc:AlternateContent>
+  <p:clrMapOvr>
+    <a:masterClrMapping/>
+  </p:clrMapOvr>
 </p:sld>
 </file>
 
 <file path=ppt/slides/slide2.xml><?xml version="1.0" encoding="utf-8"?>
-<p:sld xmlns:a="http://schemas.openxmlformats.org/drawingml/2006/main" xmlns:p="http://schemas.openxmlformats.org/presentationml/2006/main" xmlns:r="http://schemas.openxmlformats.org/officeDocument/2006/relationships" xmlns:p14="http://schemas.microsoft.com/office/powerpoint/2010/main" xmlns:p15="http://schemas.microsoft.com/office/powerpoint/2012/main" xmlns:mc="http://schemas.openxmlformats.org/markup-compatibility/2006">
+<p:sld xmlns:a="http://schemas.openxmlformats.org/drawingml/2006/main" xmlns:r="http://schemas.openxmlformats.org/officeDocument/2006/relationships" xmlns:p="http://schemas.openxmlformats.org/presentationml/2006/main">
   <p:cSld>
     <p:spTree>
       <p:nvGrpSpPr>
@@ -10063,7 +11781,7 @@
           <p:nvPr/>
         </p:nvPicPr>
         <p:blipFill>
-          <a:blip r:embed="rId1">
+          <a:blip r:embed="rId3">
             <a:alphaModFix amt="10000"/>
           </a:blip>
           <a:stretch/>
@@ -10104,6 +11822,7 @@
           <a:bodyPr anchor="ctr">
             <a:normAutofit/>
           </a:bodyPr>
+          <a:lstStyle/>
           <a:p>
             <a:pPr>
               <a:lnSpc>
@@ -10111,7 +11830,7 @@
               </a:lnSpc>
             </a:pPr>
             <a:r>
-              <a:rPr b="1" lang="en-US" sz="4800" spc="-1" strike="noStrike">
+              <a:rPr lang="en-US" sz="4800" b="1" strike="noStrike" spc="-1">
                 <a:solidFill>
                   <a:srgbClr val="656580"/>
                 </a:solidFill>
@@ -10119,7 +11838,7 @@
               </a:rPr>
               <a:t>Outline</a:t>
             </a:r>
-            <a:endParaRPr b="0" lang="ru-RU" sz="4800" spc="-1" strike="noStrike">
+            <a:endParaRPr lang="ru-RU" sz="4800" b="0" strike="noStrike" spc="-1">
               <a:solidFill>
                 <a:srgbClr val="000000"/>
               </a:solidFill>
@@ -10130,7 +11849,7 @@
       </p:sp>
       <p:graphicFrame>
         <p:nvGraphicFramePr>
-          <p:cNvPr id="1" name="Diagram1"/>
+          <p:cNvPr id="2" name="Diagram1"/>
           <p:cNvGraphicFramePr/>
           <p:nvPr>
             <p:extLst>
@@ -10146,20 +11865,209 @@
         </p:xfrm>
         <a:graphic>
           <a:graphicData uri="http://schemas.openxmlformats.org/drawingml/2006/diagram">
-            <dgm:relIds xmlns:dgm="http://schemas.openxmlformats.org/drawingml/2006/diagram" xmlns:r="http://schemas.openxmlformats.org/officeDocument/2006/relationships" r:dm="rId2" r:lo="rId3" r:qs="rId4" r:cs="rId5"/>
+            <dgm:relIds xmlns:dgm="http://schemas.openxmlformats.org/drawingml/2006/diagram" xmlns:r="http://schemas.openxmlformats.org/officeDocument/2006/relationships" r:dm="rId4" r:lo="rId5" r:qs="rId6" r:cs="rId7"/>
           </a:graphicData>
         </a:graphic>
       </p:graphicFrame>
     </p:spTree>
   </p:cSld>
-  <mc:AlternateContent>
-    <mc:Choice Requires="p14">
-      <p:transition spd="slow" p14:dur="2000"/>
-    </mc:Choice>
-    <mc:Fallback>
-      <p:transition spd="slow"/>
-    </mc:Fallback>
-  </mc:AlternateContent>
+  <p:clrMapOvr>
+    <a:masterClrMapping/>
+  </p:clrMapOvr>
+</p:sld>
+</file>
+
+<file path=ppt/slides/slide3.xml><?xml version="1.0" encoding="utf-8"?>
+<p:sld xmlns:a="http://schemas.openxmlformats.org/drawingml/2006/main" xmlns:r="http://schemas.openxmlformats.org/officeDocument/2006/relationships" xmlns:p="http://schemas.openxmlformats.org/presentationml/2006/main">
+  <p:cSld>
+    <p:spTree>
+      <p:nvGrpSpPr>
+        <p:cNvPr id="1" name=""/>
+        <p:cNvGrpSpPr/>
+        <p:nvPr/>
+      </p:nvGrpSpPr>
+      <p:grpSpPr>
+        <a:xfrm>
+          <a:off x="0" y="0"/>
+          <a:ext cx="0" cy="0"/>
+          <a:chOff x="0" y="0"/>
+          <a:chExt cx="0" cy="0"/>
+        </a:xfrm>
+      </p:grpSpPr>
+      <p:pic>
+        <p:nvPicPr>
+          <p:cNvPr id="6" name="Picture Placeholder 5" descr="Young man is writing">
+            <a:extLst>
+              <a:ext uri="{FF2B5EF4-FFF2-40B4-BE49-F238E27FC236}">
+                <a16:creationId xmlns:a16="http://schemas.microsoft.com/office/drawing/2014/main" id="{1054C6CA-D723-4A6A-9734-5910A1729B5C}"/>
+              </a:ext>
+            </a:extLst>
+          </p:cNvPr>
+          <p:cNvPicPr>
+            <a:picLocks noGrp="1" noChangeAspect="1"/>
+          </p:cNvPicPr>
+          <p:nvPr>
+            <p:ph type="pic" idx="1"/>
+          </p:nvPr>
+        </p:nvPicPr>
+        <p:blipFill>
+          <a:blip r:embed="rId3">
+            <a:duotone>
+              <a:prstClr val="black"/>
+              <a:schemeClr val="accent1">
+                <a:tint val="45000"/>
+                <a:satMod val="400000"/>
+              </a:schemeClr>
+            </a:duotone>
+            <a:extLst>
+              <a:ext uri="{28A0092B-C50C-407E-A947-70E740481C1C}">
+                <a14:useLocalDpi xmlns:a14="http://schemas.microsoft.com/office/drawing/2010/main" val="0"/>
+              </a:ext>
+            </a:extLst>
+          </a:blip>
+          <a:srcRect/>
+          <a:stretch/>
+        </p:blipFill>
+        <p:spPr>
+          <a:xfrm>
+            <a:off x="2" y="1"/>
+            <a:ext cx="12191998" cy="6857999"/>
+          </a:xfrm>
+          <a:prstGeom prst="rect">
+            <a:avLst/>
+          </a:prstGeom>
+        </p:spPr>
+      </p:pic>
+      <p:sp>
+        <p:nvSpPr>
+          <p:cNvPr id="3" name="Title 2">
+            <a:extLst>
+              <a:ext uri="{FF2B5EF4-FFF2-40B4-BE49-F238E27FC236}">
+                <a16:creationId xmlns:a16="http://schemas.microsoft.com/office/drawing/2014/main" id="{A7F5067F-B05A-4CB4-8FEF-12162F4FD7F8}"/>
+              </a:ext>
+            </a:extLst>
+          </p:cNvPr>
+          <p:cNvSpPr>
+            <a:spLocks noGrp="1"/>
+          </p:cNvSpPr>
+          <p:nvPr>
+            <p:ph type="title"/>
+          </p:nvPr>
+        </p:nvSpPr>
+        <p:spPr>
+          <a:xfrm>
+            <a:off x="774043" y="727626"/>
+            <a:ext cx="4602152" cy="1718225"/>
+          </a:xfrm>
+        </p:spPr>
+        <p:txBody>
+          <a:bodyPr vert="horz" lIns="91440" tIns="45720" rIns="91440" bIns="45720" rtlCol="0" anchor="ctr">
+            <a:normAutofit/>
+          </a:bodyPr>
+          <a:lstStyle/>
+          <a:p>
+            <a:pPr>
+              <a:lnSpc>
+                <a:spcPct val="90000"/>
+              </a:lnSpc>
+            </a:pPr>
+            <a:r>
+              <a:rPr lang="en-US" sz="4800" dirty="0"/>
+              <a:t>What is DFS</a:t>
+            </a:r>
+          </a:p>
+        </p:txBody>
+      </p:sp>
+      <p:sp>
+        <p:nvSpPr>
+          <p:cNvPr id="4" name="Text Placeholder 3">
+            <a:extLst>
+              <a:ext uri="{FF2B5EF4-FFF2-40B4-BE49-F238E27FC236}">
+                <a16:creationId xmlns:a16="http://schemas.microsoft.com/office/drawing/2014/main" id="{29AD4A91-7AB8-40C3-9C11-950FF5FC7DFC}"/>
+              </a:ext>
+            </a:extLst>
+          </p:cNvPr>
+          <p:cNvSpPr>
+            <a:spLocks noGrp="1"/>
+          </p:cNvSpPr>
+          <p:nvPr>
+            <p:ph type="body" sz="half" idx="2"/>
+          </p:nvPr>
+        </p:nvSpPr>
+        <p:spPr>
+          <a:xfrm>
+            <a:off x="774043" y="2538920"/>
+            <a:ext cx="4602152" cy="3480066"/>
+          </a:xfrm>
+        </p:spPr>
+        <p:txBody>
+          <a:bodyPr vert="horz" lIns="91440" tIns="45720" rIns="91440" bIns="45720" rtlCol="0">
+            <a:noAutofit/>
+          </a:bodyPr>
+          <a:lstStyle/>
+          <a:p>
+            <a:pPr marL="285750" indent="-285750">
+              <a:lnSpc>
+                <a:spcPct val="100000"/>
+              </a:lnSpc>
+              <a:buFont typeface="Arial" panose="020B0604020202020204" pitchFamily="34" charset="0"/>
+              <a:buChar char="•"/>
+            </a:pPr>
+            <a:r>
+              <a:rPr lang="en-US" sz="2000" b="1" dirty="0">
+                <a:solidFill>
+                  <a:schemeClr val="tx2"/>
+                </a:solidFill>
+              </a:rPr>
+              <a:t>(DFS) is the abbreviation of the distributed file system.</a:t>
+            </a:r>
+          </a:p>
+          <a:p>
+            <a:pPr marL="285750" indent="-285750">
+              <a:lnSpc>
+                <a:spcPct val="100000"/>
+              </a:lnSpc>
+              <a:buFont typeface="Arial" panose="020B0604020202020204" pitchFamily="34" charset="0"/>
+              <a:buChar char="•"/>
+            </a:pPr>
+            <a:r>
+              <a:rPr lang="en-US" sz="2000" b="1" dirty="0">
+                <a:solidFill>
+                  <a:schemeClr val="tx2"/>
+                </a:solidFill>
+              </a:rPr>
+              <a:t>Which is a file system that store data on a server</a:t>
+            </a:r>
+          </a:p>
+          <a:p>
+            <a:pPr marL="285750" indent="-285750">
+              <a:lnSpc>
+                <a:spcPct val="100000"/>
+              </a:lnSpc>
+              <a:buFont typeface="Arial" panose="020B0604020202020204" pitchFamily="34" charset="0"/>
+              <a:buChar char="•"/>
+            </a:pPr>
+            <a:r>
+              <a:rPr lang="en-US" sz="2000" b="1" dirty="0">
+                <a:solidFill>
+                  <a:schemeClr val="tx2"/>
+                </a:solidFill>
+              </a:rPr>
+              <a:t>Through DFS, you can easily share information and files between users on the network in a controlled and authorized manner.</a:t>
+            </a:r>
+          </a:p>
+        </p:txBody>
+      </p:sp>
+    </p:spTree>
+    <p:extLst>
+      <p:ext uri="{BB962C8B-B14F-4D97-AF65-F5344CB8AC3E}">
+        <p14:creationId xmlns:p14="http://schemas.microsoft.com/office/powerpoint/2010/main" val="1386799731"/>
+      </p:ext>
+    </p:extLst>
+  </p:cSld>
+  <p:clrMapOvr>
+    <a:masterClrMapping/>
+  </p:clrMapOvr>
 </p:sld>
 </file>
 
@@ -10174,34 +12082,34 @@
         <a:sysClr val="window" lastClr="FFFFFF"/>
       </a:lt1>
       <a:dk2>
-        <a:srgbClr val="41242d"/>
+        <a:srgbClr val="41242D"/>
       </a:dk2>
       <a:lt2>
-        <a:srgbClr val="e2e2e8"/>
+        <a:srgbClr val="E2E2E8"/>
       </a:lt2>
       <a:accent1>
-        <a:srgbClr val="a5a27d"/>
+        <a:srgbClr val="A5A27D"/>
       </a:accent1>
       <a:accent2>
-        <a:srgbClr val="b79a7a"/>
+        <a:srgbClr val="B79A7A"/>
       </a:accent2>
       <a:accent3>
-        <a:srgbClr val="c2948f"/>
+        <a:srgbClr val="C2948F"/>
       </a:accent3>
       <a:accent4>
-        <a:srgbClr val="ba7f91"/>
+        <a:srgbClr val="BA7F91"/>
       </a:accent4>
       <a:accent5>
-        <a:srgbClr val="c390b5"/>
+        <a:srgbClr val="C390B5"/>
       </a:accent5>
       <a:accent6>
-        <a:srgbClr val="b17fba"/>
+        <a:srgbClr val="B17FBA"/>
       </a:accent6>
       <a:hlink>
-        <a:srgbClr val="6d71b0"/>
+        <a:srgbClr val="6D71B0"/>
       </a:hlink>
       <a:folHlink>
-        <a:srgbClr val="7f7f7f"/>
+        <a:srgbClr val="7F7F7F"/>
       </a:folHlink>
     </a:clrScheme>
     <a:fontScheme name="Office">
@@ -10386,6 +12294,8 @@
       </a:bgFillStyleLst>
     </a:fmtScheme>
   </a:themeElements>
+  <a:objectDefaults/>
+  <a:extraClrSchemeLst/>
 </a:theme>
 </file>
 
@@ -10400,34 +12310,34 @@
         <a:sysClr val="window" lastClr="FFFFFF"/>
       </a:lt1>
       <a:dk2>
-        <a:srgbClr val="41242d"/>
+        <a:srgbClr val="41242D"/>
       </a:dk2>
       <a:lt2>
-        <a:srgbClr val="e2e2e8"/>
+        <a:srgbClr val="E2E2E8"/>
       </a:lt2>
       <a:accent1>
-        <a:srgbClr val="a5a27d"/>
+        <a:srgbClr val="A5A27D"/>
       </a:accent1>
       <a:accent2>
-        <a:srgbClr val="b79a7a"/>
+        <a:srgbClr val="B79A7A"/>
       </a:accent2>
       <a:accent3>
-        <a:srgbClr val="c2948f"/>
+        <a:srgbClr val="C2948F"/>
       </a:accent3>
       <a:accent4>
-        <a:srgbClr val="ba7f91"/>
+        <a:srgbClr val="BA7F91"/>
       </a:accent4>
       <a:accent5>
-        <a:srgbClr val="c390b5"/>
+        <a:srgbClr val="C390B5"/>
       </a:accent5>
       <a:accent6>
-        <a:srgbClr val="b17fba"/>
+        <a:srgbClr val="B17FBA"/>
       </a:accent6>
       <a:hlink>
-        <a:srgbClr val="6d71b0"/>
+        <a:srgbClr val="6D71B0"/>
       </a:hlink>
       <a:folHlink>
-        <a:srgbClr val="7f7f7f"/>
+        <a:srgbClr val="7F7F7F"/>
       </a:folHlink>
     </a:clrScheme>
     <a:fontScheme name="Office">
@@ -10612,6 +12522,8 @@
       </a:bgFillStyleLst>
     </a:fmtScheme>
   </a:themeElements>
+  <a:objectDefaults/>
+  <a:extraClrSchemeLst/>
 </a:theme>
 </file>
 
@@ -10626,34 +12538,34 @@
         <a:sysClr val="window" lastClr="FFFFFF"/>
       </a:lt1>
       <a:dk2>
-        <a:srgbClr val="41242d"/>
+        <a:srgbClr val="41242D"/>
       </a:dk2>
       <a:lt2>
-        <a:srgbClr val="e2e2e8"/>
+        <a:srgbClr val="E2E2E8"/>
       </a:lt2>
       <a:accent1>
-        <a:srgbClr val="a5a27d"/>
+        <a:srgbClr val="A5A27D"/>
       </a:accent1>
       <a:accent2>
-        <a:srgbClr val="b79a7a"/>
+        <a:srgbClr val="B79A7A"/>
       </a:accent2>
       <a:accent3>
-        <a:srgbClr val="c2948f"/>
+        <a:srgbClr val="C2948F"/>
       </a:accent3>
       <a:accent4>
-        <a:srgbClr val="ba7f91"/>
+        <a:srgbClr val="BA7F91"/>
       </a:accent4>
       <a:accent5>
-        <a:srgbClr val="c390b5"/>
+        <a:srgbClr val="C390B5"/>
       </a:accent5>
       <a:accent6>
-        <a:srgbClr val="b17fba"/>
+        <a:srgbClr val="B17FBA"/>
       </a:accent6>
       <a:hlink>
-        <a:srgbClr val="6d71b0"/>
+        <a:srgbClr val="6D71B0"/>
       </a:hlink>
       <a:folHlink>
-        <a:srgbClr val="7f7f7f"/>
+        <a:srgbClr val="7F7F7F"/>
       </a:folHlink>
     </a:clrScheme>
     <a:fontScheme name="Office">
@@ -10838,6 +12750,8 @@
       </a:bgFillStyleLst>
     </a:fmtScheme>
   </a:themeElements>
+  <a:objectDefaults/>
+  <a:extraClrSchemeLst/>
 </a:theme>
 </file>
 
@@ -10852,34 +12766,34 @@
         <a:sysClr val="window" lastClr="FFFFFF"/>
       </a:lt1>
       <a:dk2>
-        <a:srgbClr val="41242d"/>
+        <a:srgbClr val="41242D"/>
       </a:dk2>
       <a:lt2>
-        <a:srgbClr val="e2e2e8"/>
+        <a:srgbClr val="E2E2E8"/>
       </a:lt2>
       <a:accent1>
-        <a:srgbClr val="a5a27d"/>
+        <a:srgbClr val="A5A27D"/>
       </a:accent1>
       <a:accent2>
-        <a:srgbClr val="b79a7a"/>
+        <a:srgbClr val="B79A7A"/>
       </a:accent2>
       <a:accent3>
-        <a:srgbClr val="c2948f"/>
+        <a:srgbClr val="C2948F"/>
       </a:accent3>
       <a:accent4>
-        <a:srgbClr val="ba7f91"/>
+        <a:srgbClr val="BA7F91"/>
       </a:accent4>
       <a:accent5>
-        <a:srgbClr val="c390b5"/>
+        <a:srgbClr val="C390B5"/>
       </a:accent5>
       <a:accent6>
-        <a:srgbClr val="b17fba"/>
+        <a:srgbClr val="B17FBA"/>
       </a:accent6>
       <a:hlink>
-        <a:srgbClr val="6d71b0"/>
+        <a:srgbClr val="6D71B0"/>
       </a:hlink>
       <a:folHlink>
-        <a:srgbClr val="7f7f7f"/>
+        <a:srgbClr val="7F7F7F"/>
       </a:folHlink>
     </a:clrScheme>
     <a:fontScheme name="Office">
@@ -11064,281 +12978,7 @@
       </a:bgFillStyleLst>
     </a:fmtScheme>
   </a:themeElements>
+  <a:objectDefaults/>
+  <a:extraClrSchemeLst/>
 </a:theme>
-</file>
-
-<file path=customXml/item1.xml><?xml version="1.0" encoding="utf-8"?>
-<p:properties xmlns:p="http://schemas.microsoft.com/office/2006/metadata/properties" xmlns:xsi="http://www.w3.org/2001/XMLSchema-instance" xmlns:pc="http://schemas.microsoft.com/office/infopath/2007/PartnerControls">
-  <documentManagement>
-    <Status xmlns="71af3243-3dd4-4a8d-8c0d-dd76da1f02a5">Not started</Status>
-    <MediaServiceKeyPoints xmlns="71af3243-3dd4-4a8d-8c0d-dd76da1f02a5" xsi:nil="true"/>
-  </documentManagement>
-</p:properties>
-</file>
-
-<file path=customXml/item2.xml><?xml version="1.0" encoding="utf-8"?>
-<?mso-contentType ?>
-<FormTemplates xmlns="http://schemas.microsoft.com/sharepoint/v3/contenttype/forms">
-  <Display>DocumentLibraryForm</Display>
-  <Edit>DocumentLibraryForm</Edit>
-  <New>DocumentLibraryForm</New>
-</FormTemplates>
-</file>
-
-<file path=customXml/item3.xml><?xml version="1.0" encoding="utf-8"?>
-<ct:contentTypeSchema xmlns:ct="http://schemas.microsoft.com/office/2006/metadata/contentType" xmlns:ma="http://schemas.microsoft.com/office/2006/metadata/properties/metaAttributes" ct:_="" ma:_="" ma:contentTypeName="Document" ma:contentTypeID="0x01010079F111ED35F8CC479449609E8A0923A6" ma:contentTypeVersion="12" ma:contentTypeDescription="Create a new document." ma:contentTypeScope="" ma:versionID="fa6e671f1cd7e4d96ff9652be322dd5e">
-  <xsd:schema xmlns:xsd="http://www.w3.org/2001/XMLSchema" xmlns:xs="http://www.w3.org/2001/XMLSchema" xmlns:p="http://schemas.microsoft.com/office/2006/metadata/properties" xmlns:ns2="71af3243-3dd4-4a8d-8c0d-dd76da1f02a5" xmlns:ns3="16c05727-aa75-4e4a-9b5f-8a80a1165891" targetNamespace="http://schemas.microsoft.com/office/2006/metadata/properties" ma:root="true" ma:fieldsID="4e2496f70b101db0b8013f30a071bbf7" ns2:_="" ns3:_="">
-    <xsd:import namespace="71af3243-3dd4-4a8d-8c0d-dd76da1f02a5"/>
-    <xsd:import namespace="16c05727-aa75-4e4a-9b5f-8a80a1165891"/>
-    <xsd:element name="properties">
-      <xsd:complexType>
-        <xsd:sequence>
-          <xsd:element name="documentManagement">
-            <xsd:complexType>
-              <xsd:all>
-                <xsd:element ref="ns2:MediaServiceMetadata" minOccurs="0"/>
-                <xsd:element ref="ns2:MediaServiceFastMetadata" minOccurs="0"/>
-                <xsd:element ref="ns2:MediaServiceOCR" minOccurs="0"/>
-                <xsd:element ref="ns2:MediaServiceAutoTags" minOccurs="0"/>
-                <xsd:element ref="ns2:MediaServiceEventHashCode" minOccurs="0"/>
-                <xsd:element ref="ns2:MediaServiceGenerationTime" minOccurs="0"/>
-                <xsd:element ref="ns3:SharedWithUsers" minOccurs="0"/>
-                <xsd:element ref="ns3:SharedWithDetails" minOccurs="0"/>
-                <xsd:element ref="ns2:MediaServiceAutoKeyPoints" minOccurs="0"/>
-                <xsd:element ref="ns2:MediaServiceKeyPoints" minOccurs="0"/>
-                <xsd:element ref="ns2:MediaServiceDateTaken" minOccurs="0"/>
-                <xsd:element ref="ns2:Status" minOccurs="0"/>
-              </xsd:all>
-            </xsd:complexType>
-          </xsd:element>
-        </xsd:sequence>
-      </xsd:complexType>
-    </xsd:element>
-  </xsd:schema>
-  <xsd:schema xmlns:xsd="http://www.w3.org/2001/XMLSchema" xmlns:xs="http://www.w3.org/2001/XMLSchema" xmlns:dms="http://schemas.microsoft.com/office/2006/documentManagement/types" xmlns:pc="http://schemas.microsoft.com/office/infopath/2007/PartnerControls" targetNamespace="71af3243-3dd4-4a8d-8c0d-dd76da1f02a5" elementFormDefault="qualified">
-    <xsd:import namespace="http://schemas.microsoft.com/office/2006/documentManagement/types"/>
-    <xsd:import namespace="http://schemas.microsoft.com/office/infopath/2007/PartnerControls"/>
-    <xsd:element name="MediaServiceMetadata" ma:index="8" nillable="true" ma:displayName="MediaServiceMetadata" ma:hidden="true" ma:internalName="MediaServiceMetadata" ma:readOnly="true">
-      <xsd:simpleType>
-        <xsd:restriction base="dms:Note"/>
-      </xsd:simpleType>
-    </xsd:element>
-    <xsd:element name="MediaServiceFastMetadata" ma:index="9" nillable="true" ma:displayName="MediaServiceFastMetadata" ma:hidden="true" ma:internalName="MediaServiceFastMetadata" ma:readOnly="true">
-      <xsd:simpleType>
-        <xsd:restriction base="dms:Note"/>
-      </xsd:simpleType>
-    </xsd:element>
-    <xsd:element name="MediaServiceOCR" ma:index="10" nillable="true" ma:displayName="MediaServiceOCR" ma:internalName="MediaServiceOCR" ma:readOnly="true">
-      <xsd:simpleType>
-        <xsd:restriction base="dms:Note">
-          <xsd:maxLength value="255"/>
-        </xsd:restriction>
-      </xsd:simpleType>
-    </xsd:element>
-    <xsd:element name="MediaServiceAutoTags" ma:index="11" nillable="true" ma:displayName="MediaServiceAutoTags" ma:internalName="MediaServiceAutoTags" ma:readOnly="true">
-      <xsd:simpleType>
-        <xsd:restriction base="dms:Text"/>
-      </xsd:simpleType>
-    </xsd:element>
-    <xsd:element name="MediaServiceEventHashCode" ma:index="12" nillable="true" ma:displayName="MediaServiceEventHashCode" ma:hidden="true" ma:internalName="MediaServiceEventHashCode" ma:readOnly="true">
-      <xsd:simpleType>
-        <xsd:restriction base="dms:Text"/>
-      </xsd:simpleType>
-    </xsd:element>
-    <xsd:element name="MediaServiceGenerationTime" ma:index="13" nillable="true" ma:displayName="MediaServiceGenerationTime" ma:hidden="true" ma:internalName="MediaServiceGenerationTime" ma:readOnly="true">
-      <xsd:simpleType>
-        <xsd:restriction base="dms:Text"/>
-      </xsd:simpleType>
-    </xsd:element>
-    <xsd:element name="MediaServiceAutoKeyPoints" ma:index="16" nillable="true" ma:displayName="MediaServiceAutoKeyPoints" ma:hidden="true" ma:internalName="MediaServiceAutoKeyPoints" ma:readOnly="true">
-      <xsd:simpleType>
-        <xsd:restriction base="dms:Note"/>
-      </xsd:simpleType>
-    </xsd:element>
-    <xsd:element name="MediaServiceKeyPoints" ma:index="17" nillable="true" ma:displayName="KeyPoints" ma:internalName="MediaServiceKeyPoints" ma:readOnly="false">
-      <xsd:simpleType>
-        <xsd:restriction base="dms:Note">
-          <xsd:maxLength value="255"/>
-        </xsd:restriction>
-      </xsd:simpleType>
-    </xsd:element>
-    <xsd:element name="MediaServiceDateTaken" ma:index="18" nillable="true" ma:displayName="MediaServiceDateTaken" ma:hidden="true" ma:internalName="MediaServiceDateTaken" ma:readOnly="true">
-      <xsd:simpleType>
-        <xsd:restriction base="dms:Text"/>
-      </xsd:simpleType>
-    </xsd:element>
-    <xsd:element name="Status" ma:index="19" nillable="true" ma:displayName="Status" ma:default="Not started" ma:format="Dropdown" ma:internalName="Status">
-      <xsd:simpleType>
-        <xsd:restriction base="dms:Choice">
-          <xsd:enumeration value="Not started"/>
-          <xsd:enumeration value="In Progress"/>
-          <xsd:enumeration value="Completed"/>
-        </xsd:restriction>
-      </xsd:simpleType>
-    </xsd:element>
-  </xsd:schema>
-  <xsd:schema xmlns:xsd="http://www.w3.org/2001/XMLSchema" xmlns:xs="http://www.w3.org/2001/XMLSchema" xmlns:dms="http://schemas.microsoft.com/office/2006/documentManagement/types" xmlns:pc="http://schemas.microsoft.com/office/infopath/2007/PartnerControls" targetNamespace="16c05727-aa75-4e4a-9b5f-8a80a1165891" elementFormDefault="qualified">
-    <xsd:import namespace="http://schemas.microsoft.com/office/2006/documentManagement/types"/>
-    <xsd:import namespace="http://schemas.microsoft.com/office/infopath/2007/PartnerControls"/>
-    <xsd:element name="SharedWithUsers" ma:index="14" nillable="true" ma:displayName="Shared With" ma:internalName="SharedWithUsers" ma:readOnly="true">
-      <xsd:complexType>
-        <xsd:complexContent>
-          <xsd:extension base="dms:UserMulti">
-            <xsd:sequence>
-              <xsd:element name="UserInfo" minOccurs="0" maxOccurs="unbounded">
-                <xsd:complexType>
-                  <xsd:sequence>
-                    <xsd:element name="DisplayName" type="xsd:string" minOccurs="0"/>
-                    <xsd:element name="AccountId" type="dms:UserId" minOccurs="0" nillable="true"/>
-                    <xsd:element name="AccountType" type="xsd:string" minOccurs="0"/>
-                  </xsd:sequence>
-                </xsd:complexType>
-              </xsd:element>
-            </xsd:sequence>
-          </xsd:extension>
-        </xsd:complexContent>
-      </xsd:complexType>
-    </xsd:element>
-    <xsd:element name="SharedWithDetails" ma:index="15" nillable="true" ma:displayName="Shared With Details" ma:internalName="SharedWithDetails" ma:readOnly="true">
-      <xsd:simpleType>
-        <xsd:restriction base="dms:Note">
-          <xsd:maxLength value="255"/>
-        </xsd:restriction>
-      </xsd:simpleType>
-    </xsd:element>
-  </xsd:schema>
-  <xsd:schema xmlns="http://schemas.openxmlformats.org/package/2006/metadata/core-properties" xmlns:xsd="http://www.w3.org/2001/XMLSchema" xmlns:xsi="http://www.w3.org/2001/XMLSchema-instance" xmlns:dc="http://purl.org/dc/elements/1.1/" xmlns:dcterms="http://purl.org/dc/terms/" xmlns:odoc="http://schemas.microsoft.com/internal/obd" targetNamespace="http://schemas.openxmlformats.org/package/2006/metadata/core-properties" elementFormDefault="qualified" attributeFormDefault="unqualified" blockDefault="#all">
-    <xsd:import namespace="http://purl.org/dc/elements/1.1/" schemaLocation="http://dublincore.org/schemas/xmls/qdc/2003/04/02/dc.xsd"/>
-    <xsd:import namespace="http://purl.org/dc/terms/" schemaLocation="http://dublincore.org/schemas/xmls/qdc/2003/04/02/dcterms.xsd"/>
-    <xsd:element name="coreProperties" type="CT_coreProperties"/>
-    <xsd:complexType name="CT_coreProperties">
-      <xsd:all>
-        <xsd:element ref="dc:creator" minOccurs="0" maxOccurs="1"/>
-        <xsd:element ref="dcterms:created" minOccurs="0" maxOccurs="1"/>
-        <xsd:element ref="dc:identifier" minOccurs="0" maxOccurs="1"/>
-        <xsd:element name="contentType" minOccurs="0" maxOccurs="1" type="xsd:string" ma:index="0" ma:displayName="Content Type"/>
-        <xsd:element ref="dc:title" minOccurs="0" maxOccurs="1" ma:index="4" ma:displayName="Title"/>
-        <xsd:element ref="dc:subject" minOccurs="0" maxOccurs="1"/>
-        <xsd:element ref="dc:description" minOccurs="0" maxOccurs="1"/>
-        <xsd:element name="keywords" minOccurs="0" maxOccurs="1" type="xsd:string"/>
-        <xsd:element ref="dc:language" minOccurs="0" maxOccurs="1"/>
-        <xsd:element name="category" minOccurs="0" maxOccurs="1" type="xsd:string"/>
-        <xsd:element name="version" minOccurs="0" maxOccurs="1" type="xsd:string"/>
-        <xsd:element name="revision" minOccurs="0" maxOccurs="1" type="xsd:string">
-          <xsd:annotation>
-            <xsd:documentation>
-                        This value indicates the number of saves or revisions. The application is responsible for updating this value after each revision.
-                    </xsd:documentation>
-          </xsd:annotation>
-        </xsd:element>
-        <xsd:element name="lastModifiedBy" minOccurs="0" maxOccurs="1" type="xsd:string"/>
-        <xsd:element ref="dcterms:modified" minOccurs="0" maxOccurs="1"/>
-        <xsd:element name="contentStatus" minOccurs="0" maxOccurs="1" type="xsd:string"/>
-      </xsd:all>
-    </xsd:complexType>
-  </xsd:schema>
-  <xs:schema xmlns:pc="http://schemas.microsoft.com/office/infopath/2007/PartnerControls" xmlns:xs="http://www.w3.org/2001/XMLSchema" targetNamespace="http://schemas.microsoft.com/office/infopath/2007/PartnerControls" elementFormDefault="qualified" attributeFormDefault="unqualified">
-    <xs:element name="Person">
-      <xs:complexType>
-        <xs:sequence>
-          <xs:element ref="pc:DisplayName" minOccurs="0"/>
-          <xs:element ref="pc:AccountId" minOccurs="0"/>
-          <xs:element ref="pc:AccountType" minOccurs="0"/>
-        </xs:sequence>
-      </xs:complexType>
-    </xs:element>
-    <xs:element name="DisplayName" type="xs:string"/>
-    <xs:element name="AccountId" type="xs:string"/>
-    <xs:element name="AccountType" type="xs:string"/>
-    <xs:element name="BDCAssociatedEntity">
-      <xs:complexType>
-        <xs:sequence>
-          <xs:element ref="pc:BDCEntity" minOccurs="0" maxOccurs="unbounded"/>
-        </xs:sequence>
-        <xs:attribute ref="pc:EntityNamespace"/>
-        <xs:attribute ref="pc:EntityName"/>
-        <xs:attribute ref="pc:SystemInstanceName"/>
-        <xs:attribute ref="pc:AssociationName"/>
-      </xs:complexType>
-    </xs:element>
-    <xs:attribute name="EntityNamespace" type="xs:string"/>
-    <xs:attribute name="EntityName" type="xs:string"/>
-    <xs:attribute name="SystemInstanceName" type="xs:string"/>
-    <xs:attribute name="AssociationName" type="xs:string"/>
-    <xs:element name="BDCEntity">
-      <xs:complexType>
-        <xs:sequence>
-          <xs:element ref="pc:EntityDisplayName" minOccurs="0"/>
-          <xs:element ref="pc:EntityInstanceReference" minOccurs="0"/>
-          <xs:element ref="pc:EntityId1" minOccurs="0"/>
-          <xs:element ref="pc:EntityId2" minOccurs="0"/>
-          <xs:element ref="pc:EntityId3" minOccurs="0"/>
-          <xs:element ref="pc:EntityId4" minOccurs="0"/>
-          <xs:element ref="pc:EntityId5" minOccurs="0"/>
-        </xs:sequence>
-      </xs:complexType>
-    </xs:element>
-    <xs:element name="EntityDisplayName" type="xs:string"/>
-    <xs:element name="EntityInstanceReference" type="xs:string"/>
-    <xs:element name="EntityId1" type="xs:string"/>
-    <xs:element name="EntityId2" type="xs:string"/>
-    <xs:element name="EntityId3" type="xs:string"/>
-    <xs:element name="EntityId4" type="xs:string"/>
-    <xs:element name="EntityId5" type="xs:string"/>
-    <xs:element name="Terms">
-      <xs:complexType>
-        <xs:sequence>
-          <xs:element ref="pc:TermInfo" minOccurs="0" maxOccurs="unbounded"/>
-        </xs:sequence>
-      </xs:complexType>
-    </xs:element>
-    <xs:element name="TermInfo">
-      <xs:complexType>
-        <xs:sequence>
-          <xs:element ref="pc:TermName" minOccurs="0"/>
-          <xs:element ref="pc:TermId" minOccurs="0"/>
-        </xs:sequence>
-      </xs:complexType>
-    </xs:element>
-    <xs:element name="TermName" type="xs:string"/>
-    <xs:element name="TermId" type="xs:string"/>
-  </xs:schema>
-</ct:contentTypeSchema>
-</file>
-
-<file path=customXml/itemProps1.xml><?xml version="1.0" encoding="utf-8"?>
-<ds:datastoreItem xmlns:ds="http://schemas.openxmlformats.org/officeDocument/2006/customXml" ds:itemID="{2F5E4A76-0180-4CD0-B081-82F74A336136}">
-  <ds:schemaRefs>
-    <ds:schemaRef ds:uri="http://schemas.microsoft.com/office/2006/metadata/properties"/>
-    <ds:schemaRef ds:uri="http://schemas.microsoft.com/office/infopath/2007/PartnerControls"/>
-    <ds:schemaRef ds:uri="71af3243-3dd4-4a8d-8c0d-dd76da1f02a5"/>
-  </ds:schemaRefs>
-</ds:datastoreItem>
-</file>
-
-<file path=customXml/itemProps2.xml><?xml version="1.0" encoding="utf-8"?>
-<ds:datastoreItem xmlns:ds="http://schemas.openxmlformats.org/officeDocument/2006/customXml" ds:itemID="{41243E30-12F4-4BE3-B27D-23AB115E9D1F}">
-  <ds:schemaRefs>
-    <ds:schemaRef ds:uri="http://schemas.microsoft.com/sharepoint/v3/contenttype/forms"/>
-  </ds:schemaRefs>
-</ds:datastoreItem>
-</file>
-
-<file path=customXml/itemProps3.xml><?xml version="1.0" encoding="utf-8"?>
-<ds:datastoreItem xmlns:ds="http://schemas.openxmlformats.org/officeDocument/2006/customXml" ds:itemID="{DB96A612-58F4-4E9A-9665-3987CC3AC44A}">
-  <ds:schemaRefs>
-    <ds:schemaRef ds:uri="http://schemas.microsoft.com/office/2006/metadata/contentType"/>
-    <ds:schemaRef ds:uri="http://schemas.microsoft.com/office/2006/metadata/properties/metaAttributes"/>
-    <ds:schemaRef ds:uri="http://www.w3.org/2001/XMLSchema"/>
-    <ds:schemaRef ds:uri="http://schemas.microsoft.com/office/2006/metadata/properties"/>
-    <ds:schemaRef ds:uri="71af3243-3dd4-4a8d-8c0d-dd76da1f02a5"/>
-    <ds:schemaRef ds:uri="16c05727-aa75-4e4a-9b5f-8a80a1165891"/>
-    <ds:schemaRef ds:uri="http://schemas.microsoft.com/office/2006/documentManagement/types"/>
-    <ds:schemaRef ds:uri="http://schemas.microsoft.com/office/infopath/2007/PartnerControls"/>
-    <ds:schemaRef ds:uri="http://schemas.openxmlformats.org/package/2006/metadata/core-properties"/>
-    <ds:schemaRef ds:uri="http://purl.org/dc/elements/1.1/"/>
-    <ds:schemaRef ds:uri="http://purl.org/dc/terms/"/>
-    <ds:schemaRef ds:uri="http://schemas.microsoft.com/internal/obd"/>
-  </ds:schemaRefs>
-</ds:datastoreItem>
 </file>
--- a/DFS Installation  and configuration.pptx
+++ b/DFS Installation  and configuration.pptx
@@ -7,12 +7,13 @@
     <p:sldMasterId id="2147483674" r:id="rId3"/>
   </p:sldMasterIdLst>
   <p:notesMasterIdLst>
-    <p:notesMasterId r:id="rId7"/>
+    <p:notesMasterId r:id="rId8"/>
   </p:notesMasterIdLst>
   <p:sldIdLst>
     <p:sldId id="256" r:id="rId4"/>
     <p:sldId id="257" r:id="rId5"/>
     <p:sldId id="273" r:id="rId6"/>
+    <p:sldId id="292" r:id="rId7"/>
   </p:sldIdLst>
   <p:sldSz cx="12192000" cy="6858000"/>
   <p:notesSz cx="7559675" cy="10691813"/>
@@ -111,6 +112,11 @@
       </a:defRPr>
     </a:lvl9pPr>
   </p:defaultTextStyle>
+  <p:extLst>
+    <p:ext uri="{EFAFB233-063F-42B5-8137-9DF3F51BA10A}">
+      <p15:sldGuideLst xmlns:p15="http://schemas.microsoft.com/office/powerpoint/2012/main"/>
+    </p:ext>
+  </p:extLst>
 </p:presentation>
 </file>
 
@@ -1000,6 +1006,753 @@
     <dgm:fillClrLst meth="repeat">
       <a:schemeClr val="accent2">
         <a:tint val="40000"/>
+      </a:schemeClr>
+    </dgm:fillClrLst>
+    <dgm:linClrLst meth="repeat">
+      <a:schemeClr val="lt1"/>
+    </dgm:linClrLst>
+    <dgm:effectClrLst/>
+    <dgm:txLinClrLst/>
+    <dgm:txFillClrLst meth="repeat">
+      <a:schemeClr val="dk1"/>
+    </dgm:txFillClrLst>
+    <dgm:txEffectClrLst/>
+  </dgm:styleLbl>
+  <dgm:styleLbl name="revTx">
+    <dgm:fillClrLst meth="repeat">
+      <a:schemeClr val="lt1">
+        <a:alpha val="0"/>
+      </a:schemeClr>
+    </dgm:fillClrLst>
+    <dgm:linClrLst meth="repeat">
+      <a:schemeClr val="dk1">
+        <a:alpha val="0"/>
+      </a:schemeClr>
+    </dgm:linClrLst>
+    <dgm:effectClrLst/>
+    <dgm:txLinClrLst/>
+    <dgm:txFillClrLst meth="repeat">
+      <a:schemeClr val="tx1"/>
+    </dgm:txFillClrLst>
+    <dgm:txEffectClrLst/>
+  </dgm:styleLbl>
+</dgm:colorsDef>
+</file>
+
+<file path=ppt/diagrams/colors2.xml><?xml version="1.0" encoding="utf-8"?>
+<dgm:colorsDef xmlns:dgm="http://schemas.openxmlformats.org/drawingml/2006/diagram" xmlns:a="http://schemas.openxmlformats.org/drawingml/2006/main" uniqueId="urn:microsoft.com/office/officeart/2005/8/colors/accent5_2">
+  <dgm:title val=""/>
+  <dgm:desc val=""/>
+  <dgm:catLst>
+    <dgm:cat type="accent5" pri="11200"/>
+  </dgm:catLst>
+  <dgm:styleLbl name="node0">
+    <dgm:fillClrLst meth="repeat">
+      <a:schemeClr val="accent5"/>
+    </dgm:fillClrLst>
+    <dgm:linClrLst meth="repeat">
+      <a:schemeClr val="lt1"/>
+    </dgm:linClrLst>
+    <dgm:effectClrLst/>
+    <dgm:txLinClrLst/>
+    <dgm:txFillClrLst/>
+    <dgm:txEffectClrLst/>
+  </dgm:styleLbl>
+  <dgm:styleLbl name="node1">
+    <dgm:fillClrLst meth="repeat">
+      <a:schemeClr val="accent5"/>
+    </dgm:fillClrLst>
+    <dgm:linClrLst meth="repeat">
+      <a:schemeClr val="lt1"/>
+    </dgm:linClrLst>
+    <dgm:effectClrLst/>
+    <dgm:txLinClrLst/>
+    <dgm:txFillClrLst/>
+    <dgm:txEffectClrLst/>
+  </dgm:styleLbl>
+  <dgm:styleLbl name="alignNode1">
+    <dgm:fillClrLst meth="repeat">
+      <a:schemeClr val="accent5"/>
+    </dgm:fillClrLst>
+    <dgm:linClrLst meth="repeat">
+      <a:schemeClr val="accent5"/>
+    </dgm:linClrLst>
+    <dgm:effectClrLst/>
+    <dgm:txLinClrLst/>
+    <dgm:txFillClrLst/>
+    <dgm:txEffectClrLst/>
+  </dgm:styleLbl>
+  <dgm:styleLbl name="lnNode1">
+    <dgm:fillClrLst meth="repeat">
+      <a:schemeClr val="accent5"/>
+    </dgm:fillClrLst>
+    <dgm:linClrLst meth="repeat">
+      <a:schemeClr val="lt1"/>
+    </dgm:linClrLst>
+    <dgm:effectClrLst/>
+    <dgm:txLinClrLst/>
+    <dgm:txFillClrLst/>
+    <dgm:txEffectClrLst/>
+  </dgm:styleLbl>
+  <dgm:styleLbl name="vennNode1">
+    <dgm:fillClrLst meth="repeat">
+      <a:schemeClr val="accent5">
+        <a:alpha val="50000"/>
+      </a:schemeClr>
+    </dgm:fillClrLst>
+    <dgm:linClrLst meth="repeat">
+      <a:schemeClr val="lt1"/>
+    </dgm:linClrLst>
+    <dgm:effectClrLst/>
+    <dgm:txLinClrLst/>
+    <dgm:txFillClrLst/>
+    <dgm:txEffectClrLst/>
+  </dgm:styleLbl>
+  <dgm:styleLbl name="node2">
+    <dgm:fillClrLst meth="repeat">
+      <a:schemeClr val="accent5"/>
+    </dgm:fillClrLst>
+    <dgm:linClrLst meth="repeat">
+      <a:schemeClr val="lt1"/>
+    </dgm:linClrLst>
+    <dgm:effectClrLst/>
+    <dgm:txLinClrLst/>
+    <dgm:txFillClrLst/>
+    <dgm:txEffectClrLst/>
+  </dgm:styleLbl>
+  <dgm:styleLbl name="node3">
+    <dgm:fillClrLst meth="repeat">
+      <a:schemeClr val="accent5"/>
+    </dgm:fillClrLst>
+    <dgm:linClrLst meth="repeat">
+      <a:schemeClr val="lt1"/>
+    </dgm:linClrLst>
+    <dgm:effectClrLst/>
+    <dgm:txLinClrLst/>
+    <dgm:txFillClrLst/>
+    <dgm:txEffectClrLst/>
+  </dgm:styleLbl>
+  <dgm:styleLbl name="node4">
+    <dgm:fillClrLst meth="repeat">
+      <a:schemeClr val="accent5"/>
+    </dgm:fillClrLst>
+    <dgm:linClrLst meth="repeat">
+      <a:schemeClr val="lt1"/>
+    </dgm:linClrLst>
+    <dgm:effectClrLst/>
+    <dgm:txLinClrLst/>
+    <dgm:txFillClrLst/>
+    <dgm:txEffectClrLst/>
+  </dgm:styleLbl>
+  <dgm:styleLbl name="fgImgPlace1">
+    <dgm:fillClrLst meth="repeat">
+      <a:schemeClr val="accent5">
+        <a:tint val="50000"/>
+      </a:schemeClr>
+    </dgm:fillClrLst>
+    <dgm:linClrLst meth="repeat">
+      <a:schemeClr val="lt1"/>
+    </dgm:linClrLst>
+    <dgm:effectClrLst/>
+    <dgm:txLinClrLst/>
+    <dgm:txFillClrLst meth="repeat">
+      <a:schemeClr val="lt1"/>
+    </dgm:txFillClrLst>
+    <dgm:txEffectClrLst/>
+  </dgm:styleLbl>
+  <dgm:styleLbl name="alignImgPlace1">
+    <dgm:fillClrLst meth="repeat">
+      <a:schemeClr val="accent5">
+        <a:tint val="50000"/>
+      </a:schemeClr>
+    </dgm:fillClrLst>
+    <dgm:linClrLst meth="repeat">
+      <a:schemeClr val="lt1"/>
+    </dgm:linClrLst>
+    <dgm:effectClrLst/>
+    <dgm:txLinClrLst/>
+    <dgm:txFillClrLst meth="repeat">
+      <a:schemeClr val="lt1"/>
+    </dgm:txFillClrLst>
+    <dgm:txEffectClrLst/>
+  </dgm:styleLbl>
+  <dgm:styleLbl name="bgImgPlace1">
+    <dgm:fillClrLst meth="repeat">
+      <a:schemeClr val="accent5">
+        <a:tint val="50000"/>
+      </a:schemeClr>
+    </dgm:fillClrLst>
+    <dgm:linClrLst meth="repeat">
+      <a:schemeClr val="lt1"/>
+    </dgm:linClrLst>
+    <dgm:effectClrLst/>
+    <dgm:txLinClrLst/>
+    <dgm:txFillClrLst meth="repeat">
+      <a:schemeClr val="lt1"/>
+    </dgm:txFillClrLst>
+    <dgm:txEffectClrLst/>
+  </dgm:styleLbl>
+  <dgm:styleLbl name="sibTrans2D1">
+    <dgm:fillClrLst meth="repeat">
+      <a:schemeClr val="accent5">
+        <a:tint val="60000"/>
+      </a:schemeClr>
+    </dgm:fillClrLst>
+    <dgm:linClrLst meth="repeat">
+      <a:schemeClr val="accent5">
+        <a:tint val="60000"/>
+      </a:schemeClr>
+    </dgm:linClrLst>
+    <dgm:effectClrLst/>
+    <dgm:txLinClrLst/>
+    <dgm:txFillClrLst/>
+    <dgm:txEffectClrLst/>
+  </dgm:styleLbl>
+  <dgm:styleLbl name="fgSibTrans2D1">
+    <dgm:fillClrLst meth="repeat">
+      <a:schemeClr val="accent5">
+        <a:tint val="60000"/>
+      </a:schemeClr>
+    </dgm:fillClrLst>
+    <dgm:linClrLst meth="repeat">
+      <a:schemeClr val="accent5">
+        <a:tint val="60000"/>
+      </a:schemeClr>
+    </dgm:linClrLst>
+    <dgm:effectClrLst/>
+    <dgm:txLinClrLst/>
+    <dgm:txFillClrLst/>
+    <dgm:txEffectClrLst/>
+  </dgm:styleLbl>
+  <dgm:styleLbl name="bgSibTrans2D1">
+    <dgm:fillClrLst meth="repeat">
+      <a:schemeClr val="accent5">
+        <a:tint val="60000"/>
+      </a:schemeClr>
+    </dgm:fillClrLst>
+    <dgm:linClrLst meth="repeat">
+      <a:schemeClr val="accent5">
+        <a:tint val="60000"/>
+      </a:schemeClr>
+    </dgm:linClrLst>
+    <dgm:effectClrLst/>
+    <dgm:txLinClrLst/>
+    <dgm:txFillClrLst/>
+    <dgm:txEffectClrLst/>
+  </dgm:styleLbl>
+  <dgm:styleLbl name="sibTrans1D1">
+    <dgm:fillClrLst meth="repeat">
+      <a:schemeClr val="accent5"/>
+    </dgm:fillClrLst>
+    <dgm:linClrLst meth="repeat">
+      <a:schemeClr val="accent5"/>
+    </dgm:linClrLst>
+    <dgm:effectClrLst/>
+    <dgm:txLinClrLst/>
+    <dgm:txFillClrLst meth="repeat">
+      <a:schemeClr val="tx1"/>
+    </dgm:txFillClrLst>
+    <dgm:txEffectClrLst/>
+  </dgm:styleLbl>
+  <dgm:styleLbl name="callout">
+    <dgm:fillClrLst meth="repeat">
+      <a:schemeClr val="accent5"/>
+    </dgm:fillClrLst>
+    <dgm:linClrLst meth="repeat">
+      <a:schemeClr val="accent5">
+        <a:tint val="50000"/>
+      </a:schemeClr>
+    </dgm:linClrLst>
+    <dgm:effectClrLst/>
+    <dgm:txLinClrLst/>
+    <dgm:txFillClrLst meth="repeat">
+      <a:schemeClr val="tx1"/>
+    </dgm:txFillClrLst>
+    <dgm:txEffectClrLst/>
+  </dgm:styleLbl>
+  <dgm:styleLbl name="asst0">
+    <dgm:fillClrLst meth="repeat">
+      <a:schemeClr val="accent5"/>
+    </dgm:fillClrLst>
+    <dgm:linClrLst meth="repeat">
+      <a:schemeClr val="lt1"/>
+    </dgm:linClrLst>
+    <dgm:effectClrLst/>
+    <dgm:txLinClrLst/>
+    <dgm:txFillClrLst/>
+    <dgm:txEffectClrLst/>
+  </dgm:styleLbl>
+  <dgm:styleLbl name="asst1">
+    <dgm:fillClrLst meth="repeat">
+      <a:schemeClr val="accent5"/>
+    </dgm:fillClrLst>
+    <dgm:linClrLst meth="repeat">
+      <a:schemeClr val="lt1"/>
+    </dgm:linClrLst>
+    <dgm:effectClrLst/>
+    <dgm:txLinClrLst/>
+    <dgm:txFillClrLst/>
+    <dgm:txEffectClrLst/>
+  </dgm:styleLbl>
+  <dgm:styleLbl name="asst2">
+    <dgm:fillClrLst meth="repeat">
+      <a:schemeClr val="accent5"/>
+    </dgm:fillClrLst>
+    <dgm:linClrLst meth="repeat">
+      <a:schemeClr val="lt1"/>
+    </dgm:linClrLst>
+    <dgm:effectClrLst/>
+    <dgm:txLinClrLst/>
+    <dgm:txFillClrLst/>
+    <dgm:txEffectClrLst/>
+  </dgm:styleLbl>
+  <dgm:styleLbl name="asst3">
+    <dgm:fillClrLst meth="repeat">
+      <a:schemeClr val="accent5"/>
+    </dgm:fillClrLst>
+    <dgm:linClrLst meth="repeat">
+      <a:schemeClr val="lt1"/>
+    </dgm:linClrLst>
+    <dgm:effectClrLst/>
+    <dgm:txLinClrLst/>
+    <dgm:txFillClrLst/>
+    <dgm:txEffectClrLst/>
+  </dgm:styleLbl>
+  <dgm:styleLbl name="asst4">
+    <dgm:fillClrLst meth="repeat">
+      <a:schemeClr val="accent5"/>
+    </dgm:fillClrLst>
+    <dgm:linClrLst meth="repeat">
+      <a:schemeClr val="lt1"/>
+    </dgm:linClrLst>
+    <dgm:effectClrLst/>
+    <dgm:txLinClrLst/>
+    <dgm:txFillClrLst/>
+    <dgm:txEffectClrLst/>
+  </dgm:styleLbl>
+  <dgm:styleLbl name="parChTrans2D1">
+    <dgm:fillClrLst meth="repeat">
+      <a:schemeClr val="accent5">
+        <a:tint val="60000"/>
+      </a:schemeClr>
+    </dgm:fillClrLst>
+    <dgm:linClrLst meth="repeat">
+      <a:schemeClr val="accent5">
+        <a:tint val="60000"/>
+      </a:schemeClr>
+    </dgm:linClrLst>
+    <dgm:effectClrLst/>
+    <dgm:txLinClrLst/>
+    <dgm:txFillClrLst meth="repeat">
+      <a:schemeClr val="lt1"/>
+    </dgm:txFillClrLst>
+    <dgm:txEffectClrLst/>
+  </dgm:styleLbl>
+  <dgm:styleLbl name="parChTrans2D2">
+    <dgm:fillClrLst meth="repeat">
+      <a:schemeClr val="accent5"/>
+    </dgm:fillClrLst>
+    <dgm:linClrLst meth="repeat">
+      <a:schemeClr val="accent5"/>
+    </dgm:linClrLst>
+    <dgm:effectClrLst/>
+    <dgm:txLinClrLst/>
+    <dgm:txFillClrLst meth="repeat">
+      <a:schemeClr val="lt1"/>
+    </dgm:txFillClrLst>
+    <dgm:txEffectClrLst/>
+  </dgm:styleLbl>
+  <dgm:styleLbl name="parChTrans2D3">
+    <dgm:fillClrLst meth="repeat">
+      <a:schemeClr val="accent5"/>
+    </dgm:fillClrLst>
+    <dgm:linClrLst meth="repeat">
+      <a:schemeClr val="accent5"/>
+    </dgm:linClrLst>
+    <dgm:effectClrLst/>
+    <dgm:txLinClrLst/>
+    <dgm:txFillClrLst meth="repeat">
+      <a:schemeClr val="lt1"/>
+    </dgm:txFillClrLst>
+    <dgm:txEffectClrLst/>
+  </dgm:styleLbl>
+  <dgm:styleLbl name="parChTrans2D4">
+    <dgm:fillClrLst meth="repeat">
+      <a:schemeClr val="accent5"/>
+    </dgm:fillClrLst>
+    <dgm:linClrLst meth="repeat">
+      <a:schemeClr val="accent5"/>
+    </dgm:linClrLst>
+    <dgm:effectClrLst/>
+    <dgm:txLinClrLst/>
+    <dgm:txFillClrLst meth="repeat">
+      <a:schemeClr val="lt1"/>
+    </dgm:txFillClrLst>
+    <dgm:txEffectClrLst/>
+  </dgm:styleLbl>
+  <dgm:styleLbl name="parChTrans1D1">
+    <dgm:fillClrLst meth="repeat">
+      <a:schemeClr val="accent5"/>
+    </dgm:fillClrLst>
+    <dgm:linClrLst meth="repeat">
+      <a:schemeClr val="accent5">
+        <a:shade val="60000"/>
+      </a:schemeClr>
+    </dgm:linClrLst>
+    <dgm:effectClrLst/>
+    <dgm:txLinClrLst/>
+    <dgm:txFillClrLst meth="repeat">
+      <a:schemeClr val="tx1"/>
+    </dgm:txFillClrLst>
+    <dgm:txEffectClrLst/>
+  </dgm:styleLbl>
+  <dgm:styleLbl name="parChTrans1D2">
+    <dgm:fillClrLst meth="repeat">
+      <a:schemeClr val="accent5"/>
+    </dgm:fillClrLst>
+    <dgm:linClrLst meth="repeat">
+      <a:schemeClr val="accent5">
+        <a:shade val="60000"/>
+      </a:schemeClr>
+    </dgm:linClrLst>
+    <dgm:effectClrLst/>
+    <dgm:txLinClrLst/>
+    <dgm:txFillClrLst meth="repeat">
+      <a:schemeClr val="tx1"/>
+    </dgm:txFillClrLst>
+    <dgm:txEffectClrLst/>
+  </dgm:styleLbl>
+  <dgm:styleLbl name="parChTrans1D3">
+    <dgm:fillClrLst meth="repeat">
+      <a:schemeClr val="accent5"/>
+    </dgm:fillClrLst>
+    <dgm:linClrLst meth="repeat">
+      <a:schemeClr val="accent5">
+        <a:shade val="80000"/>
+      </a:schemeClr>
+    </dgm:linClrLst>
+    <dgm:effectClrLst/>
+    <dgm:txLinClrLst/>
+    <dgm:txFillClrLst meth="repeat">
+      <a:schemeClr val="tx1"/>
+    </dgm:txFillClrLst>
+    <dgm:txEffectClrLst/>
+  </dgm:styleLbl>
+  <dgm:styleLbl name="parChTrans1D4">
+    <dgm:fillClrLst meth="repeat">
+      <a:schemeClr val="accent5"/>
+    </dgm:fillClrLst>
+    <dgm:linClrLst meth="repeat">
+      <a:schemeClr val="accent5">
+        <a:shade val="80000"/>
+      </a:schemeClr>
+    </dgm:linClrLst>
+    <dgm:effectClrLst/>
+    <dgm:txLinClrLst/>
+    <dgm:txFillClrLst meth="repeat">
+      <a:schemeClr val="tx1"/>
+    </dgm:txFillClrLst>
+    <dgm:txEffectClrLst/>
+  </dgm:styleLbl>
+  <dgm:styleLbl name="fgAcc1">
+    <dgm:fillClrLst meth="repeat">
+      <a:schemeClr val="lt1">
+        <a:alpha val="90000"/>
+      </a:schemeClr>
+    </dgm:fillClrLst>
+    <dgm:linClrLst meth="repeat">
+      <a:schemeClr val="accent5"/>
+    </dgm:linClrLst>
+    <dgm:effectClrLst/>
+    <dgm:txLinClrLst/>
+    <dgm:txFillClrLst meth="repeat">
+      <a:schemeClr val="dk1"/>
+    </dgm:txFillClrLst>
+    <dgm:txEffectClrLst/>
+  </dgm:styleLbl>
+  <dgm:styleLbl name="conFgAcc1">
+    <dgm:fillClrLst meth="repeat">
+      <a:schemeClr val="lt1">
+        <a:alpha val="90000"/>
+      </a:schemeClr>
+    </dgm:fillClrLst>
+    <dgm:linClrLst meth="repeat">
+      <a:schemeClr val="accent5"/>
+    </dgm:linClrLst>
+    <dgm:effectClrLst/>
+    <dgm:txLinClrLst/>
+    <dgm:txFillClrLst meth="repeat">
+      <a:schemeClr val="dk1"/>
+    </dgm:txFillClrLst>
+    <dgm:txEffectClrLst/>
+  </dgm:styleLbl>
+  <dgm:styleLbl name="alignAcc1">
+    <dgm:fillClrLst meth="repeat">
+      <a:schemeClr val="lt1">
+        <a:alpha val="90000"/>
+      </a:schemeClr>
+    </dgm:fillClrLst>
+    <dgm:linClrLst meth="repeat">
+      <a:schemeClr val="accent5"/>
+    </dgm:linClrLst>
+    <dgm:effectClrLst/>
+    <dgm:txLinClrLst/>
+    <dgm:txFillClrLst meth="repeat">
+      <a:schemeClr val="dk1"/>
+    </dgm:txFillClrLst>
+    <dgm:txEffectClrLst/>
+  </dgm:styleLbl>
+  <dgm:styleLbl name="trAlignAcc1">
+    <dgm:fillClrLst meth="repeat">
+      <a:schemeClr val="lt1">
+        <a:alpha val="40000"/>
+      </a:schemeClr>
+    </dgm:fillClrLst>
+    <dgm:linClrLst meth="repeat">
+      <a:schemeClr val="accent5"/>
+    </dgm:linClrLst>
+    <dgm:effectClrLst/>
+    <dgm:txLinClrLst/>
+    <dgm:txFillClrLst meth="repeat">
+      <a:schemeClr val="dk1"/>
+    </dgm:txFillClrLst>
+    <dgm:txEffectClrLst/>
+  </dgm:styleLbl>
+  <dgm:styleLbl name="bgAcc1">
+    <dgm:fillClrLst meth="repeat">
+      <a:schemeClr val="lt1">
+        <a:alpha val="90000"/>
+      </a:schemeClr>
+    </dgm:fillClrLst>
+    <dgm:linClrLst meth="repeat">
+      <a:schemeClr val="accent5"/>
+    </dgm:linClrLst>
+    <dgm:effectClrLst/>
+    <dgm:txLinClrLst/>
+    <dgm:txFillClrLst meth="repeat">
+      <a:schemeClr val="dk1"/>
+    </dgm:txFillClrLst>
+    <dgm:txEffectClrLst/>
+  </dgm:styleLbl>
+  <dgm:styleLbl name="solidFgAcc1">
+    <dgm:fillClrLst meth="repeat">
+      <a:schemeClr val="lt1"/>
+    </dgm:fillClrLst>
+    <dgm:linClrLst meth="repeat">
+      <a:schemeClr val="accent5"/>
+    </dgm:linClrLst>
+    <dgm:effectClrLst/>
+    <dgm:txLinClrLst/>
+    <dgm:txFillClrLst meth="repeat">
+      <a:schemeClr val="dk1"/>
+    </dgm:txFillClrLst>
+    <dgm:txEffectClrLst/>
+  </dgm:styleLbl>
+  <dgm:styleLbl name="solidAlignAcc1">
+    <dgm:fillClrLst meth="repeat">
+      <a:schemeClr val="lt1"/>
+    </dgm:fillClrLst>
+    <dgm:linClrLst meth="repeat">
+      <a:schemeClr val="accent5"/>
+    </dgm:linClrLst>
+    <dgm:effectClrLst/>
+    <dgm:txLinClrLst/>
+    <dgm:txFillClrLst meth="repeat">
+      <a:schemeClr val="dk1"/>
+    </dgm:txFillClrLst>
+    <dgm:txEffectClrLst/>
+  </dgm:styleLbl>
+  <dgm:styleLbl name="solidBgAcc1">
+    <dgm:fillClrLst meth="repeat">
+      <a:schemeClr val="lt1"/>
+    </dgm:fillClrLst>
+    <dgm:linClrLst meth="repeat">
+      <a:schemeClr val="accent5"/>
+    </dgm:linClrLst>
+    <dgm:effectClrLst/>
+    <dgm:txLinClrLst/>
+    <dgm:txFillClrLst meth="repeat">
+      <a:schemeClr val="dk1"/>
+    </dgm:txFillClrLst>
+    <dgm:txEffectClrLst/>
+  </dgm:styleLbl>
+  <dgm:styleLbl name="fgAccFollowNode1">
+    <dgm:fillClrLst meth="repeat">
+      <a:schemeClr val="accent5">
+        <a:alpha val="90000"/>
+        <a:tint val="40000"/>
+      </a:schemeClr>
+    </dgm:fillClrLst>
+    <dgm:linClrLst meth="repeat">
+      <a:schemeClr val="accent5">
+        <a:alpha val="90000"/>
+        <a:tint val="40000"/>
+      </a:schemeClr>
+    </dgm:linClrLst>
+    <dgm:effectClrLst/>
+    <dgm:txLinClrLst/>
+    <dgm:txFillClrLst meth="repeat">
+      <a:schemeClr val="dk1"/>
+    </dgm:txFillClrLst>
+    <dgm:txEffectClrLst/>
+  </dgm:styleLbl>
+  <dgm:styleLbl name="alignAccFollowNode1">
+    <dgm:fillClrLst meth="repeat">
+      <a:schemeClr val="accent5">
+        <a:alpha val="90000"/>
+        <a:tint val="40000"/>
+      </a:schemeClr>
+    </dgm:fillClrLst>
+    <dgm:linClrLst meth="repeat">
+      <a:schemeClr val="accent5">
+        <a:alpha val="90000"/>
+        <a:tint val="40000"/>
+      </a:schemeClr>
+    </dgm:linClrLst>
+    <dgm:effectClrLst/>
+    <dgm:txLinClrLst/>
+    <dgm:txFillClrLst meth="repeat">
+      <a:schemeClr val="dk1"/>
+    </dgm:txFillClrLst>
+    <dgm:txEffectClrLst/>
+  </dgm:styleLbl>
+  <dgm:styleLbl name="bgAccFollowNode1">
+    <dgm:fillClrLst meth="repeat">
+      <a:schemeClr val="accent5">
+        <a:alpha val="90000"/>
+        <a:tint val="40000"/>
+      </a:schemeClr>
+    </dgm:fillClrLst>
+    <dgm:linClrLst meth="repeat">
+      <a:schemeClr val="accent5">
+        <a:alpha val="90000"/>
+        <a:tint val="40000"/>
+      </a:schemeClr>
+    </dgm:linClrLst>
+    <dgm:effectClrLst/>
+    <dgm:txLinClrLst/>
+    <dgm:txFillClrLst meth="repeat">
+      <a:schemeClr val="dk1"/>
+    </dgm:txFillClrLst>
+    <dgm:txEffectClrLst/>
+  </dgm:styleLbl>
+  <dgm:styleLbl name="fgAcc0">
+    <dgm:fillClrLst meth="repeat">
+      <a:schemeClr val="lt1">
+        <a:alpha val="90000"/>
+      </a:schemeClr>
+    </dgm:fillClrLst>
+    <dgm:linClrLst meth="repeat">
+      <a:schemeClr val="accent5"/>
+    </dgm:linClrLst>
+    <dgm:effectClrLst/>
+    <dgm:txLinClrLst/>
+    <dgm:txFillClrLst meth="repeat">
+      <a:schemeClr val="dk1"/>
+    </dgm:txFillClrLst>
+    <dgm:txEffectClrLst/>
+  </dgm:styleLbl>
+  <dgm:styleLbl name="fgAcc2">
+    <dgm:fillClrLst meth="repeat">
+      <a:schemeClr val="lt1">
+        <a:alpha val="90000"/>
+      </a:schemeClr>
+    </dgm:fillClrLst>
+    <dgm:linClrLst meth="repeat">
+      <a:schemeClr val="accent5"/>
+    </dgm:linClrLst>
+    <dgm:effectClrLst/>
+    <dgm:txLinClrLst/>
+    <dgm:txFillClrLst meth="repeat">
+      <a:schemeClr val="dk1"/>
+    </dgm:txFillClrLst>
+    <dgm:txEffectClrLst/>
+  </dgm:styleLbl>
+  <dgm:styleLbl name="fgAcc3">
+    <dgm:fillClrLst meth="repeat">
+      <a:schemeClr val="lt1">
+        <a:alpha val="90000"/>
+      </a:schemeClr>
+    </dgm:fillClrLst>
+    <dgm:linClrLst meth="repeat">
+      <a:schemeClr val="accent5"/>
+    </dgm:linClrLst>
+    <dgm:effectClrLst/>
+    <dgm:txLinClrLst/>
+    <dgm:txFillClrLst meth="repeat">
+      <a:schemeClr val="dk1"/>
+    </dgm:txFillClrLst>
+    <dgm:txEffectClrLst/>
+  </dgm:styleLbl>
+  <dgm:styleLbl name="fgAcc4">
+    <dgm:fillClrLst meth="repeat">
+      <a:schemeClr val="lt1">
+        <a:alpha val="90000"/>
+      </a:schemeClr>
+    </dgm:fillClrLst>
+    <dgm:linClrLst meth="repeat">
+      <a:schemeClr val="accent5"/>
+    </dgm:linClrLst>
+    <dgm:effectClrLst/>
+    <dgm:txLinClrLst/>
+    <dgm:txFillClrLst meth="repeat">
+      <a:schemeClr val="dk1"/>
+    </dgm:txFillClrLst>
+    <dgm:txEffectClrLst/>
+  </dgm:styleLbl>
+  <dgm:styleLbl name="bgShp">
+    <dgm:fillClrLst meth="repeat">
+      <a:schemeClr val="accent5">
+        <a:tint val="40000"/>
+      </a:schemeClr>
+    </dgm:fillClrLst>
+    <dgm:linClrLst meth="repeat">
+      <a:schemeClr val="accent5"/>
+    </dgm:linClrLst>
+    <dgm:effectClrLst/>
+    <dgm:txLinClrLst/>
+    <dgm:txFillClrLst meth="repeat">
+      <a:schemeClr val="dk1"/>
+    </dgm:txFillClrLst>
+    <dgm:txEffectClrLst/>
+  </dgm:styleLbl>
+  <dgm:styleLbl name="dkBgShp">
+    <dgm:fillClrLst meth="repeat">
+      <a:schemeClr val="accent5">
+        <a:shade val="80000"/>
+      </a:schemeClr>
+    </dgm:fillClrLst>
+    <dgm:linClrLst meth="repeat">
+      <a:schemeClr val="accent5"/>
+    </dgm:linClrLst>
+    <dgm:effectClrLst/>
+    <dgm:txLinClrLst/>
+    <dgm:txFillClrLst meth="repeat">
+      <a:schemeClr val="lt1"/>
+    </dgm:txFillClrLst>
+    <dgm:txEffectClrLst/>
+  </dgm:styleLbl>
+  <dgm:styleLbl name="trBgShp">
+    <dgm:fillClrLst meth="repeat">
+      <a:schemeClr val="accent5">
+        <a:tint val="50000"/>
+        <a:alpha val="40000"/>
+      </a:schemeClr>
+    </dgm:fillClrLst>
+    <dgm:linClrLst meth="repeat">
+      <a:schemeClr val="accent5"/>
+    </dgm:linClrLst>
+    <dgm:effectClrLst/>
+    <dgm:txLinClrLst/>
+    <dgm:txFillClrLst meth="repeat">
+      <a:schemeClr val="lt1"/>
+    </dgm:txFillClrLst>
+    <dgm:txEffectClrLst/>
+  </dgm:styleLbl>
+  <dgm:styleLbl name="fgShp">
+    <dgm:fillClrLst meth="repeat">
+      <a:schemeClr val="accent5">
+        <a:tint val="60000"/>
       </a:schemeClr>
     </dgm:fillClrLst>
     <dgm:linClrLst meth="repeat">
@@ -1475,6 +2228,298 @@
 </dgm:dataModel>
 </file>
 
+<file path=ppt/diagrams/data2.xml><?xml version="1.0" encoding="utf-8"?>
+<dgm:dataModel xmlns:dgm="http://schemas.openxmlformats.org/drawingml/2006/diagram" xmlns:a="http://schemas.openxmlformats.org/drawingml/2006/main">
+  <dgm:ptLst>
+    <dgm:pt modelId="{592373DC-11B1-4708-92E2-E1B8EB8D76D8}" type="doc">
+      <dgm:prSet loTypeId="urn:microsoft.com/office/officeart/2018/2/layout/IconVerticalSolidList" loCatId="icon" qsTypeId="urn:microsoft.com/office/officeart/2005/8/quickstyle/simple1" qsCatId="simple" csTypeId="urn:microsoft.com/office/officeart/2005/8/colors/accent5_2" csCatId="accent5" phldr="1"/>
+      <dgm:spPr/>
+    </dgm:pt>
+    <dgm:pt modelId="{7084B800-7E1D-4DA6-89C0-37EA52DDBCB8}">
+      <dgm:prSet phldrT="[Text]" custT="1"/>
+      <dgm:spPr/>
+      <dgm:t>
+        <a:bodyPr/>
+        <a:lstStyle/>
+        <a:p>
+          <a:pPr>
+            <a:lnSpc>
+              <a:spcPct val="100000"/>
+            </a:lnSpc>
+          </a:pPr>
+          <a:r>
+            <a:rPr lang="en-US" sz="2100" dirty="0">
+              <a:solidFill>
+                <a:schemeClr val="bg2">
+                  <a:lumMod val="50000"/>
+                </a:schemeClr>
+              </a:solidFill>
+            </a:rPr>
+            <a:t>Standalone DFS namespace</a:t>
+          </a:r>
+          <a:endParaRPr lang="ru-RU" sz="2100" dirty="0">
+            <a:solidFill>
+              <a:schemeClr val="bg2">
+                <a:lumMod val="50000"/>
+              </a:schemeClr>
+            </a:solidFill>
+          </a:endParaRPr>
+        </a:p>
+      </dgm:t>
+    </dgm:pt>
+    <dgm:pt modelId="{E459F664-A62C-4466-90D1-14D94F7456F9}" type="parTrans" cxnId="{D7BBB8C6-B60F-4050-B5C1-3F3A86AF4294}">
+      <dgm:prSet/>
+      <dgm:spPr/>
+      <dgm:t>
+        <a:bodyPr/>
+        <a:lstStyle/>
+        <a:p>
+          <a:endParaRPr lang="ru-RU"/>
+        </a:p>
+      </dgm:t>
+    </dgm:pt>
+    <dgm:pt modelId="{29667D30-8073-4626-A65C-0442C9DA4455}" type="sibTrans" cxnId="{D7BBB8C6-B60F-4050-B5C1-3F3A86AF4294}">
+      <dgm:prSet/>
+      <dgm:spPr/>
+      <dgm:t>
+        <a:bodyPr/>
+        <a:lstStyle/>
+        <a:p>
+          <a:endParaRPr lang="ru-RU"/>
+        </a:p>
+      </dgm:t>
+    </dgm:pt>
+    <dgm:pt modelId="{4786322A-3DB1-4B13-A039-9C2B4BD33902}">
+      <dgm:prSet phldrT="[Text]" custT="1"/>
+      <dgm:spPr/>
+      <dgm:t>
+        <a:bodyPr/>
+        <a:lstStyle/>
+        <a:p>
+          <a:pPr>
+            <a:lnSpc>
+              <a:spcPct val="100000"/>
+            </a:lnSpc>
+          </a:pPr>
+          <a:r>
+            <a:rPr lang="en-US" sz="2100" kern="1200" dirty="0">
+              <a:solidFill>
+                <a:srgbClr val="E2E2E8">
+                  <a:lumMod val="50000"/>
+                </a:srgbClr>
+              </a:solidFill>
+              <a:latin typeface="Garamond" panose="02020404030301010803"/>
+              <a:ea typeface="+mn-ea"/>
+              <a:cs typeface="+mn-cs"/>
+            </a:rPr>
+            <a:t>Domain-based DFS namespace</a:t>
+          </a:r>
+          <a:endParaRPr lang="ru-RU" sz="2100" kern="1200" dirty="0">
+            <a:solidFill>
+              <a:srgbClr val="E2E2E8">
+                <a:lumMod val="50000"/>
+              </a:srgbClr>
+            </a:solidFill>
+            <a:latin typeface="Garamond" panose="02020404030301010803"/>
+            <a:ea typeface="+mn-ea"/>
+            <a:cs typeface="+mn-cs"/>
+          </a:endParaRPr>
+        </a:p>
+      </dgm:t>
+    </dgm:pt>
+    <dgm:pt modelId="{4F3F2426-EA56-4F79-A02F-DE7A210D680D}" type="parTrans" cxnId="{07D1F65C-7C41-4EB6-A133-CA7F29791640}">
+      <dgm:prSet/>
+      <dgm:spPr/>
+      <dgm:t>
+        <a:bodyPr/>
+        <a:lstStyle/>
+        <a:p>
+          <a:endParaRPr lang="ru-RU"/>
+        </a:p>
+      </dgm:t>
+    </dgm:pt>
+    <dgm:pt modelId="{7D0A801E-90E9-4D73-A31E-D58F04D3BBF2}" type="sibTrans" cxnId="{07D1F65C-7C41-4EB6-A133-CA7F29791640}">
+      <dgm:prSet/>
+      <dgm:spPr/>
+      <dgm:t>
+        <a:bodyPr/>
+        <a:lstStyle/>
+        <a:p>
+          <a:endParaRPr lang="ru-RU"/>
+        </a:p>
+      </dgm:t>
+    </dgm:pt>
+    <dgm:pt modelId="{BEBE168A-5E85-43CC-B9BA-D1974F9A5753}" type="pres">
+      <dgm:prSet presAssocID="{592373DC-11B1-4708-92E2-E1B8EB8D76D8}" presName="root" presStyleCnt="0">
+        <dgm:presLayoutVars>
+          <dgm:dir/>
+          <dgm:resizeHandles val="exact"/>
+        </dgm:presLayoutVars>
+      </dgm:prSet>
+      <dgm:spPr/>
+    </dgm:pt>
+    <dgm:pt modelId="{6F7D1589-E38C-4EEF-8940-633D1FA307AE}" type="pres">
+      <dgm:prSet presAssocID="{7084B800-7E1D-4DA6-89C0-37EA52DDBCB8}" presName="compNode" presStyleCnt="0"/>
+      <dgm:spPr/>
+    </dgm:pt>
+    <dgm:pt modelId="{5055791F-FD8B-4C95-BE9E-DCA1684759AE}" type="pres">
+      <dgm:prSet presAssocID="{7084B800-7E1D-4DA6-89C0-37EA52DDBCB8}" presName="bgRect" presStyleLbl="bgShp" presStyleIdx="0" presStyleCnt="2"/>
+      <dgm:spPr>
+        <a:prstGeom prst="rect">
+          <a:avLst/>
+        </a:prstGeom>
+        <a:solidFill>
+          <a:schemeClr val="bg1"/>
+        </a:solidFill>
+        <a:ln>
+          <a:solidFill>
+            <a:schemeClr val="bg2">
+              <a:lumMod val="75000"/>
+            </a:schemeClr>
+          </a:solidFill>
+        </a:ln>
+      </dgm:spPr>
+    </dgm:pt>
+    <dgm:pt modelId="{3A2A1665-F91D-4C16-A420-BA5DD166AEE3}" type="pres">
+      <dgm:prSet presAssocID="{7084B800-7E1D-4DA6-89C0-37EA52DDBCB8}" presName="iconRect" presStyleLbl="node1" presStyleIdx="0" presStyleCnt="2"/>
+      <dgm:spPr>
+        <a:blipFill>
+          <a:blip xmlns:r="http://schemas.openxmlformats.org/officeDocument/2006/relationships" r:embed="rId1">
+            <a:extLst>
+              <a:ext uri="{28A0092B-C50C-407E-A947-70E740481C1C}">
+                <a14:useLocalDpi xmlns:a14="http://schemas.microsoft.com/office/drawing/2010/main" val="0"/>
+              </a:ext>
+              <a:ext uri="{96DAC541-7B7A-43D3-8B79-37D633B846F1}">
+                <asvg:svgBlip xmlns:asvg="http://schemas.microsoft.com/office/drawing/2016/SVG/main" r:embed="rId2"/>
+              </a:ext>
+            </a:extLst>
+          </a:blip>
+          <a:stretch>
+            <a:fillRect/>
+          </a:stretch>
+        </a:blipFill>
+        <a:ln>
+          <a:noFill/>
+        </a:ln>
+      </dgm:spPr>
+      <dgm:extLst>
+        <a:ext uri="{E40237B7-FDA0-4F09-8148-C483321AD2D9}">
+          <dgm14:cNvPr xmlns:dgm14="http://schemas.microsoft.com/office/drawing/2010/diagram" id="0" name="" descr="Internet"/>
+        </a:ext>
+      </dgm:extLst>
+    </dgm:pt>
+    <dgm:pt modelId="{2BD51AD2-3E0A-4639-9A99-2EB58CCE5B59}" type="pres">
+      <dgm:prSet presAssocID="{7084B800-7E1D-4DA6-89C0-37EA52DDBCB8}" presName="spaceRect" presStyleCnt="0"/>
+      <dgm:spPr/>
+    </dgm:pt>
+    <dgm:pt modelId="{C777032A-9475-4396-9274-DE9A78A74CC0}" type="pres">
+      <dgm:prSet presAssocID="{7084B800-7E1D-4DA6-89C0-37EA52DDBCB8}" presName="parTx" presStyleLbl="revTx" presStyleIdx="0" presStyleCnt="2" custLinFactNeighborX="-5805">
+        <dgm:presLayoutVars>
+          <dgm:chMax val="0"/>
+          <dgm:chPref val="0"/>
+        </dgm:presLayoutVars>
+      </dgm:prSet>
+      <dgm:spPr/>
+    </dgm:pt>
+    <dgm:pt modelId="{E8F86784-F939-4DC2-B805-3A2239B0770F}" type="pres">
+      <dgm:prSet presAssocID="{29667D30-8073-4626-A65C-0442C9DA4455}" presName="sibTrans" presStyleCnt="0"/>
+      <dgm:spPr/>
+    </dgm:pt>
+    <dgm:pt modelId="{B1715078-3176-4DF1-A2E4-CA69BD0DE3DE}" type="pres">
+      <dgm:prSet presAssocID="{4786322A-3DB1-4B13-A039-9C2B4BD33902}" presName="compNode" presStyleCnt="0"/>
+      <dgm:spPr/>
+    </dgm:pt>
+    <dgm:pt modelId="{7CF4F8AE-2437-4954-B698-495A078F9E64}" type="pres">
+      <dgm:prSet presAssocID="{4786322A-3DB1-4B13-A039-9C2B4BD33902}" presName="bgRect" presStyleLbl="bgShp" presStyleIdx="1" presStyleCnt="2"/>
+      <dgm:spPr>
+        <a:prstGeom prst="rect">
+          <a:avLst/>
+        </a:prstGeom>
+        <a:solidFill>
+          <a:schemeClr val="bg1"/>
+        </a:solidFill>
+        <a:ln>
+          <a:solidFill>
+            <a:schemeClr val="bg2">
+              <a:lumMod val="75000"/>
+            </a:schemeClr>
+          </a:solidFill>
+        </a:ln>
+      </dgm:spPr>
+    </dgm:pt>
+    <dgm:pt modelId="{321B0D94-DDA9-4A26-A4C1-0608CDA16D85}" type="pres">
+      <dgm:prSet presAssocID="{4786322A-3DB1-4B13-A039-9C2B4BD33902}" presName="iconRect" presStyleLbl="node1" presStyleIdx="1" presStyleCnt="2"/>
+      <dgm:spPr>
+        <a:blipFill>
+          <a:blip xmlns:r="http://schemas.openxmlformats.org/officeDocument/2006/relationships" r:embed="rId3">
+            <a:extLst>
+              <a:ext uri="{28A0092B-C50C-407E-A947-70E740481C1C}">
+                <a14:useLocalDpi xmlns:a14="http://schemas.microsoft.com/office/drawing/2010/main" val="0"/>
+              </a:ext>
+              <a:ext uri="{96DAC541-7B7A-43D3-8B79-37D633B846F1}">
+                <asvg:svgBlip xmlns:asvg="http://schemas.microsoft.com/office/drawing/2016/SVG/main" r:embed="rId4"/>
+              </a:ext>
+            </a:extLst>
+          </a:blip>
+          <a:srcRect/>
+          <a:stretch>
+            <a:fillRect/>
+          </a:stretch>
+        </a:blipFill>
+        <a:ln>
+          <a:noFill/>
+        </a:ln>
+      </dgm:spPr>
+      <dgm:extLst>
+        <a:ext uri="{E40237B7-FDA0-4F09-8148-C483321AD2D9}">
+          <dgm14:cNvPr xmlns:dgm14="http://schemas.microsoft.com/office/drawing/2010/diagram" id="0" name="" descr="Stream"/>
+        </a:ext>
+      </dgm:extLst>
+    </dgm:pt>
+    <dgm:pt modelId="{6B38183A-C137-4797-A6AA-5032FB424C80}" type="pres">
+      <dgm:prSet presAssocID="{4786322A-3DB1-4B13-A039-9C2B4BD33902}" presName="spaceRect" presStyleCnt="0"/>
+      <dgm:spPr/>
+    </dgm:pt>
+    <dgm:pt modelId="{8988E990-E700-4C93-BC55-7BF7864AEFFE}" type="pres">
+      <dgm:prSet presAssocID="{4786322A-3DB1-4B13-A039-9C2B4BD33902}" presName="parTx" presStyleLbl="revTx" presStyleIdx="1" presStyleCnt="2" custScaleX="111492" custLinFactNeighborX="-5805">
+        <dgm:presLayoutVars>
+          <dgm:chMax val="0"/>
+          <dgm:chPref val="0"/>
+        </dgm:presLayoutVars>
+      </dgm:prSet>
+      <dgm:spPr/>
+    </dgm:pt>
+  </dgm:ptLst>
+  <dgm:cxnLst>
+    <dgm:cxn modelId="{63841A12-C18B-1141-BB66-67F94352C339}" type="presOf" srcId="{7084B800-7E1D-4DA6-89C0-37EA52DDBCB8}" destId="{C777032A-9475-4396-9274-DE9A78A74CC0}" srcOrd="0" destOrd="0" presId="urn:microsoft.com/office/officeart/2018/2/layout/IconVerticalSolidList"/>
+    <dgm:cxn modelId="{07D1F65C-7C41-4EB6-A133-CA7F29791640}" srcId="{592373DC-11B1-4708-92E2-E1B8EB8D76D8}" destId="{4786322A-3DB1-4B13-A039-9C2B4BD33902}" srcOrd="1" destOrd="0" parTransId="{4F3F2426-EA56-4F79-A02F-DE7A210D680D}" sibTransId="{7D0A801E-90E9-4D73-A31E-D58F04D3BBF2}"/>
+    <dgm:cxn modelId="{9B527D63-3134-1743-961D-BB943F9BC328}" type="presOf" srcId="{4786322A-3DB1-4B13-A039-9C2B4BD33902}" destId="{8988E990-E700-4C93-BC55-7BF7864AEFFE}" srcOrd="0" destOrd="0" presId="urn:microsoft.com/office/officeart/2018/2/layout/IconVerticalSolidList"/>
+    <dgm:cxn modelId="{99FCC3A2-7D1A-B343-BC04-AA140FF8D6F7}" type="presOf" srcId="{592373DC-11B1-4708-92E2-E1B8EB8D76D8}" destId="{BEBE168A-5E85-43CC-B9BA-D1974F9A5753}" srcOrd="0" destOrd="0" presId="urn:microsoft.com/office/officeart/2018/2/layout/IconVerticalSolidList"/>
+    <dgm:cxn modelId="{D7BBB8C6-B60F-4050-B5C1-3F3A86AF4294}" srcId="{592373DC-11B1-4708-92E2-E1B8EB8D76D8}" destId="{7084B800-7E1D-4DA6-89C0-37EA52DDBCB8}" srcOrd="0" destOrd="0" parTransId="{E459F664-A62C-4466-90D1-14D94F7456F9}" sibTransId="{29667D30-8073-4626-A65C-0442C9DA4455}"/>
+    <dgm:cxn modelId="{EC6A6010-62D0-E741-9ED3-0E0A4F187C22}" type="presParOf" srcId="{BEBE168A-5E85-43CC-B9BA-D1974F9A5753}" destId="{6F7D1589-E38C-4EEF-8940-633D1FA307AE}" srcOrd="0" destOrd="0" presId="urn:microsoft.com/office/officeart/2018/2/layout/IconVerticalSolidList"/>
+    <dgm:cxn modelId="{3651A24D-686D-D14B-8701-AFB991DD91A7}" type="presParOf" srcId="{6F7D1589-E38C-4EEF-8940-633D1FA307AE}" destId="{5055791F-FD8B-4C95-BE9E-DCA1684759AE}" srcOrd="0" destOrd="0" presId="urn:microsoft.com/office/officeart/2018/2/layout/IconVerticalSolidList"/>
+    <dgm:cxn modelId="{7B546F74-9BC9-8B4A-907D-549F35C2FD3E}" type="presParOf" srcId="{6F7D1589-E38C-4EEF-8940-633D1FA307AE}" destId="{3A2A1665-F91D-4C16-A420-BA5DD166AEE3}" srcOrd="1" destOrd="0" presId="urn:microsoft.com/office/officeart/2018/2/layout/IconVerticalSolidList"/>
+    <dgm:cxn modelId="{E8DFB209-C627-2849-A9A8-82FA4FE3CBC9}" type="presParOf" srcId="{6F7D1589-E38C-4EEF-8940-633D1FA307AE}" destId="{2BD51AD2-3E0A-4639-9A99-2EB58CCE5B59}" srcOrd="2" destOrd="0" presId="urn:microsoft.com/office/officeart/2018/2/layout/IconVerticalSolidList"/>
+    <dgm:cxn modelId="{366B5496-FD7E-304F-8B99-D11946F94228}" type="presParOf" srcId="{6F7D1589-E38C-4EEF-8940-633D1FA307AE}" destId="{C777032A-9475-4396-9274-DE9A78A74CC0}" srcOrd="3" destOrd="0" presId="urn:microsoft.com/office/officeart/2018/2/layout/IconVerticalSolidList"/>
+    <dgm:cxn modelId="{DE81DE76-EB46-0649-BD1A-C07B117C077E}" type="presParOf" srcId="{BEBE168A-5E85-43CC-B9BA-D1974F9A5753}" destId="{E8F86784-F939-4DC2-B805-3A2239B0770F}" srcOrd="1" destOrd="0" presId="urn:microsoft.com/office/officeart/2018/2/layout/IconVerticalSolidList"/>
+    <dgm:cxn modelId="{81974EFD-7ED7-404C-A7EA-97800BA1897B}" type="presParOf" srcId="{BEBE168A-5E85-43CC-B9BA-D1974F9A5753}" destId="{B1715078-3176-4DF1-A2E4-CA69BD0DE3DE}" srcOrd="2" destOrd="0" presId="urn:microsoft.com/office/officeart/2018/2/layout/IconVerticalSolidList"/>
+    <dgm:cxn modelId="{7B2034C8-584E-E84E-8A99-1E4DA478C58D}" type="presParOf" srcId="{B1715078-3176-4DF1-A2E4-CA69BD0DE3DE}" destId="{7CF4F8AE-2437-4954-B698-495A078F9E64}" srcOrd="0" destOrd="0" presId="urn:microsoft.com/office/officeart/2018/2/layout/IconVerticalSolidList"/>
+    <dgm:cxn modelId="{EBEFAFAD-B5F2-8F47-8319-9C351553D79B}" type="presParOf" srcId="{B1715078-3176-4DF1-A2E4-CA69BD0DE3DE}" destId="{321B0D94-DDA9-4A26-A4C1-0608CDA16D85}" srcOrd="1" destOrd="0" presId="urn:microsoft.com/office/officeart/2018/2/layout/IconVerticalSolidList"/>
+    <dgm:cxn modelId="{0C0BCCB3-B2AC-DB41-9209-8BD32F39E7CA}" type="presParOf" srcId="{B1715078-3176-4DF1-A2E4-CA69BD0DE3DE}" destId="{6B38183A-C137-4797-A6AA-5032FB424C80}" srcOrd="2" destOrd="0" presId="urn:microsoft.com/office/officeart/2018/2/layout/IconVerticalSolidList"/>
+    <dgm:cxn modelId="{6AF7860D-FDAE-D944-A15C-8365DBB36ED6}" type="presParOf" srcId="{B1715078-3176-4DF1-A2E4-CA69BD0DE3DE}" destId="{8988E990-E700-4C93-BC55-7BF7864AEFFE}" srcOrd="3" destOrd="0" presId="urn:microsoft.com/office/officeart/2018/2/layout/IconVerticalSolidList"/>
+  </dgm:cxnLst>
+  <dgm:bg>
+    <a:noFill/>
+  </dgm:bg>
+  <dgm:whole/>
+  <dgm:extLst>
+    <a:ext uri="http://schemas.microsoft.com/office/drawing/2008/diagram">
+      <dsp:dataModelExt xmlns:dsp="http://schemas.microsoft.com/office/drawing/2008/diagram" relId="rId8" minVer="http://schemas.openxmlformats.org/drawingml/2006/diagram"/>
+    </a:ext>
+  </dgm:extLst>
+</dgm:dataModel>
+</file>
+
 <file path=ppt/diagrams/drawing1.xml><?xml version="1.0" encoding="utf-8"?>
 <dsp:drawing xmlns:dgm="http://schemas.openxmlformats.org/drawingml/2006/diagram" xmlns:dsp="http://schemas.microsoft.com/office/drawing/2008/diagram" xmlns:a="http://schemas.openxmlformats.org/drawingml/2006/main">
   <dsp:spTree>
@@ -1884,6 +2929,347 @@
 </dsp:drawing>
 </file>
 
+<file path=ppt/diagrams/drawing2.xml><?xml version="1.0" encoding="utf-8"?>
+<dsp:drawing xmlns:dgm="http://schemas.openxmlformats.org/drawingml/2006/diagram" xmlns:dsp="http://schemas.microsoft.com/office/drawing/2008/diagram" xmlns:a="http://schemas.openxmlformats.org/drawingml/2006/main">
+  <dsp:spTree>
+    <dsp:nvGrpSpPr>
+      <dsp:cNvPr id="0" name=""/>
+      <dsp:cNvGrpSpPr/>
+    </dsp:nvGrpSpPr>
+    <dsp:grpSpPr/>
+    <dsp:sp modelId="{5055791F-FD8B-4C95-BE9E-DCA1684759AE}">
+      <dsp:nvSpPr>
+        <dsp:cNvPr id="0" name=""/>
+        <dsp:cNvSpPr/>
+      </dsp:nvSpPr>
+      <dsp:spPr>
+        <a:xfrm>
+          <a:off x="-95494" y="613998"/>
+          <a:ext cx="4664075" cy="1120040"/>
+        </a:xfrm>
+        <a:prstGeom prst="rect">
+          <a:avLst/>
+        </a:prstGeom>
+        <a:solidFill>
+          <a:schemeClr val="bg1"/>
+        </a:solidFill>
+        <a:ln>
+          <a:solidFill>
+            <a:schemeClr val="bg2">
+              <a:lumMod val="75000"/>
+            </a:schemeClr>
+          </a:solidFill>
+        </a:ln>
+        <a:effectLst/>
+      </dsp:spPr>
+      <dsp:style>
+        <a:lnRef idx="0">
+          <a:scrgbClr r="0" g="0" b="0"/>
+        </a:lnRef>
+        <a:fillRef idx="1">
+          <a:scrgbClr r="0" g="0" b="0"/>
+        </a:fillRef>
+        <a:effectRef idx="0">
+          <a:scrgbClr r="0" g="0" b="0"/>
+        </a:effectRef>
+        <a:fontRef idx="minor"/>
+      </dsp:style>
+    </dsp:sp>
+    <dsp:sp modelId="{3A2A1665-F91D-4C16-A420-BA5DD166AEE3}">
+      <dsp:nvSpPr>
+        <dsp:cNvPr id="0" name=""/>
+        <dsp:cNvSpPr/>
+      </dsp:nvSpPr>
+      <dsp:spPr>
+        <a:xfrm>
+          <a:off x="243317" y="866007"/>
+          <a:ext cx="616022" cy="616022"/>
+        </a:xfrm>
+        <a:prstGeom prst="rect">
+          <a:avLst/>
+        </a:prstGeom>
+        <a:blipFill>
+          <a:blip xmlns:r="http://schemas.openxmlformats.org/officeDocument/2006/relationships" r:embed="rId1">
+            <a:extLst>
+              <a:ext uri="{28A0092B-C50C-407E-A947-70E740481C1C}">
+                <a14:useLocalDpi xmlns:a14="http://schemas.microsoft.com/office/drawing/2010/main" val="0"/>
+              </a:ext>
+              <a:ext uri="{96DAC541-7B7A-43D3-8B79-37D633B846F1}">
+                <asvg:svgBlip xmlns:asvg="http://schemas.microsoft.com/office/drawing/2016/SVG/main" r:embed="rId2"/>
+              </a:ext>
+            </a:extLst>
+          </a:blip>
+          <a:stretch>
+            <a:fillRect/>
+          </a:stretch>
+        </a:blipFill>
+        <a:ln w="25400" cap="flat" cmpd="sng" algn="ctr">
+          <a:noFill/>
+          <a:prstDash val="solid"/>
+          <a:miter/>
+        </a:ln>
+        <a:effectLst/>
+      </dsp:spPr>
+      <dsp:style>
+        <a:lnRef idx="2">
+          <a:scrgbClr r="0" g="0" b="0"/>
+        </a:lnRef>
+        <a:fillRef idx="1">
+          <a:scrgbClr r="0" g="0" b="0"/>
+        </a:fillRef>
+        <a:effectRef idx="0">
+          <a:scrgbClr r="0" g="0" b="0"/>
+        </a:effectRef>
+        <a:fontRef idx="minor">
+          <a:schemeClr val="lt1"/>
+        </a:fontRef>
+      </dsp:style>
+    </dsp:sp>
+    <dsp:sp modelId="{C777032A-9475-4396-9274-DE9A78A74CC0}">
+      <dsp:nvSpPr>
+        <dsp:cNvPr id="0" name=""/>
+        <dsp:cNvSpPr/>
+      </dsp:nvSpPr>
+      <dsp:spPr>
+        <a:xfrm>
+          <a:off x="1002645" y="613998"/>
+          <a:ext cx="3367898" cy="1120040"/>
+        </a:xfrm>
+        <a:prstGeom prst="rect">
+          <a:avLst/>
+        </a:prstGeom>
+        <a:noFill/>
+        <a:ln>
+          <a:noFill/>
+        </a:ln>
+        <a:effectLst/>
+      </dsp:spPr>
+      <dsp:style>
+        <a:lnRef idx="0">
+          <a:scrgbClr r="0" g="0" b="0"/>
+        </a:lnRef>
+        <a:fillRef idx="0">
+          <a:scrgbClr r="0" g="0" b="0"/>
+        </a:fillRef>
+        <a:effectRef idx="0">
+          <a:scrgbClr r="0" g="0" b="0"/>
+        </a:effectRef>
+        <a:fontRef idx="minor"/>
+      </dsp:style>
+      <dsp:txBody>
+        <a:bodyPr spcFirstLastPara="0" vert="horz" wrap="square" lIns="118538" tIns="118538" rIns="118538" bIns="118538" numCol="1" spcCol="1270" anchor="ctr" anchorCtr="0">
+          <a:noAutofit/>
+        </a:bodyPr>
+        <a:lstStyle/>
+        <a:p>
+          <a:pPr marL="0" lvl="0" indent="0" algn="l" defTabSz="933450">
+            <a:lnSpc>
+              <a:spcPct val="100000"/>
+            </a:lnSpc>
+            <a:spcBef>
+              <a:spcPct val="0"/>
+            </a:spcBef>
+            <a:spcAft>
+              <a:spcPct val="35000"/>
+            </a:spcAft>
+            <a:buNone/>
+          </a:pPr>
+          <a:r>
+            <a:rPr lang="en-US" sz="2100" kern="1200" dirty="0">
+              <a:solidFill>
+                <a:schemeClr val="bg2">
+                  <a:lumMod val="50000"/>
+                </a:schemeClr>
+              </a:solidFill>
+            </a:rPr>
+            <a:t>Standalone DFS namespace</a:t>
+          </a:r>
+          <a:endParaRPr lang="ru-RU" sz="2100" kern="1200" dirty="0">
+            <a:solidFill>
+              <a:schemeClr val="bg2">
+                <a:lumMod val="50000"/>
+              </a:schemeClr>
+            </a:solidFill>
+          </a:endParaRPr>
+        </a:p>
+      </dsp:txBody>
+      <dsp:txXfrm>
+        <a:off x="1002645" y="613998"/>
+        <a:ext cx="3367898" cy="1120040"/>
+      </dsp:txXfrm>
+    </dsp:sp>
+    <dsp:sp modelId="{7CF4F8AE-2437-4954-B698-495A078F9E64}">
+      <dsp:nvSpPr>
+        <dsp:cNvPr id="0" name=""/>
+        <dsp:cNvSpPr/>
+      </dsp:nvSpPr>
+      <dsp:spPr>
+        <a:xfrm>
+          <a:off x="-95494" y="2014048"/>
+          <a:ext cx="4664075" cy="1120040"/>
+        </a:xfrm>
+        <a:prstGeom prst="rect">
+          <a:avLst/>
+        </a:prstGeom>
+        <a:solidFill>
+          <a:schemeClr val="bg1"/>
+        </a:solidFill>
+        <a:ln>
+          <a:solidFill>
+            <a:schemeClr val="bg2">
+              <a:lumMod val="75000"/>
+            </a:schemeClr>
+          </a:solidFill>
+        </a:ln>
+        <a:effectLst/>
+      </dsp:spPr>
+      <dsp:style>
+        <a:lnRef idx="0">
+          <a:scrgbClr r="0" g="0" b="0"/>
+        </a:lnRef>
+        <a:fillRef idx="1">
+          <a:scrgbClr r="0" g="0" b="0"/>
+        </a:fillRef>
+        <a:effectRef idx="0">
+          <a:scrgbClr r="0" g="0" b="0"/>
+        </a:effectRef>
+        <a:fontRef idx="minor"/>
+      </dsp:style>
+    </dsp:sp>
+    <dsp:sp modelId="{321B0D94-DDA9-4A26-A4C1-0608CDA16D85}">
+      <dsp:nvSpPr>
+        <dsp:cNvPr id="0" name=""/>
+        <dsp:cNvSpPr/>
+      </dsp:nvSpPr>
+      <dsp:spPr>
+        <a:xfrm>
+          <a:off x="243317" y="2266057"/>
+          <a:ext cx="616022" cy="616022"/>
+        </a:xfrm>
+        <a:prstGeom prst="rect">
+          <a:avLst/>
+        </a:prstGeom>
+        <a:blipFill>
+          <a:blip xmlns:r="http://schemas.openxmlformats.org/officeDocument/2006/relationships" r:embed="rId3">
+            <a:extLst>
+              <a:ext uri="{28A0092B-C50C-407E-A947-70E740481C1C}">
+                <a14:useLocalDpi xmlns:a14="http://schemas.microsoft.com/office/drawing/2010/main" val="0"/>
+              </a:ext>
+              <a:ext uri="{96DAC541-7B7A-43D3-8B79-37D633B846F1}">
+                <asvg:svgBlip xmlns:asvg="http://schemas.microsoft.com/office/drawing/2016/SVG/main" r:embed="rId4"/>
+              </a:ext>
+            </a:extLst>
+          </a:blip>
+          <a:srcRect/>
+          <a:stretch>
+            <a:fillRect/>
+          </a:stretch>
+        </a:blipFill>
+        <a:ln w="25400" cap="flat" cmpd="sng" algn="ctr">
+          <a:noFill/>
+          <a:prstDash val="solid"/>
+          <a:miter/>
+        </a:ln>
+        <a:effectLst/>
+      </dsp:spPr>
+      <dsp:style>
+        <a:lnRef idx="2">
+          <a:scrgbClr r="0" g="0" b="0"/>
+        </a:lnRef>
+        <a:fillRef idx="1">
+          <a:scrgbClr r="0" g="0" b="0"/>
+        </a:fillRef>
+        <a:effectRef idx="0">
+          <a:scrgbClr r="0" g="0" b="0"/>
+        </a:effectRef>
+        <a:fontRef idx="minor">
+          <a:schemeClr val="lt1"/>
+        </a:fontRef>
+      </dsp:style>
+    </dsp:sp>
+    <dsp:sp modelId="{8988E990-E700-4C93-BC55-7BF7864AEFFE}">
+      <dsp:nvSpPr>
+        <dsp:cNvPr id="0" name=""/>
+        <dsp:cNvSpPr/>
+      </dsp:nvSpPr>
+      <dsp:spPr>
+        <a:xfrm>
+          <a:off x="809126" y="2014048"/>
+          <a:ext cx="3754937" cy="1120040"/>
+        </a:xfrm>
+        <a:prstGeom prst="rect">
+          <a:avLst/>
+        </a:prstGeom>
+        <a:noFill/>
+        <a:ln>
+          <a:noFill/>
+        </a:ln>
+        <a:effectLst/>
+      </dsp:spPr>
+      <dsp:style>
+        <a:lnRef idx="0">
+          <a:scrgbClr r="0" g="0" b="0"/>
+        </a:lnRef>
+        <a:fillRef idx="0">
+          <a:scrgbClr r="0" g="0" b="0"/>
+        </a:fillRef>
+        <a:effectRef idx="0">
+          <a:scrgbClr r="0" g="0" b="0"/>
+        </a:effectRef>
+        <a:fontRef idx="minor"/>
+      </dsp:style>
+      <dsp:txBody>
+        <a:bodyPr spcFirstLastPara="0" vert="horz" wrap="square" lIns="118538" tIns="118538" rIns="118538" bIns="118538" numCol="1" spcCol="1270" anchor="ctr" anchorCtr="0">
+          <a:noAutofit/>
+        </a:bodyPr>
+        <a:lstStyle/>
+        <a:p>
+          <a:pPr marL="0" lvl="0" indent="0" algn="l" defTabSz="933450">
+            <a:lnSpc>
+              <a:spcPct val="100000"/>
+            </a:lnSpc>
+            <a:spcBef>
+              <a:spcPct val="0"/>
+            </a:spcBef>
+            <a:spcAft>
+              <a:spcPct val="35000"/>
+            </a:spcAft>
+            <a:buNone/>
+          </a:pPr>
+          <a:r>
+            <a:rPr lang="en-US" sz="2100" kern="1200" dirty="0">
+              <a:solidFill>
+                <a:srgbClr val="E2E2E8">
+                  <a:lumMod val="50000"/>
+                </a:srgbClr>
+              </a:solidFill>
+              <a:latin typeface="Garamond" panose="02020404030301010803"/>
+              <a:ea typeface="+mn-ea"/>
+              <a:cs typeface="+mn-cs"/>
+            </a:rPr>
+            <a:t>Domain-based DFS namespace</a:t>
+          </a:r>
+          <a:endParaRPr lang="ru-RU" sz="2100" kern="1200" dirty="0">
+            <a:solidFill>
+              <a:srgbClr val="E2E2E8">
+                <a:lumMod val="50000"/>
+              </a:srgbClr>
+            </a:solidFill>
+            <a:latin typeface="Garamond" panose="02020404030301010803"/>
+            <a:ea typeface="+mn-ea"/>
+            <a:cs typeface="+mn-cs"/>
+          </a:endParaRPr>
+        </a:p>
+      </dsp:txBody>
+      <dsp:txXfrm>
+        <a:off x="809126" y="2014048"/>
+        <a:ext cx="3754937" cy="1120040"/>
+      </dsp:txXfrm>
+    </dsp:sp>
+  </dsp:spTree>
+</dsp:drawing>
+</file>
+
 <file path=ppt/diagrams/layout1.xml><?xml version="1.0" encoding="utf-8"?>
 <dgm:layoutDef xmlns:dgm="http://schemas.openxmlformats.org/drawingml/2006/diagram" xmlns:a="http://schemas.openxmlformats.org/drawingml/2006/main" uniqueId="urn:microsoft.com/office/officeart/2005/8/layout/default">
   <dgm:title val=""/>
@@ -2031,7 +3417,1335 @@
 </dgm:layoutDef>
 </file>
 
+<file path=ppt/diagrams/layout2.xml><?xml version="1.0" encoding="utf-8"?>
+<dgm:layoutDef xmlns:dgm="http://schemas.openxmlformats.org/drawingml/2006/diagram" xmlns:a="http://schemas.openxmlformats.org/drawingml/2006/main" uniqueId="urn:microsoft.com/office/officeart/2018/2/layout/IconVerticalSolidList">
+  <dgm:title val="Icon Vertical Solid List"/>
+  <dgm:desc val="Use to show a series of visuals from top to bottom with Level 1 or Level 1 and Level 2 text grouped in a shape. Works best with icons or small pictures with lengthier descriptions."/>
+  <dgm:catLst>
+    <dgm:cat type="icon" pri="500"/>
+  </dgm:catLst>
+  <dgm:sampData useDef="1">
+    <dgm:dataModel>
+      <dgm:ptLst/>
+      <dgm:bg/>
+      <dgm:whole/>
+    </dgm:dataModel>
+  </dgm:sampData>
+  <dgm:styleData useDef="1">
+    <dgm:dataModel>
+      <dgm:ptLst/>
+      <dgm:bg/>
+      <dgm:whole/>
+    </dgm:dataModel>
+  </dgm:styleData>
+  <dgm:clrData useDef="1">
+    <dgm:dataModel>
+      <dgm:ptLst/>
+      <dgm:bg/>
+      <dgm:whole/>
+    </dgm:dataModel>
+  </dgm:clrData>
+  <dgm:layoutNode name="root">
+    <dgm:varLst>
+      <dgm:dir/>
+      <dgm:resizeHandles val="exact"/>
+    </dgm:varLst>
+    <dgm:choose name="Name0">
+      <dgm:if name="Name1" axis="self" func="var" arg="dir" op="equ" val="norm">
+        <dgm:alg type="lin">
+          <dgm:param type="linDir" val="fromT"/>
+          <dgm:param type="nodeHorzAlign" val="l"/>
+        </dgm:alg>
+      </dgm:if>
+      <dgm:else name="Name2">
+        <dgm:alg type="lin">
+          <dgm:param type="linDir" val="fromT"/>
+          <dgm:param type="nodeHorzAlign" val="r"/>
+        </dgm:alg>
+      </dgm:else>
+    </dgm:choose>
+    <dgm:shape xmlns:r="http://schemas.openxmlformats.org/officeDocument/2006/relationships" r:blip="">
+      <dgm:adjLst/>
+    </dgm:shape>
+    <dgm:presOf/>
+    <dgm:choose name="Name3">
+      <dgm:if name="Name4" axis="ch" ptType="node" func="cnt" op="lte" val="3">
+        <dgm:constrLst>
+          <dgm:constr type="h" for="ch" forName="compNode" refType="h" fact="0.3"/>
+          <dgm:constr type="w" for="ch" forName="compNode" refType="w"/>
+          <dgm:constr type="h" for="ch" forName="sibTrans" refType="h" refFor="ch" refForName="compNode" fact="0.25"/>
+          <dgm:constr type="primFontSz" for="des" forName="parTx" val="25"/>
+          <dgm:constr type="primFontSz" for="des" forName="desTx" refType="primFontSz" refFor="des" refForName="parTx" op="lte" fact="0.75"/>
+          <dgm:constr type="h" for="des" forName="compNode" op="equ"/>
+          <dgm:constr type="h" for="des" forName="bgRect" op="equ"/>
+          <dgm:constr type="h" for="des" forName="iconRect" op="equ"/>
+          <dgm:constr type="w" for="des" forName="iconRect" op="equ"/>
+          <dgm:constr type="h" for="des" forName="spaceRect" op="equ"/>
+          <dgm:constr type="h" for="des" forName="parTx" op="equ"/>
+          <dgm:constr type="h" for="des" forName="desTx" op="equ"/>
+        </dgm:constrLst>
+      </dgm:if>
+      <dgm:if name="Name5" axis="ch" ptType="node" func="cnt" op="lte" val="4">
+        <dgm:constrLst>
+          <dgm:constr type="h" for="ch" forName="compNode" refType="h" fact="0.3"/>
+          <dgm:constr type="w" for="ch" forName="compNode" refType="w"/>
+          <dgm:constr type="h" for="ch" forName="sibTrans" refType="h" refFor="ch" refForName="compNode" fact="0.25"/>
+          <dgm:constr type="primFontSz" for="des" forName="parTx" val="22"/>
+          <dgm:constr type="primFontSz" for="des" forName="desTx" refType="primFontSz" refFor="des" refForName="parTx" op="lte" fact="0.75"/>
+          <dgm:constr type="h" for="des" forName="compNode" op="equ"/>
+          <dgm:constr type="h" for="des" forName="bgRect" op="equ"/>
+          <dgm:constr type="h" for="des" forName="iconRect" op="equ"/>
+          <dgm:constr type="w" for="des" forName="iconRect" op="equ"/>
+          <dgm:constr type="h" for="des" forName="spaceRect" op="equ"/>
+          <dgm:constr type="h" for="des" forName="parTx" op="equ"/>
+          <dgm:constr type="h" for="des" forName="desTx" op="equ"/>
+        </dgm:constrLst>
+      </dgm:if>
+      <dgm:if name="Name6" axis="ch" ptType="node" func="cnt" op="lte" val="6">
+        <dgm:constrLst>
+          <dgm:constr type="h" for="ch" forName="compNode" refType="h" fact="0.3"/>
+          <dgm:constr type="w" for="ch" forName="compNode" refType="w"/>
+          <dgm:constr type="h" for="ch" forName="sibTrans" refType="h" refFor="ch" refForName="compNode" fact="0.25"/>
+          <dgm:constr type="primFontSz" for="des" forName="parTx" val="19"/>
+          <dgm:constr type="primFontSz" for="des" forName="desTx" refType="primFontSz" refFor="des" refForName="parTx" op="lte" fact="0.75"/>
+          <dgm:constr type="h" for="des" forName="compNode" op="equ"/>
+          <dgm:constr type="h" for="des" forName="bgRect" op="equ"/>
+          <dgm:constr type="h" for="des" forName="iconRect" op="equ"/>
+          <dgm:constr type="w" for="des" forName="iconRect" op="equ"/>
+          <dgm:constr type="h" for="des" forName="spaceRect" op="equ"/>
+          <dgm:constr type="h" for="des" forName="parTx" op="equ"/>
+          <dgm:constr type="h" for="des" forName="desTx" op="equ"/>
+        </dgm:constrLst>
+      </dgm:if>
+      <dgm:else name="Name7">
+        <dgm:constrLst>
+          <dgm:constr type="h" for="ch" forName="compNode" refType="h" fact="0.3"/>
+          <dgm:constr type="w" for="ch" forName="compNode" refType="w"/>
+          <dgm:constr type="h" for="ch" forName="sibTrans" refType="h" refFor="ch" refForName="compNode" fact="0.25"/>
+          <dgm:constr type="primFontSz" for="des" forName="parTx" val="16"/>
+          <dgm:constr type="primFontSz" for="des" forName="desTx" refType="primFontSz" refFor="des" refForName="parTx" op="lte" fact="0.75"/>
+          <dgm:constr type="h" for="des" forName="compNode" op="equ"/>
+          <dgm:constr type="h" for="des" forName="bgRect" op="equ"/>
+          <dgm:constr type="h" for="des" forName="iconRect" op="equ"/>
+          <dgm:constr type="w" for="des" forName="iconRect" op="equ"/>
+          <dgm:constr type="h" for="des" forName="spaceRect" op="equ"/>
+          <dgm:constr type="h" for="des" forName="parTx" op="equ"/>
+          <dgm:constr type="h" for="des" forName="desTx" op="equ"/>
+        </dgm:constrLst>
+      </dgm:else>
+    </dgm:choose>
+    <dgm:ruleLst>
+      <dgm:rule type="h" for="ch" forName="compNode" val="0" fact="NaN" max="NaN"/>
+    </dgm:ruleLst>
+    <dgm:forEach name="Name8" axis="ch" ptType="node">
+      <dgm:layoutNode name="compNode">
+        <dgm:alg type="composite"/>
+        <dgm:shape xmlns:r="http://schemas.openxmlformats.org/officeDocument/2006/relationships" r:blip="">
+          <dgm:adjLst/>
+        </dgm:shape>
+        <dgm:presOf axis="self"/>
+        <dgm:choose name="Name9">
+          <dgm:if name="Name10" axis="ch" ptType="node" func="cnt" op="gte" val="1">
+            <dgm:constrLst>
+              <dgm:constr type="w" for="ch" forName="bgRect" refType="w"/>
+              <dgm:constr type="h" for="ch" forName="bgRect" refType="h"/>
+              <dgm:constr type="l" for="ch" forName="bgRect"/>
+              <dgm:constr type="t" for="ch" forName="bgRect"/>
+              <dgm:constr type="h" for="ch" forName="iconRect" refType="h" fact="0.55"/>
+              <dgm:constr type="w" for="ch" forName="iconRect" refType="h" refFor="ch" refForName="iconRect"/>
+              <dgm:constr type="l" for="ch" forName="iconRect" refType="h" refFor="ch" refForName="iconRect" fact="0.55"/>
+              <dgm:constr type="ctrY" for="ch" forName="iconRect" refType="ctrY" refFor="ch" refForName="bgRect"/>
+              <dgm:constr type="w" for="ch" forName="spaceRect" refType="l" refFor="ch" refForName="iconRect"/>
+              <dgm:constr type="h" for="ch" forName="spaceRect" refType="h"/>
+              <dgm:constr type="l" for="ch" forName="spaceRect" refType="r" refFor="ch" refForName="iconRect"/>
+              <dgm:constr type="t" for="ch" forName="spaceRect"/>
+              <dgm:constr type="w" for="ch" forName="parTx" refType="w" fact="0.45"/>
+              <dgm:constr type="h" for="ch" forName="parTx" refType="h"/>
+              <dgm:constr type="l" for="ch" forName="parTx" refType="r" refFor="ch" refForName="spaceRect"/>
+              <dgm:constr type="t" for="ch" forName="parTx"/>
+              <dgm:constr type="h" for="ch" forName="desTx" refType="h"/>
+              <dgm:constr type="l" for="ch" forName="desTx" refType="r" refFor="ch" refForName="parTx"/>
+              <dgm:constr type="t" for="ch" forName="desTx"/>
+            </dgm:constrLst>
+          </dgm:if>
+          <dgm:else name="Name11">
+            <dgm:constrLst>
+              <dgm:constr type="w" for="ch" forName="bgRect" refType="w"/>
+              <dgm:constr type="h" for="ch" forName="bgRect" refType="h"/>
+              <dgm:constr type="l" for="ch" forName="bgRect"/>
+              <dgm:constr type="t" for="ch" forName="bgRect"/>
+              <dgm:constr type="h" for="ch" forName="iconRect" refType="h" fact="0.55"/>
+              <dgm:constr type="w" for="ch" forName="iconRect" refType="h" refFor="ch" refForName="iconRect"/>
+              <dgm:constr type="l" for="ch" forName="iconRect" refType="h" refFor="ch" refForName="iconRect" fact="0.55"/>
+              <dgm:constr type="ctrY" for="ch" forName="iconRect" refType="ctrY" refFor="ch" refForName="bgRect"/>
+              <dgm:constr type="w" for="ch" forName="spaceRect" refType="l" refFor="ch" refForName="iconRect"/>
+              <dgm:constr type="h" for="ch" forName="spaceRect" refType="h"/>
+              <dgm:constr type="l" for="ch" forName="spaceRect" refType="r" refFor="ch" refForName="iconRect"/>
+              <dgm:constr type="t" for="ch" forName="spaceRect"/>
+              <dgm:constr type="h" for="ch" forName="parTx" refType="h"/>
+              <dgm:constr type="l" for="ch" forName="parTx" refType="r" refFor="ch" refForName="spaceRect"/>
+              <dgm:constr type="t" for="ch" forName="parTx"/>
+            </dgm:constrLst>
+          </dgm:else>
+        </dgm:choose>
+        <dgm:ruleLst>
+          <dgm:rule type="h" val="INF" fact="NaN" max="NaN"/>
+        </dgm:ruleLst>
+        <dgm:layoutNode name="bgRect" styleLbl="bgShp">
+          <dgm:alg type="sp"/>
+          <dgm:shape xmlns:r="http://schemas.openxmlformats.org/officeDocument/2006/relationships" type="roundRect" r:blip="">
+            <dgm:adjLst>
+              <dgm:adj idx="1" val="0.1"/>
+            </dgm:adjLst>
+          </dgm:shape>
+          <dgm:presOf/>
+          <dgm:constrLst/>
+          <dgm:ruleLst/>
+        </dgm:layoutNode>
+        <dgm:layoutNode name="iconRect" styleLbl="node1">
+          <dgm:alg type="sp"/>
+          <dgm:shape xmlns:r="http://schemas.openxmlformats.org/officeDocument/2006/relationships" type="rect" r:blip="" blipPhldr="1">
+            <dgm:adjLst/>
+          </dgm:shape>
+          <dgm:presOf/>
+          <dgm:constrLst/>
+          <dgm:ruleLst/>
+        </dgm:layoutNode>
+        <dgm:layoutNode name="spaceRect">
+          <dgm:alg type="sp"/>
+          <dgm:shape xmlns:r="http://schemas.openxmlformats.org/officeDocument/2006/relationships" r:blip="">
+            <dgm:adjLst/>
+          </dgm:shape>
+          <dgm:presOf/>
+          <dgm:constrLst/>
+          <dgm:ruleLst/>
+        </dgm:layoutNode>
+        <dgm:layoutNode name="parTx" styleLbl="revTx">
+          <dgm:varLst>
+            <dgm:chMax val="0"/>
+            <dgm:chPref val="0"/>
+          </dgm:varLst>
+          <dgm:alg type="tx">
+            <dgm:param type="txAnchorVert" val="mid"/>
+            <dgm:param type="parTxLTRAlign" val="l"/>
+            <dgm:param type="shpTxLTRAlignCh" val="l"/>
+            <dgm:param type="parTxRTLAlign" val="r"/>
+            <dgm:param type="shpTxRTLAlignCh" val="r"/>
+          </dgm:alg>
+          <dgm:shape xmlns:r="http://schemas.openxmlformats.org/officeDocument/2006/relationships" type="rect" r:blip="">
+            <dgm:adjLst/>
+          </dgm:shape>
+          <dgm:presOf axis="self" ptType="node"/>
+          <dgm:constrLst>
+            <dgm:constr type="lMarg" refType="h" fact="0.3"/>
+            <dgm:constr type="rMarg" refType="h" fact="0.3"/>
+            <dgm:constr type="tMarg" refType="h" fact="0.3"/>
+            <dgm:constr type="bMarg" refType="h" fact="0.3"/>
+          </dgm:constrLst>
+          <dgm:ruleLst>
+            <dgm:rule type="primFontSz" val="14" fact="NaN" max="NaN"/>
+            <dgm:rule type="h" val="INF" fact="NaN" max="NaN"/>
+          </dgm:ruleLst>
+        </dgm:layoutNode>
+        <dgm:choose name="Name12">
+          <dgm:if name="Name13" axis="ch" ptType="node" func="cnt" op="gte" val="1">
+            <dgm:layoutNode name="desTx" styleLbl="revTx">
+              <dgm:varLst/>
+              <dgm:alg type="tx">
+                <dgm:param type="txAnchorVertCh" val="mid"/>
+                <dgm:param type="parTxLTRAlign" val="l"/>
+                <dgm:param type="shpTxLTRAlignCh" val="l"/>
+                <dgm:param type="parTxRTLAlign" val="r"/>
+                <dgm:param type="shpTxRTLAlignCh" val="r"/>
+                <dgm:param type="stBulletLvl" val="0"/>
+              </dgm:alg>
+              <dgm:shape xmlns:r="http://schemas.openxmlformats.org/officeDocument/2006/relationships" type="rect" r:blip="">
+                <dgm:adjLst/>
+              </dgm:shape>
+              <dgm:presOf axis="des" ptType="node"/>
+              <dgm:constrLst>
+                <dgm:constr type="primFontSz" val="18"/>
+                <dgm:constr type="secFontSz" refType="primFontSz"/>
+                <dgm:constr type="lMarg" refType="h" fact="0.3"/>
+                <dgm:constr type="rMarg" refType="h" fact="0.3"/>
+                <dgm:constr type="tMarg" refType="h" fact="0.3"/>
+                <dgm:constr type="bMarg" refType="h" fact="0.3"/>
+              </dgm:constrLst>
+              <dgm:ruleLst>
+                <dgm:rule type="primFontSz" val="11" fact="NaN" max="NaN"/>
+              </dgm:ruleLst>
+            </dgm:layoutNode>
+          </dgm:if>
+          <dgm:else name="Name14"/>
+        </dgm:choose>
+      </dgm:layoutNode>
+      <dgm:forEach name="Name15" axis="followSib" ptType="sibTrans" cnt="1">
+        <dgm:layoutNode name="sibTrans">
+          <dgm:alg type="sp"/>
+          <dgm:shape xmlns:r="http://schemas.openxmlformats.org/officeDocument/2006/relationships" r:blip="">
+            <dgm:adjLst/>
+          </dgm:shape>
+          <dgm:presOf axis="self"/>
+          <dgm:constrLst/>
+          <dgm:ruleLst/>
+        </dgm:layoutNode>
+      </dgm:forEach>
+    </dgm:forEach>
+  </dgm:layoutNode>
+  <dgm:extLst>
+    <a:ext uri="{68A01E43-0DF5-4B5B-8FA6-DAF915123BFB}">
+      <dgm1612:lstStyle xmlns:dgm1612="http://schemas.microsoft.com/office/drawing/2016/12/diagram">
+        <a:lvl1pPr>
+          <a:lnSpc>
+            <a:spcPct val="100000"/>
+          </a:lnSpc>
+        </a:lvl1pPr>
+        <a:lvl2pPr>
+          <a:lnSpc>
+            <a:spcPct val="100000"/>
+          </a:lnSpc>
+        </a:lvl2pPr>
+      </dgm1612:lstStyle>
+    </a:ext>
+  </dgm:extLst>
+</dgm:layoutDef>
+</file>
+
 <file path=ppt/diagrams/quickStyle1.xml><?xml version="1.0" encoding="utf-8"?>
+<dgm:styleDef xmlns:dgm="http://schemas.openxmlformats.org/drawingml/2006/diagram" xmlns:a="http://schemas.openxmlformats.org/drawingml/2006/main" uniqueId="urn:microsoft.com/office/officeart/2005/8/quickstyle/simple1">
+  <dgm:title val=""/>
+  <dgm:desc val=""/>
+  <dgm:catLst>
+    <dgm:cat type="simple" pri="10100"/>
+  </dgm:catLst>
+  <dgm:scene3d>
+    <a:camera prst="orthographicFront"/>
+    <a:lightRig rig="threePt" dir="t"/>
+  </dgm:scene3d>
+  <dgm:styleLbl name="node0">
+    <dgm:scene3d>
+      <a:camera prst="orthographicFront"/>
+      <a:lightRig rig="threePt" dir="t"/>
+    </dgm:scene3d>
+    <dgm:sp3d/>
+    <dgm:txPr/>
+    <dgm:style>
+      <a:lnRef idx="2">
+        <a:scrgbClr r="0" g="0" b="0"/>
+      </a:lnRef>
+      <a:fillRef idx="1">
+        <a:scrgbClr r="0" g="0" b="0"/>
+      </a:fillRef>
+      <a:effectRef idx="0">
+        <a:scrgbClr r="0" g="0" b="0"/>
+      </a:effectRef>
+      <a:fontRef idx="minor">
+        <a:schemeClr val="lt1"/>
+      </a:fontRef>
+    </dgm:style>
+  </dgm:styleLbl>
+  <dgm:styleLbl name="lnNode1">
+    <dgm:scene3d>
+      <a:camera prst="orthographicFront"/>
+      <a:lightRig rig="threePt" dir="t"/>
+    </dgm:scene3d>
+    <dgm:sp3d/>
+    <dgm:txPr/>
+    <dgm:style>
+      <a:lnRef idx="2">
+        <a:scrgbClr r="0" g="0" b="0"/>
+      </a:lnRef>
+      <a:fillRef idx="1">
+        <a:scrgbClr r="0" g="0" b="0"/>
+      </a:fillRef>
+      <a:effectRef idx="0">
+        <a:scrgbClr r="0" g="0" b="0"/>
+      </a:effectRef>
+      <a:fontRef idx="minor">
+        <a:schemeClr val="lt1"/>
+      </a:fontRef>
+    </dgm:style>
+  </dgm:styleLbl>
+  <dgm:styleLbl name="vennNode1">
+    <dgm:scene3d>
+      <a:camera prst="orthographicFront"/>
+      <a:lightRig rig="threePt" dir="t"/>
+    </dgm:scene3d>
+    <dgm:sp3d/>
+    <dgm:txPr/>
+    <dgm:style>
+      <a:lnRef idx="2">
+        <a:scrgbClr r="0" g="0" b="0"/>
+      </a:lnRef>
+      <a:fillRef idx="1">
+        <a:scrgbClr r="0" g="0" b="0"/>
+      </a:fillRef>
+      <a:effectRef idx="0">
+        <a:scrgbClr r="0" g="0" b="0"/>
+      </a:effectRef>
+      <a:fontRef idx="minor">
+        <a:schemeClr val="tx1"/>
+      </a:fontRef>
+    </dgm:style>
+  </dgm:styleLbl>
+  <dgm:styleLbl name="alignNode1">
+    <dgm:scene3d>
+      <a:camera prst="orthographicFront"/>
+      <a:lightRig rig="threePt" dir="t"/>
+    </dgm:scene3d>
+    <dgm:sp3d/>
+    <dgm:txPr/>
+    <dgm:style>
+      <a:lnRef idx="2">
+        <a:scrgbClr r="0" g="0" b="0"/>
+      </a:lnRef>
+      <a:fillRef idx="1">
+        <a:scrgbClr r="0" g="0" b="0"/>
+      </a:fillRef>
+      <a:effectRef idx="0">
+        <a:scrgbClr r="0" g="0" b="0"/>
+      </a:effectRef>
+      <a:fontRef idx="minor">
+        <a:schemeClr val="lt1"/>
+      </a:fontRef>
+    </dgm:style>
+  </dgm:styleLbl>
+  <dgm:styleLbl name="node1">
+    <dgm:scene3d>
+      <a:camera prst="orthographicFront"/>
+      <a:lightRig rig="threePt" dir="t"/>
+    </dgm:scene3d>
+    <dgm:sp3d/>
+    <dgm:txPr/>
+    <dgm:style>
+      <a:lnRef idx="2">
+        <a:scrgbClr r="0" g="0" b="0"/>
+      </a:lnRef>
+      <a:fillRef idx="1">
+        <a:scrgbClr r="0" g="0" b="0"/>
+      </a:fillRef>
+      <a:effectRef idx="0">
+        <a:scrgbClr r="0" g="0" b="0"/>
+      </a:effectRef>
+      <a:fontRef idx="minor">
+        <a:schemeClr val="lt1"/>
+      </a:fontRef>
+    </dgm:style>
+  </dgm:styleLbl>
+  <dgm:styleLbl name="node2">
+    <dgm:scene3d>
+      <a:camera prst="orthographicFront"/>
+      <a:lightRig rig="threePt" dir="t"/>
+    </dgm:scene3d>
+    <dgm:sp3d/>
+    <dgm:txPr/>
+    <dgm:style>
+      <a:lnRef idx="2">
+        <a:scrgbClr r="0" g="0" b="0"/>
+      </a:lnRef>
+      <a:fillRef idx="1">
+        <a:scrgbClr r="0" g="0" b="0"/>
+      </a:fillRef>
+      <a:effectRef idx="0">
+        <a:scrgbClr r="0" g="0" b="0"/>
+      </a:effectRef>
+      <a:fontRef idx="minor">
+        <a:schemeClr val="lt1"/>
+      </a:fontRef>
+    </dgm:style>
+  </dgm:styleLbl>
+  <dgm:styleLbl name="node3">
+    <dgm:scene3d>
+      <a:camera prst="orthographicFront"/>
+      <a:lightRig rig="threePt" dir="t"/>
+    </dgm:scene3d>
+    <dgm:sp3d/>
+    <dgm:txPr/>
+    <dgm:style>
+      <a:lnRef idx="2">
+        <a:scrgbClr r="0" g="0" b="0"/>
+      </a:lnRef>
+      <a:fillRef idx="1">
+        <a:scrgbClr r="0" g="0" b="0"/>
+      </a:fillRef>
+      <a:effectRef idx="0">
+        <a:scrgbClr r="0" g="0" b="0"/>
+      </a:effectRef>
+      <a:fontRef idx="minor">
+        <a:schemeClr val="lt1"/>
+      </a:fontRef>
+    </dgm:style>
+  </dgm:styleLbl>
+  <dgm:styleLbl name="node4">
+    <dgm:scene3d>
+      <a:camera prst="orthographicFront"/>
+      <a:lightRig rig="threePt" dir="t"/>
+    </dgm:scene3d>
+    <dgm:sp3d/>
+    <dgm:txPr/>
+    <dgm:style>
+      <a:lnRef idx="2">
+        <a:scrgbClr r="0" g="0" b="0"/>
+      </a:lnRef>
+      <a:fillRef idx="1">
+        <a:scrgbClr r="0" g="0" b="0"/>
+      </a:fillRef>
+      <a:effectRef idx="0">
+        <a:scrgbClr r="0" g="0" b="0"/>
+      </a:effectRef>
+      <a:fontRef idx="minor">
+        <a:schemeClr val="lt1"/>
+      </a:fontRef>
+    </dgm:style>
+  </dgm:styleLbl>
+  <dgm:styleLbl name="fgImgPlace1">
+    <dgm:scene3d>
+      <a:camera prst="orthographicFront"/>
+      <a:lightRig rig="threePt" dir="t"/>
+    </dgm:scene3d>
+    <dgm:sp3d/>
+    <dgm:txPr/>
+    <dgm:style>
+      <a:lnRef idx="2">
+        <a:scrgbClr r="0" g="0" b="0"/>
+      </a:lnRef>
+      <a:fillRef idx="1">
+        <a:scrgbClr r="0" g="0" b="0"/>
+      </a:fillRef>
+      <a:effectRef idx="0">
+        <a:scrgbClr r="0" g="0" b="0"/>
+      </a:effectRef>
+      <a:fontRef idx="minor"/>
+    </dgm:style>
+  </dgm:styleLbl>
+  <dgm:styleLbl name="alignImgPlace1">
+    <dgm:scene3d>
+      <a:camera prst="orthographicFront"/>
+      <a:lightRig rig="threePt" dir="t"/>
+    </dgm:scene3d>
+    <dgm:sp3d/>
+    <dgm:txPr/>
+    <dgm:style>
+      <a:lnRef idx="2">
+        <a:scrgbClr r="0" g="0" b="0"/>
+      </a:lnRef>
+      <a:fillRef idx="1">
+        <a:scrgbClr r="0" g="0" b="0"/>
+      </a:fillRef>
+      <a:effectRef idx="0">
+        <a:scrgbClr r="0" g="0" b="0"/>
+      </a:effectRef>
+      <a:fontRef idx="minor"/>
+    </dgm:style>
+  </dgm:styleLbl>
+  <dgm:styleLbl name="bgImgPlace1">
+    <dgm:scene3d>
+      <a:camera prst="orthographicFront"/>
+      <a:lightRig rig="threePt" dir="t"/>
+    </dgm:scene3d>
+    <dgm:sp3d/>
+    <dgm:txPr/>
+    <dgm:style>
+      <a:lnRef idx="2">
+        <a:scrgbClr r="0" g="0" b="0"/>
+      </a:lnRef>
+      <a:fillRef idx="1">
+        <a:scrgbClr r="0" g="0" b="0"/>
+      </a:fillRef>
+      <a:effectRef idx="0">
+        <a:scrgbClr r="0" g="0" b="0"/>
+      </a:effectRef>
+      <a:fontRef idx="minor"/>
+    </dgm:style>
+  </dgm:styleLbl>
+  <dgm:styleLbl name="sibTrans2D1">
+    <dgm:scene3d>
+      <a:camera prst="orthographicFront"/>
+      <a:lightRig rig="threePt" dir="t"/>
+    </dgm:scene3d>
+    <dgm:sp3d/>
+    <dgm:txPr/>
+    <dgm:style>
+      <a:lnRef idx="0">
+        <a:scrgbClr r="0" g="0" b="0"/>
+      </a:lnRef>
+      <a:fillRef idx="1">
+        <a:scrgbClr r="0" g="0" b="0"/>
+      </a:fillRef>
+      <a:effectRef idx="0">
+        <a:scrgbClr r="0" g="0" b="0"/>
+      </a:effectRef>
+      <a:fontRef idx="minor">
+        <a:schemeClr val="lt1"/>
+      </a:fontRef>
+    </dgm:style>
+  </dgm:styleLbl>
+  <dgm:styleLbl name="fgSibTrans2D1">
+    <dgm:scene3d>
+      <a:camera prst="orthographicFront"/>
+      <a:lightRig rig="threePt" dir="t"/>
+    </dgm:scene3d>
+    <dgm:sp3d/>
+    <dgm:txPr/>
+    <dgm:style>
+      <a:lnRef idx="0">
+        <a:scrgbClr r="0" g="0" b="0"/>
+      </a:lnRef>
+      <a:fillRef idx="1">
+        <a:scrgbClr r="0" g="0" b="0"/>
+      </a:fillRef>
+      <a:effectRef idx="0">
+        <a:scrgbClr r="0" g="0" b="0"/>
+      </a:effectRef>
+      <a:fontRef idx="minor">
+        <a:schemeClr val="lt1"/>
+      </a:fontRef>
+    </dgm:style>
+  </dgm:styleLbl>
+  <dgm:styleLbl name="bgSibTrans2D1">
+    <dgm:scene3d>
+      <a:camera prst="orthographicFront"/>
+      <a:lightRig rig="threePt" dir="t"/>
+    </dgm:scene3d>
+    <dgm:sp3d/>
+    <dgm:txPr/>
+    <dgm:style>
+      <a:lnRef idx="0">
+        <a:scrgbClr r="0" g="0" b="0"/>
+      </a:lnRef>
+      <a:fillRef idx="1">
+        <a:scrgbClr r="0" g="0" b="0"/>
+      </a:fillRef>
+      <a:effectRef idx="0">
+        <a:scrgbClr r="0" g="0" b="0"/>
+      </a:effectRef>
+      <a:fontRef idx="minor">
+        <a:schemeClr val="lt1"/>
+      </a:fontRef>
+    </dgm:style>
+  </dgm:styleLbl>
+  <dgm:styleLbl name="sibTrans1D1">
+    <dgm:scene3d>
+      <a:camera prst="orthographicFront"/>
+      <a:lightRig rig="threePt" dir="t"/>
+    </dgm:scene3d>
+    <dgm:sp3d/>
+    <dgm:txPr/>
+    <dgm:style>
+      <a:lnRef idx="1">
+        <a:scrgbClr r="0" g="0" b="0"/>
+      </a:lnRef>
+      <a:fillRef idx="0">
+        <a:scrgbClr r="0" g="0" b="0"/>
+      </a:fillRef>
+      <a:effectRef idx="0">
+        <a:scrgbClr r="0" g="0" b="0"/>
+      </a:effectRef>
+      <a:fontRef idx="minor"/>
+    </dgm:style>
+  </dgm:styleLbl>
+  <dgm:styleLbl name="callout">
+    <dgm:scene3d>
+      <a:camera prst="orthographicFront"/>
+      <a:lightRig rig="threePt" dir="t"/>
+    </dgm:scene3d>
+    <dgm:sp3d/>
+    <dgm:txPr/>
+    <dgm:style>
+      <a:lnRef idx="2">
+        <a:scrgbClr r="0" g="0" b="0"/>
+      </a:lnRef>
+      <a:fillRef idx="1">
+        <a:scrgbClr r="0" g="0" b="0"/>
+      </a:fillRef>
+      <a:effectRef idx="0">
+        <a:scrgbClr r="0" g="0" b="0"/>
+      </a:effectRef>
+      <a:fontRef idx="minor"/>
+    </dgm:style>
+  </dgm:styleLbl>
+  <dgm:styleLbl name="asst0">
+    <dgm:scene3d>
+      <a:camera prst="orthographicFront"/>
+      <a:lightRig rig="threePt" dir="t"/>
+    </dgm:scene3d>
+    <dgm:sp3d/>
+    <dgm:txPr/>
+    <dgm:style>
+      <a:lnRef idx="2">
+        <a:scrgbClr r="0" g="0" b="0"/>
+      </a:lnRef>
+      <a:fillRef idx="1">
+        <a:scrgbClr r="0" g="0" b="0"/>
+      </a:fillRef>
+      <a:effectRef idx="0">
+        <a:scrgbClr r="0" g="0" b="0"/>
+      </a:effectRef>
+      <a:fontRef idx="minor">
+        <a:schemeClr val="lt1"/>
+      </a:fontRef>
+    </dgm:style>
+  </dgm:styleLbl>
+  <dgm:styleLbl name="asst1">
+    <dgm:scene3d>
+      <a:camera prst="orthographicFront"/>
+      <a:lightRig rig="threePt" dir="t"/>
+    </dgm:scene3d>
+    <dgm:sp3d/>
+    <dgm:txPr/>
+    <dgm:style>
+      <a:lnRef idx="2">
+        <a:scrgbClr r="0" g="0" b="0"/>
+      </a:lnRef>
+      <a:fillRef idx="1">
+        <a:scrgbClr r="0" g="0" b="0"/>
+      </a:fillRef>
+      <a:effectRef idx="0">
+        <a:scrgbClr r="0" g="0" b="0"/>
+      </a:effectRef>
+      <a:fontRef idx="minor">
+        <a:schemeClr val="lt1"/>
+      </a:fontRef>
+    </dgm:style>
+  </dgm:styleLbl>
+  <dgm:styleLbl name="asst2">
+    <dgm:scene3d>
+      <a:camera prst="orthographicFront"/>
+      <a:lightRig rig="threePt" dir="t"/>
+    </dgm:scene3d>
+    <dgm:sp3d/>
+    <dgm:txPr/>
+    <dgm:style>
+      <a:lnRef idx="2">
+        <a:scrgbClr r="0" g="0" b="0"/>
+      </a:lnRef>
+      <a:fillRef idx="1">
+        <a:scrgbClr r="0" g="0" b="0"/>
+      </a:fillRef>
+      <a:effectRef idx="0">
+        <a:scrgbClr r="0" g="0" b="0"/>
+      </a:effectRef>
+      <a:fontRef idx="minor">
+        <a:schemeClr val="lt1"/>
+      </a:fontRef>
+    </dgm:style>
+  </dgm:styleLbl>
+  <dgm:styleLbl name="asst3">
+    <dgm:scene3d>
+      <a:camera prst="orthographicFront"/>
+      <a:lightRig rig="threePt" dir="t"/>
+    </dgm:scene3d>
+    <dgm:sp3d/>
+    <dgm:txPr/>
+    <dgm:style>
+      <a:lnRef idx="2">
+        <a:scrgbClr r="0" g="0" b="0"/>
+      </a:lnRef>
+      <a:fillRef idx="1">
+        <a:scrgbClr r="0" g="0" b="0"/>
+      </a:fillRef>
+      <a:effectRef idx="0">
+        <a:scrgbClr r="0" g="0" b="0"/>
+      </a:effectRef>
+      <a:fontRef idx="minor">
+        <a:schemeClr val="lt1"/>
+      </a:fontRef>
+    </dgm:style>
+  </dgm:styleLbl>
+  <dgm:styleLbl name="asst4">
+    <dgm:scene3d>
+      <a:camera prst="orthographicFront"/>
+      <a:lightRig rig="threePt" dir="t"/>
+    </dgm:scene3d>
+    <dgm:sp3d/>
+    <dgm:txPr/>
+    <dgm:style>
+      <a:lnRef idx="2">
+        <a:scrgbClr r="0" g="0" b="0"/>
+      </a:lnRef>
+      <a:fillRef idx="1">
+        <a:scrgbClr r="0" g="0" b="0"/>
+      </a:fillRef>
+      <a:effectRef idx="0">
+        <a:scrgbClr r="0" g="0" b="0"/>
+      </a:effectRef>
+      <a:fontRef idx="minor">
+        <a:schemeClr val="lt1"/>
+      </a:fontRef>
+    </dgm:style>
+  </dgm:styleLbl>
+  <dgm:styleLbl name="parChTrans2D1">
+    <dgm:scene3d>
+      <a:camera prst="orthographicFront"/>
+      <a:lightRig rig="threePt" dir="t"/>
+    </dgm:scene3d>
+    <dgm:sp3d/>
+    <dgm:txPr/>
+    <dgm:style>
+      <a:lnRef idx="2">
+        <a:scrgbClr r="0" g="0" b="0"/>
+      </a:lnRef>
+      <a:fillRef idx="1">
+        <a:scrgbClr r="0" g="0" b="0"/>
+      </a:fillRef>
+      <a:effectRef idx="0">
+        <a:scrgbClr r="0" g="0" b="0"/>
+      </a:effectRef>
+      <a:fontRef idx="minor">
+        <a:schemeClr val="lt1"/>
+      </a:fontRef>
+    </dgm:style>
+  </dgm:styleLbl>
+  <dgm:styleLbl name="parChTrans2D2">
+    <dgm:scene3d>
+      <a:camera prst="orthographicFront"/>
+      <a:lightRig rig="threePt" dir="t"/>
+    </dgm:scene3d>
+    <dgm:sp3d/>
+    <dgm:txPr/>
+    <dgm:style>
+      <a:lnRef idx="2">
+        <a:scrgbClr r="0" g="0" b="0"/>
+      </a:lnRef>
+      <a:fillRef idx="1">
+        <a:scrgbClr r="0" g="0" b="0"/>
+      </a:fillRef>
+      <a:effectRef idx="0">
+        <a:scrgbClr r="0" g="0" b="0"/>
+      </a:effectRef>
+      <a:fontRef idx="minor">
+        <a:schemeClr val="lt1"/>
+      </a:fontRef>
+    </dgm:style>
+  </dgm:styleLbl>
+  <dgm:styleLbl name="parChTrans2D3">
+    <dgm:scene3d>
+      <a:camera prst="orthographicFront"/>
+      <a:lightRig rig="threePt" dir="t"/>
+    </dgm:scene3d>
+    <dgm:sp3d/>
+    <dgm:txPr/>
+    <dgm:style>
+      <a:lnRef idx="2">
+        <a:scrgbClr r="0" g="0" b="0"/>
+      </a:lnRef>
+      <a:fillRef idx="1">
+        <a:scrgbClr r="0" g="0" b="0"/>
+      </a:fillRef>
+      <a:effectRef idx="0">
+        <a:scrgbClr r="0" g="0" b="0"/>
+      </a:effectRef>
+      <a:fontRef idx="minor">
+        <a:schemeClr val="lt1"/>
+      </a:fontRef>
+    </dgm:style>
+  </dgm:styleLbl>
+  <dgm:styleLbl name="parChTrans2D4">
+    <dgm:scene3d>
+      <a:camera prst="orthographicFront"/>
+      <a:lightRig rig="threePt" dir="t"/>
+    </dgm:scene3d>
+    <dgm:sp3d/>
+    <dgm:txPr/>
+    <dgm:style>
+      <a:lnRef idx="2">
+        <a:scrgbClr r="0" g="0" b="0"/>
+      </a:lnRef>
+      <a:fillRef idx="1">
+        <a:scrgbClr r="0" g="0" b="0"/>
+      </a:fillRef>
+      <a:effectRef idx="0">
+        <a:scrgbClr r="0" g="0" b="0"/>
+      </a:effectRef>
+      <a:fontRef idx="minor">
+        <a:schemeClr val="lt1"/>
+      </a:fontRef>
+    </dgm:style>
+  </dgm:styleLbl>
+  <dgm:styleLbl name="parChTrans1D1">
+    <dgm:scene3d>
+      <a:camera prst="orthographicFront"/>
+      <a:lightRig rig="threePt" dir="t"/>
+    </dgm:scene3d>
+    <dgm:sp3d/>
+    <dgm:txPr/>
+    <dgm:style>
+      <a:lnRef idx="2">
+        <a:scrgbClr r="0" g="0" b="0"/>
+      </a:lnRef>
+      <a:fillRef idx="0">
+        <a:scrgbClr r="0" g="0" b="0"/>
+      </a:fillRef>
+      <a:effectRef idx="0">
+        <a:scrgbClr r="0" g="0" b="0"/>
+      </a:effectRef>
+      <a:fontRef idx="minor"/>
+    </dgm:style>
+  </dgm:styleLbl>
+  <dgm:styleLbl name="parChTrans1D2">
+    <dgm:scene3d>
+      <a:camera prst="orthographicFront"/>
+      <a:lightRig rig="threePt" dir="t"/>
+    </dgm:scene3d>
+    <dgm:sp3d/>
+    <dgm:txPr/>
+    <dgm:style>
+      <a:lnRef idx="2">
+        <a:scrgbClr r="0" g="0" b="0"/>
+      </a:lnRef>
+      <a:fillRef idx="0">
+        <a:scrgbClr r="0" g="0" b="0"/>
+      </a:fillRef>
+      <a:effectRef idx="0">
+        <a:scrgbClr r="0" g="0" b="0"/>
+      </a:effectRef>
+      <a:fontRef idx="minor"/>
+    </dgm:style>
+  </dgm:styleLbl>
+  <dgm:styleLbl name="parChTrans1D3">
+    <dgm:scene3d>
+      <a:camera prst="orthographicFront"/>
+      <a:lightRig rig="threePt" dir="t"/>
+    </dgm:scene3d>
+    <dgm:sp3d/>
+    <dgm:txPr/>
+    <dgm:style>
+      <a:lnRef idx="2">
+        <a:scrgbClr r="0" g="0" b="0"/>
+      </a:lnRef>
+      <a:fillRef idx="0">
+        <a:scrgbClr r="0" g="0" b="0"/>
+      </a:fillRef>
+      <a:effectRef idx="0">
+        <a:scrgbClr r="0" g="0" b="0"/>
+      </a:effectRef>
+      <a:fontRef idx="minor"/>
+    </dgm:style>
+  </dgm:styleLbl>
+  <dgm:styleLbl name="parChTrans1D4">
+    <dgm:scene3d>
+      <a:camera prst="orthographicFront"/>
+      <a:lightRig rig="threePt" dir="t"/>
+    </dgm:scene3d>
+    <dgm:sp3d/>
+    <dgm:txPr/>
+    <dgm:style>
+      <a:lnRef idx="2">
+        <a:scrgbClr r="0" g="0" b="0"/>
+      </a:lnRef>
+      <a:fillRef idx="0">
+        <a:scrgbClr r="0" g="0" b="0"/>
+      </a:fillRef>
+      <a:effectRef idx="0">
+        <a:scrgbClr r="0" g="0" b="0"/>
+      </a:effectRef>
+      <a:fontRef idx="minor"/>
+    </dgm:style>
+  </dgm:styleLbl>
+  <dgm:styleLbl name="fgAcc1">
+    <dgm:scene3d>
+      <a:camera prst="orthographicFront"/>
+      <a:lightRig rig="threePt" dir="t"/>
+    </dgm:scene3d>
+    <dgm:sp3d/>
+    <dgm:txPr/>
+    <dgm:style>
+      <a:lnRef idx="2">
+        <a:scrgbClr r="0" g="0" b="0"/>
+      </a:lnRef>
+      <a:fillRef idx="1">
+        <a:scrgbClr r="0" g="0" b="0"/>
+      </a:fillRef>
+      <a:effectRef idx="0">
+        <a:scrgbClr r="0" g="0" b="0"/>
+      </a:effectRef>
+      <a:fontRef idx="minor"/>
+    </dgm:style>
+  </dgm:styleLbl>
+  <dgm:styleLbl name="conFgAcc1">
+    <dgm:scene3d>
+      <a:camera prst="orthographicFront"/>
+      <a:lightRig rig="threePt" dir="t"/>
+    </dgm:scene3d>
+    <dgm:sp3d/>
+    <dgm:txPr/>
+    <dgm:style>
+      <a:lnRef idx="2">
+        <a:scrgbClr r="0" g="0" b="0"/>
+      </a:lnRef>
+      <a:fillRef idx="1">
+        <a:scrgbClr r="0" g="0" b="0"/>
+      </a:fillRef>
+      <a:effectRef idx="0">
+        <a:scrgbClr r="0" g="0" b="0"/>
+      </a:effectRef>
+      <a:fontRef idx="minor"/>
+    </dgm:style>
+  </dgm:styleLbl>
+  <dgm:styleLbl name="alignAcc1">
+    <dgm:scene3d>
+      <a:camera prst="orthographicFront"/>
+      <a:lightRig rig="threePt" dir="t"/>
+    </dgm:scene3d>
+    <dgm:sp3d/>
+    <dgm:txPr/>
+    <dgm:style>
+      <a:lnRef idx="2">
+        <a:scrgbClr r="0" g="0" b="0"/>
+      </a:lnRef>
+      <a:fillRef idx="1">
+        <a:scrgbClr r="0" g="0" b="0"/>
+      </a:fillRef>
+      <a:effectRef idx="0">
+        <a:scrgbClr r="0" g="0" b="0"/>
+      </a:effectRef>
+      <a:fontRef idx="minor"/>
+    </dgm:style>
+  </dgm:styleLbl>
+  <dgm:styleLbl name="trAlignAcc1">
+    <dgm:scene3d>
+      <a:camera prst="orthographicFront"/>
+      <a:lightRig rig="threePt" dir="t"/>
+    </dgm:scene3d>
+    <dgm:sp3d/>
+    <dgm:txPr/>
+    <dgm:style>
+      <a:lnRef idx="1">
+        <a:scrgbClr r="0" g="0" b="0"/>
+      </a:lnRef>
+      <a:fillRef idx="1">
+        <a:scrgbClr r="0" g="0" b="0"/>
+      </a:fillRef>
+      <a:effectRef idx="0">
+        <a:scrgbClr r="0" g="0" b="0"/>
+      </a:effectRef>
+      <a:fontRef idx="minor"/>
+    </dgm:style>
+  </dgm:styleLbl>
+  <dgm:styleLbl name="bgAcc1">
+    <dgm:scene3d>
+      <a:camera prst="orthographicFront"/>
+      <a:lightRig rig="threePt" dir="t"/>
+    </dgm:scene3d>
+    <dgm:sp3d/>
+    <dgm:txPr/>
+    <dgm:style>
+      <a:lnRef idx="2">
+        <a:scrgbClr r="0" g="0" b="0"/>
+      </a:lnRef>
+      <a:fillRef idx="1">
+        <a:scrgbClr r="0" g="0" b="0"/>
+      </a:fillRef>
+      <a:effectRef idx="0">
+        <a:scrgbClr r="0" g="0" b="0"/>
+      </a:effectRef>
+      <a:fontRef idx="minor"/>
+    </dgm:style>
+  </dgm:styleLbl>
+  <dgm:styleLbl name="solidFgAcc1">
+    <dgm:scene3d>
+      <a:camera prst="orthographicFront"/>
+      <a:lightRig rig="threePt" dir="t"/>
+    </dgm:scene3d>
+    <dgm:sp3d/>
+    <dgm:txPr/>
+    <dgm:style>
+      <a:lnRef idx="2">
+        <a:scrgbClr r="0" g="0" b="0"/>
+      </a:lnRef>
+      <a:fillRef idx="1">
+        <a:scrgbClr r="0" g="0" b="0"/>
+      </a:fillRef>
+      <a:effectRef idx="0">
+        <a:scrgbClr r="0" g="0" b="0"/>
+      </a:effectRef>
+      <a:fontRef idx="minor"/>
+    </dgm:style>
+  </dgm:styleLbl>
+  <dgm:styleLbl name="solidAlignAcc1">
+    <dgm:scene3d>
+      <a:camera prst="orthographicFront"/>
+      <a:lightRig rig="threePt" dir="t"/>
+    </dgm:scene3d>
+    <dgm:sp3d/>
+    <dgm:txPr/>
+    <dgm:style>
+      <a:lnRef idx="2">
+        <a:scrgbClr r="0" g="0" b="0"/>
+      </a:lnRef>
+      <a:fillRef idx="1">
+        <a:scrgbClr r="0" g="0" b="0"/>
+      </a:fillRef>
+      <a:effectRef idx="0">
+        <a:scrgbClr r="0" g="0" b="0"/>
+      </a:effectRef>
+      <a:fontRef idx="minor"/>
+    </dgm:style>
+  </dgm:styleLbl>
+  <dgm:styleLbl name="solidBgAcc1">
+    <dgm:scene3d>
+      <a:camera prst="orthographicFront"/>
+      <a:lightRig rig="threePt" dir="t"/>
+    </dgm:scene3d>
+    <dgm:sp3d/>
+    <dgm:txPr/>
+    <dgm:style>
+      <a:lnRef idx="2">
+        <a:scrgbClr r="0" g="0" b="0"/>
+      </a:lnRef>
+      <a:fillRef idx="1">
+        <a:scrgbClr r="0" g="0" b="0"/>
+      </a:fillRef>
+      <a:effectRef idx="0">
+        <a:scrgbClr r="0" g="0" b="0"/>
+      </a:effectRef>
+      <a:fontRef idx="minor"/>
+    </dgm:style>
+  </dgm:styleLbl>
+  <dgm:styleLbl name="fgAccFollowNode1">
+    <dgm:scene3d>
+      <a:camera prst="orthographicFront"/>
+      <a:lightRig rig="threePt" dir="t"/>
+    </dgm:scene3d>
+    <dgm:sp3d/>
+    <dgm:txPr/>
+    <dgm:style>
+      <a:lnRef idx="2">
+        <a:scrgbClr r="0" g="0" b="0"/>
+      </a:lnRef>
+      <a:fillRef idx="1">
+        <a:scrgbClr r="0" g="0" b="0"/>
+      </a:fillRef>
+      <a:effectRef idx="0">
+        <a:scrgbClr r="0" g="0" b="0"/>
+      </a:effectRef>
+      <a:fontRef idx="minor"/>
+    </dgm:style>
+  </dgm:styleLbl>
+  <dgm:styleLbl name="alignAccFollowNode1">
+    <dgm:scene3d>
+      <a:camera prst="orthographicFront"/>
+      <a:lightRig rig="threePt" dir="t"/>
+    </dgm:scene3d>
+    <dgm:sp3d/>
+    <dgm:txPr/>
+    <dgm:style>
+      <a:lnRef idx="2">
+        <a:scrgbClr r="0" g="0" b="0"/>
+      </a:lnRef>
+      <a:fillRef idx="1">
+        <a:scrgbClr r="0" g="0" b="0"/>
+      </a:fillRef>
+      <a:effectRef idx="0">
+        <a:scrgbClr r="0" g="0" b="0"/>
+      </a:effectRef>
+      <a:fontRef idx="minor"/>
+    </dgm:style>
+  </dgm:styleLbl>
+  <dgm:styleLbl name="bgAccFollowNode1">
+    <dgm:scene3d>
+      <a:camera prst="orthographicFront"/>
+      <a:lightRig rig="threePt" dir="t"/>
+    </dgm:scene3d>
+    <dgm:sp3d/>
+    <dgm:txPr/>
+    <dgm:style>
+      <a:lnRef idx="2">
+        <a:scrgbClr r="0" g="0" b="0"/>
+      </a:lnRef>
+      <a:fillRef idx="1">
+        <a:scrgbClr r="0" g="0" b="0"/>
+      </a:fillRef>
+      <a:effectRef idx="0">
+        <a:scrgbClr r="0" g="0" b="0"/>
+      </a:effectRef>
+      <a:fontRef idx="minor"/>
+    </dgm:style>
+  </dgm:styleLbl>
+  <dgm:styleLbl name="fgAcc0">
+    <dgm:scene3d>
+      <a:camera prst="orthographicFront"/>
+      <a:lightRig rig="threePt" dir="t"/>
+    </dgm:scene3d>
+    <dgm:sp3d/>
+    <dgm:txPr/>
+    <dgm:style>
+      <a:lnRef idx="2">
+        <a:scrgbClr r="0" g="0" b="0"/>
+      </a:lnRef>
+      <a:fillRef idx="1">
+        <a:scrgbClr r="0" g="0" b="0"/>
+      </a:fillRef>
+      <a:effectRef idx="0">
+        <a:scrgbClr r="0" g="0" b="0"/>
+      </a:effectRef>
+      <a:fontRef idx="minor"/>
+    </dgm:style>
+  </dgm:styleLbl>
+  <dgm:styleLbl name="fgAcc2">
+    <dgm:scene3d>
+      <a:camera prst="orthographicFront"/>
+      <a:lightRig rig="threePt" dir="t"/>
+    </dgm:scene3d>
+    <dgm:sp3d/>
+    <dgm:txPr/>
+    <dgm:style>
+      <a:lnRef idx="2">
+        <a:scrgbClr r="0" g="0" b="0"/>
+      </a:lnRef>
+      <a:fillRef idx="1">
+        <a:scrgbClr r="0" g="0" b="0"/>
+      </a:fillRef>
+      <a:effectRef idx="0">
+        <a:scrgbClr r="0" g="0" b="0"/>
+      </a:effectRef>
+      <a:fontRef idx="minor"/>
+    </dgm:style>
+  </dgm:styleLbl>
+  <dgm:styleLbl name="fgAcc3">
+    <dgm:scene3d>
+      <a:camera prst="orthographicFront"/>
+      <a:lightRig rig="threePt" dir="t"/>
+    </dgm:scene3d>
+    <dgm:sp3d/>
+    <dgm:txPr/>
+    <dgm:style>
+      <a:lnRef idx="2">
+        <a:scrgbClr r="0" g="0" b="0"/>
+      </a:lnRef>
+      <a:fillRef idx="1">
+        <a:scrgbClr r="0" g="0" b="0"/>
+      </a:fillRef>
+      <a:effectRef idx="0">
+        <a:scrgbClr r="0" g="0" b="0"/>
+      </a:effectRef>
+      <a:fontRef idx="minor"/>
+    </dgm:style>
+  </dgm:styleLbl>
+  <dgm:styleLbl name="fgAcc4">
+    <dgm:scene3d>
+      <a:camera prst="orthographicFront"/>
+      <a:lightRig rig="threePt" dir="t"/>
+    </dgm:scene3d>
+    <dgm:sp3d/>
+    <dgm:txPr/>
+    <dgm:style>
+      <a:lnRef idx="2">
+        <a:scrgbClr r="0" g="0" b="0"/>
+      </a:lnRef>
+      <a:fillRef idx="1">
+        <a:scrgbClr r="0" g="0" b="0"/>
+      </a:fillRef>
+      <a:effectRef idx="0">
+        <a:scrgbClr r="0" g="0" b="0"/>
+      </a:effectRef>
+      <a:fontRef idx="minor"/>
+    </dgm:style>
+  </dgm:styleLbl>
+  <dgm:styleLbl name="bgShp">
+    <dgm:scene3d>
+      <a:camera prst="orthographicFront"/>
+      <a:lightRig rig="threePt" dir="t"/>
+    </dgm:scene3d>
+    <dgm:sp3d/>
+    <dgm:txPr/>
+    <dgm:style>
+      <a:lnRef idx="0">
+        <a:scrgbClr r="0" g="0" b="0"/>
+      </a:lnRef>
+      <a:fillRef idx="1">
+        <a:scrgbClr r="0" g="0" b="0"/>
+      </a:fillRef>
+      <a:effectRef idx="0">
+        <a:scrgbClr r="0" g="0" b="0"/>
+      </a:effectRef>
+      <a:fontRef idx="minor"/>
+    </dgm:style>
+  </dgm:styleLbl>
+  <dgm:styleLbl name="dkBgShp">
+    <dgm:scene3d>
+      <a:camera prst="orthographicFront"/>
+      <a:lightRig rig="threePt" dir="t"/>
+    </dgm:scene3d>
+    <dgm:sp3d/>
+    <dgm:txPr/>
+    <dgm:style>
+      <a:lnRef idx="0">
+        <a:scrgbClr r="0" g="0" b="0"/>
+      </a:lnRef>
+      <a:fillRef idx="1">
+        <a:scrgbClr r="0" g="0" b="0"/>
+      </a:fillRef>
+      <a:effectRef idx="0">
+        <a:scrgbClr r="0" g="0" b="0"/>
+      </a:effectRef>
+      <a:fontRef idx="minor"/>
+    </dgm:style>
+  </dgm:styleLbl>
+  <dgm:styleLbl name="trBgShp">
+    <dgm:scene3d>
+      <a:camera prst="orthographicFront"/>
+      <a:lightRig rig="threePt" dir="t"/>
+    </dgm:scene3d>
+    <dgm:sp3d/>
+    <dgm:txPr/>
+    <dgm:style>
+      <a:lnRef idx="0">
+        <a:scrgbClr r="0" g="0" b="0"/>
+      </a:lnRef>
+      <a:fillRef idx="1">
+        <a:scrgbClr r="0" g="0" b="0"/>
+      </a:fillRef>
+      <a:effectRef idx="0">
+        <a:scrgbClr r="0" g="0" b="0"/>
+      </a:effectRef>
+      <a:fontRef idx="minor"/>
+    </dgm:style>
+  </dgm:styleLbl>
+  <dgm:styleLbl name="fgShp">
+    <dgm:scene3d>
+      <a:camera prst="orthographicFront"/>
+      <a:lightRig rig="threePt" dir="t"/>
+    </dgm:scene3d>
+    <dgm:sp3d/>
+    <dgm:txPr/>
+    <dgm:style>
+      <a:lnRef idx="2">
+        <a:scrgbClr r="0" g="0" b="0"/>
+      </a:lnRef>
+      <a:fillRef idx="1">
+        <a:scrgbClr r="0" g="0" b="0"/>
+      </a:fillRef>
+      <a:effectRef idx="0">
+        <a:scrgbClr r="0" g="0" b="0"/>
+      </a:effectRef>
+      <a:fontRef idx="minor"/>
+    </dgm:style>
+  </dgm:styleLbl>
+  <dgm:styleLbl name="revTx">
+    <dgm:scene3d>
+      <a:camera prst="orthographicFront"/>
+      <a:lightRig rig="threePt" dir="t"/>
+    </dgm:scene3d>
+    <dgm:sp3d/>
+    <dgm:txPr/>
+    <dgm:style>
+      <a:lnRef idx="0">
+        <a:scrgbClr r="0" g="0" b="0"/>
+      </a:lnRef>
+      <a:fillRef idx="0">
+        <a:scrgbClr r="0" g="0" b="0"/>
+      </a:fillRef>
+      <a:effectRef idx="0">
+        <a:scrgbClr r="0" g="0" b="0"/>
+      </a:effectRef>
+      <a:fontRef idx="minor"/>
+    </dgm:style>
+  </dgm:styleLbl>
+</dgm:styleDef>
+</file>
+
+<file path=ppt/diagrams/quickStyle2.xml><?xml version="1.0" encoding="utf-8"?>
 <dgm:styleDef xmlns:dgm="http://schemas.openxmlformats.org/drawingml/2006/diagram" xmlns:a="http://schemas.openxmlformats.org/drawingml/2006/main" uniqueId="urn:microsoft.com/office/officeart/2005/8/quickstyle/simple1">
   <dgm:title val=""/>
   <dgm:desc val=""/>
@@ -3722,6 +6436,95 @@
 </p:notes>
 </file>
 
+<file path=ppt/notesSlides/notesSlide4.xml><?xml version="1.0" encoding="utf-8"?>
+<p:notes xmlns:a="http://schemas.openxmlformats.org/drawingml/2006/main" xmlns:r="http://schemas.openxmlformats.org/officeDocument/2006/relationships" xmlns:p="http://schemas.openxmlformats.org/presentationml/2006/main">
+  <p:cSld>
+    <p:spTree>
+      <p:nvGrpSpPr>
+        <p:cNvPr id="1" name=""/>
+        <p:cNvGrpSpPr/>
+        <p:nvPr/>
+      </p:nvGrpSpPr>
+      <p:grpSpPr>
+        <a:xfrm>
+          <a:off x="0" y="0"/>
+          <a:ext cx="0" cy="0"/>
+          <a:chOff x="0" y="0"/>
+          <a:chExt cx="0" cy="0"/>
+        </a:xfrm>
+      </p:grpSpPr>
+      <p:sp>
+        <p:nvSpPr>
+          <p:cNvPr id="2" name="Slide Image Placeholder 1"/>
+          <p:cNvSpPr>
+            <a:spLocks noGrp="1" noRot="1" noChangeAspect="1"/>
+          </p:cNvSpPr>
+          <p:nvPr>
+            <p:ph type="sldImg"/>
+          </p:nvPr>
+        </p:nvSpPr>
+        <p:spPr>
+          <a:xfrm>
+            <a:off x="217488" y="812800"/>
+            <a:ext cx="7124700" cy="4008438"/>
+          </a:xfrm>
+        </p:spPr>
+      </p:sp>
+      <p:sp>
+        <p:nvSpPr>
+          <p:cNvPr id="3" name="Notes Placeholder 2"/>
+          <p:cNvSpPr>
+            <a:spLocks noGrp="1"/>
+          </p:cNvSpPr>
+          <p:nvPr>
+            <p:ph type="body" idx="1"/>
+          </p:nvPr>
+        </p:nvSpPr>
+        <p:spPr/>
+        <p:txBody>
+          <a:bodyPr/>
+          <a:lstStyle/>
+          <a:p>
+            <a:endParaRPr lang="en-US" dirty="0"/>
+          </a:p>
+        </p:txBody>
+      </p:sp>
+      <p:sp>
+        <p:nvSpPr>
+          <p:cNvPr id="4" name="Slide Number Placeholder 3"/>
+          <p:cNvSpPr>
+            <a:spLocks noGrp="1"/>
+          </p:cNvSpPr>
+          <p:nvPr>
+            <p:ph type="sldNum" sz="quarter" idx="5"/>
+          </p:nvPr>
+        </p:nvSpPr>
+        <p:spPr/>
+        <p:txBody>
+          <a:bodyPr/>
+          <a:lstStyle/>
+          <a:p>
+            <a:fld id="{AABE9C73-6CDE-45E2-97F8-E3C5308FA232}" type="slidenum">
+              <a:rPr lang="en-US" smtClean="0"/>
+              <a:t>4</a:t>
+            </a:fld>
+            <a:endParaRPr lang="en-US" dirty="0"/>
+          </a:p>
+        </p:txBody>
+      </p:sp>
+    </p:spTree>
+    <p:extLst>
+      <p:ext uri="{BB962C8B-B14F-4D97-AF65-F5344CB8AC3E}">
+        <p14:creationId xmlns:p14="http://schemas.microsoft.com/office/powerpoint/2010/main" val="4088854541"/>
+      </p:ext>
+    </p:extLst>
+  </p:cSld>
+  <p:clrMapOvr>
+    <a:masterClrMapping/>
+  </p:clrMapOvr>
+</p:notes>
+</file>
+
 <file path=ppt/slideLayouts/slideLayout1.xml><?xml version="1.0" encoding="utf-8"?>
 <p:sldLayout xmlns:a="http://schemas.openxmlformats.org/drawingml/2006/main" xmlns:r="http://schemas.openxmlformats.org/officeDocument/2006/relationships" xmlns:p="http://schemas.openxmlformats.org/presentationml/2006/main" type="blank" preserve="1">
   <p:cSld name="Blank Slide">
@@ -7980,6 +10783,297 @@
     <p:extLst>
       <p:ext uri="{BB962C8B-B14F-4D97-AF65-F5344CB8AC3E}">
         <p14:creationId xmlns:p14="http://schemas.microsoft.com/office/powerpoint/2010/main" val="1040563460"/>
+      </p:ext>
+    </p:extLst>
+  </p:cSld>
+  <p:clrMapOvr>
+    <a:masterClrMapping/>
+  </p:clrMapOvr>
+</p:sldLayout>
+</file>
+
+<file path=ppt/slideLayouts/slideLayout38.xml><?xml version="1.0" encoding="utf-8"?>
+<p:sldLayout xmlns:a="http://schemas.openxmlformats.org/drawingml/2006/main" xmlns:r="http://schemas.openxmlformats.org/officeDocument/2006/relationships" xmlns:p="http://schemas.openxmlformats.org/presentationml/2006/main" userDrawn="1">
+  <p:cSld name="Three Content">
+    <p:spTree>
+      <p:nvGrpSpPr>
+        <p:cNvPr id="1" name=""/>
+        <p:cNvGrpSpPr/>
+        <p:nvPr/>
+      </p:nvGrpSpPr>
+      <p:grpSpPr>
+        <a:xfrm>
+          <a:off x="0" y="0"/>
+          <a:ext cx="0" cy="0"/>
+          <a:chOff x="0" y="0"/>
+          <a:chExt cx="0" cy="0"/>
+        </a:xfrm>
+      </p:grpSpPr>
+      <p:sp>
+        <p:nvSpPr>
+          <p:cNvPr id="12" name="Picture Placeholder 11">
+            <a:extLst>
+              <a:ext uri="{FF2B5EF4-FFF2-40B4-BE49-F238E27FC236}">
+                <a16:creationId xmlns:a16="http://schemas.microsoft.com/office/drawing/2014/main" id="{2F2F0876-DA34-44C2-B05E-66533803FE6E}"/>
+              </a:ext>
+            </a:extLst>
+          </p:cNvPr>
+          <p:cNvSpPr>
+            <a:spLocks noGrp="1"/>
+          </p:cNvSpPr>
+          <p:nvPr>
+            <p:ph type="pic" sz="quarter" idx="14"/>
+          </p:nvPr>
+        </p:nvSpPr>
+        <p:spPr>
+          <a:xfrm>
+            <a:off x="233400" y="246600"/>
+            <a:ext cx="11725200" cy="6364800"/>
+          </a:xfrm>
+        </p:spPr>
+        <p:txBody>
+          <a:bodyPr anchor="ctr" anchorCtr="0"/>
+          <a:lstStyle>
+            <a:lvl1pPr marL="0" indent="0" algn="ctr">
+              <a:buNone/>
+              <a:defRPr/>
+            </a:lvl1pPr>
+          </a:lstStyle>
+          <a:p>
+            <a:r>
+              <a:rPr lang="en-US"/>
+              <a:t>Click icon to add picture</a:t>
+            </a:r>
+            <a:endParaRPr lang="ru-RU"/>
+          </a:p>
+        </p:txBody>
+      </p:sp>
+      <p:sp>
+        <p:nvSpPr>
+          <p:cNvPr id="10" name="Picture Placeholder 9">
+            <a:extLst>
+              <a:ext uri="{FF2B5EF4-FFF2-40B4-BE49-F238E27FC236}">
+                <a16:creationId xmlns:a16="http://schemas.microsoft.com/office/drawing/2014/main" id="{6E352C7E-BCE1-47CD-872E-2935DD89FC28}"/>
+              </a:ext>
+            </a:extLst>
+          </p:cNvPr>
+          <p:cNvSpPr>
+            <a:spLocks noGrp="1"/>
+          </p:cNvSpPr>
+          <p:nvPr>
+            <p:ph type="pic" sz="quarter" idx="13"/>
+          </p:nvPr>
+        </p:nvSpPr>
+        <p:spPr>
+          <a:xfrm>
+            <a:off x="852488" y="2103438"/>
+            <a:ext cx="5243512" cy="3748087"/>
+          </a:xfrm>
+        </p:spPr>
+        <p:txBody>
+          <a:bodyPr anchor="ctr" anchorCtr="0"/>
+          <a:lstStyle>
+            <a:lvl1pPr marL="0" indent="0" algn="ctr">
+              <a:buNone/>
+              <a:defRPr/>
+            </a:lvl1pPr>
+          </a:lstStyle>
+          <a:p>
+            <a:r>
+              <a:rPr lang="en-US"/>
+              <a:t>Click icon to add picture</a:t>
+            </a:r>
+            <a:endParaRPr lang="ru-RU" dirty="0"/>
+          </a:p>
+        </p:txBody>
+      </p:sp>
+      <p:sp>
+        <p:nvSpPr>
+          <p:cNvPr id="8" name="Title 7"/>
+          <p:cNvSpPr>
+            <a:spLocks noGrp="1"/>
+          </p:cNvSpPr>
+          <p:nvPr>
+            <p:ph type="title"/>
+          </p:nvPr>
+        </p:nvSpPr>
+        <p:spPr/>
+        <p:txBody>
+          <a:bodyPr/>
+          <a:lstStyle>
+            <a:lvl1pPr>
+              <a:defRPr>
+                <a:solidFill>
+                  <a:schemeClr val="bg2">
+                    <a:lumMod val="50000"/>
+                  </a:schemeClr>
+                </a:solidFill>
+              </a:defRPr>
+            </a:lvl1pPr>
+          </a:lstStyle>
+          <a:p>
+            <a:r>
+              <a:rPr lang="en-US"/>
+              <a:t>Click to edit Master title style</a:t>
+            </a:r>
+            <a:endParaRPr lang="en-US" dirty="0"/>
+          </a:p>
+        </p:txBody>
+      </p:sp>
+      <p:sp>
+        <p:nvSpPr>
+          <p:cNvPr id="4" name="Content Placeholder 3"/>
+          <p:cNvSpPr>
+            <a:spLocks noGrp="1"/>
+          </p:cNvSpPr>
+          <p:nvPr>
+            <p:ph sz="half" idx="2"/>
+          </p:nvPr>
+        </p:nvSpPr>
+        <p:spPr>
+          <a:xfrm>
+            <a:off x="6461760" y="2103120"/>
+            <a:ext cx="4663440" cy="3749040"/>
+          </a:xfrm>
+        </p:spPr>
+        <p:txBody>
+          <a:bodyPr/>
+          <a:lstStyle>
+            <a:lvl1pPr>
+              <a:defRPr sz="1800"/>
+            </a:lvl1pPr>
+            <a:lvl2pPr>
+              <a:defRPr sz="1600"/>
+            </a:lvl2pPr>
+            <a:lvl3pPr>
+              <a:defRPr sz="1400"/>
+            </a:lvl3pPr>
+            <a:lvl4pPr>
+              <a:defRPr sz="1400"/>
+            </a:lvl4pPr>
+            <a:lvl5pPr>
+              <a:defRPr sz="1400"/>
+            </a:lvl5pPr>
+            <a:lvl6pPr>
+              <a:defRPr sz="1400"/>
+            </a:lvl6pPr>
+            <a:lvl7pPr>
+              <a:defRPr sz="1400"/>
+            </a:lvl7pPr>
+            <a:lvl8pPr>
+              <a:defRPr sz="1400"/>
+            </a:lvl8pPr>
+            <a:lvl9pPr>
+              <a:defRPr sz="1400"/>
+            </a:lvl9pPr>
+          </a:lstStyle>
+          <a:p>
+            <a:pPr lvl="0"/>
+            <a:r>
+              <a:rPr lang="en-US"/>
+              <a:t>Edit Master text styles</a:t>
+            </a:r>
+          </a:p>
+          <a:p>
+            <a:pPr lvl="1"/>
+            <a:r>
+              <a:rPr lang="en-US"/>
+              <a:t>Second level</a:t>
+            </a:r>
+          </a:p>
+          <a:p>
+            <a:pPr lvl="2"/>
+            <a:r>
+              <a:rPr lang="en-US"/>
+              <a:t>Third level</a:t>
+            </a:r>
+          </a:p>
+          <a:p>
+            <a:pPr lvl="3"/>
+            <a:r>
+              <a:rPr lang="en-US"/>
+              <a:t>Fourth level</a:t>
+            </a:r>
+          </a:p>
+          <a:p>
+            <a:pPr lvl="4"/>
+            <a:r>
+              <a:rPr lang="en-US"/>
+              <a:t>Fifth level</a:t>
+            </a:r>
+            <a:endParaRPr lang="en-US" dirty="0"/>
+          </a:p>
+        </p:txBody>
+      </p:sp>
+      <p:sp>
+        <p:nvSpPr>
+          <p:cNvPr id="5" name="Date Placeholder 4"/>
+          <p:cNvSpPr>
+            <a:spLocks noGrp="1"/>
+          </p:cNvSpPr>
+          <p:nvPr>
+            <p:ph type="dt" sz="half" idx="10"/>
+          </p:nvPr>
+        </p:nvSpPr>
+        <p:spPr/>
+        <p:txBody>
+          <a:bodyPr/>
+          <a:lstStyle/>
+          <a:p>
+            <a:fld id="{69186D26-FA5F-4637-B602-B7C2DC34CFD4}" type="datetime1">
+              <a:rPr lang="en-US" smtClean="0"/>
+              <a:t>6/6/2022</a:t>
+            </a:fld>
+            <a:endParaRPr lang="en-US" dirty="0"/>
+          </a:p>
+        </p:txBody>
+      </p:sp>
+      <p:sp>
+        <p:nvSpPr>
+          <p:cNvPr id="6" name="Footer Placeholder 5"/>
+          <p:cNvSpPr>
+            <a:spLocks noGrp="1"/>
+          </p:cNvSpPr>
+          <p:nvPr>
+            <p:ph type="ftr" sz="quarter" idx="11"/>
+          </p:nvPr>
+        </p:nvSpPr>
+        <p:spPr/>
+        <p:txBody>
+          <a:bodyPr/>
+          <a:lstStyle/>
+          <a:p>
+            <a:endParaRPr lang="en-US" dirty="0"/>
+          </a:p>
+        </p:txBody>
+      </p:sp>
+      <p:sp>
+        <p:nvSpPr>
+          <p:cNvPr id="7" name="Slide Number Placeholder 6"/>
+          <p:cNvSpPr>
+            <a:spLocks noGrp="1"/>
+          </p:cNvSpPr>
+          <p:nvPr>
+            <p:ph type="sldNum" sz="quarter" idx="12"/>
+          </p:nvPr>
+        </p:nvSpPr>
+        <p:spPr/>
+        <p:txBody>
+          <a:bodyPr/>
+          <a:lstStyle/>
+          <a:p>
+            <a:fld id="{34B7E4EF-A1BD-40F4-AB7B-04F084DD991D}" type="slidenum">
+              <a:rPr lang="en-US" smtClean="0"/>
+              <a:t>‹#›</a:t>
+            </a:fld>
+            <a:endParaRPr lang="en-US" dirty="0"/>
+          </a:p>
+        </p:txBody>
+      </p:sp>
+    </p:spTree>
+    <p:extLst>
+      <p:ext uri="{BB962C8B-B14F-4D97-AF65-F5344CB8AC3E}">
+        <p14:creationId xmlns:p14="http://schemas.microsoft.com/office/powerpoint/2010/main" val="957196334"/>
       </p:ext>
     </p:extLst>
   </p:cSld>
@@ -11195,6 +14289,7 @@
     <p:sldLayoutId id="2147483685" r:id="rId11"/>
     <p:sldLayoutId id="2147483686" r:id="rId12"/>
     <p:sldLayoutId id="2147483687" r:id="rId13"/>
+    <p:sldLayoutId id="2147483688" r:id="rId14"/>
   </p:sldLayoutIdLst>
   <p:txStyles>
     <p:titleStyle>
@@ -12062,6 +15157,193 @@
     <p:extLst>
       <p:ext uri="{BB962C8B-B14F-4D97-AF65-F5344CB8AC3E}">
         <p14:creationId xmlns:p14="http://schemas.microsoft.com/office/powerpoint/2010/main" val="1386799731"/>
+      </p:ext>
+    </p:extLst>
+  </p:cSld>
+  <p:clrMapOvr>
+    <a:masterClrMapping/>
+  </p:clrMapOvr>
+</p:sld>
+</file>
+
+<file path=ppt/slides/slide4.xml><?xml version="1.0" encoding="utf-8"?>
+<p:sld xmlns:a="http://schemas.openxmlformats.org/drawingml/2006/main" xmlns:r="http://schemas.openxmlformats.org/officeDocument/2006/relationships" xmlns:p="http://schemas.openxmlformats.org/presentationml/2006/main">
+  <p:cSld>
+    <p:spTree>
+      <p:nvGrpSpPr>
+        <p:cNvPr id="1" name=""/>
+        <p:cNvGrpSpPr/>
+        <p:nvPr/>
+      </p:nvGrpSpPr>
+      <p:grpSpPr>
+        <a:xfrm>
+          <a:off x="0" y="0"/>
+          <a:ext cx="0" cy="0"/>
+          <a:chOff x="0" y="0"/>
+          <a:chExt cx="0" cy="0"/>
+        </a:xfrm>
+      </p:grpSpPr>
+      <p:pic>
+        <p:nvPicPr>
+          <p:cNvPr id="6" name="Picture Placeholder 5" descr="People discuss some documents">
+            <a:extLst>
+              <a:ext uri="{FF2B5EF4-FFF2-40B4-BE49-F238E27FC236}">
+                <a16:creationId xmlns:a16="http://schemas.microsoft.com/office/drawing/2014/main" id="{AA3CBDBD-ADA7-4AA5-9091-5AD206DAD37F}"/>
+              </a:ext>
+            </a:extLst>
+          </p:cNvPr>
+          <p:cNvPicPr>
+            <a:picLocks noGrp="1" noChangeAspect="1"/>
+          </p:cNvPicPr>
+          <p:nvPr>
+            <p:ph type="pic" sz="quarter" idx="14"/>
+          </p:nvPr>
+        </p:nvPicPr>
+        <p:blipFill>
+          <a:blip r:embed="rId3">
+            <a:duotone>
+              <a:prstClr val="black"/>
+              <a:schemeClr val="accent1">
+                <a:tint val="45000"/>
+                <a:satMod val="400000"/>
+              </a:schemeClr>
+            </a:duotone>
+            <a:alphaModFix amt="10000"/>
+            <a:extLst>
+              <a:ext uri="{28A0092B-C50C-407E-A947-70E740481C1C}">
+                <a14:useLocalDpi xmlns:a14="http://schemas.microsoft.com/office/drawing/2010/main" val="0"/>
+              </a:ext>
+            </a:extLst>
+          </a:blip>
+          <a:srcRect/>
+          <a:stretch/>
+        </p:blipFill>
+        <p:spPr>
+          <a:xfrm>
+            <a:off x="233400" y="247670"/>
+            <a:ext cx="11725200" cy="6362659"/>
+          </a:xfrm>
+        </p:spPr>
+      </p:pic>
+      <p:sp>
+        <p:nvSpPr>
+          <p:cNvPr id="3" name="Title 2">
+            <a:extLst>
+              <a:ext uri="{FF2B5EF4-FFF2-40B4-BE49-F238E27FC236}">
+                <a16:creationId xmlns:a16="http://schemas.microsoft.com/office/drawing/2014/main" id="{6002F139-264F-4B41-B39A-9E8B2901E164}"/>
+              </a:ext>
+            </a:extLst>
+          </p:cNvPr>
+          <p:cNvSpPr>
+            <a:spLocks noGrp="1"/>
+          </p:cNvSpPr>
+          <p:nvPr>
+            <p:ph type="title"/>
+          </p:nvPr>
+        </p:nvSpPr>
+        <p:spPr/>
+        <p:txBody>
+          <a:bodyPr/>
+          <a:lstStyle/>
+          <a:p>
+            <a:r>
+              <a:rPr lang="en-US" dirty="0"/>
+              <a:t>How does DFS work</a:t>
+            </a:r>
+            <a:endParaRPr lang="en-US" dirty="0">
+              <a:solidFill>
+                <a:schemeClr val="bg2">
+                  <a:lumMod val="50000"/>
+                </a:schemeClr>
+              </a:solidFill>
+            </a:endParaRPr>
+          </a:p>
+        </p:txBody>
+      </p:sp>
+      <p:graphicFrame>
+        <p:nvGraphicFramePr>
+          <p:cNvPr id="13" name="Content Placeholder 14" descr="SmartArt object">
+            <a:extLst>
+              <a:ext uri="{FF2B5EF4-FFF2-40B4-BE49-F238E27FC236}">
+                <a16:creationId xmlns:a16="http://schemas.microsoft.com/office/drawing/2014/main" id="{DDF6050D-62DF-4914-93B9-C337839FF3BD}"/>
+              </a:ext>
+            </a:extLst>
+          </p:cNvPr>
+          <p:cNvGraphicFramePr>
+            <a:graphicFrameLocks noGrp="1"/>
+          </p:cNvGraphicFramePr>
+          <p:nvPr>
+            <p:ph sz="half" idx="2"/>
+          </p:nvPr>
+        </p:nvGraphicFramePr>
+        <p:xfrm>
+          <a:off x="6461125" y="2103438"/>
+          <a:ext cx="4664075" cy="3748087"/>
+        </p:xfrm>
+        <a:graphic>
+          <a:graphicData uri="http://schemas.openxmlformats.org/drawingml/2006/diagram">
+            <dgm:relIds xmlns:dgm="http://schemas.openxmlformats.org/drawingml/2006/diagram" xmlns:r="http://schemas.openxmlformats.org/officeDocument/2006/relationships" r:dm="rId4" r:lo="rId5" r:qs="rId6" r:cs="rId7"/>
+          </a:graphicData>
+        </a:graphic>
+      </p:graphicFrame>
+      <p:sp>
+        <p:nvSpPr>
+          <p:cNvPr id="2" name="Picture Placeholder 1"/>
+          <p:cNvSpPr>
+            <a:spLocks noGrp="1"/>
+          </p:cNvSpPr>
+          <p:nvPr>
+            <p:ph type="pic" sz="quarter" idx="13"/>
+          </p:nvPr>
+        </p:nvSpPr>
+        <p:spPr/>
+      </p:sp>
+      <p:pic>
+        <p:nvPicPr>
+          <p:cNvPr id="7" name="Picture Placeholder 5" descr="Man shows something on the laptop">
+            <a:extLst>
+              <a:ext uri="{FF2B5EF4-FFF2-40B4-BE49-F238E27FC236}">
+                <a16:creationId xmlns:a16="http://schemas.microsoft.com/office/drawing/2014/main" id="{CCB0035C-155F-4A5B-87BE-89762733C8E1}"/>
+              </a:ext>
+            </a:extLst>
+          </p:cNvPr>
+          <p:cNvPicPr>
+            <a:picLocks/>
+          </p:cNvPicPr>
+          <p:nvPr/>
+        </p:nvPicPr>
+        <p:blipFill>
+          <a:blip r:embed="rId9">
+            <a:duotone>
+              <a:prstClr val="black"/>
+              <a:schemeClr val="accent1">
+                <a:tint val="45000"/>
+                <a:satMod val="400000"/>
+              </a:schemeClr>
+            </a:duotone>
+            <a:extLst>
+              <a:ext uri="{28A0092B-C50C-407E-A947-70E740481C1C}">
+                <a14:useLocalDpi xmlns:a14="http://schemas.microsoft.com/office/drawing/2010/main" val="0"/>
+              </a:ext>
+            </a:extLst>
+          </a:blip>
+          <a:srcRect/>
+          <a:stretch/>
+        </p:blipFill>
+        <p:spPr>
+          <a:xfrm>
+            <a:off x="852488" y="2103438"/>
+            <a:ext cx="5243512" cy="3748088"/>
+          </a:xfrm>
+          <a:prstGeom prst="rect">
+            <a:avLst/>
+          </a:prstGeom>
+        </p:spPr>
+      </p:pic>
+    </p:spTree>
+    <p:extLst>
+      <p:ext uri="{BB962C8B-B14F-4D97-AF65-F5344CB8AC3E}">
+        <p14:creationId xmlns:p14="http://schemas.microsoft.com/office/powerpoint/2010/main" val="912618888"/>
       </p:ext>
     </p:extLst>
   </p:cSld>

--- a/DFS Installation  and configuration.pptx
+++ b/DFS Installation  and configuration.pptx
@@ -116,6 +116,11 @@
       </a:defRPr>
     </a:lvl9pPr>
   </p:defaultTextStyle>
+  <p:extLst>
+    <p:ext uri="{EFAFB233-063F-42B5-8137-9DF3F51BA10A}">
+      <p15:sldGuideLst xmlns:p15="http://schemas.microsoft.com/office/powerpoint/2012/main"/>
+    </p:ext>
+  </p:extLst>
 </p:presentation>
 </file>
 
@@ -2137,13 +2142,6 @@
         </dgm:presLayoutVars>
       </dgm:prSet>
       <dgm:spPr/>
-      <dgm:t>
-        <a:bodyPr/>
-        <a:lstStyle/>
-        <a:p>
-          <a:endParaRPr lang="en-US"/>
-        </a:p>
-      </dgm:t>
     </dgm:pt>
     <dgm:pt modelId="{8B70BCB8-2CA8-4281-8C3E-9646AA407DE2}" type="pres">
       <dgm:prSet presAssocID="{2EE95FC5-CD6B-4A50-9262-DC414E16C3EA}" presName="node" presStyleLbl="node1" presStyleIdx="0" presStyleCnt="5" custScaleX="115064" custLinFactNeighborX="976">
@@ -2152,13 +2150,6 @@
         </dgm:presLayoutVars>
       </dgm:prSet>
       <dgm:spPr/>
-      <dgm:t>
-        <a:bodyPr/>
-        <a:lstStyle/>
-        <a:p>
-          <a:endParaRPr lang="en-US"/>
-        </a:p>
-      </dgm:t>
     </dgm:pt>
     <dgm:pt modelId="{E02BC8AD-DDC2-43A7-BB43-F6F8D8BD6340}" type="pres">
       <dgm:prSet presAssocID="{C99EBBB1-E916-471C-83C9-ABE85B42AC26}" presName="sibTrans" presStyleCnt="0"/>
@@ -2171,13 +2162,6 @@
         </dgm:presLayoutVars>
       </dgm:prSet>
       <dgm:spPr/>
-      <dgm:t>
-        <a:bodyPr/>
-        <a:lstStyle/>
-        <a:p>
-          <a:endParaRPr lang="en-US"/>
-        </a:p>
-      </dgm:t>
     </dgm:pt>
     <dgm:pt modelId="{87C885F5-93E2-4D86-AAEA-8BD12E68F9BB}" type="pres">
       <dgm:prSet presAssocID="{6BD5265A-8333-420D-BDB2-65F10B3EBD76}" presName="sibTrans" presStyleCnt="0"/>
@@ -2190,13 +2174,6 @@
         </dgm:presLayoutVars>
       </dgm:prSet>
       <dgm:spPr/>
-      <dgm:t>
-        <a:bodyPr/>
-        <a:lstStyle/>
-        <a:p>
-          <a:endParaRPr lang="en-US"/>
-        </a:p>
-      </dgm:t>
     </dgm:pt>
     <dgm:pt modelId="{A8EBA167-82EB-4D7C-98F7-2AB66BCE8A90}" type="pres">
       <dgm:prSet presAssocID="{A8E2FA08-4DD4-4654-A85D-9A99162D6201}" presName="sibTrans" presStyleCnt="0"/>
@@ -2209,13 +2186,6 @@
         </dgm:presLayoutVars>
       </dgm:prSet>
       <dgm:spPr/>
-      <dgm:t>
-        <a:bodyPr/>
-        <a:lstStyle/>
-        <a:p>
-          <a:endParaRPr lang="en-US"/>
-        </a:p>
-      </dgm:t>
     </dgm:pt>
     <dgm:pt modelId="{4F5C547E-E40F-424A-82FA-BB8EDB1515B0}" type="pres">
       <dgm:prSet presAssocID="{2804F27C-9BA9-4D07-AB02-74BE7DFA2C0E}" presName="sibTrans" presStyleCnt="0"/>
@@ -2228,27 +2198,20 @@
         </dgm:presLayoutVars>
       </dgm:prSet>
       <dgm:spPr/>
-      <dgm:t>
-        <a:bodyPr/>
-        <a:lstStyle/>
-        <a:p>
-          <a:endParaRPr lang="en-US"/>
-        </a:p>
-      </dgm:t>
     </dgm:pt>
   </dgm:ptLst>
   <dgm:cxnLst>
+    <dgm:cxn modelId="{C3C9D92A-4F8E-4228-8DF6-5BC8FFC105E0}" type="presOf" srcId="{2EE95FC5-CD6B-4A50-9262-DC414E16C3EA}" destId="{8B70BCB8-2CA8-4281-8C3E-9646AA407DE2}" srcOrd="0" destOrd="0" presId="urn:microsoft.com/office/officeart/2005/8/layout/default"/>
+    <dgm:cxn modelId="{E9B19438-D9F1-42E9-B97B-ECEA234AED50}" type="presOf" srcId="{F05611F0-8256-4954-B6CB-ED6B4F2DD397}" destId="{B86E23A3-742D-4587-88CF-2D56A8442149}" srcOrd="0" destOrd="0" presId="urn:microsoft.com/office/officeart/2005/8/layout/default"/>
+    <dgm:cxn modelId="{D6CBE33F-90E3-4C8D-B80F-821ED7205D90}" type="presOf" srcId="{140952D0-0E1D-4F48-9F16-53581487CFA0}" destId="{18405FE4-7B27-4C69-B6FE-12C8B84249EF}" srcOrd="0" destOrd="0" presId="urn:microsoft.com/office/officeart/2005/8/layout/default"/>
+    <dgm:cxn modelId="{14D43B81-F92D-4CD8-9D1E-78CBF092C750}" srcId="{D0F07F19-1F50-4B42-A7A0-278DF9D25BB1}" destId="{C2F8C7F7-44C4-414A-BCCD-56E91DD0A777}" srcOrd="4" destOrd="0" parTransId="{E6C6DF88-9436-40D7-BA84-18FE896A6151}" sibTransId="{4E39967D-43EF-4F15-814A-2F491D900D43}"/>
+    <dgm:cxn modelId="{B3F19EC2-A372-4EC3-BFE0-C62FFDFE3DF6}" srcId="{D0F07F19-1F50-4B42-A7A0-278DF9D25BB1}" destId="{2EE95FC5-CD6B-4A50-9262-DC414E16C3EA}" srcOrd="0" destOrd="0" parTransId="{75374347-884B-4721-8CFF-DF080F5B1C79}" sibTransId="{C99EBBB1-E916-471C-83C9-ABE85B42AC26}"/>
+    <dgm:cxn modelId="{914FACD2-336A-4471-9E99-312B3F8EAB04}" srcId="{D0F07F19-1F50-4B42-A7A0-278DF9D25BB1}" destId="{F05611F0-8256-4954-B6CB-ED6B4F2DD397}" srcOrd="1" destOrd="0" parTransId="{CD7328D6-9FAE-4506-9BDB-E06A571EC1D4}" sibTransId="{6BD5265A-8333-420D-BDB2-65F10B3EBD76}"/>
     <dgm:cxn modelId="{6F765DD9-BF93-49A8-A6EA-AB13464D24B0}" type="presOf" srcId="{C2F8C7F7-44C4-414A-BCCD-56E91DD0A777}" destId="{435C0E89-FD70-4DD9-A771-832DBFC9ACBC}" srcOrd="0" destOrd="0" presId="urn:microsoft.com/office/officeart/2005/8/layout/default"/>
     <dgm:cxn modelId="{6D195AE4-39B4-45CF-9D82-CF1593D393F6}" type="presOf" srcId="{22625139-F93A-4F3F-A7AA-4923A01AEDF3}" destId="{D64973A5-4E87-44F1-B369-B0D5E0C2A462}" srcOrd="0" destOrd="0" presId="urn:microsoft.com/office/officeart/2005/8/layout/default"/>
+    <dgm:cxn modelId="{38B196E4-A718-4E5E-8B33-DFB2B77FDE42}" type="presOf" srcId="{D0F07F19-1F50-4B42-A7A0-278DF9D25BB1}" destId="{40FE0EB9-B287-43F6-ABB4-527CB1B94B4A}" srcOrd="0" destOrd="0" presId="urn:microsoft.com/office/officeart/2005/8/layout/default"/>
+    <dgm:cxn modelId="{B07163E8-ADEC-492A-8F07-7E5786AB23AE}" srcId="{D0F07F19-1F50-4B42-A7A0-278DF9D25BB1}" destId="{140952D0-0E1D-4F48-9F16-53581487CFA0}" srcOrd="3" destOrd="0" parTransId="{790C446F-6917-41E7-BE01-7AFE2676D505}" sibTransId="{2804F27C-9BA9-4D07-AB02-74BE7DFA2C0E}"/>
     <dgm:cxn modelId="{FC7721F0-429B-4CE7-BE98-C2F3C41FE9C7}" srcId="{D0F07F19-1F50-4B42-A7A0-278DF9D25BB1}" destId="{22625139-F93A-4F3F-A7AA-4923A01AEDF3}" srcOrd="2" destOrd="0" parTransId="{F549A0EB-6BE9-4749-8336-B02A279AE302}" sibTransId="{A8E2FA08-4DD4-4654-A85D-9A99162D6201}"/>
-    <dgm:cxn modelId="{914FACD2-336A-4471-9E99-312B3F8EAB04}" srcId="{D0F07F19-1F50-4B42-A7A0-278DF9D25BB1}" destId="{F05611F0-8256-4954-B6CB-ED6B4F2DD397}" srcOrd="1" destOrd="0" parTransId="{CD7328D6-9FAE-4506-9BDB-E06A571EC1D4}" sibTransId="{6BD5265A-8333-420D-BDB2-65F10B3EBD76}"/>
-    <dgm:cxn modelId="{14D43B81-F92D-4CD8-9D1E-78CBF092C750}" srcId="{D0F07F19-1F50-4B42-A7A0-278DF9D25BB1}" destId="{C2F8C7F7-44C4-414A-BCCD-56E91DD0A777}" srcOrd="4" destOrd="0" parTransId="{E6C6DF88-9436-40D7-BA84-18FE896A6151}" sibTransId="{4E39967D-43EF-4F15-814A-2F491D900D43}"/>
-    <dgm:cxn modelId="{B3F19EC2-A372-4EC3-BFE0-C62FFDFE3DF6}" srcId="{D0F07F19-1F50-4B42-A7A0-278DF9D25BB1}" destId="{2EE95FC5-CD6B-4A50-9262-DC414E16C3EA}" srcOrd="0" destOrd="0" parTransId="{75374347-884B-4721-8CFF-DF080F5B1C79}" sibTransId="{C99EBBB1-E916-471C-83C9-ABE85B42AC26}"/>
-    <dgm:cxn modelId="{C3C9D92A-4F8E-4228-8DF6-5BC8FFC105E0}" type="presOf" srcId="{2EE95FC5-CD6B-4A50-9262-DC414E16C3EA}" destId="{8B70BCB8-2CA8-4281-8C3E-9646AA407DE2}" srcOrd="0" destOrd="0" presId="urn:microsoft.com/office/officeart/2005/8/layout/default"/>
-    <dgm:cxn modelId="{38B196E4-A718-4E5E-8B33-DFB2B77FDE42}" type="presOf" srcId="{D0F07F19-1F50-4B42-A7A0-278DF9D25BB1}" destId="{40FE0EB9-B287-43F6-ABB4-527CB1B94B4A}" srcOrd="0" destOrd="0" presId="urn:microsoft.com/office/officeart/2005/8/layout/default"/>
-    <dgm:cxn modelId="{E9B19438-D9F1-42E9-B97B-ECEA234AED50}" type="presOf" srcId="{F05611F0-8256-4954-B6CB-ED6B4F2DD397}" destId="{B86E23A3-742D-4587-88CF-2D56A8442149}" srcOrd="0" destOrd="0" presId="urn:microsoft.com/office/officeart/2005/8/layout/default"/>
-    <dgm:cxn modelId="{B07163E8-ADEC-492A-8F07-7E5786AB23AE}" srcId="{D0F07F19-1F50-4B42-A7A0-278DF9D25BB1}" destId="{140952D0-0E1D-4F48-9F16-53581487CFA0}" srcOrd="3" destOrd="0" parTransId="{790C446F-6917-41E7-BE01-7AFE2676D505}" sibTransId="{2804F27C-9BA9-4D07-AB02-74BE7DFA2C0E}"/>
-    <dgm:cxn modelId="{D6CBE33F-90E3-4C8D-B80F-821ED7205D90}" type="presOf" srcId="{140952D0-0E1D-4F48-9F16-53581487CFA0}" destId="{18405FE4-7B27-4C69-B6FE-12C8B84249EF}" srcOrd="0" destOrd="0" presId="urn:microsoft.com/office/officeart/2005/8/layout/default"/>
     <dgm:cxn modelId="{D17F6962-6CF2-4448-8F2E-27A7CB5CAB16}" type="presParOf" srcId="{40FE0EB9-B287-43F6-ABB4-527CB1B94B4A}" destId="{8B70BCB8-2CA8-4281-8C3E-9646AA407DE2}" srcOrd="0" destOrd="0" presId="urn:microsoft.com/office/officeart/2005/8/layout/default"/>
     <dgm:cxn modelId="{6873F57A-5B91-48FC-9B1A-61BEA27CBE90}" type="presParOf" srcId="{40FE0EB9-B287-43F6-ABB4-527CB1B94B4A}" destId="{E02BC8AD-DDC2-43A7-BB43-F6F8D8BD6340}" srcOrd="1" destOrd="0" presId="urn:microsoft.com/office/officeart/2005/8/layout/default"/>
     <dgm:cxn modelId="{FC4588CA-0BEE-4DE6-9726-93F413184C3C}" type="presParOf" srcId="{40FE0EB9-B287-43F6-ABB4-527CB1B94B4A}" destId="{B86E23A3-742D-4587-88CF-2D56A8442149}" srcOrd="2" destOrd="0" presId="urn:microsoft.com/office/officeart/2005/8/layout/default"/>
@@ -2296,7 +2259,17 @@
                 </a:schemeClr>
               </a:solidFill>
             </a:rPr>
-            <a:t>Standalone DFS namespace</a:t>
+            <a:t>Standalone </a:t>
+          </a:r>
+          <a:r>
+            <a:rPr lang="en-US" sz="2100">
+              <a:solidFill>
+                <a:schemeClr val="bg2">
+                  <a:lumMod val="50000"/>
+                </a:schemeClr>
+              </a:solidFill>
+            </a:rPr>
+            <a:t>DFS namespace.</a:t>
           </a:r>
           <a:endParaRPr lang="ru-RU" sz="2100" dirty="0">
             <a:solidFill>
@@ -2431,7 +2404,7 @@
                 <a14:useLocalDpi xmlns:a14="http://schemas.microsoft.com/office/drawing/2010/main" val="0"/>
               </a:ext>
               <a:ext uri="{96DAC541-7B7A-43D3-8B79-37D633B846F1}">
-                <asvg:svgBlip xmlns:asvg="http://schemas.microsoft.com/office/drawing/2016/SVG/main" xmlns="" r:embed="rId2"/>
+                <asvg:svgBlip xmlns:asvg="http://schemas.microsoft.com/office/drawing/2016/SVG/main" r:embed="rId2"/>
               </a:ext>
             </a:extLst>
           </a:blip>
@@ -2461,13 +2434,6 @@
         </dgm:presLayoutVars>
       </dgm:prSet>
       <dgm:spPr/>
-      <dgm:t>
-        <a:bodyPr/>
-        <a:lstStyle/>
-        <a:p>
-          <a:endParaRPr lang="en-US"/>
-        </a:p>
-      </dgm:t>
     </dgm:pt>
     <dgm:pt modelId="{E8F86784-F939-4DC2-B805-3A2239B0770F}" type="pres">
       <dgm:prSet presAssocID="{29667D30-8073-4626-A65C-0442C9DA4455}" presName="sibTrans" presStyleCnt="0"/>
@@ -2505,7 +2471,7 @@
                 <a14:useLocalDpi xmlns:a14="http://schemas.microsoft.com/office/drawing/2010/main" val="0"/>
               </a:ext>
               <a:ext uri="{96DAC541-7B7A-43D3-8B79-37D633B846F1}">
-                <asvg:svgBlip xmlns:asvg="http://schemas.microsoft.com/office/drawing/2016/SVG/main" xmlns="" r:embed="rId4"/>
+                <asvg:svgBlip xmlns:asvg="http://schemas.microsoft.com/office/drawing/2016/SVG/main" r:embed="rId4"/>
               </a:ext>
             </a:extLst>
           </a:blip>
@@ -2536,21 +2502,14 @@
         </dgm:presLayoutVars>
       </dgm:prSet>
       <dgm:spPr/>
-      <dgm:t>
-        <a:bodyPr/>
-        <a:lstStyle/>
-        <a:p>
-          <a:endParaRPr lang="en-US"/>
-        </a:p>
-      </dgm:t>
     </dgm:pt>
   </dgm:ptLst>
   <dgm:cxnLst>
     <dgm:cxn modelId="{63841A12-C18B-1141-BB66-67F94352C339}" type="presOf" srcId="{7084B800-7E1D-4DA6-89C0-37EA52DDBCB8}" destId="{C777032A-9475-4396-9274-DE9A78A74CC0}" srcOrd="0" destOrd="0" presId="urn:microsoft.com/office/officeart/2018/2/layout/IconVerticalSolidList"/>
+    <dgm:cxn modelId="{07D1F65C-7C41-4EB6-A133-CA7F29791640}" srcId="{592373DC-11B1-4708-92E2-E1B8EB8D76D8}" destId="{4786322A-3DB1-4B13-A039-9C2B4BD33902}" srcOrd="1" destOrd="0" parTransId="{4F3F2426-EA56-4F79-A02F-DE7A210D680D}" sibTransId="{7D0A801E-90E9-4D73-A31E-D58F04D3BBF2}"/>
     <dgm:cxn modelId="{9B527D63-3134-1743-961D-BB943F9BC328}" type="presOf" srcId="{4786322A-3DB1-4B13-A039-9C2B4BD33902}" destId="{8988E990-E700-4C93-BC55-7BF7864AEFFE}" srcOrd="0" destOrd="0" presId="urn:microsoft.com/office/officeart/2018/2/layout/IconVerticalSolidList"/>
+    <dgm:cxn modelId="{99FCC3A2-7D1A-B343-BC04-AA140FF8D6F7}" type="presOf" srcId="{592373DC-11B1-4708-92E2-E1B8EB8D76D8}" destId="{BEBE168A-5E85-43CC-B9BA-D1974F9A5753}" srcOrd="0" destOrd="0" presId="urn:microsoft.com/office/officeart/2018/2/layout/IconVerticalSolidList"/>
     <dgm:cxn modelId="{D7BBB8C6-B60F-4050-B5C1-3F3A86AF4294}" srcId="{592373DC-11B1-4708-92E2-E1B8EB8D76D8}" destId="{7084B800-7E1D-4DA6-89C0-37EA52DDBCB8}" srcOrd="0" destOrd="0" parTransId="{E459F664-A62C-4466-90D1-14D94F7456F9}" sibTransId="{29667D30-8073-4626-A65C-0442C9DA4455}"/>
-    <dgm:cxn modelId="{99FCC3A2-7D1A-B343-BC04-AA140FF8D6F7}" type="presOf" srcId="{592373DC-11B1-4708-92E2-E1B8EB8D76D8}" destId="{BEBE168A-5E85-43CC-B9BA-D1974F9A5753}" srcOrd="0" destOrd="0" presId="urn:microsoft.com/office/officeart/2018/2/layout/IconVerticalSolidList"/>
-    <dgm:cxn modelId="{07D1F65C-7C41-4EB6-A133-CA7F29791640}" srcId="{592373DC-11B1-4708-92E2-E1B8EB8D76D8}" destId="{4786322A-3DB1-4B13-A039-9C2B4BD33902}" srcOrd="1" destOrd="0" parTransId="{4F3F2426-EA56-4F79-A02F-DE7A210D680D}" sibTransId="{7D0A801E-90E9-4D73-A31E-D58F04D3BBF2}"/>
     <dgm:cxn modelId="{EC6A6010-62D0-E741-9ED3-0E0A4F187C22}" type="presParOf" srcId="{BEBE168A-5E85-43CC-B9BA-D1974F9A5753}" destId="{6F7D1589-E38C-4EEF-8940-633D1FA307AE}" srcOrd="0" destOrd="0" presId="urn:microsoft.com/office/officeart/2018/2/layout/IconVerticalSolidList"/>
     <dgm:cxn modelId="{3651A24D-686D-D14B-8701-AFB991DD91A7}" type="presParOf" srcId="{6F7D1589-E38C-4EEF-8940-633D1FA307AE}" destId="{5055791F-FD8B-4C95-BE9E-DCA1684759AE}" srcOrd="0" destOrd="0" presId="urn:microsoft.com/office/officeart/2018/2/layout/IconVerticalSolidList"/>
     <dgm:cxn modelId="{7B546F74-9BC9-8B4A-907D-549F35C2FD3E}" type="presParOf" srcId="{6F7D1589-E38C-4EEF-8940-633D1FA307AE}" destId="{3A2A1665-F91D-4C16-A420-BA5DD166AEE3}" srcOrd="1" destOrd="0" presId="urn:microsoft.com/office/officeart/2018/2/layout/IconVerticalSolidList"/>
@@ -2630,7 +2589,7 @@
         </a:bodyPr>
         <a:lstStyle/>
         <a:p>
-          <a:pPr lvl="0" algn="ctr" defTabSz="1066800">
+          <a:pPr marL="0" lvl="0" indent="0" algn="ctr" defTabSz="1066800">
             <a:lnSpc>
               <a:spcPct val="90000"/>
             </a:lnSpc>
@@ -2640,6 +2599,7 @@
             <a:spcAft>
               <a:spcPct val="35000"/>
             </a:spcAft>
+            <a:buNone/>
           </a:pPr>
           <a:r>
             <a:rPr lang="en-US" sz="2400" b="1" kern="1200" dirty="0">
@@ -3049,7 +3009,7 @@
                 <a14:useLocalDpi xmlns:a14="http://schemas.microsoft.com/office/drawing/2010/main" val="0"/>
               </a:ext>
               <a:ext uri="{96DAC541-7B7A-43D3-8B79-37D633B846F1}">
-                <asvg:svgBlip xmlns:asvg="http://schemas.microsoft.com/office/drawing/2016/SVG/main" xmlns="" r:embed="rId2"/>
+                <asvg:svgBlip xmlns:asvg="http://schemas.microsoft.com/office/drawing/2016/SVG/main" r:embed="rId2"/>
               </a:ext>
             </a:extLst>
           </a:blip>
@@ -3116,7 +3076,7 @@
         </a:bodyPr>
         <a:lstStyle/>
         <a:p>
-          <a:pPr lvl="0" algn="l" defTabSz="933450">
+          <a:pPr marL="0" lvl="0" indent="0" algn="l" defTabSz="933450">
             <a:lnSpc>
               <a:spcPct val="100000"/>
             </a:lnSpc>
@@ -3126,6 +3086,7 @@
             <a:spcAft>
               <a:spcPct val="35000"/>
             </a:spcAft>
+            <a:buNone/>
           </a:pPr>
           <a:r>
             <a:rPr lang="en-US" sz="2100" kern="1200" dirty="0">
@@ -3135,7 +3096,17 @@
                 </a:schemeClr>
               </a:solidFill>
             </a:rPr>
-            <a:t>Standalone DFS namespace</a:t>
+            <a:t>Standalone </a:t>
+          </a:r>
+          <a:r>
+            <a:rPr lang="en-US" sz="2100" kern="1200">
+              <a:solidFill>
+                <a:schemeClr val="bg2">
+                  <a:lumMod val="50000"/>
+                </a:schemeClr>
+              </a:solidFill>
+            </a:rPr>
+            <a:t>DFS namespace.</a:t>
           </a:r>
           <a:endParaRPr lang="ru-RU" sz="2100" kern="1200" dirty="0">
             <a:solidFill>
@@ -3209,7 +3180,7 @@
                 <a14:useLocalDpi xmlns:a14="http://schemas.microsoft.com/office/drawing/2010/main" val="0"/>
               </a:ext>
               <a:ext uri="{96DAC541-7B7A-43D3-8B79-37D633B846F1}">
-                <asvg:svgBlip xmlns:asvg="http://schemas.microsoft.com/office/drawing/2016/SVG/main" xmlns="" r:embed="rId4"/>
+                <asvg:svgBlip xmlns:asvg="http://schemas.microsoft.com/office/drawing/2016/SVG/main" r:embed="rId4"/>
               </a:ext>
             </a:extLst>
           </a:blip>
@@ -3277,7 +3248,7 @@
         </a:bodyPr>
         <a:lstStyle/>
         <a:p>
-          <a:pPr lvl="0" algn="l" defTabSz="933450">
+          <a:pPr marL="0" lvl="0" indent="0" algn="l" defTabSz="933450">
             <a:lnSpc>
               <a:spcPct val="100000"/>
             </a:lnSpc>
@@ -3287,6 +3258,7 @@
             <a:spcAft>
               <a:spcPct val="35000"/>
             </a:spcAft>
+            <a:buNone/>
           </a:pPr>
           <a:r>
             <a:rPr lang="en-US" sz="2100" kern="1200" dirty="0">
@@ -3746,7 +3718,7 @@
   </dgm:layoutNode>
   <dgm:extLst>
     <a:ext uri="{68A01E43-0DF5-4B5B-8FA6-DAF915123BFB}">
-      <dgm1612:lstStyle xmlns:dgm1612="http://schemas.microsoft.com/office/drawing/2016/12/diagram" xmlns="">
+      <dgm1612:lstStyle xmlns:dgm1612="http://schemas.microsoft.com/office/drawing/2016/12/diagram">
         <a:lvl1pPr>
           <a:lnSpc>
             <a:spcPct val="100000"/>
@@ -14153,7 +14125,7 @@
           </a:lstStyle>
           <a:p>
             <a:r>
-              <a:rPr lang="en-US" smtClean="0"/>
+              <a:rPr lang="en-US"/>
               <a:t>Click to edit Master title style</a:t>
             </a:r>
             <a:endParaRPr lang="en-US" dirty="0"/>
@@ -14210,35 +14182,35 @@
           <a:p>
             <a:pPr lvl="0"/>
             <a:r>
-              <a:rPr lang="en-US" smtClean="0"/>
+              <a:rPr lang="en-US"/>
               <a:t>Edit Master text styles</a:t>
             </a:r>
           </a:p>
           <a:p>
             <a:pPr lvl="1"/>
             <a:r>
-              <a:rPr lang="en-US" smtClean="0"/>
+              <a:rPr lang="en-US"/>
               <a:t>Second level</a:t>
             </a:r>
           </a:p>
           <a:p>
             <a:pPr lvl="2"/>
             <a:r>
-              <a:rPr lang="en-US" smtClean="0"/>
+              <a:rPr lang="en-US"/>
               <a:t>Third level</a:t>
             </a:r>
           </a:p>
           <a:p>
             <a:pPr lvl="3"/>
             <a:r>
-              <a:rPr lang="en-US" smtClean="0"/>
+              <a:rPr lang="en-US"/>
               <a:t>Fourth level</a:t>
             </a:r>
           </a:p>
           <a:p>
             <a:pPr lvl="4"/>
             <a:r>
-              <a:rPr lang="en-US" smtClean="0"/>
+              <a:rPr lang="en-US"/>
               <a:t>Fifth level</a:t>
             </a:r>
             <a:endParaRPr lang="en-US" dirty="0"/>
@@ -14316,7 +14288,7 @@
           <a:p>
             <a:pPr lvl="0"/>
             <a:r>
-              <a:rPr lang="en-US" smtClean="0"/>
+              <a:rPr lang="en-US"/>
               <a:t>Edit Master text styles</a:t>
             </a:r>
           </a:p>
@@ -19459,9 +19431,6 @@
               </a:rPr>
               <a:t>DFS Installation  and configuration </a:t>
             </a:r>
-            <a:r>
-              <a:t/>
-            </a:r>
             <a:br/>
             <a:r>
               <a:rPr lang="en-US" sz="3200" b="0" strike="noStrike" cap="all" spc="-100">
@@ -19584,14 +19553,6 @@
   <p:clrMapOvr>
     <a:masterClrMapping/>
   </p:clrMapOvr>
-  <mc:AlternateContent xmlns:mc="http://schemas.openxmlformats.org/markup-compatibility/2006" xmlns:p14="http://schemas.microsoft.com/office/powerpoint/2010/main">
-    <mc:Choice Requires="p14">
-      <p:transition spd="slow" p14:dur="2000"/>
-    </mc:Choice>
-    <mc:Fallback xmlns:p15="http://schemas.microsoft.com/office/powerpoint/2012/main" xmlns="">
-      <p:transition spd="slow"/>
-    </mc:Fallback>
-  </mc:AlternateContent>
 </p:sld>
 </file>
 
@@ -19722,14 +19683,6 @@
   <p:clrMapOvr>
     <a:masterClrMapping/>
   </p:clrMapOvr>
-  <mc:AlternateContent xmlns:mc="http://schemas.openxmlformats.org/markup-compatibility/2006" xmlns:p14="http://schemas.microsoft.com/office/powerpoint/2010/main">
-    <mc:Choice Requires="p14">
-      <p:transition spd="slow" p14:dur="2000"/>
-    </mc:Choice>
-    <mc:Fallback xmlns:p15="http://schemas.microsoft.com/office/powerpoint/2012/main" xmlns="">
-      <p:transition spd="slow"/>
-    </mc:Fallback>
-  </mc:AlternateContent>
 </p:sld>
 </file>
 
@@ -19946,14 +19899,6 @@
   <p:clrMapOvr>
     <a:masterClrMapping/>
   </p:clrMapOvr>
-  <mc:AlternateContent xmlns:mc="http://schemas.openxmlformats.org/markup-compatibility/2006" xmlns:p14="http://schemas.microsoft.com/office/powerpoint/2010/main">
-    <mc:Choice Requires="p14">
-      <p:transition spd="slow" p14:dur="2000"/>
-    </mc:Choice>
-    <mc:Fallback xmlns:p15="http://schemas.microsoft.com/office/powerpoint/2012/main" xmlns="">
-      <p:transition spd="slow"/>
-    </mc:Fallback>
-  </mc:AlternateContent>
 </p:sld>
 </file>
 
@@ -20055,7 +20000,7 @@
           <p:nvPr>
             <p:extLst>
               <p:ext uri="{D42A27DB-BD31-4B8C-83A1-F6EECF244321}">
-                <p14:modId xmlns:p14="http://schemas.microsoft.com/office/powerpoint/2010/main" val="804313651"/>
+                <p14:modId xmlns:p14="http://schemas.microsoft.com/office/powerpoint/2010/main" val="2537259926"/>
               </p:ext>
             </p:extLst>
           </p:nvPr>
@@ -20098,14 +20043,6 @@
   <p:clrMapOvr>
     <a:masterClrMapping/>
   </p:clrMapOvr>
-  <mc:AlternateContent xmlns:mc="http://schemas.openxmlformats.org/markup-compatibility/2006" xmlns:p14="http://schemas.microsoft.com/office/powerpoint/2010/main">
-    <mc:Choice Requires="p14">
-      <p:transition spd="slow" p14:dur="2000"/>
-    </mc:Choice>
-    <mc:Fallback xmlns:p15="http://schemas.microsoft.com/office/powerpoint/2012/main" xmlns="">
-      <p:transition spd="slow"/>
-    </mc:Fallback>
-  </mc:AlternateContent>
 </p:sld>
 </file>
 
@@ -20315,9 +20252,6 @@
               </a:rPr>
               <a:t>Support multiple root </a:t>
             </a:r>
-            <a:r>
-              <a:t/>
-            </a:r>
             <a:br/>
             <a:r>
               <a:rPr lang="ru-RU" sz="2800" b="1" strike="noStrike" spc="-1">
@@ -20454,14 +20388,6 @@
   <p:clrMapOvr>
     <a:masterClrMapping/>
   </p:clrMapOvr>
-  <mc:AlternateContent xmlns:mc="http://schemas.openxmlformats.org/markup-compatibility/2006" xmlns:p14="http://schemas.microsoft.com/office/powerpoint/2010/main">
-    <mc:Choice Requires="p14">
-      <p:transition spd="slow" p14:dur="2000"/>
-    </mc:Choice>
-    <mc:Fallback xmlns:p15="http://schemas.microsoft.com/office/powerpoint/2012/main" xmlns="">
-      <p:transition spd="slow"/>
-    </mc:Fallback>
-  </mc:AlternateContent>
 </p:sld>
 </file>
 
@@ -20564,7 +20490,7 @@
               </a:lnSpc>
             </a:pPr>
             <a:r>
-              <a:rPr lang="en-US" sz="4000" b="1" dirty="0" smtClean="0">
+              <a:rPr lang="en-US" sz="4000" b="1" dirty="0">
                 <a:solidFill>
                   <a:schemeClr val="bg2">
                     <a:lumMod val="50000"/>
@@ -20573,13 +20499,6 @@
               </a:rPr>
               <a:t>Advantage of DFS</a:t>
             </a:r>
-            <a:endParaRPr lang="en-US" sz="4000" b="1" dirty="0">
-              <a:solidFill>
-                <a:schemeClr val="bg2">
-                  <a:lumMod val="50000"/>
-                </a:schemeClr>
-              </a:solidFill>
-            </a:endParaRPr>
           </a:p>
         </p:txBody>
       </p:sp>
@@ -20625,7 +20544,7 @@
               <a:buChar char="•"/>
             </a:pPr>
             <a:r>
-              <a:rPr lang="en-US" dirty="0" smtClean="0">
+              <a:rPr lang="en-US" dirty="0">
                 <a:solidFill>
                   <a:schemeClr val="bg2">
                     <a:lumMod val="50000"/>
@@ -20650,7 +20569,7 @@
               <a:buChar char="•"/>
             </a:pPr>
             <a:r>
-              <a:rPr lang="en-US" dirty="0" smtClean="0">
+              <a:rPr lang="en-US" dirty="0">
                 <a:solidFill>
                   <a:schemeClr val="bg2">
                     <a:lumMod val="50000"/>
@@ -20675,7 +20594,7 @@
               <a:buChar char="•"/>
             </a:pPr>
             <a:r>
-              <a:rPr lang="en-US" dirty="0" smtClean="0">
+              <a:rPr lang="en-US" dirty="0">
                 <a:solidFill>
                   <a:schemeClr val="bg2">
                     <a:lumMod val="50000"/>
@@ -20700,7 +20619,7 @@
               <a:buChar char="•"/>
             </a:pPr>
             <a:r>
-              <a:rPr lang="en-US" dirty="0" smtClean="0">
+              <a:rPr lang="en-US" dirty="0">
                 <a:solidFill>
                   <a:schemeClr val="bg2">
                     <a:lumMod val="50000"/>
@@ -20725,7 +20644,7 @@
               <a:buChar char="•"/>
             </a:pPr>
             <a:r>
-              <a:rPr lang="en-US" dirty="0" smtClean="0">
+              <a:rPr lang="en-US" dirty="0">
                 <a:solidFill>
                   <a:schemeClr val="bg2">
                     <a:lumMod val="50000"/>
